--- a/Präsentation/Präsentation.pptx
+++ b/Präsentation/Präsentation.pptx
@@ -1,28 +1,460 @@
 
 <file path=ppt/presentation.xml><?xml version="1.0" encoding="utf-8"?>
-<p:presentation xmlns:a="http://schemas.openxmlformats.org/drawingml/2006/main" xmlns:p="http://schemas.openxmlformats.org/presentationml/2006/main" xmlns:r="http://schemas.openxmlformats.org/officeDocument/2006/relationships" xmlns:p14="http://schemas.microsoft.com/office/powerpoint/2010/main" xmlns:p15="http://schemas.microsoft.com/office/powerpoint/2012/main" xmlns:mc="http://schemas.openxmlformats.org/markup-compatibility/2006">
+<p:presentation xmlns:a="http://schemas.openxmlformats.org/drawingml/2006/main" xmlns:r="http://schemas.openxmlformats.org/officeDocument/2006/relationships" xmlns:p="http://schemas.openxmlformats.org/presentationml/2006/main">
   <p:sldMasterIdLst>
-    <p:sldMasterId id="2147483648" r:id="rId2"/>
-    <p:sldMasterId id="2147483661" r:id="rId3"/>
-    <p:sldMasterId id="2147483674" r:id="rId4"/>
+    <p:sldMasterId id="2147483648" r:id="rId1"/>
+    <p:sldMasterId id="2147483661" r:id="rId2"/>
+    <p:sldMasterId id="2147483674" r:id="rId3"/>
   </p:sldMasterIdLst>
   <p:notesMasterIdLst>
-    <p:notesMasterId r:id="rId5"/>
+    <p:notesMasterId r:id="rId9"/>
   </p:notesMasterIdLst>
   <p:sldIdLst>
-    <p:sldId id="256" r:id="rId6"/>
-    <p:sldId id="257" r:id="rId7"/>
-    <p:sldId id="258" r:id="rId8"/>
-    <p:sldId id="259" r:id="rId9"/>
-    <p:sldId id="260" r:id="rId10"/>
+    <p:sldId id="256" r:id="rId4"/>
+    <p:sldId id="257" r:id="rId5"/>
+    <p:sldId id="258" r:id="rId6"/>
+    <p:sldId id="259" r:id="rId7"/>
+    <p:sldId id="260" r:id="rId8"/>
   </p:sldIdLst>
-  <p:sldSz cx="9144000" cy="6858000"/>
-  <p:notesSz cx="6669087" cy="9928225"/>
+  <p:sldSz cx="9144000" cy="6858000" type="screen4x3"/>
+  <p:notesSz cx="6669088" cy="9928225"/>
+  <p:defaultTextStyle>
+    <a:defPPr>
+      <a:defRPr lang="de-DE"/>
+    </a:defPPr>
+    <a:lvl1pPr marL="0" algn="l" defTabSz="914400" rtl="0" eaLnBrk="1" latinLnBrk="0" hangingPunct="1">
+      <a:defRPr sz="1800" kern="1200">
+        <a:solidFill>
+          <a:schemeClr val="tx1"/>
+        </a:solidFill>
+        <a:latin typeface="+mn-lt"/>
+        <a:ea typeface="+mn-ea"/>
+        <a:cs typeface="+mn-cs"/>
+      </a:defRPr>
+    </a:lvl1pPr>
+    <a:lvl2pPr marL="457200" algn="l" defTabSz="914400" rtl="0" eaLnBrk="1" latinLnBrk="0" hangingPunct="1">
+      <a:defRPr sz="1800" kern="1200">
+        <a:solidFill>
+          <a:schemeClr val="tx1"/>
+        </a:solidFill>
+        <a:latin typeface="+mn-lt"/>
+        <a:ea typeface="+mn-ea"/>
+        <a:cs typeface="+mn-cs"/>
+      </a:defRPr>
+    </a:lvl2pPr>
+    <a:lvl3pPr marL="914400" algn="l" defTabSz="914400" rtl="0" eaLnBrk="1" latinLnBrk="0" hangingPunct="1">
+      <a:defRPr sz="1800" kern="1200">
+        <a:solidFill>
+          <a:schemeClr val="tx1"/>
+        </a:solidFill>
+        <a:latin typeface="+mn-lt"/>
+        <a:ea typeface="+mn-ea"/>
+        <a:cs typeface="+mn-cs"/>
+      </a:defRPr>
+    </a:lvl3pPr>
+    <a:lvl4pPr marL="1371600" algn="l" defTabSz="914400" rtl="0" eaLnBrk="1" latinLnBrk="0" hangingPunct="1">
+      <a:defRPr sz="1800" kern="1200">
+        <a:solidFill>
+          <a:schemeClr val="tx1"/>
+        </a:solidFill>
+        <a:latin typeface="+mn-lt"/>
+        <a:ea typeface="+mn-ea"/>
+        <a:cs typeface="+mn-cs"/>
+      </a:defRPr>
+    </a:lvl4pPr>
+    <a:lvl5pPr marL="1828800" algn="l" defTabSz="914400" rtl="0" eaLnBrk="1" latinLnBrk="0" hangingPunct="1">
+      <a:defRPr sz="1800" kern="1200">
+        <a:solidFill>
+          <a:schemeClr val="tx1"/>
+        </a:solidFill>
+        <a:latin typeface="+mn-lt"/>
+        <a:ea typeface="+mn-ea"/>
+        <a:cs typeface="+mn-cs"/>
+      </a:defRPr>
+    </a:lvl5pPr>
+    <a:lvl6pPr marL="2286000" algn="l" defTabSz="914400" rtl="0" eaLnBrk="1" latinLnBrk="0" hangingPunct="1">
+      <a:defRPr sz="1800" kern="1200">
+        <a:solidFill>
+          <a:schemeClr val="tx1"/>
+        </a:solidFill>
+        <a:latin typeface="+mn-lt"/>
+        <a:ea typeface="+mn-ea"/>
+        <a:cs typeface="+mn-cs"/>
+      </a:defRPr>
+    </a:lvl6pPr>
+    <a:lvl7pPr marL="2743200" algn="l" defTabSz="914400" rtl="0" eaLnBrk="1" latinLnBrk="0" hangingPunct="1">
+      <a:defRPr sz="1800" kern="1200">
+        <a:solidFill>
+          <a:schemeClr val="tx1"/>
+        </a:solidFill>
+        <a:latin typeface="+mn-lt"/>
+        <a:ea typeface="+mn-ea"/>
+        <a:cs typeface="+mn-cs"/>
+      </a:defRPr>
+    </a:lvl7pPr>
+    <a:lvl8pPr marL="3200400" algn="l" defTabSz="914400" rtl="0" eaLnBrk="1" latinLnBrk="0" hangingPunct="1">
+      <a:defRPr sz="1800" kern="1200">
+        <a:solidFill>
+          <a:schemeClr val="tx1"/>
+        </a:solidFill>
+        <a:latin typeface="+mn-lt"/>
+        <a:ea typeface="+mn-ea"/>
+        <a:cs typeface="+mn-cs"/>
+      </a:defRPr>
+    </a:lvl8pPr>
+    <a:lvl9pPr marL="3657600" algn="l" defTabSz="914400" rtl="0" eaLnBrk="1" latinLnBrk="0" hangingPunct="1">
+      <a:defRPr sz="1800" kern="1200">
+        <a:solidFill>
+          <a:schemeClr val="tx1"/>
+        </a:solidFill>
+        <a:latin typeface="+mn-lt"/>
+        <a:ea typeface="+mn-ea"/>
+        <a:cs typeface="+mn-cs"/>
+      </a:defRPr>
+    </a:lvl9pPr>
+  </p:defaultTextStyle>
 </p:presentation>
 </file>
 
+<file path=ppt/revisionInfo.xml><?xml version="1.0" encoding="utf-8"?>
+<p1510:revInfo xmlns:a="http://schemas.openxmlformats.org/drawingml/2006/main" xmlns:r="http://schemas.openxmlformats.org/officeDocument/2006/relationships" xmlns:p1510="http://schemas.microsoft.com/office/powerpoint/2015/10/main"/>
+</file>
+
 <file path=ppt/notesMasters/notesMaster1.xml><?xml version="1.0" encoding="utf-8"?>
-<p:notesMaster xmlns:a="http://schemas.openxmlformats.org/drawingml/2006/main" xmlns:p="http://schemas.openxmlformats.org/presentationml/2006/main" xmlns:r="http://schemas.openxmlformats.org/officeDocument/2006/relationships" xmlns:p14="http://schemas.microsoft.com/office/powerpoint/2010/main" xmlns:p15="http://schemas.microsoft.com/office/powerpoint/2012/main" xmlns:mc="http://schemas.openxmlformats.org/markup-compatibility/2006">
+<p:notesMaster xmlns:a="http://schemas.openxmlformats.org/drawingml/2006/main" xmlns:r="http://schemas.openxmlformats.org/officeDocument/2006/relationships" xmlns:p="http://schemas.openxmlformats.org/presentationml/2006/main">
+  <p:cSld>
+    <p:bg>
+      <p:bgRef idx="1001">
+        <a:schemeClr val="bg1"/>
+      </p:bgRef>
+    </p:bg>
+    <p:spTree>
+      <p:nvGrpSpPr>
+        <p:cNvPr id="1" name=""/>
+        <p:cNvGrpSpPr/>
+        <p:nvPr/>
+      </p:nvGrpSpPr>
+      <p:grpSpPr>
+        <a:xfrm>
+          <a:off x="0" y="0"/>
+          <a:ext cx="0" cy="0"/>
+          <a:chOff x="0" y="0"/>
+          <a:chExt cx="0" cy="0"/>
+        </a:xfrm>
+      </p:grpSpPr>
+      <p:sp>
+        <p:nvSpPr>
+          <p:cNvPr id="135" name="PlaceHolder 1"/>
+          <p:cNvSpPr>
+            <a:spLocks noGrp="1"/>
+          </p:cNvSpPr>
+          <p:nvPr>
+            <p:ph type="body"/>
+          </p:nvPr>
+        </p:nvSpPr>
+        <p:spPr>
+          <a:xfrm>
+            <a:off x="756000" y="5078520"/>
+            <a:ext cx="6047640" cy="4811040"/>
+          </a:xfrm>
+          <a:prstGeom prst="rect">
+            <a:avLst/>
+          </a:prstGeom>
+        </p:spPr>
+        <p:txBody>
+          <a:bodyPr lIns="0" tIns="0" rIns="0" bIns="0"/>
+          <a:lstStyle/>
+          <a:p>
+            <a:r>
+              <a:rPr lang="de-DE" sz="2000" b="0" strike="noStrike" spc="-1">
+                <a:solidFill>
+                  <a:srgbClr val="000000"/>
+                </a:solidFill>
+                <a:uFill>
+                  <a:solidFill>
+                    <a:srgbClr val="FFFFFF"/>
+                  </a:solidFill>
+                </a:uFill>
+                <a:latin typeface="Arial"/>
+              </a:rPr>
+              <a:t>Format der Notizen mittels Klicken bearbeiten</a:t>
+            </a:r>
+          </a:p>
+        </p:txBody>
+      </p:sp>
+      <p:sp>
+        <p:nvSpPr>
+          <p:cNvPr id="136" name="PlaceHolder 2"/>
+          <p:cNvSpPr>
+            <a:spLocks noGrp="1"/>
+          </p:cNvSpPr>
+          <p:nvPr>
+            <p:ph type="hdr"/>
+          </p:nvPr>
+        </p:nvSpPr>
+        <p:spPr>
+          <a:xfrm>
+            <a:off x="0" y="0"/>
+            <a:ext cx="3280680" cy="534240"/>
+          </a:xfrm>
+          <a:prstGeom prst="rect">
+            <a:avLst/>
+          </a:prstGeom>
+        </p:spPr>
+        <p:txBody>
+          <a:bodyPr lIns="0" tIns="0" rIns="0" bIns="0"/>
+          <a:lstStyle/>
+          <a:p>
+            <a:r>
+              <a:rPr lang="de-DE" sz="1400" b="0" strike="noStrike" spc="-1">
+                <a:solidFill>
+                  <a:srgbClr val="000000"/>
+                </a:solidFill>
+                <a:uFill>
+                  <a:solidFill>
+                    <a:srgbClr val="FFFFFF"/>
+                  </a:solidFill>
+                </a:uFill>
+                <a:latin typeface="Times New Roman"/>
+              </a:rPr>
+              <a:t> </a:t>
+            </a:r>
+          </a:p>
+        </p:txBody>
+      </p:sp>
+      <p:sp>
+        <p:nvSpPr>
+          <p:cNvPr id="137" name="PlaceHolder 3"/>
+          <p:cNvSpPr>
+            <a:spLocks noGrp="1"/>
+          </p:cNvSpPr>
+          <p:nvPr>
+            <p:ph type="dt"/>
+          </p:nvPr>
+        </p:nvSpPr>
+        <p:spPr>
+          <a:xfrm>
+            <a:off x="4278960" y="0"/>
+            <a:ext cx="3280680" cy="534240"/>
+          </a:xfrm>
+          <a:prstGeom prst="rect">
+            <a:avLst/>
+          </a:prstGeom>
+        </p:spPr>
+        <p:txBody>
+          <a:bodyPr lIns="0" tIns="0" rIns="0" bIns="0"/>
+          <a:lstStyle/>
+          <a:p>
+            <a:pPr algn="r"/>
+            <a:r>
+              <a:rPr lang="de-DE" sz="1400" b="0" strike="noStrike" spc="-1">
+                <a:solidFill>
+                  <a:srgbClr val="000000"/>
+                </a:solidFill>
+                <a:uFill>
+                  <a:solidFill>
+                    <a:srgbClr val="FFFFFF"/>
+                  </a:solidFill>
+                </a:uFill>
+                <a:latin typeface="Times New Roman"/>
+              </a:rPr>
+              <a:t> </a:t>
+            </a:r>
+          </a:p>
+        </p:txBody>
+      </p:sp>
+      <p:sp>
+        <p:nvSpPr>
+          <p:cNvPr id="138" name="PlaceHolder 4"/>
+          <p:cNvSpPr>
+            <a:spLocks noGrp="1"/>
+          </p:cNvSpPr>
+          <p:nvPr>
+            <p:ph type="ftr"/>
+          </p:nvPr>
+        </p:nvSpPr>
+        <p:spPr>
+          <a:xfrm>
+            <a:off x="0" y="10157400"/>
+            <a:ext cx="3280680" cy="534240"/>
+          </a:xfrm>
+          <a:prstGeom prst="rect">
+            <a:avLst/>
+          </a:prstGeom>
+        </p:spPr>
+        <p:txBody>
+          <a:bodyPr lIns="0" tIns="0" rIns="0" bIns="0" anchor="b"/>
+          <a:lstStyle/>
+          <a:p>
+            <a:r>
+              <a:rPr lang="de-DE" sz="1400" b="0" strike="noStrike" spc="-1">
+                <a:solidFill>
+                  <a:srgbClr val="000000"/>
+                </a:solidFill>
+                <a:uFill>
+                  <a:solidFill>
+                    <a:srgbClr val="FFFFFF"/>
+                  </a:solidFill>
+                </a:uFill>
+                <a:latin typeface="Times New Roman"/>
+              </a:rPr>
+              <a:t> </a:t>
+            </a:r>
+          </a:p>
+        </p:txBody>
+      </p:sp>
+      <p:sp>
+        <p:nvSpPr>
+          <p:cNvPr id="139" name="PlaceHolder 5"/>
+          <p:cNvSpPr>
+            <a:spLocks noGrp="1"/>
+          </p:cNvSpPr>
+          <p:nvPr>
+            <p:ph type="sldNum"/>
+          </p:nvPr>
+        </p:nvSpPr>
+        <p:spPr>
+          <a:xfrm>
+            <a:off x="4278960" y="10157400"/>
+            <a:ext cx="3280680" cy="534240"/>
+          </a:xfrm>
+          <a:prstGeom prst="rect">
+            <a:avLst/>
+          </a:prstGeom>
+        </p:spPr>
+        <p:txBody>
+          <a:bodyPr lIns="0" tIns="0" rIns="0" bIns="0" anchor="b"/>
+          <a:lstStyle/>
+          <a:p>
+            <a:pPr algn="r"/>
+            <a:fld id="{CFF14BFF-96D5-4DDE-B115-254680B01A61}" type="slidenum">
+              <a:rPr lang="de-DE" sz="1400" b="0" strike="noStrike" spc="-1">
+                <a:solidFill>
+                  <a:srgbClr val="000000"/>
+                </a:solidFill>
+                <a:uFill>
+                  <a:solidFill>
+                    <a:srgbClr val="FFFFFF"/>
+                  </a:solidFill>
+                </a:uFill>
+                <a:latin typeface="Times New Roman"/>
+              </a:rPr>
+              <a:t>‹Nr.›</a:t>
+            </a:fld>
+            <a:endParaRPr lang="de-DE" sz="1400" b="0" strike="noStrike" spc="-1">
+              <a:solidFill>
+                <a:srgbClr val="000000"/>
+              </a:solidFill>
+              <a:uFill>
+                <a:solidFill>
+                  <a:srgbClr val="FFFFFF"/>
+                </a:solidFill>
+              </a:uFill>
+              <a:latin typeface="Times New Roman"/>
+            </a:endParaRPr>
+          </a:p>
+        </p:txBody>
+      </p:sp>
+    </p:spTree>
+  </p:cSld>
+  <p:clrMap bg1="lt1" tx1="dk1" bg2="lt2" tx2="dk2" accent1="accent1" accent2="accent2" accent3="accent3" accent4="accent4" accent5="accent5" accent6="accent6" hlink="hlink" folHlink="folHlink"/>
+  <p:notesStyle>
+    <a:lvl1pPr marL="0" algn="l" defTabSz="914400" rtl="0" eaLnBrk="1" latinLnBrk="0" hangingPunct="1">
+      <a:defRPr sz="1200" kern="1200">
+        <a:solidFill>
+          <a:schemeClr val="tx1"/>
+        </a:solidFill>
+        <a:latin typeface="+mn-lt"/>
+        <a:ea typeface="+mn-ea"/>
+        <a:cs typeface="+mn-cs"/>
+      </a:defRPr>
+    </a:lvl1pPr>
+    <a:lvl2pPr marL="457200" algn="l" defTabSz="914400" rtl="0" eaLnBrk="1" latinLnBrk="0" hangingPunct="1">
+      <a:defRPr sz="1200" kern="1200">
+        <a:solidFill>
+          <a:schemeClr val="tx1"/>
+        </a:solidFill>
+        <a:latin typeface="+mn-lt"/>
+        <a:ea typeface="+mn-ea"/>
+        <a:cs typeface="+mn-cs"/>
+      </a:defRPr>
+    </a:lvl2pPr>
+    <a:lvl3pPr marL="914400" algn="l" defTabSz="914400" rtl="0" eaLnBrk="1" latinLnBrk="0" hangingPunct="1">
+      <a:defRPr sz="1200" kern="1200">
+        <a:solidFill>
+          <a:schemeClr val="tx1"/>
+        </a:solidFill>
+        <a:latin typeface="+mn-lt"/>
+        <a:ea typeface="+mn-ea"/>
+        <a:cs typeface="+mn-cs"/>
+      </a:defRPr>
+    </a:lvl3pPr>
+    <a:lvl4pPr marL="1371600" algn="l" defTabSz="914400" rtl="0" eaLnBrk="1" latinLnBrk="0" hangingPunct="1">
+      <a:defRPr sz="1200" kern="1200">
+        <a:solidFill>
+          <a:schemeClr val="tx1"/>
+        </a:solidFill>
+        <a:latin typeface="+mn-lt"/>
+        <a:ea typeface="+mn-ea"/>
+        <a:cs typeface="+mn-cs"/>
+      </a:defRPr>
+    </a:lvl4pPr>
+    <a:lvl5pPr marL="1828800" algn="l" defTabSz="914400" rtl="0" eaLnBrk="1" latinLnBrk="0" hangingPunct="1">
+      <a:defRPr sz="1200" kern="1200">
+        <a:solidFill>
+          <a:schemeClr val="tx1"/>
+        </a:solidFill>
+        <a:latin typeface="+mn-lt"/>
+        <a:ea typeface="+mn-ea"/>
+        <a:cs typeface="+mn-cs"/>
+      </a:defRPr>
+    </a:lvl5pPr>
+    <a:lvl6pPr marL="2286000" algn="l" defTabSz="914400" rtl="0" eaLnBrk="1" latinLnBrk="0" hangingPunct="1">
+      <a:defRPr sz="1200" kern="1200">
+        <a:solidFill>
+          <a:schemeClr val="tx1"/>
+        </a:solidFill>
+        <a:latin typeface="+mn-lt"/>
+        <a:ea typeface="+mn-ea"/>
+        <a:cs typeface="+mn-cs"/>
+      </a:defRPr>
+    </a:lvl6pPr>
+    <a:lvl7pPr marL="2743200" algn="l" defTabSz="914400" rtl="0" eaLnBrk="1" latinLnBrk="0" hangingPunct="1">
+      <a:defRPr sz="1200" kern="1200">
+        <a:solidFill>
+          <a:schemeClr val="tx1"/>
+        </a:solidFill>
+        <a:latin typeface="+mn-lt"/>
+        <a:ea typeface="+mn-ea"/>
+        <a:cs typeface="+mn-cs"/>
+      </a:defRPr>
+    </a:lvl7pPr>
+    <a:lvl8pPr marL="3200400" algn="l" defTabSz="914400" rtl="0" eaLnBrk="1" latinLnBrk="0" hangingPunct="1">
+      <a:defRPr sz="1200" kern="1200">
+        <a:solidFill>
+          <a:schemeClr val="tx1"/>
+        </a:solidFill>
+        <a:latin typeface="+mn-lt"/>
+        <a:ea typeface="+mn-ea"/>
+        <a:cs typeface="+mn-cs"/>
+      </a:defRPr>
+    </a:lvl8pPr>
+    <a:lvl9pPr marL="3657600" algn="l" defTabSz="914400" rtl="0" eaLnBrk="1" latinLnBrk="0" hangingPunct="1">
+      <a:defRPr sz="1200" kern="1200">
+        <a:solidFill>
+          <a:schemeClr val="tx1"/>
+        </a:solidFill>
+        <a:latin typeface="+mn-lt"/>
+        <a:ea typeface="+mn-ea"/>
+        <a:cs typeface="+mn-cs"/>
+      </a:defRPr>
+    </a:lvl9pPr>
+  </p:notesStyle>
+</p:notesMaster>
+</file>
+
+<file path=ppt/notesSlides/notesSlide1.xml><?xml version="1.0" encoding="utf-8"?>
+<p:notes xmlns:a="http://schemas.openxmlformats.org/drawingml/2006/main" xmlns:r="http://schemas.openxmlformats.org/officeDocument/2006/relationships" xmlns:p="http://schemas.openxmlformats.org/presentationml/2006/main">
   <p:cSld>
     <p:spTree>
       <p:nvGrpSpPr>
@@ -40,7 +472,64 @@
       </p:grpSpPr>
       <p:sp>
         <p:nvSpPr>
-          <p:cNvPr id="135" name="PlaceHolder 1"/>
+          <p:cNvPr id="158" name="TextShape 1"/>
+          <p:cNvSpPr txBox="1"/>
+          <p:nvPr/>
+        </p:nvSpPr>
+        <p:spPr>
+          <a:xfrm>
+            <a:off x="3780000" y="9431280"/>
+            <a:ext cx="2889000" cy="496440"/>
+          </a:xfrm>
+          <a:prstGeom prst="rect">
+            <a:avLst/>
+          </a:prstGeom>
+          <a:noFill/>
+          <a:ln>
+            <a:noFill/>
+          </a:ln>
+        </p:spPr>
+        <p:txBody>
+          <a:bodyPr anchor="b"/>
+          <a:lstStyle/>
+          <a:p>
+            <a:pPr algn="r">
+              <a:lnSpc>
+                <a:spcPct val="100000"/>
+              </a:lnSpc>
+            </a:pPr>
+            <a:fld id="{0C10EEA5-D596-4851-BC91-6F4505894310}" type="slidenum">
+              <a:rPr lang="de-DE" sz="1200" b="0" strike="noStrike" spc="-1">
+                <a:solidFill>
+                  <a:srgbClr val="000000"/>
+                </a:solidFill>
+                <a:uFill>
+                  <a:solidFill>
+                    <a:srgbClr val="FFFFFF"/>
+                  </a:solidFill>
+                </a:uFill>
+                <a:latin typeface="Times New Roman"/>
+                <a:ea typeface="Times New Roman"/>
+              </a:rPr>
+              <a:t>1</a:t>
+            </a:fld>
+            <a:endParaRPr lang="de-DE" sz="1400" b="0" strike="noStrike" spc="-1">
+              <a:solidFill>
+                <a:srgbClr val="000000"/>
+              </a:solidFill>
+              <a:uFill>
+                <a:solidFill>
+                  <a:srgbClr val="FFFFFF"/>
+                </a:solidFill>
+              </a:uFill>
+              <a:latin typeface="Times New Roman"/>
+            </a:endParaRPr>
+          </a:p>
+        </p:txBody>
+      </p:sp>
+      <p:sp>
+        <p:nvSpPr>
+          <p:cNvPr id="159" name="PlaceHolder 2"/>
           <p:cNvSpPr>
             <a:spLocks noGrp="1"/>
           </p:cNvSpPr>
@@ -50,254 +539,41 @@
         </p:nvSpPr>
         <p:spPr>
           <a:xfrm>
-            <a:off x="756000" y="5078520"/>
-            <a:ext cx="6047640" cy="4811040"/>
-          </a:xfrm>
-          <a:prstGeom prst="rect">
-            <a:avLst/>
-          </a:prstGeom>
-        </p:spPr>
-        <p:txBody>
-          <a:bodyPr lIns="0" rIns="0" tIns="0" bIns="0"/>
-          <a:p>
-            <a:r>
-              <a:rPr b="0" lang="de-DE" sz="2000" spc="-1" strike="noStrike">
-                <a:solidFill>
-                  <a:srgbClr val="000000"/>
-                </a:solidFill>
-                <a:uFill>
-                  <a:solidFill>
-                    <a:srgbClr val="ffffff"/>
-                  </a:solidFill>
-                </a:uFill>
-                <a:latin typeface="Arial"/>
-              </a:rPr>
-              <a:t>Format der Notizen mittels Klicken bearbeiten</a:t>
-            </a:r>
-            <a:endParaRPr b="0" lang="de-DE" sz="2000" spc="-1" strike="noStrike">
-              <a:solidFill>
-                <a:srgbClr val="000000"/>
-              </a:solidFill>
-              <a:uFill>
-                <a:solidFill>
-                  <a:srgbClr val="ffffff"/>
-                </a:solidFill>
-              </a:uFill>
-              <a:latin typeface="Arial"/>
-            </a:endParaRPr>
-          </a:p>
-        </p:txBody>
-      </p:sp>
-      <p:sp>
-        <p:nvSpPr>
-          <p:cNvPr id="136" name="PlaceHolder 2"/>
-          <p:cNvSpPr>
-            <a:spLocks noGrp="1"/>
-          </p:cNvSpPr>
-          <p:nvPr>
-            <p:ph type="hdr"/>
-          </p:nvPr>
-        </p:nvSpPr>
-        <p:spPr>
-          <a:xfrm>
-            <a:off x="0" y="0"/>
-            <a:ext cx="3280680" cy="534240"/>
-          </a:xfrm>
-          <a:prstGeom prst="rect">
-            <a:avLst/>
-          </a:prstGeom>
-        </p:spPr>
-        <p:txBody>
-          <a:bodyPr lIns="0" rIns="0" tIns="0" bIns="0"/>
-          <a:p>
-            <a:r>
-              <a:rPr b="0" lang="de-DE" sz="1400" spc="-1" strike="noStrike">
-                <a:solidFill>
-                  <a:srgbClr val="000000"/>
-                </a:solidFill>
-                <a:uFill>
-                  <a:solidFill>
-                    <a:srgbClr val="ffffff"/>
-                  </a:solidFill>
-                </a:uFill>
-                <a:latin typeface="Times New Roman"/>
-              </a:rPr>
-              <a:t> </a:t>
-            </a:r>
-            <a:endParaRPr b="0" lang="de-DE" sz="1400" spc="-1" strike="noStrike">
-              <a:solidFill>
-                <a:srgbClr val="000000"/>
-              </a:solidFill>
-              <a:uFill>
-                <a:solidFill>
-                  <a:srgbClr val="ffffff"/>
-                </a:solidFill>
-              </a:uFill>
-              <a:latin typeface="Times New Roman"/>
-            </a:endParaRPr>
-          </a:p>
-        </p:txBody>
-      </p:sp>
-      <p:sp>
-        <p:nvSpPr>
-          <p:cNvPr id="137" name="PlaceHolder 3"/>
-          <p:cNvSpPr>
-            <a:spLocks noGrp="1"/>
-          </p:cNvSpPr>
-          <p:nvPr>
-            <p:ph type="dt"/>
-          </p:nvPr>
-        </p:nvSpPr>
-        <p:spPr>
-          <a:xfrm>
-            <a:off x="4278960" y="0"/>
-            <a:ext cx="3280680" cy="534240"/>
-          </a:xfrm>
-          <a:prstGeom prst="rect">
-            <a:avLst/>
-          </a:prstGeom>
-        </p:spPr>
-        <p:txBody>
-          <a:bodyPr lIns="0" rIns="0" tIns="0" bIns="0"/>
-          <a:p>
-            <a:pPr algn="r"/>
-            <a:r>
-              <a:rPr b="0" lang="de-DE" sz="1400" spc="-1" strike="noStrike">
-                <a:solidFill>
-                  <a:srgbClr val="000000"/>
-                </a:solidFill>
-                <a:uFill>
-                  <a:solidFill>
-                    <a:srgbClr val="ffffff"/>
-                  </a:solidFill>
-                </a:uFill>
-                <a:latin typeface="Times New Roman"/>
-              </a:rPr>
-              <a:t> </a:t>
-            </a:r>
-            <a:endParaRPr b="0" lang="de-DE" sz="1400" spc="-1" strike="noStrike">
-              <a:solidFill>
-                <a:srgbClr val="000000"/>
-              </a:solidFill>
-              <a:uFill>
-                <a:solidFill>
-                  <a:srgbClr val="ffffff"/>
-                </a:solidFill>
-              </a:uFill>
-              <a:latin typeface="Times New Roman"/>
-            </a:endParaRPr>
-          </a:p>
-        </p:txBody>
-      </p:sp>
-      <p:sp>
-        <p:nvSpPr>
-          <p:cNvPr id="138" name="PlaceHolder 4"/>
-          <p:cNvSpPr>
-            <a:spLocks noGrp="1"/>
-          </p:cNvSpPr>
-          <p:nvPr>
-            <p:ph type="ftr"/>
-          </p:nvPr>
-        </p:nvSpPr>
-        <p:spPr>
-          <a:xfrm>
-            <a:off x="0" y="10157400"/>
-            <a:ext cx="3280680" cy="534240"/>
-          </a:xfrm>
-          <a:prstGeom prst="rect">
-            <a:avLst/>
-          </a:prstGeom>
-        </p:spPr>
-        <p:txBody>
-          <a:bodyPr lIns="0" rIns="0" tIns="0" bIns="0" anchor="b"/>
-          <a:p>
-            <a:r>
-              <a:rPr b="0" lang="de-DE" sz="1400" spc="-1" strike="noStrike">
-                <a:solidFill>
-                  <a:srgbClr val="000000"/>
-                </a:solidFill>
-                <a:uFill>
-                  <a:solidFill>
-                    <a:srgbClr val="ffffff"/>
-                  </a:solidFill>
-                </a:uFill>
-                <a:latin typeface="Times New Roman"/>
-              </a:rPr>
-              <a:t> </a:t>
-            </a:r>
-            <a:endParaRPr b="0" lang="de-DE" sz="1400" spc="-1" strike="noStrike">
-              <a:solidFill>
-                <a:srgbClr val="000000"/>
-              </a:solidFill>
-              <a:uFill>
-                <a:solidFill>
-                  <a:srgbClr val="ffffff"/>
-                </a:solidFill>
-              </a:uFill>
-              <a:latin typeface="Times New Roman"/>
-            </a:endParaRPr>
-          </a:p>
-        </p:txBody>
-      </p:sp>
-      <p:sp>
-        <p:nvSpPr>
-          <p:cNvPr id="139" name="PlaceHolder 5"/>
-          <p:cNvSpPr>
-            <a:spLocks noGrp="1"/>
-          </p:cNvSpPr>
-          <p:nvPr>
-            <p:ph type="sldNum"/>
-          </p:nvPr>
-        </p:nvSpPr>
-        <p:spPr>
-          <a:xfrm>
-            <a:off x="4278960" y="10157400"/>
-            <a:ext cx="3280680" cy="534240"/>
-          </a:xfrm>
-          <a:prstGeom prst="rect">
-            <a:avLst/>
-          </a:prstGeom>
-        </p:spPr>
-        <p:txBody>
-          <a:bodyPr lIns="0" rIns="0" tIns="0" bIns="0" anchor="b"/>
-          <a:p>
-            <a:pPr algn="r"/>
-            <a:fld id="{CFF14BFF-96D5-4DDE-B115-254680B01A61}" type="slidenum">
-              <a:rPr b="0" lang="de-DE" sz="1400" spc="-1" strike="noStrike">
-                <a:solidFill>
-                  <a:srgbClr val="000000"/>
-                </a:solidFill>
-                <a:uFill>
-                  <a:solidFill>
-                    <a:srgbClr val="ffffff"/>
-                  </a:solidFill>
-                </a:uFill>
-                <a:latin typeface="Times New Roman"/>
-              </a:rPr>
-              <a:t>1</a:t>
-            </a:fld>
-            <a:endParaRPr b="0" lang="de-DE" sz="1400" spc="-1" strike="noStrike">
-              <a:solidFill>
-                <a:srgbClr val="000000"/>
-              </a:solidFill>
-              <a:uFill>
-                <a:solidFill>
-                  <a:srgbClr val="ffffff"/>
-                </a:solidFill>
-              </a:uFill>
-              <a:latin typeface="Times New Roman"/>
+            <a:off x="888840" y="4716360"/>
+            <a:ext cx="4890600" cy="4466880"/>
+          </a:xfrm>
+          <a:prstGeom prst="rect">
+            <a:avLst/>
+          </a:prstGeom>
+        </p:spPr>
+        <p:txBody>
+          <a:bodyPr/>
+          <a:lstStyle/>
+          <a:p>
+            <a:endParaRPr lang="de-DE" sz="2000" b="0" strike="noStrike" spc="-1">
+              <a:solidFill>
+                <a:srgbClr val="000000"/>
+              </a:solidFill>
+              <a:uFill>
+                <a:solidFill>
+                  <a:srgbClr val="FFFFFF"/>
+                </a:solidFill>
+              </a:uFill>
+              <a:latin typeface="Arial"/>
             </a:endParaRPr>
           </a:p>
         </p:txBody>
       </p:sp>
     </p:spTree>
   </p:cSld>
-  <p:clrMap bg1="lt1" bg2="lt2" tx1="dk1" tx2="dk2" accent1="accent1" accent2="accent2" accent3="accent3" accent4="accent4" accent5="accent5" accent6="accent6" hlink="hlink" folHlink="folHlink"/>
-</p:notesMaster>
+  <p:clrMapOvr>
+    <a:masterClrMapping/>
+  </p:clrMapOvr>
+</p:notes>
 </file>
 
-<file path=ppt/notesSlides/notesSlide1.xml><?xml version="1.0" encoding="utf-8"?>
-<p:notes xmlns:a="http://schemas.openxmlformats.org/drawingml/2006/main" xmlns:p="http://schemas.openxmlformats.org/presentationml/2006/main" xmlns:r="http://schemas.openxmlformats.org/officeDocument/2006/relationships" xmlns:p14="http://schemas.microsoft.com/office/powerpoint/2010/main" xmlns:p15="http://schemas.microsoft.com/office/powerpoint/2012/main" xmlns:mc="http://schemas.openxmlformats.org/markup-compatibility/2006">
+<file path=ppt/notesSlides/notesSlide2.xml><?xml version="1.0" encoding="utf-8"?>
+<p:notes xmlns:a="http://schemas.openxmlformats.org/drawingml/2006/main" xmlns:r="http://schemas.openxmlformats.org/officeDocument/2006/relationships" xmlns:p="http://schemas.openxmlformats.org/presentationml/2006/main">
   <p:cSld>
     <p:spTree>
       <p:nvGrpSpPr>
@@ -315,63 +591,7 @@
       </p:grpSpPr>
       <p:sp>
         <p:nvSpPr>
-          <p:cNvPr id="158" name="TextShape 1"/>
-          <p:cNvSpPr txBox="1"/>
-          <p:nvPr/>
-        </p:nvSpPr>
-        <p:spPr>
-          <a:xfrm>
-            <a:off x="3780000" y="9431280"/>
-            <a:ext cx="2889000" cy="496440"/>
-          </a:xfrm>
-          <a:prstGeom prst="rect">
-            <a:avLst/>
-          </a:prstGeom>
-          <a:noFill/>
-          <a:ln>
-            <a:noFill/>
-          </a:ln>
-        </p:spPr>
-        <p:txBody>
-          <a:bodyPr anchor="b"/>
-          <a:p>
-            <a:pPr algn="r">
-              <a:lnSpc>
-                <a:spcPct val="100000"/>
-              </a:lnSpc>
-            </a:pPr>
-            <a:fld id="{0C10EEA5-D596-4851-BC91-6F4505894310}" type="slidenum">
-              <a:rPr b="0" lang="de-DE" sz="1200" spc="-1" strike="noStrike">
-                <a:solidFill>
-                  <a:srgbClr val="000000"/>
-                </a:solidFill>
-                <a:uFill>
-                  <a:solidFill>
-                    <a:srgbClr val="ffffff"/>
-                  </a:solidFill>
-                </a:uFill>
-                <a:latin typeface="Times New Roman"/>
-                <a:ea typeface="Times New Roman"/>
-              </a:rPr>
-              <a:t>1</a:t>
-            </a:fld>
-            <a:endParaRPr b="0" lang="de-DE" sz="1400" spc="-1" strike="noStrike">
-              <a:solidFill>
-                <a:srgbClr val="000000"/>
-              </a:solidFill>
-              <a:uFill>
-                <a:solidFill>
-                  <a:srgbClr val="ffffff"/>
-                </a:solidFill>
-              </a:uFill>
-              <a:latin typeface="Times New Roman"/>
-            </a:endParaRPr>
-          </a:p>
-        </p:txBody>
-      </p:sp>
-      <p:sp>
-        <p:nvSpPr>
-          <p:cNvPr id="159" name="PlaceHolder 2"/>
+          <p:cNvPr id="160" name="PlaceHolder 1"/>
           <p:cNvSpPr>
             <a:spLocks noGrp="1"/>
           </p:cNvSpPr>
@@ -382,36 +602,96 @@
         <p:spPr>
           <a:xfrm>
             <a:off x="888840" y="4716360"/>
-            <a:ext cx="4890600" cy="4466880"/>
-          </a:xfrm>
-          <a:prstGeom prst="rect">
-            <a:avLst/>
-          </a:prstGeom>
-        </p:spPr>
-        <p:txBody>
-          <a:bodyPr/>
-          <a:p>
-            <a:endParaRPr b="0" lang="de-DE" sz="2000" spc="-1" strike="noStrike">
-              <a:solidFill>
-                <a:srgbClr val="000000"/>
-              </a:solidFill>
-              <a:uFill>
-                <a:solidFill>
-                  <a:srgbClr val="ffffff"/>
-                </a:solidFill>
-              </a:uFill>
-              <a:latin typeface="Arial"/>
+            <a:ext cx="4890960" cy="4466880"/>
+          </a:xfrm>
+          <a:prstGeom prst="rect">
+            <a:avLst/>
+          </a:prstGeom>
+        </p:spPr>
+        <p:txBody>
+          <a:bodyPr tIns="91440" bIns="91440"/>
+          <a:lstStyle/>
+          <a:p>
+            <a:endParaRPr lang="de-DE" sz="2000" b="0" strike="noStrike" spc="-1">
+              <a:solidFill>
+                <a:srgbClr val="000000"/>
+              </a:solidFill>
+              <a:uFill>
+                <a:solidFill>
+                  <a:srgbClr val="FFFFFF"/>
+                </a:solidFill>
+              </a:uFill>
+              <a:latin typeface="Arial"/>
+            </a:endParaRPr>
+          </a:p>
+        </p:txBody>
+      </p:sp>
+      <p:sp>
+        <p:nvSpPr>
+          <p:cNvPr id="161" name="TextShape 2"/>
+          <p:cNvSpPr txBox="1"/>
+          <p:nvPr/>
+        </p:nvSpPr>
+        <p:spPr>
+          <a:xfrm>
+            <a:off x="3780000" y="9431280"/>
+            <a:ext cx="2889000" cy="496440"/>
+          </a:xfrm>
+          <a:prstGeom prst="rect">
+            <a:avLst/>
+          </a:prstGeom>
+          <a:noFill/>
+          <a:ln>
+            <a:noFill/>
+          </a:ln>
+        </p:spPr>
+        <p:txBody>
+          <a:bodyPr anchor="b"/>
+          <a:lstStyle/>
+          <a:p>
+            <a:pPr>
+              <a:lnSpc>
+                <a:spcPct val="100000"/>
+              </a:lnSpc>
+            </a:pPr>
+            <a:fld id="{A161A363-DD5D-4A6B-A394-3E229FCF646D}" type="slidenum">
+              <a:rPr lang="de-DE" sz="1400" b="0" strike="noStrike" spc="-1">
+                <a:solidFill>
+                  <a:srgbClr val="000000"/>
+                </a:solidFill>
+                <a:uFill>
+                  <a:solidFill>
+                    <a:srgbClr val="FFFFFF"/>
+                  </a:solidFill>
+                </a:uFill>
+                <a:latin typeface="Times New Roman"/>
+              </a:rPr>
+              <a:t>2</a:t>
+            </a:fld>
+            <a:endParaRPr lang="de-DE" sz="1400" b="0" strike="noStrike" spc="-1">
+              <a:solidFill>
+                <a:srgbClr val="000000"/>
+              </a:solidFill>
+              <a:uFill>
+                <a:solidFill>
+                  <a:srgbClr val="FFFFFF"/>
+                </a:solidFill>
+              </a:uFill>
+              <a:latin typeface="Times New Roman"/>
             </a:endParaRPr>
           </a:p>
         </p:txBody>
       </p:sp>
     </p:spTree>
   </p:cSld>
+  <p:clrMapOvr>
+    <a:masterClrMapping/>
+  </p:clrMapOvr>
 </p:notes>
 </file>
 
-<file path=ppt/notesSlides/notesSlide2.xml><?xml version="1.0" encoding="utf-8"?>
-<p:notes xmlns:a="http://schemas.openxmlformats.org/drawingml/2006/main" xmlns:p="http://schemas.openxmlformats.org/presentationml/2006/main" xmlns:r="http://schemas.openxmlformats.org/officeDocument/2006/relationships" xmlns:p14="http://schemas.microsoft.com/office/powerpoint/2010/main" xmlns:p15="http://schemas.microsoft.com/office/powerpoint/2012/main" xmlns:mc="http://schemas.openxmlformats.org/markup-compatibility/2006">
+<file path=ppt/notesSlides/notesSlide3.xml><?xml version="1.0" encoding="utf-8"?>
+<p:notes xmlns:a="http://schemas.openxmlformats.org/drawingml/2006/main" xmlns:r="http://schemas.openxmlformats.org/officeDocument/2006/relationships" xmlns:p="http://schemas.openxmlformats.org/presentationml/2006/main">
   <p:cSld>
     <p:spTree>
       <p:nvGrpSpPr>
@@ -429,7 +709,7 @@
       </p:grpSpPr>
       <p:sp>
         <p:nvSpPr>
-          <p:cNvPr id="160" name="PlaceHolder 1"/>
+          <p:cNvPr id="162" name="PlaceHolder 1"/>
           <p:cNvSpPr>
             <a:spLocks noGrp="1"/>
           </p:cNvSpPr>
@@ -448,24 +728,25 @@
         </p:spPr>
         <p:txBody>
           <a:bodyPr tIns="91440" bIns="91440"/>
-          <a:p>
-            <a:endParaRPr b="0" lang="de-DE" sz="2000" spc="-1" strike="noStrike">
-              <a:solidFill>
-                <a:srgbClr val="000000"/>
-              </a:solidFill>
-              <a:uFill>
-                <a:solidFill>
-                  <a:srgbClr val="ffffff"/>
-                </a:solidFill>
-              </a:uFill>
-              <a:latin typeface="Arial"/>
-            </a:endParaRPr>
-          </a:p>
-        </p:txBody>
-      </p:sp>
-      <p:sp>
-        <p:nvSpPr>
-          <p:cNvPr id="161" name="TextShape 2"/>
+          <a:lstStyle/>
+          <a:p>
+            <a:endParaRPr lang="de-DE" sz="2000" b="0" strike="noStrike" spc="-1">
+              <a:solidFill>
+                <a:srgbClr val="000000"/>
+              </a:solidFill>
+              <a:uFill>
+                <a:solidFill>
+                  <a:srgbClr val="FFFFFF"/>
+                </a:solidFill>
+              </a:uFill>
+              <a:latin typeface="Arial"/>
+            </a:endParaRPr>
+          </a:p>
+        </p:txBody>
+      </p:sp>
+      <p:sp>
+        <p:nvSpPr>
+          <p:cNvPr id="163" name="TextShape 2"/>
           <p:cNvSpPr txBox="1"/>
           <p:nvPr/>
         </p:nvSpPr>
@@ -484,33 +765,34 @@
         </p:spPr>
         <p:txBody>
           <a:bodyPr anchor="b"/>
+          <a:lstStyle/>
           <a:p>
             <a:pPr>
               <a:lnSpc>
                 <a:spcPct val="100000"/>
               </a:lnSpc>
             </a:pPr>
-            <a:fld id="{A161A363-DD5D-4A6B-A394-3E229FCF646D}" type="slidenum">
-              <a:rPr b="0" lang="de-DE" sz="1400" spc="-1" strike="noStrike">
+            <a:fld id="{A5AD5A0A-0800-4134-BE30-24337B246CC6}" type="slidenum">
+              <a:rPr lang="de-DE" sz="1400" b="0" strike="noStrike" spc="-1">
                 <a:solidFill>
                   <a:srgbClr val="000000"/>
                 </a:solidFill>
                 <a:uFill>
                   <a:solidFill>
-                    <a:srgbClr val="ffffff"/>
+                    <a:srgbClr val="FFFFFF"/>
                   </a:solidFill>
                 </a:uFill>
                 <a:latin typeface="Times New Roman"/>
               </a:rPr>
-              <a:t>1</a:t>
+              <a:t>3</a:t>
             </a:fld>
-            <a:endParaRPr b="0" lang="de-DE" sz="1400" spc="-1" strike="noStrike">
-              <a:solidFill>
-                <a:srgbClr val="000000"/>
-              </a:solidFill>
-              <a:uFill>
-                <a:solidFill>
-                  <a:srgbClr val="ffffff"/>
+            <a:endParaRPr lang="de-DE" sz="1400" b="0" strike="noStrike" spc="-1">
+              <a:solidFill>
+                <a:srgbClr val="000000"/>
+              </a:solidFill>
+              <a:uFill>
+                <a:solidFill>
+                  <a:srgbClr val="FFFFFF"/>
                 </a:solidFill>
               </a:uFill>
               <a:latin typeface="Times New Roman"/>
@@ -520,11 +802,14 @@
       </p:sp>
     </p:spTree>
   </p:cSld>
+  <p:clrMapOvr>
+    <a:masterClrMapping/>
+  </p:clrMapOvr>
 </p:notes>
 </file>
 
-<file path=ppt/notesSlides/notesSlide3.xml><?xml version="1.0" encoding="utf-8"?>
-<p:notes xmlns:a="http://schemas.openxmlformats.org/drawingml/2006/main" xmlns:p="http://schemas.openxmlformats.org/presentationml/2006/main" xmlns:r="http://schemas.openxmlformats.org/officeDocument/2006/relationships" xmlns:p14="http://schemas.microsoft.com/office/powerpoint/2010/main" xmlns:p15="http://schemas.microsoft.com/office/powerpoint/2012/main" xmlns:mc="http://schemas.openxmlformats.org/markup-compatibility/2006">
+<file path=ppt/notesSlides/notesSlide4.xml><?xml version="1.0" encoding="utf-8"?>
+<p:notes xmlns:a="http://schemas.openxmlformats.org/drawingml/2006/main" xmlns:r="http://schemas.openxmlformats.org/officeDocument/2006/relationships" xmlns:p="http://schemas.openxmlformats.org/presentationml/2006/main">
   <p:cSld>
     <p:spTree>
       <p:nvGrpSpPr>
@@ -542,7 +827,7 @@
       </p:grpSpPr>
       <p:sp>
         <p:nvSpPr>
-          <p:cNvPr id="162" name="PlaceHolder 1"/>
+          <p:cNvPr id="164" name="PlaceHolder 1"/>
           <p:cNvSpPr>
             <a:spLocks noGrp="1"/>
           </p:cNvSpPr>
@@ -561,24 +846,25 @@
         </p:spPr>
         <p:txBody>
           <a:bodyPr tIns="91440" bIns="91440"/>
-          <a:p>
-            <a:endParaRPr b="0" lang="de-DE" sz="2000" spc="-1" strike="noStrike">
-              <a:solidFill>
-                <a:srgbClr val="000000"/>
-              </a:solidFill>
-              <a:uFill>
-                <a:solidFill>
-                  <a:srgbClr val="ffffff"/>
-                </a:solidFill>
-              </a:uFill>
-              <a:latin typeface="Arial"/>
-            </a:endParaRPr>
-          </a:p>
-        </p:txBody>
-      </p:sp>
-      <p:sp>
-        <p:nvSpPr>
-          <p:cNvPr id="163" name="TextShape 2"/>
+          <a:lstStyle/>
+          <a:p>
+            <a:endParaRPr lang="de-DE" sz="2000" b="0" strike="noStrike" spc="-1">
+              <a:solidFill>
+                <a:srgbClr val="000000"/>
+              </a:solidFill>
+              <a:uFill>
+                <a:solidFill>
+                  <a:srgbClr val="FFFFFF"/>
+                </a:solidFill>
+              </a:uFill>
+              <a:latin typeface="Arial"/>
+            </a:endParaRPr>
+          </a:p>
+        </p:txBody>
+      </p:sp>
+      <p:sp>
+        <p:nvSpPr>
+          <p:cNvPr id="165" name="TextShape 2"/>
           <p:cNvSpPr txBox="1"/>
           <p:nvPr/>
         </p:nvSpPr>
@@ -597,33 +883,34 @@
         </p:spPr>
         <p:txBody>
           <a:bodyPr anchor="b"/>
+          <a:lstStyle/>
           <a:p>
             <a:pPr>
               <a:lnSpc>
                 <a:spcPct val="100000"/>
               </a:lnSpc>
             </a:pPr>
-            <a:fld id="{A5AD5A0A-0800-4134-BE30-24337B246CC6}" type="slidenum">
-              <a:rPr b="0" lang="de-DE" sz="1400" spc="-1" strike="noStrike">
+            <a:fld id="{4B1120F6-30C3-4E66-B0C7-87F406053685}" type="slidenum">
+              <a:rPr lang="de-DE" sz="1400" b="0" strike="noStrike" spc="-1">
                 <a:solidFill>
                   <a:srgbClr val="000000"/>
                 </a:solidFill>
                 <a:uFill>
                   <a:solidFill>
-                    <a:srgbClr val="ffffff"/>
+                    <a:srgbClr val="FFFFFF"/>
                   </a:solidFill>
                 </a:uFill>
                 <a:latin typeface="Times New Roman"/>
               </a:rPr>
-              <a:t>1</a:t>
+              <a:t>4</a:t>
             </a:fld>
-            <a:endParaRPr b="0" lang="de-DE" sz="1400" spc="-1" strike="noStrike">
-              <a:solidFill>
-                <a:srgbClr val="000000"/>
-              </a:solidFill>
-              <a:uFill>
-                <a:solidFill>
-                  <a:srgbClr val="ffffff"/>
+            <a:endParaRPr lang="de-DE" sz="1400" b="0" strike="noStrike" spc="-1">
+              <a:solidFill>
+                <a:srgbClr val="000000"/>
+              </a:solidFill>
+              <a:uFill>
+                <a:solidFill>
+                  <a:srgbClr val="FFFFFF"/>
                 </a:solidFill>
               </a:uFill>
               <a:latin typeface="Times New Roman"/>
@@ -633,11 +920,14 @@
       </p:sp>
     </p:spTree>
   </p:cSld>
+  <p:clrMapOvr>
+    <a:masterClrMapping/>
+  </p:clrMapOvr>
 </p:notes>
 </file>
 
-<file path=ppt/notesSlides/notesSlide4.xml><?xml version="1.0" encoding="utf-8"?>
-<p:notes xmlns:a="http://schemas.openxmlformats.org/drawingml/2006/main" xmlns:p="http://schemas.openxmlformats.org/presentationml/2006/main" xmlns:r="http://schemas.openxmlformats.org/officeDocument/2006/relationships" xmlns:p14="http://schemas.microsoft.com/office/powerpoint/2010/main" xmlns:p15="http://schemas.microsoft.com/office/powerpoint/2012/main" xmlns:mc="http://schemas.openxmlformats.org/markup-compatibility/2006">
+<file path=ppt/notesSlides/notesSlide5.xml><?xml version="1.0" encoding="utf-8"?>
+<p:notes xmlns:a="http://schemas.openxmlformats.org/drawingml/2006/main" xmlns:r="http://schemas.openxmlformats.org/officeDocument/2006/relationships" xmlns:p="http://schemas.openxmlformats.org/presentationml/2006/main">
   <p:cSld>
     <p:spTree>
       <p:nvGrpSpPr>
@@ -655,119 +945,6 @@
       </p:grpSpPr>
       <p:sp>
         <p:nvSpPr>
-          <p:cNvPr id="164" name="PlaceHolder 1"/>
-          <p:cNvSpPr>
-            <a:spLocks noGrp="1"/>
-          </p:cNvSpPr>
-          <p:nvPr>
-            <p:ph type="body"/>
-          </p:nvPr>
-        </p:nvSpPr>
-        <p:spPr>
-          <a:xfrm>
-            <a:off x="888840" y="4716360"/>
-            <a:ext cx="4890960" cy="4466880"/>
-          </a:xfrm>
-          <a:prstGeom prst="rect">
-            <a:avLst/>
-          </a:prstGeom>
-        </p:spPr>
-        <p:txBody>
-          <a:bodyPr tIns="91440" bIns="91440"/>
-          <a:p>
-            <a:endParaRPr b="0" lang="de-DE" sz="2000" spc="-1" strike="noStrike">
-              <a:solidFill>
-                <a:srgbClr val="000000"/>
-              </a:solidFill>
-              <a:uFill>
-                <a:solidFill>
-                  <a:srgbClr val="ffffff"/>
-                </a:solidFill>
-              </a:uFill>
-              <a:latin typeface="Arial"/>
-            </a:endParaRPr>
-          </a:p>
-        </p:txBody>
-      </p:sp>
-      <p:sp>
-        <p:nvSpPr>
-          <p:cNvPr id="165" name="TextShape 2"/>
-          <p:cNvSpPr txBox="1"/>
-          <p:nvPr/>
-        </p:nvSpPr>
-        <p:spPr>
-          <a:xfrm>
-            <a:off x="3780000" y="9431280"/>
-            <a:ext cx="2889000" cy="496440"/>
-          </a:xfrm>
-          <a:prstGeom prst="rect">
-            <a:avLst/>
-          </a:prstGeom>
-          <a:noFill/>
-          <a:ln>
-            <a:noFill/>
-          </a:ln>
-        </p:spPr>
-        <p:txBody>
-          <a:bodyPr anchor="b"/>
-          <a:p>
-            <a:pPr>
-              <a:lnSpc>
-                <a:spcPct val="100000"/>
-              </a:lnSpc>
-            </a:pPr>
-            <a:fld id="{4B1120F6-30C3-4E66-B0C7-87F406053685}" type="slidenum">
-              <a:rPr b="0" lang="de-DE" sz="1400" spc="-1" strike="noStrike">
-                <a:solidFill>
-                  <a:srgbClr val="000000"/>
-                </a:solidFill>
-                <a:uFill>
-                  <a:solidFill>
-                    <a:srgbClr val="ffffff"/>
-                  </a:solidFill>
-                </a:uFill>
-                <a:latin typeface="Times New Roman"/>
-              </a:rPr>
-              <a:t>1</a:t>
-            </a:fld>
-            <a:endParaRPr b="0" lang="de-DE" sz="1400" spc="-1" strike="noStrike">
-              <a:solidFill>
-                <a:srgbClr val="000000"/>
-              </a:solidFill>
-              <a:uFill>
-                <a:solidFill>
-                  <a:srgbClr val="ffffff"/>
-                </a:solidFill>
-              </a:uFill>
-              <a:latin typeface="Times New Roman"/>
-            </a:endParaRPr>
-          </a:p>
-        </p:txBody>
-      </p:sp>
-    </p:spTree>
-  </p:cSld>
-</p:notes>
-</file>
-
-<file path=ppt/notesSlides/notesSlide5.xml><?xml version="1.0" encoding="utf-8"?>
-<p:notes xmlns:a="http://schemas.openxmlformats.org/drawingml/2006/main" xmlns:p="http://schemas.openxmlformats.org/presentationml/2006/main" xmlns:r="http://schemas.openxmlformats.org/officeDocument/2006/relationships" xmlns:p14="http://schemas.microsoft.com/office/powerpoint/2010/main" xmlns:p15="http://schemas.microsoft.com/office/powerpoint/2012/main" xmlns:mc="http://schemas.openxmlformats.org/markup-compatibility/2006">
-  <p:cSld>
-    <p:spTree>
-      <p:nvGrpSpPr>
-        <p:cNvPr id="1" name=""/>
-        <p:cNvGrpSpPr/>
-        <p:nvPr/>
-      </p:nvGrpSpPr>
-      <p:grpSpPr>
-        <a:xfrm>
-          <a:off x="0" y="0"/>
-          <a:ext cx="0" cy="0"/>
-          <a:chOff x="0" y="0"/>
-          <a:chExt cx="0" cy="0"/>
-        </a:xfrm>
-      </p:grpSpPr>
-      <p:sp>
-        <p:nvSpPr>
           <p:cNvPr id="166" name="PlaceHolder 1"/>
           <p:cNvSpPr>
             <a:spLocks noGrp="1"/>
@@ -787,14 +964,15 @@
         </p:spPr>
         <p:txBody>
           <a:bodyPr/>
-          <a:p>
-            <a:endParaRPr b="0" lang="de-DE" sz="2000" spc="-1" strike="noStrike">
-              <a:solidFill>
-                <a:srgbClr val="000000"/>
-              </a:solidFill>
-              <a:uFill>
-                <a:solidFill>
-                  <a:srgbClr val="ffffff"/>
+          <a:lstStyle/>
+          <a:p>
+            <a:endParaRPr lang="de-DE" sz="2000" b="0" strike="noStrike" spc="-1">
+              <a:solidFill>
+                <a:srgbClr val="000000"/>
+              </a:solidFill>
+              <a:uFill>
+                <a:solidFill>
+                  <a:srgbClr val="FFFFFF"/>
                 </a:solidFill>
               </a:uFill>
               <a:latin typeface="Arial"/>
@@ -823,6 +1001,7 @@
         </p:spPr>
         <p:txBody>
           <a:bodyPr anchor="b"/>
+          <a:lstStyle/>
           <a:p>
             <a:pPr algn="r">
               <a:lnSpc>
@@ -830,27 +1009,27 @@
               </a:lnSpc>
             </a:pPr>
             <a:fld id="{7EF19C2C-A8B1-4436-8D78-2560F5100205}" type="slidenum">
-              <a:rPr b="0" lang="de-DE" sz="1200" spc="-1" strike="noStrike">
+              <a:rPr lang="de-DE" sz="1200" b="0" strike="noStrike" spc="-1">
                 <a:solidFill>
                   <a:srgbClr val="000000"/>
                 </a:solidFill>
                 <a:uFill>
                   <a:solidFill>
-                    <a:srgbClr val="ffffff"/>
+                    <a:srgbClr val="FFFFFF"/>
                   </a:solidFill>
                 </a:uFill>
                 <a:latin typeface="Times New Roman"/>
                 <a:ea typeface="Times New Roman"/>
               </a:rPr>
-              <a:t>&lt;Foliennummer&gt;</a:t>
+              <a:t>5</a:t>
             </a:fld>
-            <a:endParaRPr b="0" lang="de-DE" sz="1400" spc="-1" strike="noStrike">
-              <a:solidFill>
-                <a:srgbClr val="000000"/>
-              </a:solidFill>
-              <a:uFill>
-                <a:solidFill>
-                  <a:srgbClr val="ffffff"/>
+            <a:endParaRPr lang="de-DE" sz="1400" b="0" strike="noStrike" spc="-1">
+              <a:solidFill>
+                <a:srgbClr val="000000"/>
+              </a:solidFill>
+              <a:uFill>
+                <a:solidFill>
+                  <a:srgbClr val="FFFFFF"/>
                 </a:solidFill>
               </a:uFill>
               <a:latin typeface="Times New Roman"/>
@@ -860,11 +1039,14 @@
       </p:sp>
     </p:spTree>
   </p:cSld>
+  <p:clrMapOvr>
+    <a:masterClrMapping/>
+  </p:clrMapOvr>
 </p:notes>
 </file>
 
 <file path=ppt/slideLayouts/slideLayout1.xml><?xml version="1.0" encoding="utf-8"?>
-<p:sldLayout xmlns:a="http://schemas.openxmlformats.org/drawingml/2006/main" xmlns:p="http://schemas.openxmlformats.org/presentationml/2006/main" xmlns:r="http://schemas.openxmlformats.org/officeDocument/2006/relationships" xmlns:p14="http://schemas.microsoft.com/office/powerpoint/2010/main" xmlns:p15="http://schemas.microsoft.com/office/powerpoint/2012/main" xmlns:mc="http://schemas.openxmlformats.org/markup-compatibility/2006" type="blank" preserve="1">
+<p:sldLayout xmlns:a="http://schemas.openxmlformats.org/drawingml/2006/main" xmlns:r="http://schemas.openxmlformats.org/officeDocument/2006/relationships" xmlns:p="http://schemas.openxmlformats.org/presentationml/2006/main" type="blank" preserve="1">
   <p:cSld name="Blank Slide">
     <p:spTree>
       <p:nvGrpSpPr>
@@ -882,11 +1064,14 @@
       </p:grpSpPr>
     </p:spTree>
   </p:cSld>
+  <p:clrMapOvr>
+    <a:masterClrMapping/>
+  </p:clrMapOvr>
 </p:sldLayout>
 </file>
 
 <file path=ppt/slideLayouts/slideLayout10.xml><?xml version="1.0" encoding="utf-8"?>
-<p:sldLayout xmlns:a="http://schemas.openxmlformats.org/drawingml/2006/main" xmlns:p="http://schemas.openxmlformats.org/presentationml/2006/main" xmlns:r="http://schemas.openxmlformats.org/officeDocument/2006/relationships" xmlns:p14="http://schemas.microsoft.com/office/powerpoint/2010/main" xmlns:p15="http://schemas.microsoft.com/office/powerpoint/2012/main" xmlns:mc="http://schemas.openxmlformats.org/markup-compatibility/2006" type="objOverTx" preserve="1">
+<p:sldLayout xmlns:a="http://schemas.openxmlformats.org/drawingml/2006/main" xmlns:r="http://schemas.openxmlformats.org/officeDocument/2006/relationships" xmlns:p="http://schemas.openxmlformats.org/presentationml/2006/main" type="objOverTx" preserve="1">
   <p:cSld name="Title, Content over Content">
     <p:spTree>
       <p:nvGrpSpPr>
@@ -922,15 +1107,16 @@
           </a:prstGeom>
         </p:spPr>
         <p:txBody>
-          <a:bodyPr lIns="0" rIns="0" tIns="0" bIns="0" anchor="ctr"/>
-          <a:p>
-            <a:endParaRPr b="0" lang="de-DE" sz="1400" spc="-1" strike="noStrike">
-              <a:solidFill>
-                <a:srgbClr val="000000"/>
-              </a:solidFill>
-              <a:uFill>
-                <a:solidFill>
-                  <a:srgbClr val="ffffff"/>
+          <a:bodyPr lIns="0" tIns="0" rIns="0" bIns="0" anchor="ctr"/>
+          <a:lstStyle/>
+          <a:p>
+            <a:endParaRPr lang="de-DE" sz="1400" b="0" strike="noStrike" spc="-1">
+              <a:solidFill>
+                <a:srgbClr val="000000"/>
+              </a:solidFill>
+              <a:uFill>
+                <a:solidFill>
+                  <a:srgbClr val="FFFFFF"/>
                 </a:solidFill>
               </a:uFill>
               <a:latin typeface="Arial"/>
@@ -958,15 +1144,16 @@
           </a:prstGeom>
         </p:spPr>
         <p:txBody>
-          <a:bodyPr lIns="0" rIns="0" tIns="0" bIns="0"/>
-          <a:p>
-            <a:endParaRPr b="0" lang="de-DE" sz="1400" spc="-1" strike="noStrike">
-              <a:solidFill>
-                <a:srgbClr val="000000"/>
-              </a:solidFill>
-              <a:uFill>
-                <a:solidFill>
-                  <a:srgbClr val="ffffff"/>
+          <a:bodyPr lIns="0" tIns="0" rIns="0" bIns="0"/>
+          <a:lstStyle/>
+          <a:p>
+            <a:endParaRPr lang="de-DE" sz="1400" b="0" strike="noStrike" spc="-1">
+              <a:solidFill>
+                <a:srgbClr val="000000"/>
+              </a:solidFill>
+              <a:uFill>
+                <a:solidFill>
+                  <a:srgbClr val="FFFFFF"/>
                 </a:solidFill>
               </a:uFill>
               <a:latin typeface="Arial"/>
@@ -994,15 +1181,16 @@
           </a:prstGeom>
         </p:spPr>
         <p:txBody>
-          <a:bodyPr lIns="0" rIns="0" tIns="0" bIns="0"/>
-          <a:p>
-            <a:endParaRPr b="0" lang="de-DE" sz="1400" spc="-1" strike="noStrike">
-              <a:solidFill>
-                <a:srgbClr val="000000"/>
-              </a:solidFill>
-              <a:uFill>
-                <a:solidFill>
-                  <a:srgbClr val="ffffff"/>
+          <a:bodyPr lIns="0" tIns="0" rIns="0" bIns="0"/>
+          <a:lstStyle/>
+          <a:p>
+            <a:endParaRPr lang="de-DE" sz="1400" b="0" strike="noStrike" spc="-1">
+              <a:solidFill>
+                <a:srgbClr val="000000"/>
+              </a:solidFill>
+              <a:uFill>
+                <a:solidFill>
+                  <a:srgbClr val="FFFFFF"/>
                 </a:solidFill>
               </a:uFill>
               <a:latin typeface="Arial"/>
@@ -1012,11 +1200,14 @@
       </p:sp>
     </p:spTree>
   </p:cSld>
+  <p:clrMapOvr>
+    <a:masterClrMapping/>
+  </p:clrMapOvr>
 </p:sldLayout>
 </file>
 
 <file path=ppt/slideLayouts/slideLayout11.xml><?xml version="1.0" encoding="utf-8"?>
-<p:sldLayout xmlns:a="http://schemas.openxmlformats.org/drawingml/2006/main" xmlns:p="http://schemas.openxmlformats.org/presentationml/2006/main" xmlns:r="http://schemas.openxmlformats.org/officeDocument/2006/relationships" xmlns:p14="http://schemas.microsoft.com/office/powerpoint/2010/main" xmlns:p15="http://schemas.microsoft.com/office/powerpoint/2012/main" xmlns:mc="http://schemas.openxmlformats.org/markup-compatibility/2006" type="fourObj" preserve="1">
+<p:sldLayout xmlns:a="http://schemas.openxmlformats.org/drawingml/2006/main" xmlns:r="http://schemas.openxmlformats.org/officeDocument/2006/relationships" xmlns:p="http://schemas.openxmlformats.org/presentationml/2006/main" type="fourObj" preserve="1">
   <p:cSld name="Title, 4 Content">
     <p:spTree>
       <p:nvGrpSpPr>
@@ -1052,15 +1243,16 @@
           </a:prstGeom>
         </p:spPr>
         <p:txBody>
-          <a:bodyPr lIns="0" rIns="0" tIns="0" bIns="0" anchor="ctr"/>
-          <a:p>
-            <a:endParaRPr b="0" lang="de-DE" sz="1400" spc="-1" strike="noStrike">
-              <a:solidFill>
-                <a:srgbClr val="000000"/>
-              </a:solidFill>
-              <a:uFill>
-                <a:solidFill>
-                  <a:srgbClr val="ffffff"/>
+          <a:bodyPr lIns="0" tIns="0" rIns="0" bIns="0" anchor="ctr"/>
+          <a:lstStyle/>
+          <a:p>
+            <a:endParaRPr lang="de-DE" sz="1400" b="0" strike="noStrike" spc="-1">
+              <a:solidFill>
+                <a:srgbClr val="000000"/>
+              </a:solidFill>
+              <a:uFill>
+                <a:solidFill>
+                  <a:srgbClr val="FFFFFF"/>
                 </a:solidFill>
               </a:uFill>
               <a:latin typeface="Arial"/>
@@ -1088,15 +1280,16 @@
           </a:prstGeom>
         </p:spPr>
         <p:txBody>
-          <a:bodyPr lIns="0" rIns="0" tIns="0" bIns="0"/>
-          <a:p>
-            <a:endParaRPr b="0" lang="de-DE" sz="1400" spc="-1" strike="noStrike">
-              <a:solidFill>
-                <a:srgbClr val="000000"/>
-              </a:solidFill>
-              <a:uFill>
-                <a:solidFill>
-                  <a:srgbClr val="ffffff"/>
+          <a:bodyPr lIns="0" tIns="0" rIns="0" bIns="0"/>
+          <a:lstStyle/>
+          <a:p>
+            <a:endParaRPr lang="de-DE" sz="1400" b="0" strike="noStrike" spc="-1">
+              <a:solidFill>
+                <a:srgbClr val="000000"/>
+              </a:solidFill>
+              <a:uFill>
+                <a:solidFill>
+                  <a:srgbClr val="FFFFFF"/>
                 </a:solidFill>
               </a:uFill>
               <a:latin typeface="Arial"/>
@@ -1124,15 +1317,16 @@
           </a:prstGeom>
         </p:spPr>
         <p:txBody>
-          <a:bodyPr lIns="0" rIns="0" tIns="0" bIns="0"/>
-          <a:p>
-            <a:endParaRPr b="0" lang="de-DE" sz="1400" spc="-1" strike="noStrike">
-              <a:solidFill>
-                <a:srgbClr val="000000"/>
-              </a:solidFill>
-              <a:uFill>
-                <a:solidFill>
-                  <a:srgbClr val="ffffff"/>
+          <a:bodyPr lIns="0" tIns="0" rIns="0" bIns="0"/>
+          <a:lstStyle/>
+          <a:p>
+            <a:endParaRPr lang="de-DE" sz="1400" b="0" strike="noStrike" spc="-1">
+              <a:solidFill>
+                <a:srgbClr val="000000"/>
+              </a:solidFill>
+              <a:uFill>
+                <a:solidFill>
+                  <a:srgbClr val="FFFFFF"/>
                 </a:solidFill>
               </a:uFill>
               <a:latin typeface="Arial"/>
@@ -1160,15 +1354,16 @@
           </a:prstGeom>
         </p:spPr>
         <p:txBody>
-          <a:bodyPr lIns="0" rIns="0" tIns="0" bIns="0"/>
-          <a:p>
-            <a:endParaRPr b="0" lang="de-DE" sz="1400" spc="-1" strike="noStrike">
-              <a:solidFill>
-                <a:srgbClr val="000000"/>
-              </a:solidFill>
-              <a:uFill>
-                <a:solidFill>
-                  <a:srgbClr val="ffffff"/>
+          <a:bodyPr lIns="0" tIns="0" rIns="0" bIns="0"/>
+          <a:lstStyle/>
+          <a:p>
+            <a:endParaRPr lang="de-DE" sz="1400" b="0" strike="noStrike" spc="-1">
+              <a:solidFill>
+                <a:srgbClr val="000000"/>
+              </a:solidFill>
+              <a:uFill>
+                <a:solidFill>
+                  <a:srgbClr val="FFFFFF"/>
                 </a:solidFill>
               </a:uFill>
               <a:latin typeface="Arial"/>
@@ -1196,15 +1391,16 @@
           </a:prstGeom>
         </p:spPr>
         <p:txBody>
-          <a:bodyPr lIns="0" rIns="0" tIns="0" bIns="0"/>
-          <a:p>
-            <a:endParaRPr b="0" lang="de-DE" sz="1400" spc="-1" strike="noStrike">
-              <a:solidFill>
-                <a:srgbClr val="000000"/>
-              </a:solidFill>
-              <a:uFill>
-                <a:solidFill>
-                  <a:srgbClr val="ffffff"/>
+          <a:bodyPr lIns="0" tIns="0" rIns="0" bIns="0"/>
+          <a:lstStyle/>
+          <a:p>
+            <a:endParaRPr lang="de-DE" sz="1400" b="0" strike="noStrike" spc="-1">
+              <a:solidFill>
+                <a:srgbClr val="000000"/>
+              </a:solidFill>
+              <a:uFill>
+                <a:solidFill>
+                  <a:srgbClr val="FFFFFF"/>
                 </a:solidFill>
               </a:uFill>
               <a:latin typeface="Arial"/>
@@ -1214,11 +1410,14 @@
       </p:sp>
     </p:spTree>
   </p:cSld>
+  <p:clrMapOvr>
+    <a:masterClrMapping/>
+  </p:clrMapOvr>
 </p:sldLayout>
 </file>
 
 <file path=ppt/slideLayouts/slideLayout12.xml><?xml version="1.0" encoding="utf-8"?>
-<p:sldLayout xmlns:a="http://schemas.openxmlformats.org/drawingml/2006/main" xmlns:p="http://schemas.openxmlformats.org/presentationml/2006/main" xmlns:r="http://schemas.openxmlformats.org/officeDocument/2006/relationships" xmlns:p14="http://schemas.microsoft.com/office/powerpoint/2010/main" xmlns:p15="http://schemas.microsoft.com/office/powerpoint/2012/main" xmlns:mc="http://schemas.openxmlformats.org/markup-compatibility/2006" type="blank" preserve="1">
+<p:sldLayout xmlns:a="http://schemas.openxmlformats.org/drawingml/2006/main" xmlns:r="http://schemas.openxmlformats.org/officeDocument/2006/relationships" xmlns:p="http://schemas.openxmlformats.org/presentationml/2006/main" type="blank" preserve="1">
   <p:cSld name="Title, 6 Content">
     <p:spTree>
       <p:nvGrpSpPr>
@@ -1254,15 +1453,16 @@
           </a:prstGeom>
         </p:spPr>
         <p:txBody>
-          <a:bodyPr lIns="0" rIns="0" tIns="0" bIns="0" anchor="ctr"/>
-          <a:p>
-            <a:endParaRPr b="0" lang="de-DE" sz="1400" spc="-1" strike="noStrike">
-              <a:solidFill>
-                <a:srgbClr val="000000"/>
-              </a:solidFill>
-              <a:uFill>
-                <a:solidFill>
-                  <a:srgbClr val="ffffff"/>
+          <a:bodyPr lIns="0" tIns="0" rIns="0" bIns="0" anchor="ctr"/>
+          <a:lstStyle/>
+          <a:p>
+            <a:endParaRPr lang="de-DE" sz="1400" b="0" strike="noStrike" spc="-1">
+              <a:solidFill>
+                <a:srgbClr val="000000"/>
+              </a:solidFill>
+              <a:uFill>
+                <a:solidFill>
+                  <a:srgbClr val="FFFFFF"/>
                 </a:solidFill>
               </a:uFill>
               <a:latin typeface="Arial"/>
@@ -1290,15 +1490,16 @@
           </a:prstGeom>
         </p:spPr>
         <p:txBody>
-          <a:bodyPr lIns="0" rIns="0" tIns="0" bIns="0"/>
-          <a:p>
-            <a:endParaRPr b="0" lang="de-DE" sz="1400" spc="-1" strike="noStrike">
-              <a:solidFill>
-                <a:srgbClr val="000000"/>
-              </a:solidFill>
-              <a:uFill>
-                <a:solidFill>
-                  <a:srgbClr val="ffffff"/>
+          <a:bodyPr lIns="0" tIns="0" rIns="0" bIns="0"/>
+          <a:lstStyle/>
+          <a:p>
+            <a:endParaRPr lang="de-DE" sz="1400" b="0" strike="noStrike" spc="-1">
+              <a:solidFill>
+                <a:srgbClr val="000000"/>
+              </a:solidFill>
+              <a:uFill>
+                <a:solidFill>
+                  <a:srgbClr val="FFFFFF"/>
                 </a:solidFill>
               </a:uFill>
               <a:latin typeface="Arial"/>
@@ -1326,15 +1527,16 @@
           </a:prstGeom>
         </p:spPr>
         <p:txBody>
-          <a:bodyPr lIns="0" rIns="0" tIns="0" bIns="0"/>
-          <a:p>
-            <a:endParaRPr b="0" lang="de-DE" sz="1400" spc="-1" strike="noStrike">
-              <a:solidFill>
-                <a:srgbClr val="000000"/>
-              </a:solidFill>
-              <a:uFill>
-                <a:solidFill>
-                  <a:srgbClr val="ffffff"/>
+          <a:bodyPr lIns="0" tIns="0" rIns="0" bIns="0"/>
+          <a:lstStyle/>
+          <a:p>
+            <a:endParaRPr lang="de-DE" sz="1400" b="0" strike="noStrike" spc="-1">
+              <a:solidFill>
+                <a:srgbClr val="000000"/>
+              </a:solidFill>
+              <a:uFill>
+                <a:solidFill>
+                  <a:srgbClr val="FFFFFF"/>
                 </a:solidFill>
               </a:uFill>
               <a:latin typeface="Arial"/>
@@ -1344,7 +1546,7 @@
       </p:sp>
       <p:pic>
         <p:nvPicPr>
-          <p:cNvPr id="46" name="" descr=""/>
+          <p:cNvPr id="46" name="Grafik 45"/>
           <p:cNvPicPr/>
           <p:nvPr/>
         </p:nvPicPr>
@@ -1367,12 +1569,12 @@
       </p:pic>
       <p:pic>
         <p:nvPicPr>
-          <p:cNvPr id="47" name="" descr=""/>
+          <p:cNvPr id="47" name="Grafik 46"/>
           <p:cNvPicPr/>
           <p:nvPr/>
         </p:nvPicPr>
         <p:blipFill>
-          <a:blip r:embed="rId3"/>
+          <a:blip r:embed="rId2"/>
           <a:stretch/>
         </p:blipFill>
         <p:spPr>
@@ -1390,11 +1592,14 @@
       </p:pic>
     </p:spTree>
   </p:cSld>
+  <p:clrMapOvr>
+    <a:masterClrMapping/>
+  </p:clrMapOvr>
 </p:sldLayout>
 </file>
 
 <file path=ppt/slideLayouts/slideLayout13.xml><?xml version="1.0" encoding="utf-8"?>
-<p:sldLayout xmlns:a="http://schemas.openxmlformats.org/drawingml/2006/main" xmlns:p="http://schemas.openxmlformats.org/presentationml/2006/main" xmlns:r="http://schemas.openxmlformats.org/officeDocument/2006/relationships" xmlns:p14="http://schemas.microsoft.com/office/powerpoint/2010/main" xmlns:p15="http://schemas.microsoft.com/office/powerpoint/2012/main" xmlns:mc="http://schemas.openxmlformats.org/markup-compatibility/2006" type="blank" preserve="1">
+<p:sldLayout xmlns:a="http://schemas.openxmlformats.org/drawingml/2006/main" xmlns:r="http://schemas.openxmlformats.org/officeDocument/2006/relationships" xmlns:p="http://schemas.openxmlformats.org/presentationml/2006/main" type="blank" preserve="1">
   <p:cSld name="Blank Slide">
     <p:spTree>
       <p:nvGrpSpPr>
@@ -1412,11 +1617,14 @@
       </p:grpSpPr>
     </p:spTree>
   </p:cSld>
+  <p:clrMapOvr>
+    <a:masterClrMapping/>
+  </p:clrMapOvr>
 </p:sldLayout>
 </file>
 
 <file path=ppt/slideLayouts/slideLayout14.xml><?xml version="1.0" encoding="utf-8"?>
-<p:sldLayout xmlns:a="http://schemas.openxmlformats.org/drawingml/2006/main" xmlns:p="http://schemas.openxmlformats.org/presentationml/2006/main" xmlns:r="http://schemas.openxmlformats.org/officeDocument/2006/relationships" xmlns:p14="http://schemas.microsoft.com/office/powerpoint/2010/main" xmlns:p15="http://schemas.microsoft.com/office/powerpoint/2012/main" xmlns:mc="http://schemas.openxmlformats.org/markup-compatibility/2006" type="tx" preserve="1">
+<p:sldLayout xmlns:a="http://schemas.openxmlformats.org/drawingml/2006/main" xmlns:r="http://schemas.openxmlformats.org/officeDocument/2006/relationships" xmlns:p="http://schemas.openxmlformats.org/presentationml/2006/main" type="tx" preserve="1">
   <p:cSld name="Title Slide">
     <p:spTree>
       <p:nvGrpSpPr>
@@ -1452,15 +1660,16 @@
           </a:prstGeom>
         </p:spPr>
         <p:txBody>
-          <a:bodyPr lIns="0" rIns="0" tIns="0" bIns="0" anchor="ctr"/>
-          <a:p>
-            <a:endParaRPr b="0" lang="de-DE" sz="1400" spc="-1" strike="noStrike">
-              <a:solidFill>
-                <a:srgbClr val="000000"/>
-              </a:solidFill>
-              <a:uFill>
-                <a:solidFill>
-                  <a:srgbClr val="ffffff"/>
+          <a:bodyPr lIns="0" tIns="0" rIns="0" bIns="0" anchor="ctr"/>
+          <a:lstStyle/>
+          <a:p>
+            <a:endParaRPr lang="de-DE" sz="1400" b="0" strike="noStrike" spc="-1">
+              <a:solidFill>
+                <a:srgbClr val="000000"/>
+              </a:solidFill>
+              <a:uFill>
+                <a:solidFill>
+                  <a:srgbClr val="FFFFFF"/>
                 </a:solidFill>
               </a:uFill>
               <a:latin typeface="Arial"/>
@@ -1488,16 +1697,17 @@
           </a:prstGeom>
         </p:spPr>
         <p:txBody>
-          <a:bodyPr lIns="0" rIns="0" tIns="0" bIns="0" anchor="ctr"/>
+          <a:bodyPr lIns="0" tIns="0" rIns="0" bIns="0" anchor="ctr"/>
+          <a:lstStyle/>
           <a:p>
             <a:pPr algn="ctr"/>
-            <a:endParaRPr b="0" lang="de-DE" sz="3200" spc="-1" strike="noStrike">
-              <a:solidFill>
-                <a:srgbClr val="000000"/>
-              </a:solidFill>
-              <a:uFill>
-                <a:solidFill>
-                  <a:srgbClr val="ffffff"/>
+            <a:endParaRPr lang="de-DE" sz="3200" b="0" strike="noStrike" spc="-1">
+              <a:solidFill>
+                <a:srgbClr val="000000"/>
+              </a:solidFill>
+              <a:uFill>
+                <a:solidFill>
+                  <a:srgbClr val="FFFFFF"/>
                 </a:solidFill>
               </a:uFill>
               <a:latin typeface="Arial"/>
@@ -1507,11 +1717,14 @@
       </p:sp>
     </p:spTree>
   </p:cSld>
+  <p:clrMapOvr>
+    <a:masterClrMapping/>
+  </p:clrMapOvr>
 </p:sldLayout>
 </file>
 
 <file path=ppt/slideLayouts/slideLayout15.xml><?xml version="1.0" encoding="utf-8"?>
-<p:sldLayout xmlns:a="http://schemas.openxmlformats.org/drawingml/2006/main" xmlns:p="http://schemas.openxmlformats.org/presentationml/2006/main" xmlns:r="http://schemas.openxmlformats.org/officeDocument/2006/relationships" xmlns:p14="http://schemas.microsoft.com/office/powerpoint/2010/main" xmlns:p15="http://schemas.microsoft.com/office/powerpoint/2012/main" xmlns:mc="http://schemas.openxmlformats.org/markup-compatibility/2006" type="obj" preserve="1">
+<p:sldLayout xmlns:a="http://schemas.openxmlformats.org/drawingml/2006/main" xmlns:r="http://schemas.openxmlformats.org/officeDocument/2006/relationships" xmlns:p="http://schemas.openxmlformats.org/presentationml/2006/main" type="obj" preserve="1">
   <p:cSld name="Title, Content">
     <p:spTree>
       <p:nvGrpSpPr>
@@ -1547,15 +1760,16 @@
           </a:prstGeom>
         </p:spPr>
         <p:txBody>
-          <a:bodyPr lIns="0" rIns="0" tIns="0" bIns="0" anchor="ctr"/>
-          <a:p>
-            <a:endParaRPr b="0" lang="de-DE" sz="1400" spc="-1" strike="noStrike">
-              <a:solidFill>
-                <a:srgbClr val="000000"/>
-              </a:solidFill>
-              <a:uFill>
-                <a:solidFill>
-                  <a:srgbClr val="ffffff"/>
+          <a:bodyPr lIns="0" tIns="0" rIns="0" bIns="0" anchor="ctr"/>
+          <a:lstStyle/>
+          <a:p>
+            <a:endParaRPr lang="de-DE" sz="1400" b="0" strike="noStrike" spc="-1">
+              <a:solidFill>
+                <a:srgbClr val="000000"/>
+              </a:solidFill>
+              <a:uFill>
+                <a:solidFill>
+                  <a:srgbClr val="FFFFFF"/>
                 </a:solidFill>
               </a:uFill>
               <a:latin typeface="Arial"/>
@@ -1583,15 +1797,16 @@
           </a:prstGeom>
         </p:spPr>
         <p:txBody>
-          <a:bodyPr lIns="0" rIns="0" tIns="0" bIns="0"/>
-          <a:p>
-            <a:endParaRPr b="0" lang="de-DE" sz="1400" spc="-1" strike="noStrike">
-              <a:solidFill>
-                <a:srgbClr val="000000"/>
-              </a:solidFill>
-              <a:uFill>
-                <a:solidFill>
-                  <a:srgbClr val="ffffff"/>
+          <a:bodyPr lIns="0" tIns="0" rIns="0" bIns="0"/>
+          <a:lstStyle/>
+          <a:p>
+            <a:endParaRPr lang="de-DE" sz="1400" b="0" strike="noStrike" spc="-1">
+              <a:solidFill>
+                <a:srgbClr val="000000"/>
+              </a:solidFill>
+              <a:uFill>
+                <a:solidFill>
+                  <a:srgbClr val="FFFFFF"/>
                 </a:solidFill>
               </a:uFill>
               <a:latin typeface="Arial"/>
@@ -1601,11 +1816,14 @@
       </p:sp>
     </p:spTree>
   </p:cSld>
+  <p:clrMapOvr>
+    <a:masterClrMapping/>
+  </p:clrMapOvr>
 </p:sldLayout>
 </file>
 
 <file path=ppt/slideLayouts/slideLayout16.xml><?xml version="1.0" encoding="utf-8"?>
-<p:sldLayout xmlns:a="http://schemas.openxmlformats.org/drawingml/2006/main" xmlns:p="http://schemas.openxmlformats.org/presentationml/2006/main" xmlns:r="http://schemas.openxmlformats.org/officeDocument/2006/relationships" xmlns:p14="http://schemas.microsoft.com/office/powerpoint/2010/main" xmlns:p15="http://schemas.microsoft.com/office/powerpoint/2012/main" xmlns:mc="http://schemas.openxmlformats.org/markup-compatibility/2006" type="twoObj" preserve="1">
+<p:sldLayout xmlns:a="http://schemas.openxmlformats.org/drawingml/2006/main" xmlns:r="http://schemas.openxmlformats.org/officeDocument/2006/relationships" xmlns:p="http://schemas.openxmlformats.org/presentationml/2006/main" type="twoObj" preserve="1">
   <p:cSld name="Title, 2 Content">
     <p:spTree>
       <p:nvGrpSpPr>
@@ -1641,15 +1859,16 @@
           </a:prstGeom>
         </p:spPr>
         <p:txBody>
-          <a:bodyPr lIns="0" rIns="0" tIns="0" bIns="0" anchor="ctr"/>
-          <a:p>
-            <a:endParaRPr b="0" lang="de-DE" sz="1400" spc="-1" strike="noStrike">
-              <a:solidFill>
-                <a:srgbClr val="000000"/>
-              </a:solidFill>
-              <a:uFill>
-                <a:solidFill>
-                  <a:srgbClr val="ffffff"/>
+          <a:bodyPr lIns="0" tIns="0" rIns="0" bIns="0" anchor="ctr"/>
+          <a:lstStyle/>
+          <a:p>
+            <a:endParaRPr lang="de-DE" sz="1400" b="0" strike="noStrike" spc="-1">
+              <a:solidFill>
+                <a:srgbClr val="000000"/>
+              </a:solidFill>
+              <a:uFill>
+                <a:solidFill>
+                  <a:srgbClr val="FFFFFF"/>
                 </a:solidFill>
               </a:uFill>
               <a:latin typeface="Arial"/>
@@ -1677,15 +1896,16 @@
           </a:prstGeom>
         </p:spPr>
         <p:txBody>
-          <a:bodyPr lIns="0" rIns="0" tIns="0" bIns="0"/>
-          <a:p>
-            <a:endParaRPr b="0" lang="de-DE" sz="1400" spc="-1" strike="noStrike">
-              <a:solidFill>
-                <a:srgbClr val="000000"/>
-              </a:solidFill>
-              <a:uFill>
-                <a:solidFill>
-                  <a:srgbClr val="ffffff"/>
+          <a:bodyPr lIns="0" tIns="0" rIns="0" bIns="0"/>
+          <a:lstStyle/>
+          <a:p>
+            <a:endParaRPr lang="de-DE" sz="1400" b="0" strike="noStrike" spc="-1">
+              <a:solidFill>
+                <a:srgbClr val="000000"/>
+              </a:solidFill>
+              <a:uFill>
+                <a:solidFill>
+                  <a:srgbClr val="FFFFFF"/>
                 </a:solidFill>
               </a:uFill>
               <a:latin typeface="Arial"/>
@@ -1713,15 +1933,16 @@
           </a:prstGeom>
         </p:spPr>
         <p:txBody>
-          <a:bodyPr lIns="0" rIns="0" tIns="0" bIns="0"/>
-          <a:p>
-            <a:endParaRPr b="0" lang="de-DE" sz="1400" spc="-1" strike="noStrike">
-              <a:solidFill>
-                <a:srgbClr val="000000"/>
-              </a:solidFill>
-              <a:uFill>
-                <a:solidFill>
-                  <a:srgbClr val="ffffff"/>
+          <a:bodyPr lIns="0" tIns="0" rIns="0" bIns="0"/>
+          <a:lstStyle/>
+          <a:p>
+            <a:endParaRPr lang="de-DE" sz="1400" b="0" strike="noStrike" spc="-1">
+              <a:solidFill>
+                <a:srgbClr val="000000"/>
+              </a:solidFill>
+              <a:uFill>
+                <a:solidFill>
+                  <a:srgbClr val="FFFFFF"/>
                 </a:solidFill>
               </a:uFill>
               <a:latin typeface="Arial"/>
@@ -1731,11 +1952,14 @@
       </p:sp>
     </p:spTree>
   </p:cSld>
+  <p:clrMapOvr>
+    <a:masterClrMapping/>
+  </p:clrMapOvr>
 </p:sldLayout>
 </file>
 
 <file path=ppt/slideLayouts/slideLayout17.xml><?xml version="1.0" encoding="utf-8"?>
-<p:sldLayout xmlns:a="http://schemas.openxmlformats.org/drawingml/2006/main" xmlns:p="http://schemas.openxmlformats.org/presentationml/2006/main" xmlns:r="http://schemas.openxmlformats.org/officeDocument/2006/relationships" xmlns:p14="http://schemas.microsoft.com/office/powerpoint/2010/main" xmlns:p15="http://schemas.microsoft.com/office/powerpoint/2012/main" xmlns:mc="http://schemas.openxmlformats.org/markup-compatibility/2006" type="titleOnly" preserve="1">
+<p:sldLayout xmlns:a="http://schemas.openxmlformats.org/drawingml/2006/main" xmlns:r="http://schemas.openxmlformats.org/officeDocument/2006/relationships" xmlns:p="http://schemas.openxmlformats.org/presentationml/2006/main" type="titleOnly" preserve="1">
   <p:cSld name="Title Only">
     <p:spTree>
       <p:nvGrpSpPr>
@@ -1771,15 +1995,16 @@
           </a:prstGeom>
         </p:spPr>
         <p:txBody>
-          <a:bodyPr lIns="0" rIns="0" tIns="0" bIns="0" anchor="ctr"/>
-          <a:p>
-            <a:endParaRPr b="0" lang="de-DE" sz="1400" spc="-1" strike="noStrike">
-              <a:solidFill>
-                <a:srgbClr val="000000"/>
-              </a:solidFill>
-              <a:uFill>
-                <a:solidFill>
-                  <a:srgbClr val="ffffff"/>
+          <a:bodyPr lIns="0" tIns="0" rIns="0" bIns="0" anchor="ctr"/>
+          <a:lstStyle/>
+          <a:p>
+            <a:endParaRPr lang="de-DE" sz="1400" b="0" strike="noStrike" spc="-1">
+              <a:solidFill>
+                <a:srgbClr val="000000"/>
+              </a:solidFill>
+              <a:uFill>
+                <a:solidFill>
+                  <a:srgbClr val="FFFFFF"/>
                 </a:solidFill>
               </a:uFill>
               <a:latin typeface="Arial"/>
@@ -1789,11 +2014,14 @@
       </p:sp>
     </p:spTree>
   </p:cSld>
+  <p:clrMapOvr>
+    <a:masterClrMapping/>
+  </p:clrMapOvr>
 </p:sldLayout>
 </file>
 
 <file path=ppt/slideLayouts/slideLayout18.xml><?xml version="1.0" encoding="utf-8"?>
-<p:sldLayout xmlns:a="http://schemas.openxmlformats.org/drawingml/2006/main" xmlns:p="http://schemas.openxmlformats.org/presentationml/2006/main" xmlns:r="http://schemas.openxmlformats.org/officeDocument/2006/relationships" xmlns:p14="http://schemas.microsoft.com/office/powerpoint/2010/main" xmlns:p15="http://schemas.microsoft.com/office/powerpoint/2012/main" xmlns:mc="http://schemas.openxmlformats.org/markup-compatibility/2006" type="objOnly" preserve="1">
+<p:sldLayout xmlns:a="http://schemas.openxmlformats.org/drawingml/2006/main" xmlns:r="http://schemas.openxmlformats.org/officeDocument/2006/relationships" xmlns:p="http://schemas.openxmlformats.org/presentationml/2006/main" type="objOnly" preserve="1">
   <p:cSld name="Centered Text">
     <p:spTree>
       <p:nvGrpSpPr>
@@ -1829,16 +2057,17 @@
           </a:prstGeom>
         </p:spPr>
         <p:txBody>
-          <a:bodyPr lIns="0" rIns="0" tIns="0" bIns="0" anchor="ctr"/>
+          <a:bodyPr lIns="0" tIns="0" rIns="0" bIns="0" anchor="ctr"/>
+          <a:lstStyle/>
           <a:p>
             <a:pPr algn="ctr"/>
-            <a:endParaRPr b="0" lang="de-DE" sz="3200" spc="-1" strike="noStrike">
-              <a:solidFill>
-                <a:srgbClr val="000000"/>
-              </a:solidFill>
-              <a:uFill>
-                <a:solidFill>
-                  <a:srgbClr val="ffffff"/>
+            <a:endParaRPr lang="de-DE" sz="3200" b="0" strike="noStrike" spc="-1">
+              <a:solidFill>
+                <a:srgbClr val="000000"/>
+              </a:solidFill>
+              <a:uFill>
+                <a:solidFill>
+                  <a:srgbClr val="FFFFFF"/>
                 </a:solidFill>
               </a:uFill>
               <a:latin typeface="Arial"/>
@@ -1848,11 +2077,14 @@
       </p:sp>
     </p:spTree>
   </p:cSld>
+  <p:clrMapOvr>
+    <a:masterClrMapping/>
+  </p:clrMapOvr>
 </p:sldLayout>
 </file>
 
 <file path=ppt/slideLayouts/slideLayout19.xml><?xml version="1.0" encoding="utf-8"?>
-<p:sldLayout xmlns:a="http://schemas.openxmlformats.org/drawingml/2006/main" xmlns:p="http://schemas.openxmlformats.org/presentationml/2006/main" xmlns:r="http://schemas.openxmlformats.org/officeDocument/2006/relationships" xmlns:p14="http://schemas.microsoft.com/office/powerpoint/2010/main" xmlns:p15="http://schemas.microsoft.com/office/powerpoint/2012/main" xmlns:mc="http://schemas.openxmlformats.org/markup-compatibility/2006" type="twoObjAndObj" preserve="1">
+<p:sldLayout xmlns:a="http://schemas.openxmlformats.org/drawingml/2006/main" xmlns:r="http://schemas.openxmlformats.org/officeDocument/2006/relationships" xmlns:p="http://schemas.openxmlformats.org/presentationml/2006/main" type="twoObjAndObj" preserve="1">
   <p:cSld name="Title, 2 Content and Content">
     <p:spTree>
       <p:nvGrpSpPr>
@@ -1888,15 +2120,16 @@
           </a:prstGeom>
         </p:spPr>
         <p:txBody>
-          <a:bodyPr lIns="0" rIns="0" tIns="0" bIns="0" anchor="ctr"/>
-          <a:p>
-            <a:endParaRPr b="0" lang="de-DE" sz="1400" spc="-1" strike="noStrike">
-              <a:solidFill>
-                <a:srgbClr val="000000"/>
-              </a:solidFill>
-              <a:uFill>
-                <a:solidFill>
-                  <a:srgbClr val="ffffff"/>
+          <a:bodyPr lIns="0" tIns="0" rIns="0" bIns="0" anchor="ctr"/>
+          <a:lstStyle/>
+          <a:p>
+            <a:endParaRPr lang="de-DE" sz="1400" b="0" strike="noStrike" spc="-1">
+              <a:solidFill>
+                <a:srgbClr val="000000"/>
+              </a:solidFill>
+              <a:uFill>
+                <a:solidFill>
+                  <a:srgbClr val="FFFFFF"/>
                 </a:solidFill>
               </a:uFill>
               <a:latin typeface="Arial"/>
@@ -1924,15 +2157,16 @@
           </a:prstGeom>
         </p:spPr>
         <p:txBody>
-          <a:bodyPr lIns="0" rIns="0" tIns="0" bIns="0"/>
-          <a:p>
-            <a:endParaRPr b="0" lang="de-DE" sz="1400" spc="-1" strike="noStrike">
-              <a:solidFill>
-                <a:srgbClr val="000000"/>
-              </a:solidFill>
-              <a:uFill>
-                <a:solidFill>
-                  <a:srgbClr val="ffffff"/>
+          <a:bodyPr lIns="0" tIns="0" rIns="0" bIns="0"/>
+          <a:lstStyle/>
+          <a:p>
+            <a:endParaRPr lang="de-DE" sz="1400" b="0" strike="noStrike" spc="-1">
+              <a:solidFill>
+                <a:srgbClr val="000000"/>
+              </a:solidFill>
+              <a:uFill>
+                <a:solidFill>
+                  <a:srgbClr val="FFFFFF"/>
                 </a:solidFill>
               </a:uFill>
               <a:latin typeface="Arial"/>
@@ -1960,15 +2194,16 @@
           </a:prstGeom>
         </p:spPr>
         <p:txBody>
-          <a:bodyPr lIns="0" rIns="0" tIns="0" bIns="0"/>
-          <a:p>
-            <a:endParaRPr b="0" lang="de-DE" sz="1400" spc="-1" strike="noStrike">
-              <a:solidFill>
-                <a:srgbClr val="000000"/>
-              </a:solidFill>
-              <a:uFill>
-                <a:solidFill>
-                  <a:srgbClr val="ffffff"/>
+          <a:bodyPr lIns="0" tIns="0" rIns="0" bIns="0"/>
+          <a:lstStyle/>
+          <a:p>
+            <a:endParaRPr lang="de-DE" sz="1400" b="0" strike="noStrike" spc="-1">
+              <a:solidFill>
+                <a:srgbClr val="000000"/>
+              </a:solidFill>
+              <a:uFill>
+                <a:solidFill>
+                  <a:srgbClr val="FFFFFF"/>
                 </a:solidFill>
               </a:uFill>
               <a:latin typeface="Arial"/>
@@ -1996,15 +2231,16 @@
           </a:prstGeom>
         </p:spPr>
         <p:txBody>
-          <a:bodyPr lIns="0" rIns="0" tIns="0" bIns="0"/>
-          <a:p>
-            <a:endParaRPr b="0" lang="de-DE" sz="1400" spc="-1" strike="noStrike">
-              <a:solidFill>
-                <a:srgbClr val="000000"/>
-              </a:solidFill>
-              <a:uFill>
-                <a:solidFill>
-                  <a:srgbClr val="ffffff"/>
+          <a:bodyPr lIns="0" tIns="0" rIns="0" bIns="0"/>
+          <a:lstStyle/>
+          <a:p>
+            <a:endParaRPr lang="de-DE" sz="1400" b="0" strike="noStrike" spc="-1">
+              <a:solidFill>
+                <a:srgbClr val="000000"/>
+              </a:solidFill>
+              <a:uFill>
+                <a:solidFill>
+                  <a:srgbClr val="FFFFFF"/>
                 </a:solidFill>
               </a:uFill>
               <a:latin typeface="Arial"/>
@@ -2014,11 +2250,14 @@
       </p:sp>
     </p:spTree>
   </p:cSld>
+  <p:clrMapOvr>
+    <a:masterClrMapping/>
+  </p:clrMapOvr>
 </p:sldLayout>
 </file>
 
 <file path=ppt/slideLayouts/slideLayout2.xml><?xml version="1.0" encoding="utf-8"?>
-<p:sldLayout xmlns:a="http://schemas.openxmlformats.org/drawingml/2006/main" xmlns:p="http://schemas.openxmlformats.org/presentationml/2006/main" xmlns:r="http://schemas.openxmlformats.org/officeDocument/2006/relationships" xmlns:p14="http://schemas.microsoft.com/office/powerpoint/2010/main" xmlns:p15="http://schemas.microsoft.com/office/powerpoint/2012/main" xmlns:mc="http://schemas.openxmlformats.org/markup-compatibility/2006" type="tx" preserve="1">
+<p:sldLayout xmlns:a="http://schemas.openxmlformats.org/drawingml/2006/main" xmlns:r="http://schemas.openxmlformats.org/officeDocument/2006/relationships" xmlns:p="http://schemas.openxmlformats.org/presentationml/2006/main" type="tx" preserve="1">
   <p:cSld name="Title Slide">
     <p:spTree>
       <p:nvGrpSpPr>
@@ -2054,15 +2293,16 @@
           </a:prstGeom>
         </p:spPr>
         <p:txBody>
-          <a:bodyPr lIns="0" rIns="0" tIns="0" bIns="0" anchor="ctr"/>
-          <a:p>
-            <a:endParaRPr b="0" lang="de-DE" sz="1400" spc="-1" strike="noStrike">
-              <a:solidFill>
-                <a:srgbClr val="000000"/>
-              </a:solidFill>
-              <a:uFill>
-                <a:solidFill>
-                  <a:srgbClr val="ffffff"/>
+          <a:bodyPr lIns="0" tIns="0" rIns="0" bIns="0" anchor="ctr"/>
+          <a:lstStyle/>
+          <a:p>
+            <a:endParaRPr lang="de-DE" sz="1400" b="0" strike="noStrike" spc="-1">
+              <a:solidFill>
+                <a:srgbClr val="000000"/>
+              </a:solidFill>
+              <a:uFill>
+                <a:solidFill>
+                  <a:srgbClr val="FFFFFF"/>
                 </a:solidFill>
               </a:uFill>
               <a:latin typeface="Arial"/>
@@ -2090,16 +2330,17 @@
           </a:prstGeom>
         </p:spPr>
         <p:txBody>
-          <a:bodyPr lIns="0" rIns="0" tIns="0" bIns="0" anchor="ctr"/>
+          <a:bodyPr lIns="0" tIns="0" rIns="0" bIns="0" anchor="ctr"/>
+          <a:lstStyle/>
           <a:p>
             <a:pPr algn="ctr"/>
-            <a:endParaRPr b="0" lang="de-DE" sz="3200" spc="-1" strike="noStrike">
-              <a:solidFill>
-                <a:srgbClr val="000000"/>
-              </a:solidFill>
-              <a:uFill>
-                <a:solidFill>
-                  <a:srgbClr val="ffffff"/>
+            <a:endParaRPr lang="de-DE" sz="3200" b="0" strike="noStrike" spc="-1">
+              <a:solidFill>
+                <a:srgbClr val="000000"/>
+              </a:solidFill>
+              <a:uFill>
+                <a:solidFill>
+                  <a:srgbClr val="FFFFFF"/>
                 </a:solidFill>
               </a:uFill>
               <a:latin typeface="Arial"/>
@@ -2109,11 +2350,14 @@
       </p:sp>
     </p:spTree>
   </p:cSld>
+  <p:clrMapOvr>
+    <a:masterClrMapping/>
+  </p:clrMapOvr>
 </p:sldLayout>
 </file>
 
 <file path=ppt/slideLayouts/slideLayout20.xml><?xml version="1.0" encoding="utf-8"?>
-<p:sldLayout xmlns:a="http://schemas.openxmlformats.org/drawingml/2006/main" xmlns:p="http://schemas.openxmlformats.org/presentationml/2006/main" xmlns:r="http://schemas.openxmlformats.org/officeDocument/2006/relationships" xmlns:p14="http://schemas.microsoft.com/office/powerpoint/2010/main" xmlns:p15="http://schemas.microsoft.com/office/powerpoint/2012/main" xmlns:mc="http://schemas.openxmlformats.org/markup-compatibility/2006" type="objAndTwoObj" preserve="1">
+<p:sldLayout xmlns:a="http://schemas.openxmlformats.org/drawingml/2006/main" xmlns:r="http://schemas.openxmlformats.org/officeDocument/2006/relationships" xmlns:p="http://schemas.openxmlformats.org/presentationml/2006/main" type="objAndTwoObj" preserve="1">
   <p:cSld name="Title Content and 2 Content">
     <p:spTree>
       <p:nvGrpSpPr>
@@ -2149,15 +2393,16 @@
           </a:prstGeom>
         </p:spPr>
         <p:txBody>
-          <a:bodyPr lIns="0" rIns="0" tIns="0" bIns="0" anchor="ctr"/>
-          <a:p>
-            <a:endParaRPr b="0" lang="de-DE" sz="1400" spc="-1" strike="noStrike">
-              <a:solidFill>
-                <a:srgbClr val="000000"/>
-              </a:solidFill>
-              <a:uFill>
-                <a:solidFill>
-                  <a:srgbClr val="ffffff"/>
+          <a:bodyPr lIns="0" tIns="0" rIns="0" bIns="0" anchor="ctr"/>
+          <a:lstStyle/>
+          <a:p>
+            <a:endParaRPr lang="de-DE" sz="1400" b="0" strike="noStrike" spc="-1">
+              <a:solidFill>
+                <a:srgbClr val="000000"/>
+              </a:solidFill>
+              <a:uFill>
+                <a:solidFill>
+                  <a:srgbClr val="FFFFFF"/>
                 </a:solidFill>
               </a:uFill>
               <a:latin typeface="Arial"/>
@@ -2185,15 +2430,16 @@
           </a:prstGeom>
         </p:spPr>
         <p:txBody>
-          <a:bodyPr lIns="0" rIns="0" tIns="0" bIns="0"/>
-          <a:p>
-            <a:endParaRPr b="0" lang="de-DE" sz="1400" spc="-1" strike="noStrike">
-              <a:solidFill>
-                <a:srgbClr val="000000"/>
-              </a:solidFill>
-              <a:uFill>
-                <a:solidFill>
-                  <a:srgbClr val="ffffff"/>
+          <a:bodyPr lIns="0" tIns="0" rIns="0" bIns="0"/>
+          <a:lstStyle/>
+          <a:p>
+            <a:endParaRPr lang="de-DE" sz="1400" b="0" strike="noStrike" spc="-1">
+              <a:solidFill>
+                <a:srgbClr val="000000"/>
+              </a:solidFill>
+              <a:uFill>
+                <a:solidFill>
+                  <a:srgbClr val="FFFFFF"/>
                 </a:solidFill>
               </a:uFill>
               <a:latin typeface="Arial"/>
@@ -2221,15 +2467,16 @@
           </a:prstGeom>
         </p:spPr>
         <p:txBody>
-          <a:bodyPr lIns="0" rIns="0" tIns="0" bIns="0"/>
-          <a:p>
-            <a:endParaRPr b="0" lang="de-DE" sz="1400" spc="-1" strike="noStrike">
-              <a:solidFill>
-                <a:srgbClr val="000000"/>
-              </a:solidFill>
-              <a:uFill>
-                <a:solidFill>
-                  <a:srgbClr val="ffffff"/>
+          <a:bodyPr lIns="0" tIns="0" rIns="0" bIns="0"/>
+          <a:lstStyle/>
+          <a:p>
+            <a:endParaRPr lang="de-DE" sz="1400" b="0" strike="noStrike" spc="-1">
+              <a:solidFill>
+                <a:srgbClr val="000000"/>
+              </a:solidFill>
+              <a:uFill>
+                <a:solidFill>
+                  <a:srgbClr val="FFFFFF"/>
                 </a:solidFill>
               </a:uFill>
               <a:latin typeface="Arial"/>
@@ -2257,15 +2504,16 @@
           </a:prstGeom>
         </p:spPr>
         <p:txBody>
-          <a:bodyPr lIns="0" rIns="0" tIns="0" bIns="0"/>
-          <a:p>
-            <a:endParaRPr b="0" lang="de-DE" sz="1400" spc="-1" strike="noStrike">
-              <a:solidFill>
-                <a:srgbClr val="000000"/>
-              </a:solidFill>
-              <a:uFill>
-                <a:solidFill>
-                  <a:srgbClr val="ffffff"/>
+          <a:bodyPr lIns="0" tIns="0" rIns="0" bIns="0"/>
+          <a:lstStyle/>
+          <a:p>
+            <a:endParaRPr lang="de-DE" sz="1400" b="0" strike="noStrike" spc="-1">
+              <a:solidFill>
+                <a:srgbClr val="000000"/>
+              </a:solidFill>
+              <a:uFill>
+                <a:solidFill>
+                  <a:srgbClr val="FFFFFF"/>
                 </a:solidFill>
               </a:uFill>
               <a:latin typeface="Arial"/>
@@ -2275,11 +2523,14 @@
       </p:sp>
     </p:spTree>
   </p:cSld>
+  <p:clrMapOvr>
+    <a:masterClrMapping/>
+  </p:clrMapOvr>
 </p:sldLayout>
 </file>
 
 <file path=ppt/slideLayouts/slideLayout21.xml><?xml version="1.0" encoding="utf-8"?>
-<p:sldLayout xmlns:a="http://schemas.openxmlformats.org/drawingml/2006/main" xmlns:p="http://schemas.openxmlformats.org/presentationml/2006/main" xmlns:r="http://schemas.openxmlformats.org/officeDocument/2006/relationships" xmlns:p14="http://schemas.microsoft.com/office/powerpoint/2010/main" xmlns:p15="http://schemas.microsoft.com/office/powerpoint/2012/main" xmlns:mc="http://schemas.openxmlformats.org/markup-compatibility/2006" type="twoObjOverTx" preserve="1">
+<p:sldLayout xmlns:a="http://schemas.openxmlformats.org/drawingml/2006/main" xmlns:r="http://schemas.openxmlformats.org/officeDocument/2006/relationships" xmlns:p="http://schemas.openxmlformats.org/presentationml/2006/main" type="twoObjOverTx" preserve="1">
   <p:cSld name="Title, 2 Content over Content">
     <p:spTree>
       <p:nvGrpSpPr>
@@ -2315,15 +2566,16 @@
           </a:prstGeom>
         </p:spPr>
         <p:txBody>
-          <a:bodyPr lIns="0" rIns="0" tIns="0" bIns="0" anchor="ctr"/>
-          <a:p>
-            <a:endParaRPr b="0" lang="de-DE" sz="1400" spc="-1" strike="noStrike">
-              <a:solidFill>
-                <a:srgbClr val="000000"/>
-              </a:solidFill>
-              <a:uFill>
-                <a:solidFill>
-                  <a:srgbClr val="ffffff"/>
+          <a:bodyPr lIns="0" tIns="0" rIns="0" bIns="0" anchor="ctr"/>
+          <a:lstStyle/>
+          <a:p>
+            <a:endParaRPr lang="de-DE" sz="1400" b="0" strike="noStrike" spc="-1">
+              <a:solidFill>
+                <a:srgbClr val="000000"/>
+              </a:solidFill>
+              <a:uFill>
+                <a:solidFill>
+                  <a:srgbClr val="FFFFFF"/>
                 </a:solidFill>
               </a:uFill>
               <a:latin typeface="Arial"/>
@@ -2351,15 +2603,16 @@
           </a:prstGeom>
         </p:spPr>
         <p:txBody>
-          <a:bodyPr lIns="0" rIns="0" tIns="0" bIns="0"/>
-          <a:p>
-            <a:endParaRPr b="0" lang="de-DE" sz="1400" spc="-1" strike="noStrike">
-              <a:solidFill>
-                <a:srgbClr val="000000"/>
-              </a:solidFill>
-              <a:uFill>
-                <a:solidFill>
-                  <a:srgbClr val="ffffff"/>
+          <a:bodyPr lIns="0" tIns="0" rIns="0" bIns="0"/>
+          <a:lstStyle/>
+          <a:p>
+            <a:endParaRPr lang="de-DE" sz="1400" b="0" strike="noStrike" spc="-1">
+              <a:solidFill>
+                <a:srgbClr val="000000"/>
+              </a:solidFill>
+              <a:uFill>
+                <a:solidFill>
+                  <a:srgbClr val="FFFFFF"/>
                 </a:solidFill>
               </a:uFill>
               <a:latin typeface="Arial"/>
@@ -2387,15 +2640,16 @@
           </a:prstGeom>
         </p:spPr>
         <p:txBody>
-          <a:bodyPr lIns="0" rIns="0" tIns="0" bIns="0"/>
-          <a:p>
-            <a:endParaRPr b="0" lang="de-DE" sz="1400" spc="-1" strike="noStrike">
-              <a:solidFill>
-                <a:srgbClr val="000000"/>
-              </a:solidFill>
-              <a:uFill>
-                <a:solidFill>
-                  <a:srgbClr val="ffffff"/>
+          <a:bodyPr lIns="0" tIns="0" rIns="0" bIns="0"/>
+          <a:lstStyle/>
+          <a:p>
+            <a:endParaRPr lang="de-DE" sz="1400" b="0" strike="noStrike" spc="-1">
+              <a:solidFill>
+                <a:srgbClr val="000000"/>
+              </a:solidFill>
+              <a:uFill>
+                <a:solidFill>
+                  <a:srgbClr val="FFFFFF"/>
                 </a:solidFill>
               </a:uFill>
               <a:latin typeface="Arial"/>
@@ -2423,15 +2677,16 @@
           </a:prstGeom>
         </p:spPr>
         <p:txBody>
-          <a:bodyPr lIns="0" rIns="0" tIns="0" bIns="0"/>
-          <a:p>
-            <a:endParaRPr b="0" lang="de-DE" sz="1400" spc="-1" strike="noStrike">
-              <a:solidFill>
-                <a:srgbClr val="000000"/>
-              </a:solidFill>
-              <a:uFill>
-                <a:solidFill>
-                  <a:srgbClr val="ffffff"/>
+          <a:bodyPr lIns="0" tIns="0" rIns="0" bIns="0"/>
+          <a:lstStyle/>
+          <a:p>
+            <a:endParaRPr lang="de-DE" sz="1400" b="0" strike="noStrike" spc="-1">
+              <a:solidFill>
+                <a:srgbClr val="000000"/>
+              </a:solidFill>
+              <a:uFill>
+                <a:solidFill>
+                  <a:srgbClr val="FFFFFF"/>
                 </a:solidFill>
               </a:uFill>
               <a:latin typeface="Arial"/>
@@ -2441,11 +2696,14 @@
       </p:sp>
     </p:spTree>
   </p:cSld>
+  <p:clrMapOvr>
+    <a:masterClrMapping/>
+  </p:clrMapOvr>
 </p:sldLayout>
 </file>
 
 <file path=ppt/slideLayouts/slideLayout22.xml><?xml version="1.0" encoding="utf-8"?>
-<p:sldLayout xmlns:a="http://schemas.openxmlformats.org/drawingml/2006/main" xmlns:p="http://schemas.openxmlformats.org/presentationml/2006/main" xmlns:r="http://schemas.openxmlformats.org/officeDocument/2006/relationships" xmlns:p14="http://schemas.microsoft.com/office/powerpoint/2010/main" xmlns:p15="http://schemas.microsoft.com/office/powerpoint/2012/main" xmlns:mc="http://schemas.openxmlformats.org/markup-compatibility/2006" type="objOverTx" preserve="1">
+<p:sldLayout xmlns:a="http://schemas.openxmlformats.org/drawingml/2006/main" xmlns:r="http://schemas.openxmlformats.org/officeDocument/2006/relationships" xmlns:p="http://schemas.openxmlformats.org/presentationml/2006/main" type="objOverTx" preserve="1">
   <p:cSld name="Title, Content over Content">
     <p:spTree>
       <p:nvGrpSpPr>
@@ -2481,15 +2739,16 @@
           </a:prstGeom>
         </p:spPr>
         <p:txBody>
-          <a:bodyPr lIns="0" rIns="0" tIns="0" bIns="0" anchor="ctr"/>
-          <a:p>
-            <a:endParaRPr b="0" lang="de-DE" sz="1400" spc="-1" strike="noStrike">
-              <a:solidFill>
-                <a:srgbClr val="000000"/>
-              </a:solidFill>
-              <a:uFill>
-                <a:solidFill>
-                  <a:srgbClr val="ffffff"/>
+          <a:bodyPr lIns="0" tIns="0" rIns="0" bIns="0" anchor="ctr"/>
+          <a:lstStyle/>
+          <a:p>
+            <a:endParaRPr lang="de-DE" sz="1400" b="0" strike="noStrike" spc="-1">
+              <a:solidFill>
+                <a:srgbClr val="000000"/>
+              </a:solidFill>
+              <a:uFill>
+                <a:solidFill>
+                  <a:srgbClr val="FFFFFF"/>
                 </a:solidFill>
               </a:uFill>
               <a:latin typeface="Arial"/>
@@ -2517,15 +2776,16 @@
           </a:prstGeom>
         </p:spPr>
         <p:txBody>
-          <a:bodyPr lIns="0" rIns="0" tIns="0" bIns="0"/>
-          <a:p>
-            <a:endParaRPr b="0" lang="de-DE" sz="1400" spc="-1" strike="noStrike">
-              <a:solidFill>
-                <a:srgbClr val="000000"/>
-              </a:solidFill>
-              <a:uFill>
-                <a:solidFill>
-                  <a:srgbClr val="ffffff"/>
+          <a:bodyPr lIns="0" tIns="0" rIns="0" bIns="0"/>
+          <a:lstStyle/>
+          <a:p>
+            <a:endParaRPr lang="de-DE" sz="1400" b="0" strike="noStrike" spc="-1">
+              <a:solidFill>
+                <a:srgbClr val="000000"/>
+              </a:solidFill>
+              <a:uFill>
+                <a:solidFill>
+                  <a:srgbClr val="FFFFFF"/>
                 </a:solidFill>
               </a:uFill>
               <a:latin typeface="Arial"/>
@@ -2553,15 +2813,16 @@
           </a:prstGeom>
         </p:spPr>
         <p:txBody>
-          <a:bodyPr lIns="0" rIns="0" tIns="0" bIns="0"/>
-          <a:p>
-            <a:endParaRPr b="0" lang="de-DE" sz="1400" spc="-1" strike="noStrike">
-              <a:solidFill>
-                <a:srgbClr val="000000"/>
-              </a:solidFill>
-              <a:uFill>
-                <a:solidFill>
-                  <a:srgbClr val="ffffff"/>
+          <a:bodyPr lIns="0" tIns="0" rIns="0" bIns="0"/>
+          <a:lstStyle/>
+          <a:p>
+            <a:endParaRPr lang="de-DE" sz="1400" b="0" strike="noStrike" spc="-1">
+              <a:solidFill>
+                <a:srgbClr val="000000"/>
+              </a:solidFill>
+              <a:uFill>
+                <a:solidFill>
+                  <a:srgbClr val="FFFFFF"/>
                 </a:solidFill>
               </a:uFill>
               <a:latin typeface="Arial"/>
@@ -2571,11 +2832,14 @@
       </p:sp>
     </p:spTree>
   </p:cSld>
+  <p:clrMapOvr>
+    <a:masterClrMapping/>
+  </p:clrMapOvr>
 </p:sldLayout>
 </file>
 
 <file path=ppt/slideLayouts/slideLayout23.xml><?xml version="1.0" encoding="utf-8"?>
-<p:sldLayout xmlns:a="http://schemas.openxmlformats.org/drawingml/2006/main" xmlns:p="http://schemas.openxmlformats.org/presentationml/2006/main" xmlns:r="http://schemas.openxmlformats.org/officeDocument/2006/relationships" xmlns:p14="http://schemas.microsoft.com/office/powerpoint/2010/main" xmlns:p15="http://schemas.microsoft.com/office/powerpoint/2012/main" xmlns:mc="http://schemas.openxmlformats.org/markup-compatibility/2006" type="fourObj" preserve="1">
+<p:sldLayout xmlns:a="http://schemas.openxmlformats.org/drawingml/2006/main" xmlns:r="http://schemas.openxmlformats.org/officeDocument/2006/relationships" xmlns:p="http://schemas.openxmlformats.org/presentationml/2006/main" type="fourObj" preserve="1">
   <p:cSld name="Title, 4 Content">
     <p:spTree>
       <p:nvGrpSpPr>
@@ -2611,15 +2875,16 @@
           </a:prstGeom>
         </p:spPr>
         <p:txBody>
-          <a:bodyPr lIns="0" rIns="0" tIns="0" bIns="0" anchor="ctr"/>
-          <a:p>
-            <a:endParaRPr b="0" lang="de-DE" sz="1400" spc="-1" strike="noStrike">
-              <a:solidFill>
-                <a:srgbClr val="000000"/>
-              </a:solidFill>
-              <a:uFill>
-                <a:solidFill>
-                  <a:srgbClr val="ffffff"/>
+          <a:bodyPr lIns="0" tIns="0" rIns="0" bIns="0" anchor="ctr"/>
+          <a:lstStyle/>
+          <a:p>
+            <a:endParaRPr lang="de-DE" sz="1400" b="0" strike="noStrike" spc="-1">
+              <a:solidFill>
+                <a:srgbClr val="000000"/>
+              </a:solidFill>
+              <a:uFill>
+                <a:solidFill>
+                  <a:srgbClr val="FFFFFF"/>
                 </a:solidFill>
               </a:uFill>
               <a:latin typeface="Arial"/>
@@ -2647,15 +2912,16 @@
           </a:prstGeom>
         </p:spPr>
         <p:txBody>
-          <a:bodyPr lIns="0" rIns="0" tIns="0" bIns="0"/>
-          <a:p>
-            <a:endParaRPr b="0" lang="de-DE" sz="1400" spc="-1" strike="noStrike">
-              <a:solidFill>
-                <a:srgbClr val="000000"/>
-              </a:solidFill>
-              <a:uFill>
-                <a:solidFill>
-                  <a:srgbClr val="ffffff"/>
+          <a:bodyPr lIns="0" tIns="0" rIns="0" bIns="0"/>
+          <a:lstStyle/>
+          <a:p>
+            <a:endParaRPr lang="de-DE" sz="1400" b="0" strike="noStrike" spc="-1">
+              <a:solidFill>
+                <a:srgbClr val="000000"/>
+              </a:solidFill>
+              <a:uFill>
+                <a:solidFill>
+                  <a:srgbClr val="FFFFFF"/>
                 </a:solidFill>
               </a:uFill>
               <a:latin typeface="Arial"/>
@@ -2683,15 +2949,16 @@
           </a:prstGeom>
         </p:spPr>
         <p:txBody>
-          <a:bodyPr lIns="0" rIns="0" tIns="0" bIns="0"/>
-          <a:p>
-            <a:endParaRPr b="0" lang="de-DE" sz="1400" spc="-1" strike="noStrike">
-              <a:solidFill>
-                <a:srgbClr val="000000"/>
-              </a:solidFill>
-              <a:uFill>
-                <a:solidFill>
-                  <a:srgbClr val="ffffff"/>
+          <a:bodyPr lIns="0" tIns="0" rIns="0" bIns="0"/>
+          <a:lstStyle/>
+          <a:p>
+            <a:endParaRPr lang="de-DE" sz="1400" b="0" strike="noStrike" spc="-1">
+              <a:solidFill>
+                <a:srgbClr val="000000"/>
+              </a:solidFill>
+              <a:uFill>
+                <a:solidFill>
+                  <a:srgbClr val="FFFFFF"/>
                 </a:solidFill>
               </a:uFill>
               <a:latin typeface="Arial"/>
@@ -2719,15 +2986,16 @@
           </a:prstGeom>
         </p:spPr>
         <p:txBody>
-          <a:bodyPr lIns="0" rIns="0" tIns="0" bIns="0"/>
-          <a:p>
-            <a:endParaRPr b="0" lang="de-DE" sz="1400" spc="-1" strike="noStrike">
-              <a:solidFill>
-                <a:srgbClr val="000000"/>
-              </a:solidFill>
-              <a:uFill>
-                <a:solidFill>
-                  <a:srgbClr val="ffffff"/>
+          <a:bodyPr lIns="0" tIns="0" rIns="0" bIns="0"/>
+          <a:lstStyle/>
+          <a:p>
+            <a:endParaRPr lang="de-DE" sz="1400" b="0" strike="noStrike" spc="-1">
+              <a:solidFill>
+                <a:srgbClr val="000000"/>
+              </a:solidFill>
+              <a:uFill>
+                <a:solidFill>
+                  <a:srgbClr val="FFFFFF"/>
                 </a:solidFill>
               </a:uFill>
               <a:latin typeface="Arial"/>
@@ -2755,15 +3023,16 @@
           </a:prstGeom>
         </p:spPr>
         <p:txBody>
-          <a:bodyPr lIns="0" rIns="0" tIns="0" bIns="0"/>
-          <a:p>
-            <a:endParaRPr b="0" lang="de-DE" sz="1400" spc="-1" strike="noStrike">
-              <a:solidFill>
-                <a:srgbClr val="000000"/>
-              </a:solidFill>
-              <a:uFill>
-                <a:solidFill>
-                  <a:srgbClr val="ffffff"/>
+          <a:bodyPr lIns="0" tIns="0" rIns="0" bIns="0"/>
+          <a:lstStyle/>
+          <a:p>
+            <a:endParaRPr lang="de-DE" sz="1400" b="0" strike="noStrike" spc="-1">
+              <a:solidFill>
+                <a:srgbClr val="000000"/>
+              </a:solidFill>
+              <a:uFill>
+                <a:solidFill>
+                  <a:srgbClr val="FFFFFF"/>
                 </a:solidFill>
               </a:uFill>
               <a:latin typeface="Arial"/>
@@ -2773,11 +3042,14 @@
       </p:sp>
     </p:spTree>
   </p:cSld>
+  <p:clrMapOvr>
+    <a:masterClrMapping/>
+  </p:clrMapOvr>
 </p:sldLayout>
 </file>
 
 <file path=ppt/slideLayouts/slideLayout24.xml><?xml version="1.0" encoding="utf-8"?>
-<p:sldLayout xmlns:a="http://schemas.openxmlformats.org/drawingml/2006/main" xmlns:p="http://schemas.openxmlformats.org/presentationml/2006/main" xmlns:r="http://schemas.openxmlformats.org/officeDocument/2006/relationships" xmlns:p14="http://schemas.microsoft.com/office/powerpoint/2010/main" xmlns:p15="http://schemas.microsoft.com/office/powerpoint/2012/main" xmlns:mc="http://schemas.openxmlformats.org/markup-compatibility/2006" type="blank" preserve="1">
+<p:sldLayout xmlns:a="http://schemas.openxmlformats.org/drawingml/2006/main" xmlns:r="http://schemas.openxmlformats.org/officeDocument/2006/relationships" xmlns:p="http://schemas.openxmlformats.org/presentationml/2006/main" type="blank" preserve="1">
   <p:cSld name="Title, 6 Content">
     <p:spTree>
       <p:nvGrpSpPr>
@@ -2813,15 +3085,16 @@
           </a:prstGeom>
         </p:spPr>
         <p:txBody>
-          <a:bodyPr lIns="0" rIns="0" tIns="0" bIns="0" anchor="ctr"/>
-          <a:p>
-            <a:endParaRPr b="0" lang="de-DE" sz="1400" spc="-1" strike="noStrike">
-              <a:solidFill>
-                <a:srgbClr val="000000"/>
-              </a:solidFill>
-              <a:uFill>
-                <a:solidFill>
-                  <a:srgbClr val="ffffff"/>
+          <a:bodyPr lIns="0" tIns="0" rIns="0" bIns="0" anchor="ctr"/>
+          <a:lstStyle/>
+          <a:p>
+            <a:endParaRPr lang="de-DE" sz="1400" b="0" strike="noStrike" spc="-1">
+              <a:solidFill>
+                <a:srgbClr val="000000"/>
+              </a:solidFill>
+              <a:uFill>
+                <a:solidFill>
+                  <a:srgbClr val="FFFFFF"/>
                 </a:solidFill>
               </a:uFill>
               <a:latin typeface="Arial"/>
@@ -2849,15 +3122,16 @@
           </a:prstGeom>
         </p:spPr>
         <p:txBody>
-          <a:bodyPr lIns="0" rIns="0" tIns="0" bIns="0"/>
-          <a:p>
-            <a:endParaRPr b="0" lang="de-DE" sz="1400" spc="-1" strike="noStrike">
-              <a:solidFill>
-                <a:srgbClr val="000000"/>
-              </a:solidFill>
-              <a:uFill>
-                <a:solidFill>
-                  <a:srgbClr val="ffffff"/>
+          <a:bodyPr lIns="0" tIns="0" rIns="0" bIns="0"/>
+          <a:lstStyle/>
+          <a:p>
+            <a:endParaRPr lang="de-DE" sz="1400" b="0" strike="noStrike" spc="-1">
+              <a:solidFill>
+                <a:srgbClr val="000000"/>
+              </a:solidFill>
+              <a:uFill>
+                <a:solidFill>
+                  <a:srgbClr val="FFFFFF"/>
                 </a:solidFill>
               </a:uFill>
               <a:latin typeface="Arial"/>
@@ -2885,15 +3159,16 @@
           </a:prstGeom>
         </p:spPr>
         <p:txBody>
-          <a:bodyPr lIns="0" rIns="0" tIns="0" bIns="0"/>
-          <a:p>
-            <a:endParaRPr b="0" lang="de-DE" sz="1400" spc="-1" strike="noStrike">
-              <a:solidFill>
-                <a:srgbClr val="000000"/>
-              </a:solidFill>
-              <a:uFill>
-                <a:solidFill>
-                  <a:srgbClr val="ffffff"/>
+          <a:bodyPr lIns="0" tIns="0" rIns="0" bIns="0"/>
+          <a:lstStyle/>
+          <a:p>
+            <a:endParaRPr lang="de-DE" sz="1400" b="0" strike="noStrike" spc="-1">
+              <a:solidFill>
+                <a:srgbClr val="000000"/>
+              </a:solidFill>
+              <a:uFill>
+                <a:solidFill>
+                  <a:srgbClr val="FFFFFF"/>
                 </a:solidFill>
               </a:uFill>
               <a:latin typeface="Arial"/>
@@ -2903,7 +3178,7 @@
       </p:sp>
       <p:pic>
         <p:nvPicPr>
-          <p:cNvPr id="90" name="" descr=""/>
+          <p:cNvPr id="90" name="Grafik 89"/>
           <p:cNvPicPr/>
           <p:nvPr/>
         </p:nvPicPr>
@@ -2926,12 +3201,12 @@
       </p:pic>
       <p:pic>
         <p:nvPicPr>
-          <p:cNvPr id="91" name="" descr=""/>
+          <p:cNvPr id="91" name="Grafik 90"/>
           <p:cNvPicPr/>
           <p:nvPr/>
         </p:nvPicPr>
         <p:blipFill>
-          <a:blip r:embed="rId3"/>
+          <a:blip r:embed="rId2"/>
           <a:stretch/>
         </p:blipFill>
         <p:spPr>
@@ -2949,11 +3224,14 @@
       </p:pic>
     </p:spTree>
   </p:cSld>
+  <p:clrMapOvr>
+    <a:masterClrMapping/>
+  </p:clrMapOvr>
 </p:sldLayout>
 </file>
 
 <file path=ppt/slideLayouts/slideLayout25.xml><?xml version="1.0" encoding="utf-8"?>
-<p:sldLayout xmlns:a="http://schemas.openxmlformats.org/drawingml/2006/main" xmlns:p="http://schemas.openxmlformats.org/presentationml/2006/main" xmlns:r="http://schemas.openxmlformats.org/officeDocument/2006/relationships" xmlns:p14="http://schemas.microsoft.com/office/powerpoint/2010/main" xmlns:p15="http://schemas.microsoft.com/office/powerpoint/2012/main" xmlns:mc="http://schemas.openxmlformats.org/markup-compatibility/2006" type="blank" preserve="1">
+<p:sldLayout xmlns:a="http://schemas.openxmlformats.org/drawingml/2006/main" xmlns:r="http://schemas.openxmlformats.org/officeDocument/2006/relationships" xmlns:p="http://schemas.openxmlformats.org/presentationml/2006/main" type="blank" preserve="1">
   <p:cSld name="Blank Slide">
     <p:spTree>
       <p:nvGrpSpPr>
@@ -2971,11 +3249,14 @@
       </p:grpSpPr>
     </p:spTree>
   </p:cSld>
+  <p:clrMapOvr>
+    <a:masterClrMapping/>
+  </p:clrMapOvr>
 </p:sldLayout>
 </file>
 
 <file path=ppt/slideLayouts/slideLayout26.xml><?xml version="1.0" encoding="utf-8"?>
-<p:sldLayout xmlns:a="http://schemas.openxmlformats.org/drawingml/2006/main" xmlns:p="http://schemas.openxmlformats.org/presentationml/2006/main" xmlns:r="http://schemas.openxmlformats.org/officeDocument/2006/relationships" xmlns:p14="http://schemas.microsoft.com/office/powerpoint/2010/main" xmlns:p15="http://schemas.microsoft.com/office/powerpoint/2012/main" xmlns:mc="http://schemas.openxmlformats.org/markup-compatibility/2006" type="tx" preserve="1">
+<p:sldLayout xmlns:a="http://schemas.openxmlformats.org/drawingml/2006/main" xmlns:r="http://schemas.openxmlformats.org/officeDocument/2006/relationships" xmlns:p="http://schemas.openxmlformats.org/presentationml/2006/main" type="tx" preserve="1">
   <p:cSld name="Title Slide">
     <p:spTree>
       <p:nvGrpSpPr>
@@ -3011,15 +3292,16 @@
           </a:prstGeom>
         </p:spPr>
         <p:txBody>
-          <a:bodyPr lIns="0" rIns="0" tIns="0" bIns="0" anchor="ctr"/>
-          <a:p>
-            <a:endParaRPr b="0" lang="de-DE" sz="1400" spc="-1" strike="noStrike">
-              <a:solidFill>
-                <a:srgbClr val="000000"/>
-              </a:solidFill>
-              <a:uFill>
-                <a:solidFill>
-                  <a:srgbClr val="ffffff"/>
+          <a:bodyPr lIns="0" tIns="0" rIns="0" bIns="0" anchor="ctr"/>
+          <a:lstStyle/>
+          <a:p>
+            <a:endParaRPr lang="de-DE" sz="1400" b="0" strike="noStrike" spc="-1">
+              <a:solidFill>
+                <a:srgbClr val="000000"/>
+              </a:solidFill>
+              <a:uFill>
+                <a:solidFill>
+                  <a:srgbClr val="FFFFFF"/>
                 </a:solidFill>
               </a:uFill>
               <a:latin typeface="Arial"/>
@@ -3047,16 +3329,17 @@
           </a:prstGeom>
         </p:spPr>
         <p:txBody>
-          <a:bodyPr lIns="0" rIns="0" tIns="0" bIns="0" anchor="ctr"/>
+          <a:bodyPr lIns="0" tIns="0" rIns="0" bIns="0" anchor="ctr"/>
+          <a:lstStyle/>
           <a:p>
             <a:pPr algn="ctr"/>
-            <a:endParaRPr b="0" lang="de-DE" sz="3200" spc="-1" strike="noStrike">
-              <a:solidFill>
-                <a:srgbClr val="000000"/>
-              </a:solidFill>
-              <a:uFill>
-                <a:solidFill>
-                  <a:srgbClr val="ffffff"/>
+            <a:endParaRPr lang="de-DE" sz="3200" b="0" strike="noStrike" spc="-1">
+              <a:solidFill>
+                <a:srgbClr val="000000"/>
+              </a:solidFill>
+              <a:uFill>
+                <a:solidFill>
+                  <a:srgbClr val="FFFFFF"/>
                 </a:solidFill>
               </a:uFill>
               <a:latin typeface="Arial"/>
@@ -3066,11 +3349,14 @@
       </p:sp>
     </p:spTree>
   </p:cSld>
+  <p:clrMapOvr>
+    <a:masterClrMapping/>
+  </p:clrMapOvr>
 </p:sldLayout>
 </file>
 
 <file path=ppt/slideLayouts/slideLayout27.xml><?xml version="1.0" encoding="utf-8"?>
-<p:sldLayout xmlns:a="http://schemas.openxmlformats.org/drawingml/2006/main" xmlns:p="http://schemas.openxmlformats.org/presentationml/2006/main" xmlns:r="http://schemas.openxmlformats.org/officeDocument/2006/relationships" xmlns:p14="http://schemas.microsoft.com/office/powerpoint/2010/main" xmlns:p15="http://schemas.microsoft.com/office/powerpoint/2012/main" xmlns:mc="http://schemas.openxmlformats.org/markup-compatibility/2006" type="obj" preserve="1">
+<p:sldLayout xmlns:a="http://schemas.openxmlformats.org/drawingml/2006/main" xmlns:r="http://schemas.openxmlformats.org/officeDocument/2006/relationships" xmlns:p="http://schemas.openxmlformats.org/presentationml/2006/main" type="obj" preserve="1">
   <p:cSld name="Title, Content">
     <p:spTree>
       <p:nvGrpSpPr>
@@ -3106,15 +3392,16 @@
           </a:prstGeom>
         </p:spPr>
         <p:txBody>
-          <a:bodyPr lIns="0" rIns="0" tIns="0" bIns="0" anchor="ctr"/>
-          <a:p>
-            <a:endParaRPr b="0" lang="de-DE" sz="1400" spc="-1" strike="noStrike">
-              <a:solidFill>
-                <a:srgbClr val="000000"/>
-              </a:solidFill>
-              <a:uFill>
-                <a:solidFill>
-                  <a:srgbClr val="ffffff"/>
+          <a:bodyPr lIns="0" tIns="0" rIns="0" bIns="0" anchor="ctr"/>
+          <a:lstStyle/>
+          <a:p>
+            <a:endParaRPr lang="de-DE" sz="1400" b="0" strike="noStrike" spc="-1">
+              <a:solidFill>
+                <a:srgbClr val="000000"/>
+              </a:solidFill>
+              <a:uFill>
+                <a:solidFill>
+                  <a:srgbClr val="FFFFFF"/>
                 </a:solidFill>
               </a:uFill>
               <a:latin typeface="Arial"/>
@@ -3142,15 +3429,16 @@
           </a:prstGeom>
         </p:spPr>
         <p:txBody>
-          <a:bodyPr lIns="0" rIns="0" tIns="0" bIns="0"/>
-          <a:p>
-            <a:endParaRPr b="0" lang="de-DE" sz="1400" spc="-1" strike="noStrike">
-              <a:solidFill>
-                <a:srgbClr val="000000"/>
-              </a:solidFill>
-              <a:uFill>
-                <a:solidFill>
-                  <a:srgbClr val="ffffff"/>
+          <a:bodyPr lIns="0" tIns="0" rIns="0" bIns="0"/>
+          <a:lstStyle/>
+          <a:p>
+            <a:endParaRPr lang="de-DE" sz="1400" b="0" strike="noStrike" spc="-1">
+              <a:solidFill>
+                <a:srgbClr val="000000"/>
+              </a:solidFill>
+              <a:uFill>
+                <a:solidFill>
+                  <a:srgbClr val="FFFFFF"/>
                 </a:solidFill>
               </a:uFill>
               <a:latin typeface="Arial"/>
@@ -3160,11 +3448,14 @@
       </p:sp>
     </p:spTree>
   </p:cSld>
+  <p:clrMapOvr>
+    <a:masterClrMapping/>
+  </p:clrMapOvr>
 </p:sldLayout>
 </file>
 
 <file path=ppt/slideLayouts/slideLayout28.xml><?xml version="1.0" encoding="utf-8"?>
-<p:sldLayout xmlns:a="http://schemas.openxmlformats.org/drawingml/2006/main" xmlns:p="http://schemas.openxmlformats.org/presentationml/2006/main" xmlns:r="http://schemas.openxmlformats.org/officeDocument/2006/relationships" xmlns:p14="http://schemas.microsoft.com/office/powerpoint/2010/main" xmlns:p15="http://schemas.microsoft.com/office/powerpoint/2012/main" xmlns:mc="http://schemas.openxmlformats.org/markup-compatibility/2006" type="twoObj" preserve="1">
+<p:sldLayout xmlns:a="http://schemas.openxmlformats.org/drawingml/2006/main" xmlns:r="http://schemas.openxmlformats.org/officeDocument/2006/relationships" xmlns:p="http://schemas.openxmlformats.org/presentationml/2006/main" type="twoObj" preserve="1">
   <p:cSld name="Title, 2 Content">
     <p:spTree>
       <p:nvGrpSpPr>
@@ -3200,15 +3491,16 @@
           </a:prstGeom>
         </p:spPr>
         <p:txBody>
-          <a:bodyPr lIns="0" rIns="0" tIns="0" bIns="0" anchor="ctr"/>
-          <a:p>
-            <a:endParaRPr b="0" lang="de-DE" sz="1400" spc="-1" strike="noStrike">
-              <a:solidFill>
-                <a:srgbClr val="000000"/>
-              </a:solidFill>
-              <a:uFill>
-                <a:solidFill>
-                  <a:srgbClr val="ffffff"/>
+          <a:bodyPr lIns="0" tIns="0" rIns="0" bIns="0" anchor="ctr"/>
+          <a:lstStyle/>
+          <a:p>
+            <a:endParaRPr lang="de-DE" sz="1400" b="0" strike="noStrike" spc="-1">
+              <a:solidFill>
+                <a:srgbClr val="000000"/>
+              </a:solidFill>
+              <a:uFill>
+                <a:solidFill>
+                  <a:srgbClr val="FFFFFF"/>
                 </a:solidFill>
               </a:uFill>
               <a:latin typeface="Arial"/>
@@ -3236,15 +3528,16 @@
           </a:prstGeom>
         </p:spPr>
         <p:txBody>
-          <a:bodyPr lIns="0" rIns="0" tIns="0" bIns="0"/>
-          <a:p>
-            <a:endParaRPr b="0" lang="de-DE" sz="1400" spc="-1" strike="noStrike">
-              <a:solidFill>
-                <a:srgbClr val="000000"/>
-              </a:solidFill>
-              <a:uFill>
-                <a:solidFill>
-                  <a:srgbClr val="ffffff"/>
+          <a:bodyPr lIns="0" tIns="0" rIns="0" bIns="0"/>
+          <a:lstStyle/>
+          <a:p>
+            <a:endParaRPr lang="de-DE" sz="1400" b="0" strike="noStrike" spc="-1">
+              <a:solidFill>
+                <a:srgbClr val="000000"/>
+              </a:solidFill>
+              <a:uFill>
+                <a:solidFill>
+                  <a:srgbClr val="FFFFFF"/>
                 </a:solidFill>
               </a:uFill>
               <a:latin typeface="Arial"/>
@@ -3272,15 +3565,16 @@
           </a:prstGeom>
         </p:spPr>
         <p:txBody>
-          <a:bodyPr lIns="0" rIns="0" tIns="0" bIns="0"/>
-          <a:p>
-            <a:endParaRPr b="0" lang="de-DE" sz="1400" spc="-1" strike="noStrike">
-              <a:solidFill>
-                <a:srgbClr val="000000"/>
-              </a:solidFill>
-              <a:uFill>
-                <a:solidFill>
-                  <a:srgbClr val="ffffff"/>
+          <a:bodyPr lIns="0" tIns="0" rIns="0" bIns="0"/>
+          <a:lstStyle/>
+          <a:p>
+            <a:endParaRPr lang="de-DE" sz="1400" b="0" strike="noStrike" spc="-1">
+              <a:solidFill>
+                <a:srgbClr val="000000"/>
+              </a:solidFill>
+              <a:uFill>
+                <a:solidFill>
+                  <a:srgbClr val="FFFFFF"/>
                 </a:solidFill>
               </a:uFill>
               <a:latin typeface="Arial"/>
@@ -3290,11 +3584,14 @@
       </p:sp>
     </p:spTree>
   </p:cSld>
+  <p:clrMapOvr>
+    <a:masterClrMapping/>
+  </p:clrMapOvr>
 </p:sldLayout>
 </file>
 
 <file path=ppt/slideLayouts/slideLayout29.xml><?xml version="1.0" encoding="utf-8"?>
-<p:sldLayout xmlns:a="http://schemas.openxmlformats.org/drawingml/2006/main" xmlns:p="http://schemas.openxmlformats.org/presentationml/2006/main" xmlns:r="http://schemas.openxmlformats.org/officeDocument/2006/relationships" xmlns:p14="http://schemas.microsoft.com/office/powerpoint/2010/main" xmlns:p15="http://schemas.microsoft.com/office/powerpoint/2012/main" xmlns:mc="http://schemas.openxmlformats.org/markup-compatibility/2006" type="titleOnly" preserve="1">
+<p:sldLayout xmlns:a="http://schemas.openxmlformats.org/drawingml/2006/main" xmlns:r="http://schemas.openxmlformats.org/officeDocument/2006/relationships" xmlns:p="http://schemas.openxmlformats.org/presentationml/2006/main" type="titleOnly" preserve="1">
   <p:cSld name="Title Only">
     <p:spTree>
       <p:nvGrpSpPr>
@@ -3330,15 +3627,16 @@
           </a:prstGeom>
         </p:spPr>
         <p:txBody>
-          <a:bodyPr lIns="0" rIns="0" tIns="0" bIns="0" anchor="ctr"/>
-          <a:p>
-            <a:endParaRPr b="0" lang="de-DE" sz="1400" spc="-1" strike="noStrike">
-              <a:solidFill>
-                <a:srgbClr val="000000"/>
-              </a:solidFill>
-              <a:uFill>
-                <a:solidFill>
-                  <a:srgbClr val="ffffff"/>
+          <a:bodyPr lIns="0" tIns="0" rIns="0" bIns="0" anchor="ctr"/>
+          <a:lstStyle/>
+          <a:p>
+            <a:endParaRPr lang="de-DE" sz="1400" b="0" strike="noStrike" spc="-1">
+              <a:solidFill>
+                <a:srgbClr val="000000"/>
+              </a:solidFill>
+              <a:uFill>
+                <a:solidFill>
+                  <a:srgbClr val="FFFFFF"/>
                 </a:solidFill>
               </a:uFill>
               <a:latin typeface="Arial"/>
@@ -3348,11 +3646,14 @@
       </p:sp>
     </p:spTree>
   </p:cSld>
+  <p:clrMapOvr>
+    <a:masterClrMapping/>
+  </p:clrMapOvr>
 </p:sldLayout>
 </file>
 
 <file path=ppt/slideLayouts/slideLayout3.xml><?xml version="1.0" encoding="utf-8"?>
-<p:sldLayout xmlns:a="http://schemas.openxmlformats.org/drawingml/2006/main" xmlns:p="http://schemas.openxmlformats.org/presentationml/2006/main" xmlns:r="http://schemas.openxmlformats.org/officeDocument/2006/relationships" xmlns:p14="http://schemas.microsoft.com/office/powerpoint/2010/main" xmlns:p15="http://schemas.microsoft.com/office/powerpoint/2012/main" xmlns:mc="http://schemas.openxmlformats.org/markup-compatibility/2006" type="obj" preserve="1">
+<p:sldLayout xmlns:a="http://schemas.openxmlformats.org/drawingml/2006/main" xmlns:r="http://schemas.openxmlformats.org/officeDocument/2006/relationships" xmlns:p="http://schemas.openxmlformats.org/presentationml/2006/main" type="obj" preserve="1">
   <p:cSld name="Title, Content">
     <p:spTree>
       <p:nvGrpSpPr>
@@ -3388,15 +3689,16 @@
           </a:prstGeom>
         </p:spPr>
         <p:txBody>
-          <a:bodyPr lIns="0" rIns="0" tIns="0" bIns="0" anchor="ctr"/>
-          <a:p>
-            <a:endParaRPr b="0" lang="de-DE" sz="1400" spc="-1" strike="noStrike">
-              <a:solidFill>
-                <a:srgbClr val="000000"/>
-              </a:solidFill>
-              <a:uFill>
-                <a:solidFill>
-                  <a:srgbClr val="ffffff"/>
+          <a:bodyPr lIns="0" tIns="0" rIns="0" bIns="0" anchor="ctr"/>
+          <a:lstStyle/>
+          <a:p>
+            <a:endParaRPr lang="de-DE" sz="1400" b="0" strike="noStrike" spc="-1">
+              <a:solidFill>
+                <a:srgbClr val="000000"/>
+              </a:solidFill>
+              <a:uFill>
+                <a:solidFill>
+                  <a:srgbClr val="FFFFFF"/>
                 </a:solidFill>
               </a:uFill>
               <a:latin typeface="Arial"/>
@@ -3424,15 +3726,16 @@
           </a:prstGeom>
         </p:spPr>
         <p:txBody>
-          <a:bodyPr lIns="0" rIns="0" tIns="0" bIns="0"/>
-          <a:p>
-            <a:endParaRPr b="0" lang="de-DE" sz="1400" spc="-1" strike="noStrike">
-              <a:solidFill>
-                <a:srgbClr val="000000"/>
-              </a:solidFill>
-              <a:uFill>
-                <a:solidFill>
-                  <a:srgbClr val="ffffff"/>
+          <a:bodyPr lIns="0" tIns="0" rIns="0" bIns="0"/>
+          <a:lstStyle/>
+          <a:p>
+            <a:endParaRPr lang="de-DE" sz="1400" b="0" strike="noStrike" spc="-1">
+              <a:solidFill>
+                <a:srgbClr val="000000"/>
+              </a:solidFill>
+              <a:uFill>
+                <a:solidFill>
+                  <a:srgbClr val="FFFFFF"/>
                 </a:solidFill>
               </a:uFill>
               <a:latin typeface="Arial"/>
@@ -3442,11 +3745,14 @@
       </p:sp>
     </p:spTree>
   </p:cSld>
+  <p:clrMapOvr>
+    <a:masterClrMapping/>
+  </p:clrMapOvr>
 </p:sldLayout>
 </file>
 
 <file path=ppt/slideLayouts/slideLayout30.xml><?xml version="1.0" encoding="utf-8"?>
-<p:sldLayout xmlns:a="http://schemas.openxmlformats.org/drawingml/2006/main" xmlns:p="http://schemas.openxmlformats.org/presentationml/2006/main" xmlns:r="http://schemas.openxmlformats.org/officeDocument/2006/relationships" xmlns:p14="http://schemas.microsoft.com/office/powerpoint/2010/main" xmlns:p15="http://schemas.microsoft.com/office/powerpoint/2012/main" xmlns:mc="http://schemas.openxmlformats.org/markup-compatibility/2006" type="objOnly" preserve="1">
+<p:sldLayout xmlns:a="http://schemas.openxmlformats.org/drawingml/2006/main" xmlns:r="http://schemas.openxmlformats.org/officeDocument/2006/relationships" xmlns:p="http://schemas.openxmlformats.org/presentationml/2006/main" type="objOnly" preserve="1">
   <p:cSld name="Centered Text">
     <p:spTree>
       <p:nvGrpSpPr>
@@ -3482,16 +3788,17 @@
           </a:prstGeom>
         </p:spPr>
         <p:txBody>
-          <a:bodyPr lIns="0" rIns="0" tIns="0" bIns="0" anchor="ctr"/>
+          <a:bodyPr lIns="0" tIns="0" rIns="0" bIns="0" anchor="ctr"/>
+          <a:lstStyle/>
           <a:p>
             <a:pPr algn="ctr"/>
-            <a:endParaRPr b="0" lang="de-DE" sz="3200" spc="-1" strike="noStrike">
-              <a:solidFill>
-                <a:srgbClr val="000000"/>
-              </a:solidFill>
-              <a:uFill>
-                <a:solidFill>
-                  <a:srgbClr val="ffffff"/>
+            <a:endParaRPr lang="de-DE" sz="3200" b="0" strike="noStrike" spc="-1">
+              <a:solidFill>
+                <a:srgbClr val="000000"/>
+              </a:solidFill>
+              <a:uFill>
+                <a:solidFill>
+                  <a:srgbClr val="FFFFFF"/>
                 </a:solidFill>
               </a:uFill>
               <a:latin typeface="Arial"/>
@@ -3501,11 +3808,14 @@
       </p:sp>
     </p:spTree>
   </p:cSld>
+  <p:clrMapOvr>
+    <a:masterClrMapping/>
+  </p:clrMapOvr>
 </p:sldLayout>
 </file>
 
 <file path=ppt/slideLayouts/slideLayout31.xml><?xml version="1.0" encoding="utf-8"?>
-<p:sldLayout xmlns:a="http://schemas.openxmlformats.org/drawingml/2006/main" xmlns:p="http://schemas.openxmlformats.org/presentationml/2006/main" xmlns:r="http://schemas.openxmlformats.org/officeDocument/2006/relationships" xmlns:p14="http://schemas.microsoft.com/office/powerpoint/2010/main" xmlns:p15="http://schemas.microsoft.com/office/powerpoint/2012/main" xmlns:mc="http://schemas.openxmlformats.org/markup-compatibility/2006" type="twoObjAndObj" preserve="1">
+<p:sldLayout xmlns:a="http://schemas.openxmlformats.org/drawingml/2006/main" xmlns:r="http://schemas.openxmlformats.org/officeDocument/2006/relationships" xmlns:p="http://schemas.openxmlformats.org/presentationml/2006/main" type="twoObjAndObj" preserve="1">
   <p:cSld name="Title, 2 Content and Content">
     <p:spTree>
       <p:nvGrpSpPr>
@@ -3541,15 +3851,16 @@
           </a:prstGeom>
         </p:spPr>
         <p:txBody>
-          <a:bodyPr lIns="0" rIns="0" tIns="0" bIns="0" anchor="ctr"/>
-          <a:p>
-            <a:endParaRPr b="0" lang="de-DE" sz="1400" spc="-1" strike="noStrike">
-              <a:solidFill>
-                <a:srgbClr val="000000"/>
-              </a:solidFill>
-              <a:uFill>
-                <a:solidFill>
-                  <a:srgbClr val="ffffff"/>
+          <a:bodyPr lIns="0" tIns="0" rIns="0" bIns="0" anchor="ctr"/>
+          <a:lstStyle/>
+          <a:p>
+            <a:endParaRPr lang="de-DE" sz="1400" b="0" strike="noStrike" spc="-1">
+              <a:solidFill>
+                <a:srgbClr val="000000"/>
+              </a:solidFill>
+              <a:uFill>
+                <a:solidFill>
+                  <a:srgbClr val="FFFFFF"/>
                 </a:solidFill>
               </a:uFill>
               <a:latin typeface="Arial"/>
@@ -3577,15 +3888,16 @@
           </a:prstGeom>
         </p:spPr>
         <p:txBody>
-          <a:bodyPr lIns="0" rIns="0" tIns="0" bIns="0"/>
-          <a:p>
-            <a:endParaRPr b="0" lang="de-DE" sz="1400" spc="-1" strike="noStrike">
-              <a:solidFill>
-                <a:srgbClr val="000000"/>
-              </a:solidFill>
-              <a:uFill>
-                <a:solidFill>
-                  <a:srgbClr val="ffffff"/>
+          <a:bodyPr lIns="0" tIns="0" rIns="0" bIns="0"/>
+          <a:lstStyle/>
+          <a:p>
+            <a:endParaRPr lang="de-DE" sz="1400" b="0" strike="noStrike" spc="-1">
+              <a:solidFill>
+                <a:srgbClr val="000000"/>
+              </a:solidFill>
+              <a:uFill>
+                <a:solidFill>
+                  <a:srgbClr val="FFFFFF"/>
                 </a:solidFill>
               </a:uFill>
               <a:latin typeface="Arial"/>
@@ -3613,15 +3925,16 @@
           </a:prstGeom>
         </p:spPr>
         <p:txBody>
-          <a:bodyPr lIns="0" rIns="0" tIns="0" bIns="0"/>
-          <a:p>
-            <a:endParaRPr b="0" lang="de-DE" sz="1400" spc="-1" strike="noStrike">
-              <a:solidFill>
-                <a:srgbClr val="000000"/>
-              </a:solidFill>
-              <a:uFill>
-                <a:solidFill>
-                  <a:srgbClr val="ffffff"/>
+          <a:bodyPr lIns="0" tIns="0" rIns="0" bIns="0"/>
+          <a:lstStyle/>
+          <a:p>
+            <a:endParaRPr lang="de-DE" sz="1400" b="0" strike="noStrike" spc="-1">
+              <a:solidFill>
+                <a:srgbClr val="000000"/>
+              </a:solidFill>
+              <a:uFill>
+                <a:solidFill>
+                  <a:srgbClr val="FFFFFF"/>
                 </a:solidFill>
               </a:uFill>
               <a:latin typeface="Arial"/>
@@ -3649,15 +3962,16 @@
           </a:prstGeom>
         </p:spPr>
         <p:txBody>
-          <a:bodyPr lIns="0" rIns="0" tIns="0" bIns="0"/>
-          <a:p>
-            <a:endParaRPr b="0" lang="de-DE" sz="1400" spc="-1" strike="noStrike">
-              <a:solidFill>
-                <a:srgbClr val="000000"/>
-              </a:solidFill>
-              <a:uFill>
-                <a:solidFill>
-                  <a:srgbClr val="ffffff"/>
+          <a:bodyPr lIns="0" tIns="0" rIns="0" bIns="0"/>
+          <a:lstStyle/>
+          <a:p>
+            <a:endParaRPr lang="de-DE" sz="1400" b="0" strike="noStrike" spc="-1">
+              <a:solidFill>
+                <a:srgbClr val="000000"/>
+              </a:solidFill>
+              <a:uFill>
+                <a:solidFill>
+                  <a:srgbClr val="FFFFFF"/>
                 </a:solidFill>
               </a:uFill>
               <a:latin typeface="Arial"/>
@@ -3667,11 +3981,14 @@
       </p:sp>
     </p:spTree>
   </p:cSld>
+  <p:clrMapOvr>
+    <a:masterClrMapping/>
+  </p:clrMapOvr>
 </p:sldLayout>
 </file>
 
 <file path=ppt/slideLayouts/slideLayout32.xml><?xml version="1.0" encoding="utf-8"?>
-<p:sldLayout xmlns:a="http://schemas.openxmlformats.org/drawingml/2006/main" xmlns:p="http://schemas.openxmlformats.org/presentationml/2006/main" xmlns:r="http://schemas.openxmlformats.org/officeDocument/2006/relationships" xmlns:p14="http://schemas.microsoft.com/office/powerpoint/2010/main" xmlns:p15="http://schemas.microsoft.com/office/powerpoint/2012/main" xmlns:mc="http://schemas.openxmlformats.org/markup-compatibility/2006" type="objAndTwoObj" preserve="1">
+<p:sldLayout xmlns:a="http://schemas.openxmlformats.org/drawingml/2006/main" xmlns:r="http://schemas.openxmlformats.org/officeDocument/2006/relationships" xmlns:p="http://schemas.openxmlformats.org/presentationml/2006/main" type="objAndTwoObj" preserve="1">
   <p:cSld name="Title Content and 2 Content">
     <p:spTree>
       <p:nvGrpSpPr>
@@ -3707,15 +4024,16 @@
           </a:prstGeom>
         </p:spPr>
         <p:txBody>
-          <a:bodyPr lIns="0" rIns="0" tIns="0" bIns="0" anchor="ctr"/>
-          <a:p>
-            <a:endParaRPr b="0" lang="de-DE" sz="1400" spc="-1" strike="noStrike">
-              <a:solidFill>
-                <a:srgbClr val="000000"/>
-              </a:solidFill>
-              <a:uFill>
-                <a:solidFill>
-                  <a:srgbClr val="ffffff"/>
+          <a:bodyPr lIns="0" tIns="0" rIns="0" bIns="0" anchor="ctr"/>
+          <a:lstStyle/>
+          <a:p>
+            <a:endParaRPr lang="de-DE" sz="1400" b="0" strike="noStrike" spc="-1">
+              <a:solidFill>
+                <a:srgbClr val="000000"/>
+              </a:solidFill>
+              <a:uFill>
+                <a:solidFill>
+                  <a:srgbClr val="FFFFFF"/>
                 </a:solidFill>
               </a:uFill>
               <a:latin typeface="Arial"/>
@@ -3743,15 +4061,16 @@
           </a:prstGeom>
         </p:spPr>
         <p:txBody>
-          <a:bodyPr lIns="0" rIns="0" tIns="0" bIns="0"/>
-          <a:p>
-            <a:endParaRPr b="0" lang="de-DE" sz="1400" spc="-1" strike="noStrike">
-              <a:solidFill>
-                <a:srgbClr val="000000"/>
-              </a:solidFill>
-              <a:uFill>
-                <a:solidFill>
-                  <a:srgbClr val="ffffff"/>
+          <a:bodyPr lIns="0" tIns="0" rIns="0" bIns="0"/>
+          <a:lstStyle/>
+          <a:p>
+            <a:endParaRPr lang="de-DE" sz="1400" b="0" strike="noStrike" spc="-1">
+              <a:solidFill>
+                <a:srgbClr val="000000"/>
+              </a:solidFill>
+              <a:uFill>
+                <a:solidFill>
+                  <a:srgbClr val="FFFFFF"/>
                 </a:solidFill>
               </a:uFill>
               <a:latin typeface="Arial"/>
@@ -3779,15 +4098,16 @@
           </a:prstGeom>
         </p:spPr>
         <p:txBody>
-          <a:bodyPr lIns="0" rIns="0" tIns="0" bIns="0"/>
-          <a:p>
-            <a:endParaRPr b="0" lang="de-DE" sz="1400" spc="-1" strike="noStrike">
-              <a:solidFill>
-                <a:srgbClr val="000000"/>
-              </a:solidFill>
-              <a:uFill>
-                <a:solidFill>
-                  <a:srgbClr val="ffffff"/>
+          <a:bodyPr lIns="0" tIns="0" rIns="0" bIns="0"/>
+          <a:lstStyle/>
+          <a:p>
+            <a:endParaRPr lang="de-DE" sz="1400" b="0" strike="noStrike" spc="-1">
+              <a:solidFill>
+                <a:srgbClr val="000000"/>
+              </a:solidFill>
+              <a:uFill>
+                <a:solidFill>
+                  <a:srgbClr val="FFFFFF"/>
                 </a:solidFill>
               </a:uFill>
               <a:latin typeface="Arial"/>
@@ -3815,15 +4135,16 @@
           </a:prstGeom>
         </p:spPr>
         <p:txBody>
-          <a:bodyPr lIns="0" rIns="0" tIns="0" bIns="0"/>
-          <a:p>
-            <a:endParaRPr b="0" lang="de-DE" sz="1400" spc="-1" strike="noStrike">
-              <a:solidFill>
-                <a:srgbClr val="000000"/>
-              </a:solidFill>
-              <a:uFill>
-                <a:solidFill>
-                  <a:srgbClr val="ffffff"/>
+          <a:bodyPr lIns="0" tIns="0" rIns="0" bIns="0"/>
+          <a:lstStyle/>
+          <a:p>
+            <a:endParaRPr lang="de-DE" sz="1400" b="0" strike="noStrike" spc="-1">
+              <a:solidFill>
+                <a:srgbClr val="000000"/>
+              </a:solidFill>
+              <a:uFill>
+                <a:solidFill>
+                  <a:srgbClr val="FFFFFF"/>
                 </a:solidFill>
               </a:uFill>
               <a:latin typeface="Arial"/>
@@ -3833,11 +4154,14 @@
       </p:sp>
     </p:spTree>
   </p:cSld>
+  <p:clrMapOvr>
+    <a:masterClrMapping/>
+  </p:clrMapOvr>
 </p:sldLayout>
 </file>
 
 <file path=ppt/slideLayouts/slideLayout33.xml><?xml version="1.0" encoding="utf-8"?>
-<p:sldLayout xmlns:a="http://schemas.openxmlformats.org/drawingml/2006/main" xmlns:p="http://schemas.openxmlformats.org/presentationml/2006/main" xmlns:r="http://schemas.openxmlformats.org/officeDocument/2006/relationships" xmlns:p14="http://schemas.microsoft.com/office/powerpoint/2010/main" xmlns:p15="http://schemas.microsoft.com/office/powerpoint/2012/main" xmlns:mc="http://schemas.openxmlformats.org/markup-compatibility/2006" type="twoObjOverTx" preserve="1">
+<p:sldLayout xmlns:a="http://schemas.openxmlformats.org/drawingml/2006/main" xmlns:r="http://schemas.openxmlformats.org/officeDocument/2006/relationships" xmlns:p="http://schemas.openxmlformats.org/presentationml/2006/main" type="twoObjOverTx" preserve="1">
   <p:cSld name="Title, 2 Content over Content">
     <p:spTree>
       <p:nvGrpSpPr>
@@ -3873,15 +4197,16 @@
           </a:prstGeom>
         </p:spPr>
         <p:txBody>
-          <a:bodyPr lIns="0" rIns="0" tIns="0" bIns="0" anchor="ctr"/>
-          <a:p>
-            <a:endParaRPr b="0" lang="de-DE" sz="1400" spc="-1" strike="noStrike">
-              <a:solidFill>
-                <a:srgbClr val="000000"/>
-              </a:solidFill>
-              <a:uFill>
-                <a:solidFill>
-                  <a:srgbClr val="ffffff"/>
+          <a:bodyPr lIns="0" tIns="0" rIns="0" bIns="0" anchor="ctr"/>
+          <a:lstStyle/>
+          <a:p>
+            <a:endParaRPr lang="de-DE" sz="1400" b="0" strike="noStrike" spc="-1">
+              <a:solidFill>
+                <a:srgbClr val="000000"/>
+              </a:solidFill>
+              <a:uFill>
+                <a:solidFill>
+                  <a:srgbClr val="FFFFFF"/>
                 </a:solidFill>
               </a:uFill>
               <a:latin typeface="Arial"/>
@@ -3909,15 +4234,16 @@
           </a:prstGeom>
         </p:spPr>
         <p:txBody>
-          <a:bodyPr lIns="0" rIns="0" tIns="0" bIns="0"/>
-          <a:p>
-            <a:endParaRPr b="0" lang="de-DE" sz="1400" spc="-1" strike="noStrike">
-              <a:solidFill>
-                <a:srgbClr val="000000"/>
-              </a:solidFill>
-              <a:uFill>
-                <a:solidFill>
-                  <a:srgbClr val="ffffff"/>
+          <a:bodyPr lIns="0" tIns="0" rIns="0" bIns="0"/>
+          <a:lstStyle/>
+          <a:p>
+            <a:endParaRPr lang="de-DE" sz="1400" b="0" strike="noStrike" spc="-1">
+              <a:solidFill>
+                <a:srgbClr val="000000"/>
+              </a:solidFill>
+              <a:uFill>
+                <a:solidFill>
+                  <a:srgbClr val="FFFFFF"/>
                 </a:solidFill>
               </a:uFill>
               <a:latin typeface="Arial"/>
@@ -3945,15 +4271,16 @@
           </a:prstGeom>
         </p:spPr>
         <p:txBody>
-          <a:bodyPr lIns="0" rIns="0" tIns="0" bIns="0"/>
-          <a:p>
-            <a:endParaRPr b="0" lang="de-DE" sz="1400" spc="-1" strike="noStrike">
-              <a:solidFill>
-                <a:srgbClr val="000000"/>
-              </a:solidFill>
-              <a:uFill>
-                <a:solidFill>
-                  <a:srgbClr val="ffffff"/>
+          <a:bodyPr lIns="0" tIns="0" rIns="0" bIns="0"/>
+          <a:lstStyle/>
+          <a:p>
+            <a:endParaRPr lang="de-DE" sz="1400" b="0" strike="noStrike" spc="-1">
+              <a:solidFill>
+                <a:srgbClr val="000000"/>
+              </a:solidFill>
+              <a:uFill>
+                <a:solidFill>
+                  <a:srgbClr val="FFFFFF"/>
                 </a:solidFill>
               </a:uFill>
               <a:latin typeface="Arial"/>
@@ -3981,15 +4308,16 @@
           </a:prstGeom>
         </p:spPr>
         <p:txBody>
-          <a:bodyPr lIns="0" rIns="0" tIns="0" bIns="0"/>
-          <a:p>
-            <a:endParaRPr b="0" lang="de-DE" sz="1400" spc="-1" strike="noStrike">
-              <a:solidFill>
-                <a:srgbClr val="000000"/>
-              </a:solidFill>
-              <a:uFill>
-                <a:solidFill>
-                  <a:srgbClr val="ffffff"/>
+          <a:bodyPr lIns="0" tIns="0" rIns="0" bIns="0"/>
+          <a:lstStyle/>
+          <a:p>
+            <a:endParaRPr lang="de-DE" sz="1400" b="0" strike="noStrike" spc="-1">
+              <a:solidFill>
+                <a:srgbClr val="000000"/>
+              </a:solidFill>
+              <a:uFill>
+                <a:solidFill>
+                  <a:srgbClr val="FFFFFF"/>
                 </a:solidFill>
               </a:uFill>
               <a:latin typeface="Arial"/>
@@ -3999,11 +4327,14 @@
       </p:sp>
     </p:spTree>
   </p:cSld>
+  <p:clrMapOvr>
+    <a:masterClrMapping/>
+  </p:clrMapOvr>
 </p:sldLayout>
 </file>
 
 <file path=ppt/slideLayouts/slideLayout34.xml><?xml version="1.0" encoding="utf-8"?>
-<p:sldLayout xmlns:a="http://schemas.openxmlformats.org/drawingml/2006/main" xmlns:p="http://schemas.openxmlformats.org/presentationml/2006/main" xmlns:r="http://schemas.openxmlformats.org/officeDocument/2006/relationships" xmlns:p14="http://schemas.microsoft.com/office/powerpoint/2010/main" xmlns:p15="http://schemas.microsoft.com/office/powerpoint/2012/main" xmlns:mc="http://schemas.openxmlformats.org/markup-compatibility/2006" type="objOverTx" preserve="1">
+<p:sldLayout xmlns:a="http://schemas.openxmlformats.org/drawingml/2006/main" xmlns:r="http://schemas.openxmlformats.org/officeDocument/2006/relationships" xmlns:p="http://schemas.openxmlformats.org/presentationml/2006/main" type="objOverTx" preserve="1">
   <p:cSld name="Title, Content over Content">
     <p:spTree>
       <p:nvGrpSpPr>
@@ -4039,15 +4370,16 @@
           </a:prstGeom>
         </p:spPr>
         <p:txBody>
-          <a:bodyPr lIns="0" rIns="0" tIns="0" bIns="0" anchor="ctr"/>
-          <a:p>
-            <a:endParaRPr b="0" lang="de-DE" sz="1400" spc="-1" strike="noStrike">
-              <a:solidFill>
-                <a:srgbClr val="000000"/>
-              </a:solidFill>
-              <a:uFill>
-                <a:solidFill>
-                  <a:srgbClr val="ffffff"/>
+          <a:bodyPr lIns="0" tIns="0" rIns="0" bIns="0" anchor="ctr"/>
+          <a:lstStyle/>
+          <a:p>
+            <a:endParaRPr lang="de-DE" sz="1400" b="0" strike="noStrike" spc="-1">
+              <a:solidFill>
+                <a:srgbClr val="000000"/>
+              </a:solidFill>
+              <a:uFill>
+                <a:solidFill>
+                  <a:srgbClr val="FFFFFF"/>
                 </a:solidFill>
               </a:uFill>
               <a:latin typeface="Arial"/>
@@ -4075,15 +4407,16 @@
           </a:prstGeom>
         </p:spPr>
         <p:txBody>
-          <a:bodyPr lIns="0" rIns="0" tIns="0" bIns="0"/>
-          <a:p>
-            <a:endParaRPr b="0" lang="de-DE" sz="1400" spc="-1" strike="noStrike">
-              <a:solidFill>
-                <a:srgbClr val="000000"/>
-              </a:solidFill>
-              <a:uFill>
-                <a:solidFill>
-                  <a:srgbClr val="ffffff"/>
+          <a:bodyPr lIns="0" tIns="0" rIns="0" bIns="0"/>
+          <a:lstStyle/>
+          <a:p>
+            <a:endParaRPr lang="de-DE" sz="1400" b="0" strike="noStrike" spc="-1">
+              <a:solidFill>
+                <a:srgbClr val="000000"/>
+              </a:solidFill>
+              <a:uFill>
+                <a:solidFill>
+                  <a:srgbClr val="FFFFFF"/>
                 </a:solidFill>
               </a:uFill>
               <a:latin typeface="Arial"/>
@@ -4111,15 +4444,16 @@
           </a:prstGeom>
         </p:spPr>
         <p:txBody>
-          <a:bodyPr lIns="0" rIns="0" tIns="0" bIns="0"/>
-          <a:p>
-            <a:endParaRPr b="0" lang="de-DE" sz="1400" spc="-1" strike="noStrike">
-              <a:solidFill>
-                <a:srgbClr val="000000"/>
-              </a:solidFill>
-              <a:uFill>
-                <a:solidFill>
-                  <a:srgbClr val="ffffff"/>
+          <a:bodyPr lIns="0" tIns="0" rIns="0" bIns="0"/>
+          <a:lstStyle/>
+          <a:p>
+            <a:endParaRPr lang="de-DE" sz="1400" b="0" strike="noStrike" spc="-1">
+              <a:solidFill>
+                <a:srgbClr val="000000"/>
+              </a:solidFill>
+              <a:uFill>
+                <a:solidFill>
+                  <a:srgbClr val="FFFFFF"/>
                 </a:solidFill>
               </a:uFill>
               <a:latin typeface="Arial"/>
@@ -4129,11 +4463,14 @@
       </p:sp>
     </p:spTree>
   </p:cSld>
+  <p:clrMapOvr>
+    <a:masterClrMapping/>
+  </p:clrMapOvr>
 </p:sldLayout>
 </file>
 
 <file path=ppt/slideLayouts/slideLayout35.xml><?xml version="1.0" encoding="utf-8"?>
-<p:sldLayout xmlns:a="http://schemas.openxmlformats.org/drawingml/2006/main" xmlns:p="http://schemas.openxmlformats.org/presentationml/2006/main" xmlns:r="http://schemas.openxmlformats.org/officeDocument/2006/relationships" xmlns:p14="http://schemas.microsoft.com/office/powerpoint/2010/main" xmlns:p15="http://schemas.microsoft.com/office/powerpoint/2012/main" xmlns:mc="http://schemas.openxmlformats.org/markup-compatibility/2006" type="fourObj" preserve="1">
+<p:sldLayout xmlns:a="http://schemas.openxmlformats.org/drawingml/2006/main" xmlns:r="http://schemas.openxmlformats.org/officeDocument/2006/relationships" xmlns:p="http://schemas.openxmlformats.org/presentationml/2006/main" type="fourObj" preserve="1">
   <p:cSld name="Title, 4 Content">
     <p:spTree>
       <p:nvGrpSpPr>
@@ -4169,15 +4506,16 @@
           </a:prstGeom>
         </p:spPr>
         <p:txBody>
-          <a:bodyPr lIns="0" rIns="0" tIns="0" bIns="0" anchor="ctr"/>
-          <a:p>
-            <a:endParaRPr b="0" lang="de-DE" sz="1400" spc="-1" strike="noStrike">
-              <a:solidFill>
-                <a:srgbClr val="000000"/>
-              </a:solidFill>
-              <a:uFill>
-                <a:solidFill>
-                  <a:srgbClr val="ffffff"/>
+          <a:bodyPr lIns="0" tIns="0" rIns="0" bIns="0" anchor="ctr"/>
+          <a:lstStyle/>
+          <a:p>
+            <a:endParaRPr lang="de-DE" sz="1400" b="0" strike="noStrike" spc="-1">
+              <a:solidFill>
+                <a:srgbClr val="000000"/>
+              </a:solidFill>
+              <a:uFill>
+                <a:solidFill>
+                  <a:srgbClr val="FFFFFF"/>
                 </a:solidFill>
               </a:uFill>
               <a:latin typeface="Arial"/>
@@ -4205,15 +4543,16 @@
           </a:prstGeom>
         </p:spPr>
         <p:txBody>
-          <a:bodyPr lIns="0" rIns="0" tIns="0" bIns="0"/>
-          <a:p>
-            <a:endParaRPr b="0" lang="de-DE" sz="1400" spc="-1" strike="noStrike">
-              <a:solidFill>
-                <a:srgbClr val="000000"/>
-              </a:solidFill>
-              <a:uFill>
-                <a:solidFill>
-                  <a:srgbClr val="ffffff"/>
+          <a:bodyPr lIns="0" tIns="0" rIns="0" bIns="0"/>
+          <a:lstStyle/>
+          <a:p>
+            <a:endParaRPr lang="de-DE" sz="1400" b="0" strike="noStrike" spc="-1">
+              <a:solidFill>
+                <a:srgbClr val="000000"/>
+              </a:solidFill>
+              <a:uFill>
+                <a:solidFill>
+                  <a:srgbClr val="FFFFFF"/>
                 </a:solidFill>
               </a:uFill>
               <a:latin typeface="Arial"/>
@@ -4241,15 +4580,16 @@
           </a:prstGeom>
         </p:spPr>
         <p:txBody>
-          <a:bodyPr lIns="0" rIns="0" tIns="0" bIns="0"/>
-          <a:p>
-            <a:endParaRPr b="0" lang="de-DE" sz="1400" spc="-1" strike="noStrike">
-              <a:solidFill>
-                <a:srgbClr val="000000"/>
-              </a:solidFill>
-              <a:uFill>
-                <a:solidFill>
-                  <a:srgbClr val="ffffff"/>
+          <a:bodyPr lIns="0" tIns="0" rIns="0" bIns="0"/>
+          <a:lstStyle/>
+          <a:p>
+            <a:endParaRPr lang="de-DE" sz="1400" b="0" strike="noStrike" spc="-1">
+              <a:solidFill>
+                <a:srgbClr val="000000"/>
+              </a:solidFill>
+              <a:uFill>
+                <a:solidFill>
+                  <a:srgbClr val="FFFFFF"/>
                 </a:solidFill>
               </a:uFill>
               <a:latin typeface="Arial"/>
@@ -4277,15 +4617,16 @@
           </a:prstGeom>
         </p:spPr>
         <p:txBody>
-          <a:bodyPr lIns="0" rIns="0" tIns="0" bIns="0"/>
-          <a:p>
-            <a:endParaRPr b="0" lang="de-DE" sz="1400" spc="-1" strike="noStrike">
-              <a:solidFill>
-                <a:srgbClr val="000000"/>
-              </a:solidFill>
-              <a:uFill>
-                <a:solidFill>
-                  <a:srgbClr val="ffffff"/>
+          <a:bodyPr lIns="0" tIns="0" rIns="0" bIns="0"/>
+          <a:lstStyle/>
+          <a:p>
+            <a:endParaRPr lang="de-DE" sz="1400" b="0" strike="noStrike" spc="-1">
+              <a:solidFill>
+                <a:srgbClr val="000000"/>
+              </a:solidFill>
+              <a:uFill>
+                <a:solidFill>
+                  <a:srgbClr val="FFFFFF"/>
                 </a:solidFill>
               </a:uFill>
               <a:latin typeface="Arial"/>
@@ -4313,15 +4654,16 @@
           </a:prstGeom>
         </p:spPr>
         <p:txBody>
-          <a:bodyPr lIns="0" rIns="0" tIns="0" bIns="0"/>
-          <a:p>
-            <a:endParaRPr b="0" lang="de-DE" sz="1400" spc="-1" strike="noStrike">
-              <a:solidFill>
-                <a:srgbClr val="000000"/>
-              </a:solidFill>
-              <a:uFill>
-                <a:solidFill>
-                  <a:srgbClr val="ffffff"/>
+          <a:bodyPr lIns="0" tIns="0" rIns="0" bIns="0"/>
+          <a:lstStyle/>
+          <a:p>
+            <a:endParaRPr lang="de-DE" sz="1400" b="0" strike="noStrike" spc="-1">
+              <a:solidFill>
+                <a:srgbClr val="000000"/>
+              </a:solidFill>
+              <a:uFill>
+                <a:solidFill>
+                  <a:srgbClr val="FFFFFF"/>
                 </a:solidFill>
               </a:uFill>
               <a:latin typeface="Arial"/>
@@ -4331,11 +4673,14 @@
       </p:sp>
     </p:spTree>
   </p:cSld>
+  <p:clrMapOvr>
+    <a:masterClrMapping/>
+  </p:clrMapOvr>
 </p:sldLayout>
 </file>
 
 <file path=ppt/slideLayouts/slideLayout36.xml><?xml version="1.0" encoding="utf-8"?>
-<p:sldLayout xmlns:a="http://schemas.openxmlformats.org/drawingml/2006/main" xmlns:p="http://schemas.openxmlformats.org/presentationml/2006/main" xmlns:r="http://schemas.openxmlformats.org/officeDocument/2006/relationships" xmlns:p14="http://schemas.microsoft.com/office/powerpoint/2010/main" xmlns:p15="http://schemas.microsoft.com/office/powerpoint/2012/main" xmlns:mc="http://schemas.openxmlformats.org/markup-compatibility/2006" type="blank" preserve="1">
+<p:sldLayout xmlns:a="http://schemas.openxmlformats.org/drawingml/2006/main" xmlns:r="http://schemas.openxmlformats.org/officeDocument/2006/relationships" xmlns:p="http://schemas.openxmlformats.org/presentationml/2006/main" type="blank" preserve="1">
   <p:cSld name="Title, 6 Content">
     <p:spTree>
       <p:nvGrpSpPr>
@@ -4371,15 +4716,16 @@
           </a:prstGeom>
         </p:spPr>
         <p:txBody>
-          <a:bodyPr lIns="0" rIns="0" tIns="0" bIns="0" anchor="ctr"/>
-          <a:p>
-            <a:endParaRPr b="0" lang="de-DE" sz="1400" spc="-1" strike="noStrike">
-              <a:solidFill>
-                <a:srgbClr val="000000"/>
-              </a:solidFill>
-              <a:uFill>
-                <a:solidFill>
-                  <a:srgbClr val="ffffff"/>
+          <a:bodyPr lIns="0" tIns="0" rIns="0" bIns="0" anchor="ctr"/>
+          <a:lstStyle/>
+          <a:p>
+            <a:endParaRPr lang="de-DE" sz="1400" b="0" strike="noStrike" spc="-1">
+              <a:solidFill>
+                <a:srgbClr val="000000"/>
+              </a:solidFill>
+              <a:uFill>
+                <a:solidFill>
+                  <a:srgbClr val="FFFFFF"/>
                 </a:solidFill>
               </a:uFill>
               <a:latin typeface="Arial"/>
@@ -4407,15 +4753,16 @@
           </a:prstGeom>
         </p:spPr>
         <p:txBody>
-          <a:bodyPr lIns="0" rIns="0" tIns="0" bIns="0"/>
-          <a:p>
-            <a:endParaRPr b="0" lang="de-DE" sz="1400" spc="-1" strike="noStrike">
-              <a:solidFill>
-                <a:srgbClr val="000000"/>
-              </a:solidFill>
-              <a:uFill>
-                <a:solidFill>
-                  <a:srgbClr val="ffffff"/>
+          <a:bodyPr lIns="0" tIns="0" rIns="0" bIns="0"/>
+          <a:lstStyle/>
+          <a:p>
+            <a:endParaRPr lang="de-DE" sz="1400" b="0" strike="noStrike" spc="-1">
+              <a:solidFill>
+                <a:srgbClr val="000000"/>
+              </a:solidFill>
+              <a:uFill>
+                <a:solidFill>
+                  <a:srgbClr val="FFFFFF"/>
                 </a:solidFill>
               </a:uFill>
               <a:latin typeface="Arial"/>
@@ -4443,15 +4790,16 @@
           </a:prstGeom>
         </p:spPr>
         <p:txBody>
-          <a:bodyPr lIns="0" rIns="0" tIns="0" bIns="0"/>
-          <a:p>
-            <a:endParaRPr b="0" lang="de-DE" sz="1400" spc="-1" strike="noStrike">
-              <a:solidFill>
-                <a:srgbClr val="000000"/>
-              </a:solidFill>
-              <a:uFill>
-                <a:solidFill>
-                  <a:srgbClr val="ffffff"/>
+          <a:bodyPr lIns="0" tIns="0" rIns="0" bIns="0"/>
+          <a:lstStyle/>
+          <a:p>
+            <a:endParaRPr lang="de-DE" sz="1400" b="0" strike="noStrike" spc="-1">
+              <a:solidFill>
+                <a:srgbClr val="000000"/>
+              </a:solidFill>
+              <a:uFill>
+                <a:solidFill>
+                  <a:srgbClr val="FFFFFF"/>
                 </a:solidFill>
               </a:uFill>
               <a:latin typeface="Arial"/>
@@ -4461,7 +4809,7 @@
       </p:sp>
       <p:pic>
         <p:nvPicPr>
-          <p:cNvPr id="133" name="" descr=""/>
+          <p:cNvPr id="133" name="Grafik 132"/>
           <p:cNvPicPr/>
           <p:nvPr/>
         </p:nvPicPr>
@@ -4484,12 +4832,12 @@
       </p:pic>
       <p:pic>
         <p:nvPicPr>
-          <p:cNvPr id="134" name="" descr=""/>
+          <p:cNvPr id="134" name="Grafik 133"/>
           <p:cNvPicPr/>
           <p:nvPr/>
         </p:nvPicPr>
         <p:blipFill>
-          <a:blip r:embed="rId3"/>
+          <a:blip r:embed="rId2"/>
           <a:stretch/>
         </p:blipFill>
         <p:spPr>
@@ -4507,11 +4855,14 @@
       </p:pic>
     </p:spTree>
   </p:cSld>
+  <p:clrMapOvr>
+    <a:masterClrMapping/>
+  </p:clrMapOvr>
 </p:sldLayout>
 </file>
 
 <file path=ppt/slideLayouts/slideLayout4.xml><?xml version="1.0" encoding="utf-8"?>
-<p:sldLayout xmlns:a="http://schemas.openxmlformats.org/drawingml/2006/main" xmlns:p="http://schemas.openxmlformats.org/presentationml/2006/main" xmlns:r="http://schemas.openxmlformats.org/officeDocument/2006/relationships" xmlns:p14="http://schemas.microsoft.com/office/powerpoint/2010/main" xmlns:p15="http://schemas.microsoft.com/office/powerpoint/2012/main" xmlns:mc="http://schemas.openxmlformats.org/markup-compatibility/2006" type="twoObj" preserve="1">
+<p:sldLayout xmlns:a="http://schemas.openxmlformats.org/drawingml/2006/main" xmlns:r="http://schemas.openxmlformats.org/officeDocument/2006/relationships" xmlns:p="http://schemas.openxmlformats.org/presentationml/2006/main" type="twoObj" preserve="1">
   <p:cSld name="Title, 2 Content">
     <p:spTree>
       <p:nvGrpSpPr>
@@ -4547,15 +4898,16 @@
           </a:prstGeom>
         </p:spPr>
         <p:txBody>
-          <a:bodyPr lIns="0" rIns="0" tIns="0" bIns="0" anchor="ctr"/>
-          <a:p>
-            <a:endParaRPr b="0" lang="de-DE" sz="1400" spc="-1" strike="noStrike">
-              <a:solidFill>
-                <a:srgbClr val="000000"/>
-              </a:solidFill>
-              <a:uFill>
-                <a:solidFill>
-                  <a:srgbClr val="ffffff"/>
+          <a:bodyPr lIns="0" tIns="0" rIns="0" bIns="0" anchor="ctr"/>
+          <a:lstStyle/>
+          <a:p>
+            <a:endParaRPr lang="de-DE" sz="1400" b="0" strike="noStrike" spc="-1">
+              <a:solidFill>
+                <a:srgbClr val="000000"/>
+              </a:solidFill>
+              <a:uFill>
+                <a:solidFill>
+                  <a:srgbClr val="FFFFFF"/>
                 </a:solidFill>
               </a:uFill>
               <a:latin typeface="Arial"/>
@@ -4583,15 +4935,16 @@
           </a:prstGeom>
         </p:spPr>
         <p:txBody>
-          <a:bodyPr lIns="0" rIns="0" tIns="0" bIns="0"/>
-          <a:p>
-            <a:endParaRPr b="0" lang="de-DE" sz="1400" spc="-1" strike="noStrike">
-              <a:solidFill>
-                <a:srgbClr val="000000"/>
-              </a:solidFill>
-              <a:uFill>
-                <a:solidFill>
-                  <a:srgbClr val="ffffff"/>
+          <a:bodyPr lIns="0" tIns="0" rIns="0" bIns="0"/>
+          <a:lstStyle/>
+          <a:p>
+            <a:endParaRPr lang="de-DE" sz="1400" b="0" strike="noStrike" spc="-1">
+              <a:solidFill>
+                <a:srgbClr val="000000"/>
+              </a:solidFill>
+              <a:uFill>
+                <a:solidFill>
+                  <a:srgbClr val="FFFFFF"/>
                 </a:solidFill>
               </a:uFill>
               <a:latin typeface="Arial"/>
@@ -4619,15 +4972,16 @@
           </a:prstGeom>
         </p:spPr>
         <p:txBody>
-          <a:bodyPr lIns="0" rIns="0" tIns="0" bIns="0"/>
-          <a:p>
-            <a:endParaRPr b="0" lang="de-DE" sz="1400" spc="-1" strike="noStrike">
-              <a:solidFill>
-                <a:srgbClr val="000000"/>
-              </a:solidFill>
-              <a:uFill>
-                <a:solidFill>
-                  <a:srgbClr val="ffffff"/>
+          <a:bodyPr lIns="0" tIns="0" rIns="0" bIns="0"/>
+          <a:lstStyle/>
+          <a:p>
+            <a:endParaRPr lang="de-DE" sz="1400" b="0" strike="noStrike" spc="-1">
+              <a:solidFill>
+                <a:srgbClr val="000000"/>
+              </a:solidFill>
+              <a:uFill>
+                <a:solidFill>
+                  <a:srgbClr val="FFFFFF"/>
                 </a:solidFill>
               </a:uFill>
               <a:latin typeface="Arial"/>
@@ -4637,11 +4991,14 @@
       </p:sp>
     </p:spTree>
   </p:cSld>
+  <p:clrMapOvr>
+    <a:masterClrMapping/>
+  </p:clrMapOvr>
 </p:sldLayout>
 </file>
 
 <file path=ppt/slideLayouts/slideLayout5.xml><?xml version="1.0" encoding="utf-8"?>
-<p:sldLayout xmlns:a="http://schemas.openxmlformats.org/drawingml/2006/main" xmlns:p="http://schemas.openxmlformats.org/presentationml/2006/main" xmlns:r="http://schemas.openxmlformats.org/officeDocument/2006/relationships" xmlns:p14="http://schemas.microsoft.com/office/powerpoint/2010/main" xmlns:p15="http://schemas.microsoft.com/office/powerpoint/2012/main" xmlns:mc="http://schemas.openxmlformats.org/markup-compatibility/2006" type="titleOnly" preserve="1">
+<p:sldLayout xmlns:a="http://schemas.openxmlformats.org/drawingml/2006/main" xmlns:r="http://schemas.openxmlformats.org/officeDocument/2006/relationships" xmlns:p="http://schemas.openxmlformats.org/presentationml/2006/main" type="titleOnly" preserve="1">
   <p:cSld name="Title Only">
     <p:spTree>
       <p:nvGrpSpPr>
@@ -4677,15 +5034,16 @@
           </a:prstGeom>
         </p:spPr>
         <p:txBody>
-          <a:bodyPr lIns="0" rIns="0" tIns="0" bIns="0" anchor="ctr"/>
-          <a:p>
-            <a:endParaRPr b="0" lang="de-DE" sz="1400" spc="-1" strike="noStrike">
-              <a:solidFill>
-                <a:srgbClr val="000000"/>
-              </a:solidFill>
-              <a:uFill>
-                <a:solidFill>
-                  <a:srgbClr val="ffffff"/>
+          <a:bodyPr lIns="0" tIns="0" rIns="0" bIns="0" anchor="ctr"/>
+          <a:lstStyle/>
+          <a:p>
+            <a:endParaRPr lang="de-DE" sz="1400" b="0" strike="noStrike" spc="-1">
+              <a:solidFill>
+                <a:srgbClr val="000000"/>
+              </a:solidFill>
+              <a:uFill>
+                <a:solidFill>
+                  <a:srgbClr val="FFFFFF"/>
                 </a:solidFill>
               </a:uFill>
               <a:latin typeface="Arial"/>
@@ -4695,11 +5053,14 @@
       </p:sp>
     </p:spTree>
   </p:cSld>
+  <p:clrMapOvr>
+    <a:masterClrMapping/>
+  </p:clrMapOvr>
 </p:sldLayout>
 </file>
 
 <file path=ppt/slideLayouts/slideLayout6.xml><?xml version="1.0" encoding="utf-8"?>
-<p:sldLayout xmlns:a="http://schemas.openxmlformats.org/drawingml/2006/main" xmlns:p="http://schemas.openxmlformats.org/presentationml/2006/main" xmlns:r="http://schemas.openxmlformats.org/officeDocument/2006/relationships" xmlns:p14="http://schemas.microsoft.com/office/powerpoint/2010/main" xmlns:p15="http://schemas.microsoft.com/office/powerpoint/2012/main" xmlns:mc="http://schemas.openxmlformats.org/markup-compatibility/2006" type="objOnly" preserve="1">
+<p:sldLayout xmlns:a="http://schemas.openxmlformats.org/drawingml/2006/main" xmlns:r="http://schemas.openxmlformats.org/officeDocument/2006/relationships" xmlns:p="http://schemas.openxmlformats.org/presentationml/2006/main" type="objOnly" preserve="1">
   <p:cSld name="Centered Text">
     <p:spTree>
       <p:nvGrpSpPr>
@@ -4735,16 +5096,17 @@
           </a:prstGeom>
         </p:spPr>
         <p:txBody>
-          <a:bodyPr lIns="0" rIns="0" tIns="0" bIns="0" anchor="ctr"/>
+          <a:bodyPr lIns="0" tIns="0" rIns="0" bIns="0" anchor="ctr"/>
+          <a:lstStyle/>
           <a:p>
             <a:pPr algn="ctr"/>
-            <a:endParaRPr b="0" lang="de-DE" sz="3200" spc="-1" strike="noStrike">
-              <a:solidFill>
-                <a:srgbClr val="000000"/>
-              </a:solidFill>
-              <a:uFill>
-                <a:solidFill>
-                  <a:srgbClr val="ffffff"/>
+            <a:endParaRPr lang="de-DE" sz="3200" b="0" strike="noStrike" spc="-1">
+              <a:solidFill>
+                <a:srgbClr val="000000"/>
+              </a:solidFill>
+              <a:uFill>
+                <a:solidFill>
+                  <a:srgbClr val="FFFFFF"/>
                 </a:solidFill>
               </a:uFill>
               <a:latin typeface="Arial"/>
@@ -4754,11 +5116,14 @@
       </p:sp>
     </p:spTree>
   </p:cSld>
+  <p:clrMapOvr>
+    <a:masterClrMapping/>
+  </p:clrMapOvr>
 </p:sldLayout>
 </file>
 
 <file path=ppt/slideLayouts/slideLayout7.xml><?xml version="1.0" encoding="utf-8"?>
-<p:sldLayout xmlns:a="http://schemas.openxmlformats.org/drawingml/2006/main" xmlns:p="http://schemas.openxmlformats.org/presentationml/2006/main" xmlns:r="http://schemas.openxmlformats.org/officeDocument/2006/relationships" xmlns:p14="http://schemas.microsoft.com/office/powerpoint/2010/main" xmlns:p15="http://schemas.microsoft.com/office/powerpoint/2012/main" xmlns:mc="http://schemas.openxmlformats.org/markup-compatibility/2006" type="twoObjAndObj" preserve="1">
+<p:sldLayout xmlns:a="http://schemas.openxmlformats.org/drawingml/2006/main" xmlns:r="http://schemas.openxmlformats.org/officeDocument/2006/relationships" xmlns:p="http://schemas.openxmlformats.org/presentationml/2006/main" type="twoObjAndObj" preserve="1">
   <p:cSld name="Title, 2 Content and Content">
     <p:spTree>
       <p:nvGrpSpPr>
@@ -4794,15 +5159,16 @@
           </a:prstGeom>
         </p:spPr>
         <p:txBody>
-          <a:bodyPr lIns="0" rIns="0" tIns="0" bIns="0" anchor="ctr"/>
-          <a:p>
-            <a:endParaRPr b="0" lang="de-DE" sz="1400" spc="-1" strike="noStrike">
-              <a:solidFill>
-                <a:srgbClr val="000000"/>
-              </a:solidFill>
-              <a:uFill>
-                <a:solidFill>
-                  <a:srgbClr val="ffffff"/>
+          <a:bodyPr lIns="0" tIns="0" rIns="0" bIns="0" anchor="ctr"/>
+          <a:lstStyle/>
+          <a:p>
+            <a:endParaRPr lang="de-DE" sz="1400" b="0" strike="noStrike" spc="-1">
+              <a:solidFill>
+                <a:srgbClr val="000000"/>
+              </a:solidFill>
+              <a:uFill>
+                <a:solidFill>
+                  <a:srgbClr val="FFFFFF"/>
                 </a:solidFill>
               </a:uFill>
               <a:latin typeface="Arial"/>
@@ -4830,15 +5196,16 @@
           </a:prstGeom>
         </p:spPr>
         <p:txBody>
-          <a:bodyPr lIns="0" rIns="0" tIns="0" bIns="0"/>
-          <a:p>
-            <a:endParaRPr b="0" lang="de-DE" sz="1400" spc="-1" strike="noStrike">
-              <a:solidFill>
-                <a:srgbClr val="000000"/>
-              </a:solidFill>
-              <a:uFill>
-                <a:solidFill>
-                  <a:srgbClr val="ffffff"/>
+          <a:bodyPr lIns="0" tIns="0" rIns="0" bIns="0"/>
+          <a:lstStyle/>
+          <a:p>
+            <a:endParaRPr lang="de-DE" sz="1400" b="0" strike="noStrike" spc="-1">
+              <a:solidFill>
+                <a:srgbClr val="000000"/>
+              </a:solidFill>
+              <a:uFill>
+                <a:solidFill>
+                  <a:srgbClr val="FFFFFF"/>
                 </a:solidFill>
               </a:uFill>
               <a:latin typeface="Arial"/>
@@ -4866,15 +5233,16 @@
           </a:prstGeom>
         </p:spPr>
         <p:txBody>
-          <a:bodyPr lIns="0" rIns="0" tIns="0" bIns="0"/>
-          <a:p>
-            <a:endParaRPr b="0" lang="de-DE" sz="1400" spc="-1" strike="noStrike">
-              <a:solidFill>
-                <a:srgbClr val="000000"/>
-              </a:solidFill>
-              <a:uFill>
-                <a:solidFill>
-                  <a:srgbClr val="ffffff"/>
+          <a:bodyPr lIns="0" tIns="0" rIns="0" bIns="0"/>
+          <a:lstStyle/>
+          <a:p>
+            <a:endParaRPr lang="de-DE" sz="1400" b="0" strike="noStrike" spc="-1">
+              <a:solidFill>
+                <a:srgbClr val="000000"/>
+              </a:solidFill>
+              <a:uFill>
+                <a:solidFill>
+                  <a:srgbClr val="FFFFFF"/>
                 </a:solidFill>
               </a:uFill>
               <a:latin typeface="Arial"/>
@@ -4902,15 +5270,16 @@
           </a:prstGeom>
         </p:spPr>
         <p:txBody>
-          <a:bodyPr lIns="0" rIns="0" tIns="0" bIns="0"/>
-          <a:p>
-            <a:endParaRPr b="0" lang="de-DE" sz="1400" spc="-1" strike="noStrike">
-              <a:solidFill>
-                <a:srgbClr val="000000"/>
-              </a:solidFill>
-              <a:uFill>
-                <a:solidFill>
-                  <a:srgbClr val="ffffff"/>
+          <a:bodyPr lIns="0" tIns="0" rIns="0" bIns="0"/>
+          <a:lstStyle/>
+          <a:p>
+            <a:endParaRPr lang="de-DE" sz="1400" b="0" strike="noStrike" spc="-1">
+              <a:solidFill>
+                <a:srgbClr val="000000"/>
+              </a:solidFill>
+              <a:uFill>
+                <a:solidFill>
+                  <a:srgbClr val="FFFFFF"/>
                 </a:solidFill>
               </a:uFill>
               <a:latin typeface="Arial"/>
@@ -4920,11 +5289,14 @@
       </p:sp>
     </p:spTree>
   </p:cSld>
+  <p:clrMapOvr>
+    <a:masterClrMapping/>
+  </p:clrMapOvr>
 </p:sldLayout>
 </file>
 
 <file path=ppt/slideLayouts/slideLayout8.xml><?xml version="1.0" encoding="utf-8"?>
-<p:sldLayout xmlns:a="http://schemas.openxmlformats.org/drawingml/2006/main" xmlns:p="http://schemas.openxmlformats.org/presentationml/2006/main" xmlns:r="http://schemas.openxmlformats.org/officeDocument/2006/relationships" xmlns:p14="http://schemas.microsoft.com/office/powerpoint/2010/main" xmlns:p15="http://schemas.microsoft.com/office/powerpoint/2012/main" xmlns:mc="http://schemas.openxmlformats.org/markup-compatibility/2006" type="objAndTwoObj" preserve="1">
+<p:sldLayout xmlns:a="http://schemas.openxmlformats.org/drawingml/2006/main" xmlns:r="http://schemas.openxmlformats.org/officeDocument/2006/relationships" xmlns:p="http://schemas.openxmlformats.org/presentationml/2006/main" type="objAndTwoObj" preserve="1">
   <p:cSld name="Title Content and 2 Content">
     <p:spTree>
       <p:nvGrpSpPr>
@@ -4960,15 +5332,16 @@
           </a:prstGeom>
         </p:spPr>
         <p:txBody>
-          <a:bodyPr lIns="0" rIns="0" tIns="0" bIns="0" anchor="ctr"/>
-          <a:p>
-            <a:endParaRPr b="0" lang="de-DE" sz="1400" spc="-1" strike="noStrike">
-              <a:solidFill>
-                <a:srgbClr val="000000"/>
-              </a:solidFill>
-              <a:uFill>
-                <a:solidFill>
-                  <a:srgbClr val="ffffff"/>
+          <a:bodyPr lIns="0" tIns="0" rIns="0" bIns="0" anchor="ctr"/>
+          <a:lstStyle/>
+          <a:p>
+            <a:endParaRPr lang="de-DE" sz="1400" b="0" strike="noStrike" spc="-1">
+              <a:solidFill>
+                <a:srgbClr val="000000"/>
+              </a:solidFill>
+              <a:uFill>
+                <a:solidFill>
+                  <a:srgbClr val="FFFFFF"/>
                 </a:solidFill>
               </a:uFill>
               <a:latin typeface="Arial"/>
@@ -4996,15 +5369,16 @@
           </a:prstGeom>
         </p:spPr>
         <p:txBody>
-          <a:bodyPr lIns="0" rIns="0" tIns="0" bIns="0"/>
-          <a:p>
-            <a:endParaRPr b="0" lang="de-DE" sz="1400" spc="-1" strike="noStrike">
-              <a:solidFill>
-                <a:srgbClr val="000000"/>
-              </a:solidFill>
-              <a:uFill>
-                <a:solidFill>
-                  <a:srgbClr val="ffffff"/>
+          <a:bodyPr lIns="0" tIns="0" rIns="0" bIns="0"/>
+          <a:lstStyle/>
+          <a:p>
+            <a:endParaRPr lang="de-DE" sz="1400" b="0" strike="noStrike" spc="-1">
+              <a:solidFill>
+                <a:srgbClr val="000000"/>
+              </a:solidFill>
+              <a:uFill>
+                <a:solidFill>
+                  <a:srgbClr val="FFFFFF"/>
                 </a:solidFill>
               </a:uFill>
               <a:latin typeface="Arial"/>
@@ -5032,15 +5406,16 @@
           </a:prstGeom>
         </p:spPr>
         <p:txBody>
-          <a:bodyPr lIns="0" rIns="0" tIns="0" bIns="0"/>
-          <a:p>
-            <a:endParaRPr b="0" lang="de-DE" sz="1400" spc="-1" strike="noStrike">
-              <a:solidFill>
-                <a:srgbClr val="000000"/>
-              </a:solidFill>
-              <a:uFill>
-                <a:solidFill>
-                  <a:srgbClr val="ffffff"/>
+          <a:bodyPr lIns="0" tIns="0" rIns="0" bIns="0"/>
+          <a:lstStyle/>
+          <a:p>
+            <a:endParaRPr lang="de-DE" sz="1400" b="0" strike="noStrike" spc="-1">
+              <a:solidFill>
+                <a:srgbClr val="000000"/>
+              </a:solidFill>
+              <a:uFill>
+                <a:solidFill>
+                  <a:srgbClr val="FFFFFF"/>
                 </a:solidFill>
               </a:uFill>
               <a:latin typeface="Arial"/>
@@ -5068,15 +5443,16 @@
           </a:prstGeom>
         </p:spPr>
         <p:txBody>
-          <a:bodyPr lIns="0" rIns="0" tIns="0" bIns="0"/>
-          <a:p>
-            <a:endParaRPr b="0" lang="de-DE" sz="1400" spc="-1" strike="noStrike">
-              <a:solidFill>
-                <a:srgbClr val="000000"/>
-              </a:solidFill>
-              <a:uFill>
-                <a:solidFill>
-                  <a:srgbClr val="ffffff"/>
+          <a:bodyPr lIns="0" tIns="0" rIns="0" bIns="0"/>
+          <a:lstStyle/>
+          <a:p>
+            <a:endParaRPr lang="de-DE" sz="1400" b="0" strike="noStrike" spc="-1">
+              <a:solidFill>
+                <a:srgbClr val="000000"/>
+              </a:solidFill>
+              <a:uFill>
+                <a:solidFill>
+                  <a:srgbClr val="FFFFFF"/>
                 </a:solidFill>
               </a:uFill>
               <a:latin typeface="Arial"/>
@@ -5086,11 +5462,14 @@
       </p:sp>
     </p:spTree>
   </p:cSld>
+  <p:clrMapOvr>
+    <a:masterClrMapping/>
+  </p:clrMapOvr>
 </p:sldLayout>
 </file>
 
 <file path=ppt/slideLayouts/slideLayout9.xml><?xml version="1.0" encoding="utf-8"?>
-<p:sldLayout xmlns:a="http://schemas.openxmlformats.org/drawingml/2006/main" xmlns:p="http://schemas.openxmlformats.org/presentationml/2006/main" xmlns:r="http://schemas.openxmlformats.org/officeDocument/2006/relationships" xmlns:p14="http://schemas.microsoft.com/office/powerpoint/2010/main" xmlns:p15="http://schemas.microsoft.com/office/powerpoint/2012/main" xmlns:mc="http://schemas.openxmlformats.org/markup-compatibility/2006" type="twoObjOverTx" preserve="1">
+<p:sldLayout xmlns:a="http://schemas.openxmlformats.org/drawingml/2006/main" xmlns:r="http://schemas.openxmlformats.org/officeDocument/2006/relationships" xmlns:p="http://schemas.openxmlformats.org/presentationml/2006/main" type="twoObjOverTx" preserve="1">
   <p:cSld name="Title, 2 Content over Content">
     <p:spTree>
       <p:nvGrpSpPr>
@@ -5126,15 +5505,16 @@
           </a:prstGeom>
         </p:spPr>
         <p:txBody>
-          <a:bodyPr lIns="0" rIns="0" tIns="0" bIns="0" anchor="ctr"/>
-          <a:p>
-            <a:endParaRPr b="0" lang="de-DE" sz="1400" spc="-1" strike="noStrike">
-              <a:solidFill>
-                <a:srgbClr val="000000"/>
-              </a:solidFill>
-              <a:uFill>
-                <a:solidFill>
-                  <a:srgbClr val="ffffff"/>
+          <a:bodyPr lIns="0" tIns="0" rIns="0" bIns="0" anchor="ctr"/>
+          <a:lstStyle/>
+          <a:p>
+            <a:endParaRPr lang="de-DE" sz="1400" b="0" strike="noStrike" spc="-1">
+              <a:solidFill>
+                <a:srgbClr val="000000"/>
+              </a:solidFill>
+              <a:uFill>
+                <a:solidFill>
+                  <a:srgbClr val="FFFFFF"/>
                 </a:solidFill>
               </a:uFill>
               <a:latin typeface="Arial"/>
@@ -5162,15 +5542,16 @@
           </a:prstGeom>
         </p:spPr>
         <p:txBody>
-          <a:bodyPr lIns="0" rIns="0" tIns="0" bIns="0"/>
-          <a:p>
-            <a:endParaRPr b="0" lang="de-DE" sz="1400" spc="-1" strike="noStrike">
-              <a:solidFill>
-                <a:srgbClr val="000000"/>
-              </a:solidFill>
-              <a:uFill>
-                <a:solidFill>
-                  <a:srgbClr val="ffffff"/>
+          <a:bodyPr lIns="0" tIns="0" rIns="0" bIns="0"/>
+          <a:lstStyle/>
+          <a:p>
+            <a:endParaRPr lang="de-DE" sz="1400" b="0" strike="noStrike" spc="-1">
+              <a:solidFill>
+                <a:srgbClr val="000000"/>
+              </a:solidFill>
+              <a:uFill>
+                <a:solidFill>
+                  <a:srgbClr val="FFFFFF"/>
                 </a:solidFill>
               </a:uFill>
               <a:latin typeface="Arial"/>
@@ -5198,15 +5579,16 @@
           </a:prstGeom>
         </p:spPr>
         <p:txBody>
-          <a:bodyPr lIns="0" rIns="0" tIns="0" bIns="0"/>
-          <a:p>
-            <a:endParaRPr b="0" lang="de-DE" sz="1400" spc="-1" strike="noStrike">
-              <a:solidFill>
-                <a:srgbClr val="000000"/>
-              </a:solidFill>
-              <a:uFill>
-                <a:solidFill>
-                  <a:srgbClr val="ffffff"/>
+          <a:bodyPr lIns="0" tIns="0" rIns="0" bIns="0"/>
+          <a:lstStyle/>
+          <a:p>
+            <a:endParaRPr lang="de-DE" sz="1400" b="0" strike="noStrike" spc="-1">
+              <a:solidFill>
+                <a:srgbClr val="000000"/>
+              </a:solidFill>
+              <a:uFill>
+                <a:solidFill>
+                  <a:srgbClr val="FFFFFF"/>
                 </a:solidFill>
               </a:uFill>
               <a:latin typeface="Arial"/>
@@ -5234,15 +5616,16 @@
           </a:prstGeom>
         </p:spPr>
         <p:txBody>
-          <a:bodyPr lIns="0" rIns="0" tIns="0" bIns="0"/>
-          <a:p>
-            <a:endParaRPr b="0" lang="de-DE" sz="1400" spc="-1" strike="noStrike">
-              <a:solidFill>
-                <a:srgbClr val="000000"/>
-              </a:solidFill>
-              <a:uFill>
-                <a:solidFill>
-                  <a:srgbClr val="ffffff"/>
+          <a:bodyPr lIns="0" tIns="0" rIns="0" bIns="0"/>
+          <a:lstStyle/>
+          <a:p>
+            <a:endParaRPr lang="de-DE" sz="1400" b="0" strike="noStrike" spc="-1">
+              <a:solidFill>
+                <a:srgbClr val="000000"/>
+              </a:solidFill>
+              <a:uFill>
+                <a:solidFill>
+                  <a:srgbClr val="FFFFFF"/>
                 </a:solidFill>
               </a:uFill>
               <a:latin typeface="Arial"/>
@@ -5252,17 +5635,21 @@
       </p:sp>
     </p:spTree>
   </p:cSld>
+  <p:clrMapOvr>
+    <a:masterClrMapping/>
+  </p:clrMapOvr>
 </p:sldLayout>
 </file>
 
 <file path=ppt/slideMasters/slideMaster1.xml><?xml version="1.0" encoding="utf-8"?>
-<p:sldMaster xmlns:a="http://schemas.openxmlformats.org/drawingml/2006/main" xmlns:p="http://schemas.openxmlformats.org/presentationml/2006/main" xmlns:r="http://schemas.openxmlformats.org/officeDocument/2006/relationships" xmlns:p14="http://schemas.microsoft.com/office/powerpoint/2010/main" xmlns:p15="http://schemas.microsoft.com/office/powerpoint/2012/main" xmlns:mc="http://schemas.openxmlformats.org/markup-compatibility/2006">
+<p:sldMaster xmlns:a="http://schemas.openxmlformats.org/drawingml/2006/main" xmlns:r="http://schemas.openxmlformats.org/officeDocument/2006/relationships" xmlns:p="http://schemas.openxmlformats.org/presentationml/2006/main">
   <p:cSld>
     <p:bg>
       <p:bgPr>
         <a:solidFill>
-          <a:srgbClr val="ffffff"/>
+          <a:srgbClr val="FFFFFF"/>
         </a:solidFill>
+        <a:effectLst/>
       </p:bgPr>
     </p:bg>
     <p:spTree>
@@ -5281,7 +5668,7 @@
       </p:grpSpPr>
       <p:sp>
         <p:nvSpPr>
-          <p:cNvPr id="0" name="CustomShape 1" hidden="1"/>
+          <p:cNvPr id="14" name="CustomShape 1" hidden="1"/>
           <p:cNvSpPr/>
           <p:nvPr/>
         </p:nvSpPr>
@@ -5299,15 +5686,21 @@
           </a:ln>
         </p:spPr>
         <p:style>
-          <a:lnRef idx="0"/>
-          <a:fillRef idx="0"/>
-          <a:effectRef idx="0"/>
+          <a:lnRef idx="0">
+            <a:scrgbClr r="0" g="0" b="0"/>
+          </a:lnRef>
+          <a:fillRef idx="0">
+            <a:scrgbClr r="0" g="0" b="0"/>
+          </a:fillRef>
+          <a:effectRef idx="0">
+            <a:scrgbClr r="0" g="0" b="0"/>
+          </a:effectRef>
           <a:fontRef idx="minor"/>
         </p:style>
       </p:sp>
       <p:sp>
         <p:nvSpPr>
-          <p:cNvPr id="1" name="CustomShape 2" hidden="1"/>
+          <p:cNvPr id="15" name="CustomShape 2" hidden="1"/>
           <p:cNvSpPr/>
           <p:nvPr/>
         </p:nvSpPr>
@@ -5325,9 +5718,15 @@
           </a:ln>
         </p:spPr>
         <p:style>
-          <a:lnRef idx="0"/>
-          <a:fillRef idx="0"/>
-          <a:effectRef idx="0"/>
+          <a:lnRef idx="0">
+            <a:scrgbClr r="0" g="0" b="0"/>
+          </a:lnRef>
+          <a:fillRef idx="0">
+            <a:scrgbClr r="0" g="0" b="0"/>
+          </a:fillRef>
+          <a:effectRef idx="0">
+            <a:scrgbClr r="0" g="0" b="0"/>
+          </a:effectRef>
           <a:fontRef idx="minor"/>
         </p:style>
       </p:sp>
@@ -5351,13 +5750,20 @@
           </a:ln>
         </p:spPr>
         <p:style>
-          <a:lnRef idx="0"/>
-          <a:fillRef idx="0"/>
-          <a:effectRef idx="0"/>
+          <a:lnRef idx="0">
+            <a:scrgbClr r="0" g="0" b="0"/>
+          </a:lnRef>
+          <a:fillRef idx="0">
+            <a:scrgbClr r="0" g="0" b="0"/>
+          </a:fillRef>
+          <a:effectRef idx="0">
+            <a:scrgbClr r="0" g="0" b="0"/>
+          </a:effectRef>
           <a:fontRef idx="minor"/>
         </p:style>
         <p:txBody>
           <a:bodyPr/>
+          <a:lstStyle/>
           <a:p>
             <a:pPr algn="r">
               <a:lnSpc>
@@ -5365,13 +5771,13 @@
               </a:lnSpc>
             </a:pPr>
             <a:r>
-              <a:rPr b="1" lang="de-DE" sz="1200" spc="-1" strike="noStrike">
+              <a:rPr lang="de-DE" sz="1200" b="1" strike="noStrike" spc="-1">
                 <a:solidFill>
                   <a:srgbClr val="000000"/>
                 </a:solidFill>
                 <a:uFill>
                   <a:solidFill>
-                    <a:srgbClr val="ffffff"/>
+                    <a:srgbClr val="FFFFFF"/>
                   </a:solidFill>
                 </a:uFill>
                 <a:latin typeface="Arial"/>
@@ -5380,27 +5786,27 @@
               <a:t>Seite </a:t>
             </a:r>
             <a:fld id="{7D752E70-5E9A-4462-966F-D463FDC3CEA3}" type="slidenum">
-              <a:rPr b="1" lang="de-DE" sz="1200" spc="-1" strike="noStrike">
+              <a:rPr lang="de-DE" sz="1200" b="1" strike="noStrike" spc="-1">
                 <a:solidFill>
                   <a:srgbClr val="000000"/>
                 </a:solidFill>
                 <a:uFill>
                   <a:solidFill>
-                    <a:srgbClr val="ffffff"/>
+                    <a:srgbClr val="FFFFFF"/>
                   </a:solidFill>
                 </a:uFill>
                 <a:latin typeface="Arial"/>
                 <a:ea typeface="Arial"/>
               </a:rPr>
-              <a:t>&lt;Foliennummer&gt;</a:t>
+              <a:t>‹Nr.›</a:t>
             </a:fld>
-            <a:endParaRPr b="0" lang="de-DE" sz="1800" spc="-1" strike="noStrike">
-              <a:solidFill>
-                <a:srgbClr val="000000"/>
-              </a:solidFill>
-              <a:uFill>
-                <a:solidFill>
-                  <a:srgbClr val="ffffff"/>
+            <a:endParaRPr lang="de-DE" sz="1800" b="0" strike="noStrike" spc="-1">
+              <a:solidFill>
+                <a:srgbClr val="000000"/>
+              </a:solidFill>
+              <a:uFill>
+                <a:solidFill>
+                  <a:srgbClr val="FFFFFF"/>
                 </a:solidFill>
               </a:uFill>
               <a:latin typeface="Arial"/>
@@ -5412,13 +5818,13 @@
                 <a:spcPct val="100000"/>
               </a:lnSpc>
             </a:pPr>
-            <a:endParaRPr b="0" lang="de-DE" sz="1800" spc="-1" strike="noStrike">
-              <a:solidFill>
-                <a:srgbClr val="000000"/>
-              </a:solidFill>
-              <a:uFill>
-                <a:solidFill>
-                  <a:srgbClr val="ffffff"/>
+            <a:endParaRPr lang="de-DE" sz="1800" b="0" strike="noStrike" spc="-1">
+              <a:solidFill>
+                <a:srgbClr val="000000"/>
+              </a:solidFill>
+              <a:uFill>
+                <a:solidFill>
+                  <a:srgbClr val="FFFFFF"/>
                 </a:solidFill>
               </a:uFill>
               <a:latin typeface="Arial"/>
@@ -5446,13 +5852,20 @@
           </a:ln>
         </p:spPr>
         <p:style>
-          <a:lnRef idx="0"/>
-          <a:fillRef idx="0"/>
-          <a:effectRef idx="0"/>
+          <a:lnRef idx="0">
+            <a:scrgbClr r="0" g="0" b="0"/>
+          </a:lnRef>
+          <a:fillRef idx="0">
+            <a:scrgbClr r="0" g="0" b="0"/>
+          </a:fillRef>
+          <a:effectRef idx="0">
+            <a:scrgbClr r="0" g="0" b="0"/>
+          </a:effectRef>
           <a:fontRef idx="minor"/>
         </p:style>
         <p:txBody>
           <a:bodyPr/>
+          <a:lstStyle/>
           <a:p>
             <a:pPr>
               <a:lnSpc>
@@ -5460,13 +5873,13 @@
               </a:lnSpc>
             </a:pPr>
             <a:r>
-              <a:rPr b="1" lang="de-DE" sz="1150" spc="-1" strike="noStrike">
+              <a:rPr lang="de-DE" sz="1150" b="1" strike="noStrike" spc="-1">
                 <a:solidFill>
                   <a:srgbClr val="000000"/>
                 </a:solidFill>
                 <a:uFill>
                   <a:solidFill>
-                    <a:srgbClr val="ffffff"/>
+                    <a:srgbClr val="FFFFFF"/>
                   </a:solidFill>
                 </a:uFill>
                 <a:latin typeface="Arial"/>
@@ -5474,13 +5887,13 @@
               </a:rPr>
               <a:t>Man-In-The-Middle</a:t>
             </a:r>
-            <a:endParaRPr b="0" lang="de-DE" sz="1800" spc="-1" strike="noStrike">
-              <a:solidFill>
-                <a:srgbClr val="000000"/>
-              </a:solidFill>
-              <a:uFill>
-                <a:solidFill>
-                  <a:srgbClr val="ffffff"/>
+            <a:endParaRPr lang="de-DE" sz="1800" b="0" strike="noStrike" spc="-1">
+              <a:solidFill>
+                <a:srgbClr val="000000"/>
+              </a:solidFill>
+              <a:uFill>
+                <a:solidFill>
+                  <a:srgbClr val="FFFFFF"/>
                 </a:solidFill>
               </a:uFill>
               <a:latin typeface="Arial"/>
@@ -5503,6 +5916,7 @@
             <a:avLst/>
             <a:gdLst/>
             <a:ahLst/>
+            <a:cxnLst/>
             <a:rect l="l" t="t" r="r" b="b"/>
             <a:pathLst>
               <a:path w="21600" h="21600">
@@ -5518,15 +5932,21 @@
           <a:noFill/>
           <a:ln w="28440">
             <a:solidFill>
-              <a:srgbClr val="b2b2b2"/>
+              <a:srgbClr val="B2B2B2"/>
             </a:solidFill>
             <a:round/>
           </a:ln>
         </p:spPr>
         <p:style>
-          <a:lnRef idx="0"/>
-          <a:fillRef idx="0"/>
-          <a:effectRef idx="0"/>
+          <a:lnRef idx="0">
+            <a:scrgbClr r="0" g="0" b="0"/>
+          </a:lnRef>
+          <a:fillRef idx="0">
+            <a:scrgbClr r="0" g="0" b="0"/>
+          </a:fillRef>
+          <a:effectRef idx="0">
+            <a:scrgbClr r="0" g="0" b="0"/>
+          </a:effectRef>
           <a:fontRef idx="minor"/>
         </p:style>
       </p:sp>
@@ -5545,6 +5965,7 @@
             <a:avLst/>
             <a:gdLst/>
             <a:ahLst/>
+            <a:cxnLst/>
             <a:rect l="l" t="t" r="r" b="b"/>
             <a:pathLst>
               <a:path w="21600" h="21600">
@@ -5560,26 +5981,32 @@
           <a:noFill/>
           <a:ln w="28440">
             <a:solidFill>
-              <a:srgbClr val="b2b2b2"/>
+              <a:srgbClr val="B2B2B2"/>
             </a:solidFill>
             <a:round/>
           </a:ln>
         </p:spPr>
         <p:style>
-          <a:lnRef idx="0"/>
-          <a:fillRef idx="0"/>
-          <a:effectRef idx="0"/>
+          <a:lnRef idx="0">
+            <a:scrgbClr r="0" g="0" b="0"/>
+          </a:lnRef>
+          <a:fillRef idx="0">
+            <a:scrgbClr r="0" g="0" b="0"/>
+          </a:fillRef>
+          <a:effectRef idx="0">
+            <a:scrgbClr r="0" g="0" b="0"/>
+          </a:effectRef>
           <a:fontRef idx="minor"/>
         </p:style>
       </p:sp>
       <p:pic>
         <p:nvPicPr>
-          <p:cNvPr id="6" name="Shape 16" descr=""/>
+          <p:cNvPr id="6" name="Shape 16"/>
           <p:cNvPicPr/>
           <p:nvPr/>
         </p:nvPicPr>
         <p:blipFill>
-          <a:blip r:embed="rId2"/>
+          <a:blip r:embed="rId14"/>
           <a:stretch/>
         </p:blipFill>
         <p:spPr>
@@ -5597,12 +6024,12 @@
       </p:pic>
       <p:pic>
         <p:nvPicPr>
-          <p:cNvPr id="7" name="Shape 20" descr=""/>
+          <p:cNvPr id="7" name="Shape 20"/>
           <p:cNvPicPr/>
           <p:nvPr/>
         </p:nvPicPr>
         <p:blipFill>
-          <a:blip r:embed="rId3"/>
+          <a:blip r:embed="rId15"/>
           <a:stretch/>
         </p:blipFill>
         <p:spPr>
@@ -5633,6 +6060,7 @@
             <a:avLst/>
             <a:gdLst/>
             <a:ahLst/>
+            <a:cxnLst/>
             <a:rect l="l" t="t" r="r" b="b"/>
             <a:pathLst>
               <a:path w="21600" h="21600">
@@ -5654,9 +6082,15 @@
           </a:ln>
         </p:spPr>
         <p:style>
-          <a:lnRef idx="0"/>
-          <a:fillRef idx="0"/>
-          <a:effectRef idx="0"/>
+          <a:lnRef idx="0">
+            <a:scrgbClr r="0" g="0" b="0"/>
+          </a:lnRef>
+          <a:fillRef idx="0">
+            <a:scrgbClr r="0" g="0" b="0"/>
+          </a:fillRef>
+          <a:effectRef idx="0">
+            <a:scrgbClr r="0" g="0" b="0"/>
+          </a:effectRef>
           <a:fontRef idx="minor"/>
         </p:style>
       </p:sp>
@@ -5675,6 +6109,7 @@
             <a:avLst/>
             <a:gdLst/>
             <a:ahLst/>
+            <a:cxnLst/>
             <a:rect l="l" t="t" r="r" b="b"/>
             <a:pathLst>
               <a:path w="21600" h="21600">
@@ -5696,9 +6131,15 @@
           </a:ln>
         </p:spPr>
         <p:style>
-          <a:lnRef idx="0"/>
-          <a:fillRef idx="0"/>
-          <a:effectRef idx="0"/>
+          <a:lnRef idx="0">
+            <a:scrgbClr r="0" g="0" b="0"/>
+          </a:lnRef>
+          <a:fillRef idx="0">
+            <a:scrgbClr r="0" g="0" b="0"/>
+          </a:fillRef>
+          <a:effectRef idx="0">
+            <a:scrgbClr r="0" g="0" b="0"/>
+          </a:effectRef>
           <a:fontRef idx="minor"/>
         </p:style>
       </p:sp>
@@ -5709,7 +6150,7 @@
           <p:nvPr/>
         </p:nvSpPr>
         <p:spPr>
-          <a:xfrm flipH="1" rot="10800000">
+          <a:xfrm rot="10800000" flipH="1">
             <a:off x="5334120" y="2133720"/>
             <a:ext cx="5333760" cy="2133360"/>
           </a:xfrm>
@@ -5717,16 +6158,22 @@
             <a:avLst/>
           </a:prstGeom>
           <a:solidFill>
-            <a:srgbClr val="b2b2b2"/>
+            <a:srgbClr val="B2B2B2"/>
           </a:solidFill>
           <a:ln>
             <a:noFill/>
           </a:ln>
         </p:spPr>
         <p:style>
-          <a:lnRef idx="0"/>
-          <a:fillRef idx="0"/>
-          <a:effectRef idx="0"/>
+          <a:lnRef idx="0">
+            <a:scrgbClr r="0" g="0" b="0"/>
+          </a:lnRef>
+          <a:fillRef idx="0">
+            <a:scrgbClr r="0" g="0" b="0"/>
+          </a:fillRef>
+          <a:effectRef idx="0">
+            <a:scrgbClr r="0" g="0" b="0"/>
+          </a:effectRef>
           <a:fontRef idx="minor"/>
         </p:style>
       </p:sp>
@@ -5737,7 +6184,7 @@
           <p:nvPr/>
         </p:nvSpPr>
         <p:spPr>
-          <a:xfrm flipH="1" rot="5400000">
+          <a:xfrm rot="5400000" flipH="1">
             <a:off x="-1389960" y="3511440"/>
             <a:ext cx="4736880" cy="1955520"/>
           </a:xfrm>
@@ -5745,16 +6192,22 @@
             <a:avLst/>
           </a:prstGeom>
           <a:solidFill>
-            <a:srgbClr val="b2b2b2"/>
+            <a:srgbClr val="B2B2B2"/>
           </a:solidFill>
           <a:ln>
             <a:noFill/>
           </a:ln>
         </p:spPr>
         <p:style>
-          <a:lnRef idx="0"/>
-          <a:fillRef idx="0"/>
-          <a:effectRef idx="0"/>
+          <a:lnRef idx="0">
+            <a:scrgbClr r="0" g="0" b="0"/>
+          </a:lnRef>
+          <a:fillRef idx="0">
+            <a:scrgbClr r="0" g="0" b="0"/>
+          </a:fillRef>
+          <a:effectRef idx="0">
+            <a:scrgbClr r="0" g="0" b="0"/>
+          </a:effectRef>
           <a:fontRef idx="minor"/>
         </p:style>
       </p:sp>
@@ -5778,33 +6231,23 @@
           </a:prstGeom>
         </p:spPr>
         <p:txBody>
-          <a:bodyPr lIns="0" rIns="0" tIns="0" bIns="0" anchor="ctr"/>
+          <a:bodyPr lIns="0" tIns="0" rIns="0" bIns="0" anchor="ctr"/>
+          <a:lstStyle/>
           <a:p>
             <a:r>
-              <a:rPr b="0" lang="de-DE" sz="1400" spc="-1" strike="noStrike">
+              <a:rPr lang="de-DE" sz="1400" b="0" strike="noStrike" spc="-1">
                 <a:solidFill>
                   <a:srgbClr val="000000"/>
                 </a:solidFill>
                 <a:uFill>
                   <a:solidFill>
-                    <a:srgbClr val="ffffff"/>
+                    <a:srgbClr val="FFFFFF"/>
                   </a:solidFill>
                 </a:uFill>
                 <a:latin typeface="Arial"/>
               </a:rPr>
               <a:t>Format des Titeltextes durch Klicken bearbeiten</a:t>
             </a:r>
-            <a:endParaRPr b="0" lang="de-DE" sz="1400" spc="-1" strike="noStrike">
-              <a:solidFill>
-                <a:srgbClr val="000000"/>
-              </a:solidFill>
-              <a:uFill>
-                <a:solidFill>
-                  <a:srgbClr val="ffffff"/>
-                </a:solidFill>
-              </a:uFill>
-              <a:latin typeface="Arial"/>
-            </a:endParaRPr>
           </a:p>
         </p:txBody>
       </p:sp>
@@ -5828,7 +6271,8 @@
           </a:prstGeom>
         </p:spPr>
         <p:txBody>
-          <a:bodyPr lIns="0" rIns="0" tIns="0" bIns="0"/>
+          <a:bodyPr lIns="0" tIns="0" rIns="0" bIns="0"/>
+          <a:lstStyle/>
           <a:p>
             <a:pPr marL="432000" indent="-324000">
               <a:buClr>
@@ -5839,33 +6283,22 @@
               <a:buChar char=""/>
             </a:pPr>
             <a:r>
-              <a:rPr b="0" lang="de-DE" sz="1400" spc="-1" strike="noStrike">
+              <a:rPr lang="de-DE" sz="1400" b="0" strike="noStrike" spc="-1">
                 <a:solidFill>
                   <a:srgbClr val="000000"/>
                 </a:solidFill>
                 <a:uFill>
                   <a:solidFill>
-                    <a:srgbClr val="ffffff"/>
+                    <a:srgbClr val="FFFFFF"/>
                   </a:solidFill>
                 </a:uFill>
                 <a:latin typeface="Arial"/>
               </a:rPr>
               <a:t>Format des Gliederungstextes durch Klicken bearbeiten</a:t>
             </a:r>
-            <a:endParaRPr b="0" lang="de-DE" sz="1400" spc="-1" strike="noStrike">
-              <a:solidFill>
-                <a:srgbClr val="000000"/>
-              </a:solidFill>
-              <a:uFill>
-                <a:solidFill>
-                  <a:srgbClr val="ffffff"/>
-                </a:solidFill>
-              </a:uFill>
-              <a:latin typeface="Arial"/>
-            </a:endParaRPr>
-          </a:p>
-          <a:p>
-            <a:pPr lvl="1" marL="864000" indent="-324000">
+          </a:p>
+          <a:p>
+            <a:pPr marL="864000" lvl="1" indent="-324000">
               <a:buClr>
                 <a:srgbClr val="000000"/>
               </a:buClr>
@@ -5874,33 +6307,22 @@
               <a:buChar char=""/>
             </a:pPr>
             <a:r>
-              <a:rPr b="0" lang="de-DE" sz="1400" spc="-1" strike="noStrike">
+              <a:rPr lang="de-DE" sz="1400" b="0" strike="noStrike" spc="-1">
                 <a:solidFill>
                   <a:srgbClr val="000000"/>
                 </a:solidFill>
                 <a:uFill>
                   <a:solidFill>
-                    <a:srgbClr val="ffffff"/>
+                    <a:srgbClr val="FFFFFF"/>
                   </a:solidFill>
                 </a:uFill>
                 <a:latin typeface="Arial"/>
               </a:rPr>
               <a:t>Zweite Gliederungsebene</a:t>
             </a:r>
-            <a:endParaRPr b="0" lang="de-DE" sz="1400" spc="-1" strike="noStrike">
-              <a:solidFill>
-                <a:srgbClr val="000000"/>
-              </a:solidFill>
-              <a:uFill>
-                <a:solidFill>
-                  <a:srgbClr val="ffffff"/>
-                </a:solidFill>
-              </a:uFill>
-              <a:latin typeface="Arial"/>
-            </a:endParaRPr>
-          </a:p>
-          <a:p>
-            <a:pPr lvl="2" marL="1296000" indent="-288000">
+          </a:p>
+          <a:p>
+            <a:pPr marL="1296000" lvl="2" indent="-288000">
               <a:buClr>
                 <a:srgbClr val="000000"/>
               </a:buClr>
@@ -5909,33 +6331,22 @@
               <a:buChar char=""/>
             </a:pPr>
             <a:r>
-              <a:rPr b="0" lang="de-DE" sz="1400" spc="-1" strike="noStrike">
+              <a:rPr lang="de-DE" sz="1400" b="0" strike="noStrike" spc="-1">
                 <a:solidFill>
                   <a:srgbClr val="000000"/>
                 </a:solidFill>
                 <a:uFill>
                   <a:solidFill>
-                    <a:srgbClr val="ffffff"/>
+                    <a:srgbClr val="FFFFFF"/>
                   </a:solidFill>
                 </a:uFill>
                 <a:latin typeface="Arial"/>
               </a:rPr>
               <a:t>Dritte Gliederungsebene</a:t>
             </a:r>
-            <a:endParaRPr b="0" lang="de-DE" sz="1400" spc="-1" strike="noStrike">
-              <a:solidFill>
-                <a:srgbClr val="000000"/>
-              </a:solidFill>
-              <a:uFill>
-                <a:solidFill>
-                  <a:srgbClr val="ffffff"/>
-                </a:solidFill>
-              </a:uFill>
-              <a:latin typeface="Arial"/>
-            </a:endParaRPr>
-          </a:p>
-          <a:p>
-            <a:pPr lvl="3" marL="1728000" indent="-216000">
+          </a:p>
+          <a:p>
+            <a:pPr marL="1728000" lvl="3" indent="-216000">
               <a:buClr>
                 <a:srgbClr val="000000"/>
               </a:buClr>
@@ -5944,33 +6355,22 @@
               <a:buChar char=""/>
             </a:pPr>
             <a:r>
-              <a:rPr b="0" lang="de-DE" sz="1400" spc="-1" strike="noStrike">
+              <a:rPr lang="de-DE" sz="1400" b="0" strike="noStrike" spc="-1">
                 <a:solidFill>
                   <a:srgbClr val="000000"/>
                 </a:solidFill>
                 <a:uFill>
                   <a:solidFill>
-                    <a:srgbClr val="ffffff"/>
+                    <a:srgbClr val="FFFFFF"/>
                   </a:solidFill>
                 </a:uFill>
                 <a:latin typeface="Arial"/>
               </a:rPr>
               <a:t>Vierte Gliederungsebene</a:t>
             </a:r>
-            <a:endParaRPr b="0" lang="de-DE" sz="1400" spc="-1" strike="noStrike">
-              <a:solidFill>
-                <a:srgbClr val="000000"/>
-              </a:solidFill>
-              <a:uFill>
-                <a:solidFill>
-                  <a:srgbClr val="ffffff"/>
-                </a:solidFill>
-              </a:uFill>
-              <a:latin typeface="Arial"/>
-            </a:endParaRPr>
-          </a:p>
-          <a:p>
-            <a:pPr lvl="4" marL="2160000" indent="-216000">
+          </a:p>
+          <a:p>
+            <a:pPr marL="2160000" lvl="4" indent="-216000">
               <a:buClr>
                 <a:srgbClr val="000000"/>
               </a:buClr>
@@ -5979,33 +6379,22 @@
               <a:buChar char=""/>
             </a:pPr>
             <a:r>
-              <a:rPr b="0" lang="de-DE" sz="2000" spc="-1" strike="noStrike">
+              <a:rPr lang="de-DE" sz="2000" b="0" strike="noStrike" spc="-1">
                 <a:solidFill>
                   <a:srgbClr val="000000"/>
                 </a:solidFill>
                 <a:uFill>
                   <a:solidFill>
-                    <a:srgbClr val="ffffff"/>
+                    <a:srgbClr val="FFFFFF"/>
                   </a:solidFill>
                 </a:uFill>
                 <a:latin typeface="Arial"/>
               </a:rPr>
               <a:t>Fünfte Gliederungsebene</a:t>
             </a:r>
-            <a:endParaRPr b="0" lang="de-DE" sz="2000" spc="-1" strike="noStrike">
-              <a:solidFill>
-                <a:srgbClr val="000000"/>
-              </a:solidFill>
-              <a:uFill>
-                <a:solidFill>
-                  <a:srgbClr val="ffffff"/>
-                </a:solidFill>
-              </a:uFill>
-              <a:latin typeface="Arial"/>
-            </a:endParaRPr>
-          </a:p>
-          <a:p>
-            <a:pPr lvl="5" marL="2592000" indent="-216000">
+          </a:p>
+          <a:p>
+            <a:pPr marL="2592000" lvl="5" indent="-216000">
               <a:buClr>
                 <a:srgbClr val="000000"/>
               </a:buClr>
@@ -6014,33 +6403,22 @@
               <a:buChar char=""/>
             </a:pPr>
             <a:r>
-              <a:rPr b="0" lang="de-DE" sz="2000" spc="-1" strike="noStrike">
+              <a:rPr lang="de-DE" sz="2000" b="0" strike="noStrike" spc="-1">
                 <a:solidFill>
                   <a:srgbClr val="000000"/>
                 </a:solidFill>
                 <a:uFill>
                   <a:solidFill>
-                    <a:srgbClr val="ffffff"/>
+                    <a:srgbClr val="FFFFFF"/>
                   </a:solidFill>
                 </a:uFill>
                 <a:latin typeface="Arial"/>
               </a:rPr>
               <a:t>Sechste Gliederungsebene</a:t>
             </a:r>
-            <a:endParaRPr b="0" lang="de-DE" sz="2000" spc="-1" strike="noStrike">
-              <a:solidFill>
-                <a:srgbClr val="000000"/>
-              </a:solidFill>
-              <a:uFill>
-                <a:solidFill>
-                  <a:srgbClr val="ffffff"/>
-                </a:solidFill>
-              </a:uFill>
-              <a:latin typeface="Arial"/>
-            </a:endParaRPr>
-          </a:p>
-          <a:p>
-            <a:pPr lvl="6" marL="3024000" indent="-216000">
+          </a:p>
+          <a:p>
+            <a:pPr marL="3024000" lvl="6" indent="-216000">
               <a:buClr>
                 <a:srgbClr val="000000"/>
               </a:buClr>
@@ -6049,61 +6427,331 @@
               <a:buChar char=""/>
             </a:pPr>
             <a:r>
-              <a:rPr b="0" lang="de-DE" sz="2000" spc="-1" strike="noStrike">
+              <a:rPr lang="de-DE" sz="2000" b="0" strike="noStrike" spc="-1">
                 <a:solidFill>
                   <a:srgbClr val="000000"/>
                 </a:solidFill>
                 <a:uFill>
                   <a:solidFill>
-                    <a:srgbClr val="ffffff"/>
+                    <a:srgbClr val="FFFFFF"/>
                   </a:solidFill>
                 </a:uFill>
                 <a:latin typeface="Arial"/>
               </a:rPr>
               <a:t>Siebte Gliederungsebene</a:t>
             </a:r>
-            <a:endParaRPr b="0" lang="de-DE" sz="2000" spc="-1" strike="noStrike">
-              <a:solidFill>
-                <a:srgbClr val="000000"/>
-              </a:solidFill>
-              <a:uFill>
-                <a:solidFill>
-                  <a:srgbClr val="ffffff"/>
-                </a:solidFill>
-              </a:uFill>
-              <a:latin typeface="Arial"/>
-            </a:endParaRPr>
           </a:p>
         </p:txBody>
       </p:sp>
     </p:spTree>
   </p:cSld>
-  <p:clrMap bg1="lt1" bg2="lt2" tx1="dk1" tx2="dk2" accent1="accent1" accent2="accent2" accent3="accent3" accent4="accent4" accent5="accent5" accent6="accent6" hlink="hlink" folHlink="folHlink"/>
+  <p:clrMap bg1="lt1" tx1="dk1" bg2="lt2" tx2="dk2" accent1="accent1" accent2="accent2" accent3="accent3" accent4="accent4" accent5="accent5" accent6="accent6" hlink="hlink" folHlink="folHlink"/>
   <p:sldLayoutIdLst>
-    <p:sldLayoutId id="2147483649" r:id="rId4"/>
-    <p:sldLayoutId id="2147483650" r:id="rId5"/>
-    <p:sldLayoutId id="2147483651" r:id="rId6"/>
-    <p:sldLayoutId id="2147483652" r:id="rId7"/>
-    <p:sldLayoutId id="2147483653" r:id="rId8"/>
-    <p:sldLayoutId id="2147483654" r:id="rId9"/>
-    <p:sldLayoutId id="2147483655" r:id="rId10"/>
-    <p:sldLayoutId id="2147483656" r:id="rId11"/>
-    <p:sldLayoutId id="2147483657" r:id="rId12"/>
-    <p:sldLayoutId id="2147483658" r:id="rId13"/>
-    <p:sldLayoutId id="2147483659" r:id="rId14"/>
-    <p:sldLayoutId id="2147483660" r:id="rId15"/>
+    <p:sldLayoutId id="2147483649" r:id="rId1"/>
+    <p:sldLayoutId id="2147483650" r:id="rId2"/>
+    <p:sldLayoutId id="2147483651" r:id="rId3"/>
+    <p:sldLayoutId id="2147483652" r:id="rId4"/>
+    <p:sldLayoutId id="2147483653" r:id="rId5"/>
+    <p:sldLayoutId id="2147483654" r:id="rId6"/>
+    <p:sldLayoutId id="2147483655" r:id="rId7"/>
+    <p:sldLayoutId id="2147483656" r:id="rId8"/>
+    <p:sldLayoutId id="2147483657" r:id="rId9"/>
+    <p:sldLayoutId id="2147483658" r:id="rId10"/>
+    <p:sldLayoutId id="2147483659" r:id="rId11"/>
+    <p:sldLayoutId id="2147483660" r:id="rId12"/>
   </p:sldLayoutIdLst>
+  <p:txStyles>
+    <p:titleStyle>
+      <a:lvl1pPr algn="l" defTabSz="914400" rtl="0" eaLnBrk="1" latinLnBrk="0" hangingPunct="1">
+        <a:lnSpc>
+          <a:spcPct val="90000"/>
+        </a:lnSpc>
+        <a:spcBef>
+          <a:spcPct val="0"/>
+        </a:spcBef>
+        <a:buNone/>
+        <a:defRPr sz="4400" kern="1200">
+          <a:solidFill>
+            <a:schemeClr val="tx1"/>
+          </a:solidFill>
+          <a:latin typeface="+mj-lt"/>
+          <a:ea typeface="+mj-ea"/>
+          <a:cs typeface="+mj-cs"/>
+        </a:defRPr>
+      </a:lvl1pPr>
+    </p:titleStyle>
+    <p:bodyStyle>
+      <a:lvl1pPr marL="228600" indent="-228600" algn="l" defTabSz="914400" rtl="0" eaLnBrk="1" latinLnBrk="0" hangingPunct="1">
+        <a:lnSpc>
+          <a:spcPct val="90000"/>
+        </a:lnSpc>
+        <a:spcBef>
+          <a:spcPts val="1000"/>
+        </a:spcBef>
+        <a:buFont typeface="Arial" panose="020B0604020202020204" pitchFamily="34" charset="0"/>
+        <a:buChar char="•"/>
+        <a:defRPr sz="2800" kern="1200">
+          <a:solidFill>
+            <a:schemeClr val="tx1"/>
+          </a:solidFill>
+          <a:latin typeface="+mn-lt"/>
+          <a:ea typeface="+mn-ea"/>
+          <a:cs typeface="+mn-cs"/>
+        </a:defRPr>
+      </a:lvl1pPr>
+      <a:lvl2pPr marL="685800" indent="-228600" algn="l" defTabSz="914400" rtl="0" eaLnBrk="1" latinLnBrk="0" hangingPunct="1">
+        <a:lnSpc>
+          <a:spcPct val="90000"/>
+        </a:lnSpc>
+        <a:spcBef>
+          <a:spcPts val="500"/>
+        </a:spcBef>
+        <a:buFont typeface="Arial" panose="020B0604020202020204" pitchFamily="34" charset="0"/>
+        <a:buChar char="•"/>
+        <a:defRPr sz="2400" kern="1200">
+          <a:solidFill>
+            <a:schemeClr val="tx1"/>
+          </a:solidFill>
+          <a:latin typeface="+mn-lt"/>
+          <a:ea typeface="+mn-ea"/>
+          <a:cs typeface="+mn-cs"/>
+        </a:defRPr>
+      </a:lvl2pPr>
+      <a:lvl3pPr marL="1143000" indent="-228600" algn="l" defTabSz="914400" rtl="0" eaLnBrk="1" latinLnBrk="0" hangingPunct="1">
+        <a:lnSpc>
+          <a:spcPct val="90000"/>
+        </a:lnSpc>
+        <a:spcBef>
+          <a:spcPts val="500"/>
+        </a:spcBef>
+        <a:buFont typeface="Arial" panose="020B0604020202020204" pitchFamily="34" charset="0"/>
+        <a:buChar char="•"/>
+        <a:defRPr sz="2000" kern="1200">
+          <a:solidFill>
+            <a:schemeClr val="tx1"/>
+          </a:solidFill>
+          <a:latin typeface="+mn-lt"/>
+          <a:ea typeface="+mn-ea"/>
+          <a:cs typeface="+mn-cs"/>
+        </a:defRPr>
+      </a:lvl3pPr>
+      <a:lvl4pPr marL="1600200" indent="-228600" algn="l" defTabSz="914400" rtl="0" eaLnBrk="1" latinLnBrk="0" hangingPunct="1">
+        <a:lnSpc>
+          <a:spcPct val="90000"/>
+        </a:lnSpc>
+        <a:spcBef>
+          <a:spcPts val="500"/>
+        </a:spcBef>
+        <a:buFont typeface="Arial" panose="020B0604020202020204" pitchFamily="34" charset="0"/>
+        <a:buChar char="•"/>
+        <a:defRPr sz="1800" kern="1200">
+          <a:solidFill>
+            <a:schemeClr val="tx1"/>
+          </a:solidFill>
+          <a:latin typeface="+mn-lt"/>
+          <a:ea typeface="+mn-ea"/>
+          <a:cs typeface="+mn-cs"/>
+        </a:defRPr>
+      </a:lvl4pPr>
+      <a:lvl5pPr marL="2057400" indent="-228600" algn="l" defTabSz="914400" rtl="0" eaLnBrk="1" latinLnBrk="0" hangingPunct="1">
+        <a:lnSpc>
+          <a:spcPct val="90000"/>
+        </a:lnSpc>
+        <a:spcBef>
+          <a:spcPts val="500"/>
+        </a:spcBef>
+        <a:buFont typeface="Arial" panose="020B0604020202020204" pitchFamily="34" charset="0"/>
+        <a:buChar char="•"/>
+        <a:defRPr sz="1800" kern="1200">
+          <a:solidFill>
+            <a:schemeClr val="tx1"/>
+          </a:solidFill>
+          <a:latin typeface="+mn-lt"/>
+          <a:ea typeface="+mn-ea"/>
+          <a:cs typeface="+mn-cs"/>
+        </a:defRPr>
+      </a:lvl5pPr>
+      <a:lvl6pPr marL="2514600" indent="-228600" algn="l" defTabSz="914400" rtl="0" eaLnBrk="1" latinLnBrk="0" hangingPunct="1">
+        <a:lnSpc>
+          <a:spcPct val="90000"/>
+        </a:lnSpc>
+        <a:spcBef>
+          <a:spcPts val="500"/>
+        </a:spcBef>
+        <a:buFont typeface="Arial" panose="020B0604020202020204" pitchFamily="34" charset="0"/>
+        <a:buChar char="•"/>
+        <a:defRPr sz="1800" kern="1200">
+          <a:solidFill>
+            <a:schemeClr val="tx1"/>
+          </a:solidFill>
+          <a:latin typeface="+mn-lt"/>
+          <a:ea typeface="+mn-ea"/>
+          <a:cs typeface="+mn-cs"/>
+        </a:defRPr>
+      </a:lvl6pPr>
+      <a:lvl7pPr marL="2971800" indent="-228600" algn="l" defTabSz="914400" rtl="0" eaLnBrk="1" latinLnBrk="0" hangingPunct="1">
+        <a:lnSpc>
+          <a:spcPct val="90000"/>
+        </a:lnSpc>
+        <a:spcBef>
+          <a:spcPts val="500"/>
+        </a:spcBef>
+        <a:buFont typeface="Arial" panose="020B0604020202020204" pitchFamily="34" charset="0"/>
+        <a:buChar char="•"/>
+        <a:defRPr sz="1800" kern="1200">
+          <a:solidFill>
+            <a:schemeClr val="tx1"/>
+          </a:solidFill>
+          <a:latin typeface="+mn-lt"/>
+          <a:ea typeface="+mn-ea"/>
+          <a:cs typeface="+mn-cs"/>
+        </a:defRPr>
+      </a:lvl7pPr>
+      <a:lvl8pPr marL="3429000" indent="-228600" algn="l" defTabSz="914400" rtl="0" eaLnBrk="1" latinLnBrk="0" hangingPunct="1">
+        <a:lnSpc>
+          <a:spcPct val="90000"/>
+        </a:lnSpc>
+        <a:spcBef>
+          <a:spcPts val="500"/>
+        </a:spcBef>
+        <a:buFont typeface="Arial" panose="020B0604020202020204" pitchFamily="34" charset="0"/>
+        <a:buChar char="•"/>
+        <a:defRPr sz="1800" kern="1200">
+          <a:solidFill>
+            <a:schemeClr val="tx1"/>
+          </a:solidFill>
+          <a:latin typeface="+mn-lt"/>
+          <a:ea typeface="+mn-ea"/>
+          <a:cs typeface="+mn-cs"/>
+        </a:defRPr>
+      </a:lvl8pPr>
+      <a:lvl9pPr marL="3886200" indent="-228600" algn="l" defTabSz="914400" rtl="0" eaLnBrk="1" latinLnBrk="0" hangingPunct="1">
+        <a:lnSpc>
+          <a:spcPct val="90000"/>
+        </a:lnSpc>
+        <a:spcBef>
+          <a:spcPts val="500"/>
+        </a:spcBef>
+        <a:buFont typeface="Arial" panose="020B0604020202020204" pitchFamily="34" charset="0"/>
+        <a:buChar char="•"/>
+        <a:defRPr sz="1800" kern="1200">
+          <a:solidFill>
+            <a:schemeClr val="tx1"/>
+          </a:solidFill>
+          <a:latin typeface="+mn-lt"/>
+          <a:ea typeface="+mn-ea"/>
+          <a:cs typeface="+mn-cs"/>
+        </a:defRPr>
+      </a:lvl9pPr>
+    </p:bodyStyle>
+    <p:otherStyle>
+      <a:defPPr>
+        <a:defRPr lang="de-DE"/>
+      </a:defPPr>
+      <a:lvl1pPr marL="0" algn="l" defTabSz="914400" rtl="0" eaLnBrk="1" latinLnBrk="0" hangingPunct="1">
+        <a:defRPr sz="1800" kern="1200">
+          <a:solidFill>
+            <a:schemeClr val="tx1"/>
+          </a:solidFill>
+          <a:latin typeface="+mn-lt"/>
+          <a:ea typeface="+mn-ea"/>
+          <a:cs typeface="+mn-cs"/>
+        </a:defRPr>
+      </a:lvl1pPr>
+      <a:lvl2pPr marL="457200" algn="l" defTabSz="914400" rtl="0" eaLnBrk="1" latinLnBrk="0" hangingPunct="1">
+        <a:defRPr sz="1800" kern="1200">
+          <a:solidFill>
+            <a:schemeClr val="tx1"/>
+          </a:solidFill>
+          <a:latin typeface="+mn-lt"/>
+          <a:ea typeface="+mn-ea"/>
+          <a:cs typeface="+mn-cs"/>
+        </a:defRPr>
+      </a:lvl2pPr>
+      <a:lvl3pPr marL="914400" algn="l" defTabSz="914400" rtl="0" eaLnBrk="1" latinLnBrk="0" hangingPunct="1">
+        <a:defRPr sz="1800" kern="1200">
+          <a:solidFill>
+            <a:schemeClr val="tx1"/>
+          </a:solidFill>
+          <a:latin typeface="+mn-lt"/>
+          <a:ea typeface="+mn-ea"/>
+          <a:cs typeface="+mn-cs"/>
+        </a:defRPr>
+      </a:lvl3pPr>
+      <a:lvl4pPr marL="1371600" algn="l" defTabSz="914400" rtl="0" eaLnBrk="1" latinLnBrk="0" hangingPunct="1">
+        <a:defRPr sz="1800" kern="1200">
+          <a:solidFill>
+            <a:schemeClr val="tx1"/>
+          </a:solidFill>
+          <a:latin typeface="+mn-lt"/>
+          <a:ea typeface="+mn-ea"/>
+          <a:cs typeface="+mn-cs"/>
+        </a:defRPr>
+      </a:lvl4pPr>
+      <a:lvl5pPr marL="1828800" algn="l" defTabSz="914400" rtl="0" eaLnBrk="1" latinLnBrk="0" hangingPunct="1">
+        <a:defRPr sz="1800" kern="1200">
+          <a:solidFill>
+            <a:schemeClr val="tx1"/>
+          </a:solidFill>
+          <a:latin typeface="+mn-lt"/>
+          <a:ea typeface="+mn-ea"/>
+          <a:cs typeface="+mn-cs"/>
+        </a:defRPr>
+      </a:lvl5pPr>
+      <a:lvl6pPr marL="2286000" algn="l" defTabSz="914400" rtl="0" eaLnBrk="1" latinLnBrk="0" hangingPunct="1">
+        <a:defRPr sz="1800" kern="1200">
+          <a:solidFill>
+            <a:schemeClr val="tx1"/>
+          </a:solidFill>
+          <a:latin typeface="+mn-lt"/>
+          <a:ea typeface="+mn-ea"/>
+          <a:cs typeface="+mn-cs"/>
+        </a:defRPr>
+      </a:lvl6pPr>
+      <a:lvl7pPr marL="2743200" algn="l" defTabSz="914400" rtl="0" eaLnBrk="1" latinLnBrk="0" hangingPunct="1">
+        <a:defRPr sz="1800" kern="1200">
+          <a:solidFill>
+            <a:schemeClr val="tx1"/>
+          </a:solidFill>
+          <a:latin typeface="+mn-lt"/>
+          <a:ea typeface="+mn-ea"/>
+          <a:cs typeface="+mn-cs"/>
+        </a:defRPr>
+      </a:lvl7pPr>
+      <a:lvl8pPr marL="3200400" algn="l" defTabSz="914400" rtl="0" eaLnBrk="1" latinLnBrk="0" hangingPunct="1">
+        <a:defRPr sz="1800" kern="1200">
+          <a:solidFill>
+            <a:schemeClr val="tx1"/>
+          </a:solidFill>
+          <a:latin typeface="+mn-lt"/>
+          <a:ea typeface="+mn-ea"/>
+          <a:cs typeface="+mn-cs"/>
+        </a:defRPr>
+      </a:lvl8pPr>
+      <a:lvl9pPr marL="3657600" algn="l" defTabSz="914400" rtl="0" eaLnBrk="1" latinLnBrk="0" hangingPunct="1">
+        <a:defRPr sz="1800" kern="1200">
+          <a:solidFill>
+            <a:schemeClr val="tx1"/>
+          </a:solidFill>
+          <a:latin typeface="+mn-lt"/>
+          <a:ea typeface="+mn-ea"/>
+          <a:cs typeface="+mn-cs"/>
+        </a:defRPr>
+      </a:lvl9pPr>
+    </p:otherStyle>
+  </p:txStyles>
 </p:sldMaster>
 </file>
 
 <file path=ppt/slideMasters/slideMaster2.xml><?xml version="1.0" encoding="utf-8"?>
-<p:sldMaster xmlns:a="http://schemas.openxmlformats.org/drawingml/2006/main" xmlns:p="http://schemas.openxmlformats.org/presentationml/2006/main" xmlns:r="http://schemas.openxmlformats.org/officeDocument/2006/relationships" xmlns:p14="http://schemas.microsoft.com/office/powerpoint/2010/main" xmlns:p15="http://schemas.microsoft.com/office/powerpoint/2012/main" xmlns:mc="http://schemas.openxmlformats.org/markup-compatibility/2006">
+<p:sldMaster xmlns:a="http://schemas.openxmlformats.org/drawingml/2006/main" xmlns:r="http://schemas.openxmlformats.org/officeDocument/2006/relationships" xmlns:p="http://schemas.openxmlformats.org/presentationml/2006/main">
   <p:cSld>
     <p:bg>
       <p:bgPr>
         <a:solidFill>
-          <a:srgbClr val="ffffff"/>
+          <a:srgbClr val="FFFFFF"/>
         </a:solidFill>
+        <a:effectLst/>
       </p:bgPr>
     </p:bg>
     <p:spTree>
@@ -6140,9 +6788,15 @@
           </a:ln>
         </p:spPr>
         <p:style>
-          <a:lnRef idx="0"/>
-          <a:fillRef idx="0"/>
-          <a:effectRef idx="0"/>
+          <a:lnRef idx="0">
+            <a:scrgbClr r="0" g="0" b="0"/>
+          </a:lnRef>
+          <a:fillRef idx="0">
+            <a:scrgbClr r="0" g="0" b="0"/>
+          </a:fillRef>
+          <a:effectRef idx="0">
+            <a:scrgbClr r="0" g="0" b="0"/>
+          </a:effectRef>
           <a:fontRef idx="minor"/>
         </p:style>
       </p:sp>
@@ -6166,9 +6820,15 @@
           </a:ln>
         </p:spPr>
         <p:style>
-          <a:lnRef idx="0"/>
-          <a:fillRef idx="0"/>
-          <a:effectRef idx="0"/>
+          <a:lnRef idx="0">
+            <a:scrgbClr r="0" g="0" b="0"/>
+          </a:lnRef>
+          <a:fillRef idx="0">
+            <a:scrgbClr r="0" g="0" b="0"/>
+          </a:fillRef>
+          <a:effectRef idx="0">
+            <a:scrgbClr r="0" g="0" b="0"/>
+          </a:effectRef>
           <a:fontRef idx="minor"/>
         </p:style>
       </p:sp>
@@ -6192,13 +6852,20 @@
           </a:ln>
         </p:spPr>
         <p:style>
-          <a:lnRef idx="0"/>
-          <a:fillRef idx="0"/>
-          <a:effectRef idx="0"/>
+          <a:lnRef idx="0">
+            <a:scrgbClr r="0" g="0" b="0"/>
+          </a:lnRef>
+          <a:fillRef idx="0">
+            <a:scrgbClr r="0" g="0" b="0"/>
+          </a:fillRef>
+          <a:effectRef idx="0">
+            <a:scrgbClr r="0" g="0" b="0"/>
+          </a:effectRef>
           <a:fontRef idx="minor"/>
         </p:style>
         <p:txBody>
           <a:bodyPr/>
+          <a:lstStyle/>
           <a:p>
             <a:pPr algn="r">
               <a:lnSpc>
@@ -6206,13 +6873,13 @@
               </a:lnSpc>
             </a:pPr>
             <a:r>
-              <a:rPr b="1" lang="de-DE" sz="1200" spc="-1" strike="noStrike">
+              <a:rPr lang="de-DE" sz="1200" b="1" strike="noStrike" spc="-1">
                 <a:solidFill>
                   <a:srgbClr val="000000"/>
                 </a:solidFill>
                 <a:uFill>
                   <a:solidFill>
-                    <a:srgbClr val="ffffff"/>
+                    <a:srgbClr val="FFFFFF"/>
                   </a:solidFill>
                 </a:uFill>
                 <a:latin typeface="Arial"/>
@@ -6221,27 +6888,27 @@
               <a:t>Seite </a:t>
             </a:r>
             <a:fld id="{D08D7536-29BD-4F23-98A7-AC47D52205E2}" type="slidenum">
-              <a:rPr b="1" lang="de-DE" sz="1200" spc="-1" strike="noStrike">
+              <a:rPr lang="de-DE" sz="1200" b="1" strike="noStrike" spc="-1">
                 <a:solidFill>
                   <a:srgbClr val="000000"/>
                 </a:solidFill>
                 <a:uFill>
                   <a:solidFill>
-                    <a:srgbClr val="ffffff"/>
+                    <a:srgbClr val="FFFFFF"/>
                   </a:solidFill>
                 </a:uFill>
                 <a:latin typeface="Arial"/>
                 <a:ea typeface="Arial"/>
               </a:rPr>
-              <a:t>1</a:t>
+              <a:t>‹Nr.›</a:t>
             </a:fld>
-            <a:endParaRPr b="0" lang="de-DE" sz="1800" spc="-1" strike="noStrike">
-              <a:solidFill>
-                <a:srgbClr val="000000"/>
-              </a:solidFill>
-              <a:uFill>
-                <a:solidFill>
-                  <a:srgbClr val="ffffff"/>
+            <a:endParaRPr lang="de-DE" sz="1800" b="0" strike="noStrike" spc="-1">
+              <a:solidFill>
+                <a:srgbClr val="000000"/>
+              </a:solidFill>
+              <a:uFill>
+                <a:solidFill>
+                  <a:srgbClr val="FFFFFF"/>
                 </a:solidFill>
               </a:uFill>
               <a:latin typeface="Arial"/>
@@ -6253,13 +6920,13 @@
                 <a:spcPct val="100000"/>
               </a:lnSpc>
             </a:pPr>
-            <a:endParaRPr b="0" lang="de-DE" sz="1800" spc="-1" strike="noStrike">
-              <a:solidFill>
-                <a:srgbClr val="000000"/>
-              </a:solidFill>
-              <a:uFill>
-                <a:solidFill>
-                  <a:srgbClr val="ffffff"/>
+            <a:endParaRPr lang="de-DE" sz="1800" b="0" strike="noStrike" spc="-1">
+              <a:solidFill>
+                <a:srgbClr val="000000"/>
+              </a:solidFill>
+              <a:uFill>
+                <a:solidFill>
+                  <a:srgbClr val="FFFFFF"/>
                 </a:solidFill>
               </a:uFill>
               <a:latin typeface="Arial"/>
@@ -6287,13 +6954,20 @@
           </a:ln>
         </p:spPr>
         <p:style>
-          <a:lnRef idx="0"/>
-          <a:fillRef idx="0"/>
-          <a:effectRef idx="0"/>
+          <a:lnRef idx="0">
+            <a:scrgbClr r="0" g="0" b="0"/>
+          </a:lnRef>
+          <a:fillRef idx="0">
+            <a:scrgbClr r="0" g="0" b="0"/>
+          </a:fillRef>
+          <a:effectRef idx="0">
+            <a:scrgbClr r="0" g="0" b="0"/>
+          </a:effectRef>
           <a:fontRef idx="minor"/>
         </p:style>
         <p:txBody>
           <a:bodyPr/>
+          <a:lstStyle/>
           <a:p>
             <a:pPr>
               <a:lnSpc>
@@ -6301,13 +6975,13 @@
               </a:lnSpc>
             </a:pPr>
             <a:r>
-              <a:rPr b="1" lang="de-DE" sz="1150" spc="-1" strike="noStrike">
+              <a:rPr lang="de-DE" sz="1150" b="1" strike="noStrike" spc="-1">
                 <a:solidFill>
                   <a:srgbClr val="000000"/>
                 </a:solidFill>
                 <a:uFill>
                   <a:solidFill>
-                    <a:srgbClr val="ffffff"/>
+                    <a:srgbClr val="FFFFFF"/>
                   </a:solidFill>
                 </a:uFill>
                 <a:latin typeface="Arial"/>
@@ -6315,13 +6989,13 @@
               </a:rPr>
               <a:t>Man-In-The-Middle</a:t>
             </a:r>
-            <a:endParaRPr b="0" lang="de-DE" sz="1800" spc="-1" strike="noStrike">
-              <a:solidFill>
-                <a:srgbClr val="000000"/>
-              </a:solidFill>
-              <a:uFill>
-                <a:solidFill>
-                  <a:srgbClr val="ffffff"/>
+            <a:endParaRPr lang="de-DE" sz="1800" b="0" strike="noStrike" spc="-1">
+              <a:solidFill>
+                <a:srgbClr val="000000"/>
+              </a:solidFill>
+              <a:uFill>
+                <a:solidFill>
+                  <a:srgbClr val="FFFFFF"/>
                 </a:solidFill>
               </a:uFill>
               <a:latin typeface="Arial"/>
@@ -6344,6 +7018,7 @@
             <a:avLst/>
             <a:gdLst/>
             <a:ahLst/>
+            <a:cxnLst/>
             <a:rect l="l" t="t" r="r" b="b"/>
             <a:pathLst>
               <a:path w="21600" h="21600">
@@ -6359,15 +7034,21 @@
           <a:noFill/>
           <a:ln w="28440">
             <a:solidFill>
-              <a:srgbClr val="b2b2b2"/>
+              <a:srgbClr val="B2B2B2"/>
             </a:solidFill>
             <a:round/>
           </a:ln>
         </p:spPr>
         <p:style>
-          <a:lnRef idx="0"/>
-          <a:fillRef idx="0"/>
-          <a:effectRef idx="0"/>
+          <a:lnRef idx="0">
+            <a:scrgbClr r="0" g="0" b="0"/>
+          </a:lnRef>
+          <a:fillRef idx="0">
+            <a:scrgbClr r="0" g="0" b="0"/>
+          </a:fillRef>
+          <a:effectRef idx="0">
+            <a:scrgbClr r="0" g="0" b="0"/>
+          </a:effectRef>
           <a:fontRef idx="minor"/>
         </p:style>
       </p:sp>
@@ -6386,6 +7067,7 @@
             <a:avLst/>
             <a:gdLst/>
             <a:ahLst/>
+            <a:cxnLst/>
             <a:rect l="l" t="t" r="r" b="b"/>
             <a:pathLst>
               <a:path w="21600" h="21600">
@@ -6401,26 +7083,32 @@
           <a:noFill/>
           <a:ln w="28440">
             <a:solidFill>
-              <a:srgbClr val="b2b2b2"/>
+              <a:srgbClr val="B2B2B2"/>
             </a:solidFill>
             <a:round/>
           </a:ln>
         </p:spPr>
         <p:style>
-          <a:lnRef idx="0"/>
-          <a:fillRef idx="0"/>
-          <a:effectRef idx="0"/>
+          <a:lnRef idx="0">
+            <a:scrgbClr r="0" g="0" b="0"/>
+          </a:lnRef>
+          <a:fillRef idx="0">
+            <a:scrgbClr r="0" g="0" b="0"/>
+          </a:fillRef>
+          <a:effectRef idx="0">
+            <a:scrgbClr r="0" g="0" b="0"/>
+          </a:effectRef>
           <a:fontRef idx="minor"/>
         </p:style>
       </p:sp>
       <p:pic>
         <p:nvPicPr>
-          <p:cNvPr id="54" name="Shape 16" descr=""/>
+          <p:cNvPr id="54" name="Shape 16"/>
           <p:cNvPicPr/>
           <p:nvPr/>
         </p:nvPicPr>
         <p:blipFill>
-          <a:blip r:embed="rId2"/>
+          <a:blip r:embed="rId14"/>
           <a:stretch/>
         </p:blipFill>
         <p:spPr>
@@ -6457,14 +7145,15 @@
         </p:spPr>
         <p:txBody>
           <a:bodyPr tIns="91440" bIns="91440" anchor="ctr"/>
-          <a:p>
-            <a:endParaRPr b="0" lang="de-DE" sz="1400" spc="-1" strike="noStrike">
-              <a:solidFill>
-                <a:srgbClr val="000000"/>
-              </a:solidFill>
-              <a:uFill>
-                <a:solidFill>
-                  <a:srgbClr val="ffffff"/>
+          <a:lstStyle/>
+          <a:p>
+            <a:endParaRPr lang="de-DE" sz="1400" b="0" strike="noStrike" spc="-1">
+              <a:solidFill>
+                <a:srgbClr val="000000"/>
+              </a:solidFill>
+              <a:uFill>
+                <a:solidFill>
+                  <a:srgbClr val="FFFFFF"/>
                 </a:solidFill>
               </a:uFill>
               <a:latin typeface="Arial"/>
@@ -6493,6 +7182,7 @@
         </p:spPr>
         <p:txBody>
           <a:bodyPr tIns="91440" bIns="91440"/>
+          <a:lstStyle/>
           <a:p>
             <a:pPr marL="432000" indent="-324000">
               <a:buClr>
@@ -6503,33 +7193,22 @@
               <a:buChar char=""/>
             </a:pPr>
             <a:r>
-              <a:rPr b="0" lang="de-DE" sz="2800" spc="-1" strike="noStrike">
+              <a:rPr lang="de-DE" sz="2800" b="0" strike="noStrike" spc="-1">
                 <a:solidFill>
                   <a:srgbClr val="000000"/>
                 </a:solidFill>
                 <a:uFill>
                   <a:solidFill>
-                    <a:srgbClr val="ffffff"/>
+                    <a:srgbClr val="FFFFFF"/>
                   </a:solidFill>
                 </a:uFill>
                 <a:latin typeface="Arial"/>
               </a:rPr>
               <a:t>Format des Gliederungstextes durch Klicken bearbeiten</a:t>
             </a:r>
-            <a:endParaRPr b="0" lang="de-DE" sz="2800" spc="-1" strike="noStrike">
-              <a:solidFill>
-                <a:srgbClr val="000000"/>
-              </a:solidFill>
-              <a:uFill>
-                <a:solidFill>
-                  <a:srgbClr val="ffffff"/>
-                </a:solidFill>
-              </a:uFill>
-              <a:latin typeface="Arial"/>
-            </a:endParaRPr>
-          </a:p>
-          <a:p>
-            <a:pPr lvl="1" marL="864000" indent="-324000">
+          </a:p>
+          <a:p>
+            <a:pPr marL="864000" lvl="1" indent="-324000">
               <a:buClr>
                 <a:srgbClr val="000000"/>
               </a:buClr>
@@ -6538,33 +7217,22 @@
               <a:buChar char=""/>
             </a:pPr>
             <a:r>
-              <a:rPr b="0" lang="de-DE" sz="2800" spc="-1" strike="noStrike">
+              <a:rPr lang="de-DE" sz="2800" b="0" strike="noStrike" spc="-1">
                 <a:solidFill>
                   <a:srgbClr val="000000"/>
                 </a:solidFill>
                 <a:uFill>
                   <a:solidFill>
-                    <a:srgbClr val="ffffff"/>
+                    <a:srgbClr val="FFFFFF"/>
                   </a:solidFill>
                 </a:uFill>
                 <a:latin typeface="Arial"/>
               </a:rPr>
               <a:t>Zweite Gliederungsebene</a:t>
             </a:r>
-            <a:endParaRPr b="0" lang="de-DE" sz="2800" spc="-1" strike="noStrike">
-              <a:solidFill>
-                <a:srgbClr val="000000"/>
-              </a:solidFill>
-              <a:uFill>
-                <a:solidFill>
-                  <a:srgbClr val="ffffff"/>
-                </a:solidFill>
-              </a:uFill>
-              <a:latin typeface="Arial"/>
-            </a:endParaRPr>
-          </a:p>
-          <a:p>
-            <a:pPr lvl="2" marL="1296000" indent="-288000">
+          </a:p>
+          <a:p>
+            <a:pPr marL="1296000" lvl="2" indent="-288000">
               <a:buClr>
                 <a:srgbClr val="000000"/>
               </a:buClr>
@@ -6573,33 +7241,22 @@
               <a:buChar char=""/>
             </a:pPr>
             <a:r>
-              <a:rPr b="0" lang="de-DE" sz="2800" spc="-1" strike="noStrike">
+              <a:rPr lang="de-DE" sz="2800" b="0" strike="noStrike" spc="-1">
                 <a:solidFill>
                   <a:srgbClr val="000000"/>
                 </a:solidFill>
                 <a:uFill>
                   <a:solidFill>
-                    <a:srgbClr val="ffffff"/>
+                    <a:srgbClr val="FFFFFF"/>
                   </a:solidFill>
                 </a:uFill>
                 <a:latin typeface="Arial"/>
               </a:rPr>
               <a:t>Dritte Gliederungsebene</a:t>
             </a:r>
-            <a:endParaRPr b="0" lang="de-DE" sz="2800" spc="-1" strike="noStrike">
-              <a:solidFill>
-                <a:srgbClr val="000000"/>
-              </a:solidFill>
-              <a:uFill>
-                <a:solidFill>
-                  <a:srgbClr val="ffffff"/>
-                </a:solidFill>
-              </a:uFill>
-              <a:latin typeface="Arial"/>
-            </a:endParaRPr>
-          </a:p>
-          <a:p>
-            <a:pPr lvl="3" marL="1728000" indent="-216000">
+          </a:p>
+          <a:p>
+            <a:pPr marL="1728000" lvl="3" indent="-216000">
               <a:buClr>
                 <a:srgbClr val="000000"/>
               </a:buClr>
@@ -6608,33 +7265,22 @@
               <a:buChar char=""/>
             </a:pPr>
             <a:r>
-              <a:rPr b="0" lang="de-DE" sz="2800" spc="-1" strike="noStrike">
+              <a:rPr lang="de-DE" sz="2800" b="0" strike="noStrike" spc="-1">
                 <a:solidFill>
                   <a:srgbClr val="000000"/>
                 </a:solidFill>
                 <a:uFill>
                   <a:solidFill>
-                    <a:srgbClr val="ffffff"/>
+                    <a:srgbClr val="FFFFFF"/>
                   </a:solidFill>
                 </a:uFill>
                 <a:latin typeface="Arial"/>
               </a:rPr>
               <a:t>Vierte Gliederungsebene</a:t>
             </a:r>
-            <a:endParaRPr b="0" lang="de-DE" sz="2800" spc="-1" strike="noStrike">
-              <a:solidFill>
-                <a:srgbClr val="000000"/>
-              </a:solidFill>
-              <a:uFill>
-                <a:solidFill>
-                  <a:srgbClr val="ffffff"/>
-                </a:solidFill>
-              </a:uFill>
-              <a:latin typeface="Arial"/>
-            </a:endParaRPr>
-          </a:p>
-          <a:p>
-            <a:pPr lvl="4" marL="2160000" indent="-216000">
+          </a:p>
+          <a:p>
+            <a:pPr marL="2160000" lvl="4" indent="-216000">
               <a:buClr>
                 <a:srgbClr val="000000"/>
               </a:buClr>
@@ -6643,33 +7289,22 @@
               <a:buChar char=""/>
             </a:pPr>
             <a:r>
-              <a:rPr b="0" lang="de-DE" sz="2800" spc="-1" strike="noStrike">
+              <a:rPr lang="de-DE" sz="2800" b="0" strike="noStrike" spc="-1">
                 <a:solidFill>
                   <a:srgbClr val="000000"/>
                 </a:solidFill>
                 <a:uFill>
                   <a:solidFill>
-                    <a:srgbClr val="ffffff"/>
+                    <a:srgbClr val="FFFFFF"/>
                   </a:solidFill>
                 </a:uFill>
                 <a:latin typeface="Arial"/>
               </a:rPr>
               <a:t>Fünfte Gliederungsebene</a:t>
             </a:r>
-            <a:endParaRPr b="0" lang="de-DE" sz="2800" spc="-1" strike="noStrike">
-              <a:solidFill>
-                <a:srgbClr val="000000"/>
-              </a:solidFill>
-              <a:uFill>
-                <a:solidFill>
-                  <a:srgbClr val="ffffff"/>
-                </a:solidFill>
-              </a:uFill>
-              <a:latin typeface="Arial"/>
-            </a:endParaRPr>
-          </a:p>
-          <a:p>
-            <a:pPr lvl="5" marL="2592000" indent="-216000">
+          </a:p>
+          <a:p>
+            <a:pPr marL="2592000" lvl="5" indent="-216000">
               <a:buClr>
                 <a:srgbClr val="000000"/>
               </a:buClr>
@@ -6678,33 +7313,22 @@
               <a:buChar char=""/>
             </a:pPr>
             <a:r>
-              <a:rPr b="0" lang="de-DE" sz="2800" spc="-1" strike="noStrike">
+              <a:rPr lang="de-DE" sz="2800" b="0" strike="noStrike" spc="-1">
                 <a:solidFill>
                   <a:srgbClr val="000000"/>
                 </a:solidFill>
                 <a:uFill>
                   <a:solidFill>
-                    <a:srgbClr val="ffffff"/>
+                    <a:srgbClr val="FFFFFF"/>
                   </a:solidFill>
                 </a:uFill>
                 <a:latin typeface="Arial"/>
               </a:rPr>
               <a:t>Sechste Gliederungsebene</a:t>
             </a:r>
-            <a:endParaRPr b="0" lang="de-DE" sz="2800" spc="-1" strike="noStrike">
-              <a:solidFill>
-                <a:srgbClr val="000000"/>
-              </a:solidFill>
-              <a:uFill>
-                <a:solidFill>
-                  <a:srgbClr val="ffffff"/>
-                </a:solidFill>
-              </a:uFill>
-              <a:latin typeface="Arial"/>
-            </a:endParaRPr>
-          </a:p>
-          <a:p>
-            <a:pPr lvl="6" marL="3024000" indent="-216000">
+          </a:p>
+          <a:p>
+            <a:pPr marL="3024000" lvl="6" indent="-216000">
               <a:buClr>
                 <a:srgbClr val="000000"/>
               </a:buClr>
@@ -6713,30 +7337,19 @@
               <a:buChar char=""/>
             </a:pPr>
             <a:r>
-              <a:rPr b="0" lang="de-DE" sz="2800" spc="-1" strike="noStrike">
+              <a:rPr lang="de-DE" sz="2800" b="0" strike="noStrike" spc="-1">
                 <a:solidFill>
                   <a:srgbClr val="000000"/>
                 </a:solidFill>
                 <a:uFill>
                   <a:solidFill>
-                    <a:srgbClr val="ffffff"/>
+                    <a:srgbClr val="FFFFFF"/>
                   </a:solidFill>
                 </a:uFill>
                 <a:latin typeface="Arial"/>
               </a:rPr>
               <a:t>Siebte Gliederungsebene</a:t>
             </a:r>
-            <a:endParaRPr b="0" lang="de-DE" sz="2800" spc="-1" strike="noStrike">
-              <a:solidFill>
-                <a:srgbClr val="000000"/>
-              </a:solidFill>
-              <a:uFill>
-                <a:solidFill>
-                  <a:srgbClr val="ffffff"/>
-                </a:solidFill>
-              </a:uFill>
-              <a:latin typeface="Arial"/>
-            </a:endParaRPr>
           </a:p>
         </p:txBody>
       </p:sp>
@@ -6761,6 +7374,7 @@
         </p:spPr>
         <p:txBody>
           <a:bodyPr tIns="91440" bIns="91440"/>
+          <a:lstStyle/>
           <a:p>
             <a:pPr marL="432000" indent="-324000">
               <a:buClr>
@@ -6771,33 +7385,22 @@
               <a:buChar char=""/>
             </a:pPr>
             <a:r>
-              <a:rPr b="0" lang="de-DE" sz="1200" spc="-1" strike="noStrike">
+              <a:rPr lang="de-DE" sz="1200" b="0" strike="noStrike" spc="-1">
                 <a:solidFill>
                   <a:srgbClr val="000000"/>
                 </a:solidFill>
                 <a:uFill>
                   <a:solidFill>
-                    <a:srgbClr val="ffffff"/>
+                    <a:srgbClr val="FFFFFF"/>
                   </a:solidFill>
                 </a:uFill>
                 <a:latin typeface="Arial"/>
               </a:rPr>
               <a:t>Format des Gliederungstextes durch Klicken bearbeiten</a:t>
             </a:r>
-            <a:endParaRPr b="0" lang="de-DE" sz="1200" spc="-1" strike="noStrike">
-              <a:solidFill>
-                <a:srgbClr val="000000"/>
-              </a:solidFill>
-              <a:uFill>
-                <a:solidFill>
-                  <a:srgbClr val="ffffff"/>
-                </a:solidFill>
-              </a:uFill>
-              <a:latin typeface="Arial"/>
-            </a:endParaRPr>
-          </a:p>
-          <a:p>
-            <a:pPr lvl="1" marL="864000" indent="-324000">
+          </a:p>
+          <a:p>
+            <a:pPr marL="864000" lvl="1" indent="-324000">
               <a:buClr>
                 <a:srgbClr val="000000"/>
               </a:buClr>
@@ -6806,33 +7409,22 @@
               <a:buChar char=""/>
             </a:pPr>
             <a:r>
-              <a:rPr b="0" lang="de-DE" sz="1200" spc="-1" strike="noStrike">
+              <a:rPr lang="de-DE" sz="1200" b="0" strike="noStrike" spc="-1">
                 <a:solidFill>
                   <a:srgbClr val="000000"/>
                 </a:solidFill>
                 <a:uFill>
                   <a:solidFill>
-                    <a:srgbClr val="ffffff"/>
+                    <a:srgbClr val="FFFFFF"/>
                   </a:solidFill>
                 </a:uFill>
                 <a:latin typeface="Arial"/>
               </a:rPr>
               <a:t>Zweite Gliederungsebene</a:t>
             </a:r>
-            <a:endParaRPr b="0" lang="de-DE" sz="1200" spc="-1" strike="noStrike">
-              <a:solidFill>
-                <a:srgbClr val="000000"/>
-              </a:solidFill>
-              <a:uFill>
-                <a:solidFill>
-                  <a:srgbClr val="ffffff"/>
-                </a:solidFill>
-              </a:uFill>
-              <a:latin typeface="Arial"/>
-            </a:endParaRPr>
-          </a:p>
-          <a:p>
-            <a:pPr lvl="2" marL="1296000" indent="-288000">
+          </a:p>
+          <a:p>
+            <a:pPr marL="1296000" lvl="2" indent="-288000">
               <a:buClr>
                 <a:srgbClr val="000000"/>
               </a:buClr>
@@ -6841,33 +7433,22 @@
               <a:buChar char=""/>
             </a:pPr>
             <a:r>
-              <a:rPr b="0" lang="de-DE" sz="1200" spc="-1" strike="noStrike">
+              <a:rPr lang="de-DE" sz="1200" b="0" strike="noStrike" spc="-1">
                 <a:solidFill>
                   <a:srgbClr val="000000"/>
                 </a:solidFill>
                 <a:uFill>
                   <a:solidFill>
-                    <a:srgbClr val="ffffff"/>
+                    <a:srgbClr val="FFFFFF"/>
                   </a:solidFill>
                 </a:uFill>
                 <a:latin typeface="Arial"/>
               </a:rPr>
               <a:t>Dritte Gliederungsebene</a:t>
             </a:r>
-            <a:endParaRPr b="0" lang="de-DE" sz="1200" spc="-1" strike="noStrike">
-              <a:solidFill>
-                <a:srgbClr val="000000"/>
-              </a:solidFill>
-              <a:uFill>
-                <a:solidFill>
-                  <a:srgbClr val="ffffff"/>
-                </a:solidFill>
-              </a:uFill>
-              <a:latin typeface="Arial"/>
-            </a:endParaRPr>
-          </a:p>
-          <a:p>
-            <a:pPr lvl="3" marL="1728000" indent="-216000">
+          </a:p>
+          <a:p>
+            <a:pPr marL="1728000" lvl="3" indent="-216000">
               <a:buClr>
                 <a:srgbClr val="000000"/>
               </a:buClr>
@@ -6876,33 +7457,22 @@
               <a:buChar char=""/>
             </a:pPr>
             <a:r>
-              <a:rPr b="0" lang="de-DE" sz="1200" spc="-1" strike="noStrike">
+              <a:rPr lang="de-DE" sz="1200" b="0" strike="noStrike" spc="-1">
                 <a:solidFill>
                   <a:srgbClr val="000000"/>
                 </a:solidFill>
                 <a:uFill>
                   <a:solidFill>
-                    <a:srgbClr val="ffffff"/>
+                    <a:srgbClr val="FFFFFF"/>
                   </a:solidFill>
                 </a:uFill>
                 <a:latin typeface="Arial"/>
               </a:rPr>
               <a:t>Vierte Gliederungsebene</a:t>
             </a:r>
-            <a:endParaRPr b="0" lang="de-DE" sz="1200" spc="-1" strike="noStrike">
-              <a:solidFill>
-                <a:srgbClr val="000000"/>
-              </a:solidFill>
-              <a:uFill>
-                <a:solidFill>
-                  <a:srgbClr val="ffffff"/>
-                </a:solidFill>
-              </a:uFill>
-              <a:latin typeface="Arial"/>
-            </a:endParaRPr>
-          </a:p>
-          <a:p>
-            <a:pPr lvl="4" marL="2160000" indent="-216000">
+          </a:p>
+          <a:p>
+            <a:pPr marL="2160000" lvl="4" indent="-216000">
               <a:buClr>
                 <a:srgbClr val="000000"/>
               </a:buClr>
@@ -6911,33 +7481,22 @@
               <a:buChar char=""/>
             </a:pPr>
             <a:r>
-              <a:rPr b="0" lang="de-DE" sz="1200" spc="-1" strike="noStrike">
+              <a:rPr lang="de-DE" sz="1200" b="0" strike="noStrike" spc="-1">
                 <a:solidFill>
                   <a:srgbClr val="000000"/>
                 </a:solidFill>
                 <a:uFill>
                   <a:solidFill>
-                    <a:srgbClr val="ffffff"/>
+                    <a:srgbClr val="FFFFFF"/>
                   </a:solidFill>
                 </a:uFill>
                 <a:latin typeface="Arial"/>
               </a:rPr>
               <a:t>Fünfte Gliederungsebene</a:t>
             </a:r>
-            <a:endParaRPr b="0" lang="de-DE" sz="1200" spc="-1" strike="noStrike">
-              <a:solidFill>
-                <a:srgbClr val="000000"/>
-              </a:solidFill>
-              <a:uFill>
-                <a:solidFill>
-                  <a:srgbClr val="ffffff"/>
-                </a:solidFill>
-              </a:uFill>
-              <a:latin typeface="Arial"/>
-            </a:endParaRPr>
-          </a:p>
-          <a:p>
-            <a:pPr lvl="5" marL="2592000" indent="-216000">
+          </a:p>
+          <a:p>
+            <a:pPr marL="2592000" lvl="5" indent="-216000">
               <a:buClr>
                 <a:srgbClr val="000000"/>
               </a:buClr>
@@ -6946,33 +7505,22 @@
               <a:buChar char=""/>
             </a:pPr>
             <a:r>
-              <a:rPr b="0" lang="de-DE" sz="1200" spc="-1" strike="noStrike">
+              <a:rPr lang="de-DE" sz="1200" b="0" strike="noStrike" spc="-1">
                 <a:solidFill>
                   <a:srgbClr val="000000"/>
                 </a:solidFill>
                 <a:uFill>
                   <a:solidFill>
-                    <a:srgbClr val="ffffff"/>
+                    <a:srgbClr val="FFFFFF"/>
                   </a:solidFill>
                 </a:uFill>
                 <a:latin typeface="Arial"/>
               </a:rPr>
               <a:t>Sechste Gliederungsebene</a:t>
             </a:r>
-            <a:endParaRPr b="0" lang="de-DE" sz="1200" spc="-1" strike="noStrike">
-              <a:solidFill>
-                <a:srgbClr val="000000"/>
-              </a:solidFill>
-              <a:uFill>
-                <a:solidFill>
-                  <a:srgbClr val="ffffff"/>
-                </a:solidFill>
-              </a:uFill>
-              <a:latin typeface="Arial"/>
-            </a:endParaRPr>
-          </a:p>
-          <a:p>
-            <a:pPr lvl="6" marL="3024000" indent="-216000">
+          </a:p>
+          <a:p>
+            <a:pPr marL="3024000" lvl="6" indent="-216000">
               <a:buClr>
                 <a:srgbClr val="000000"/>
               </a:buClr>
@@ -6981,61 +7529,331 @@
               <a:buChar char=""/>
             </a:pPr>
             <a:r>
-              <a:rPr b="0" lang="de-DE" sz="1200" spc="-1" strike="noStrike">
+              <a:rPr lang="de-DE" sz="1200" b="0" strike="noStrike" spc="-1">
                 <a:solidFill>
                   <a:srgbClr val="000000"/>
                 </a:solidFill>
                 <a:uFill>
                   <a:solidFill>
-                    <a:srgbClr val="ffffff"/>
+                    <a:srgbClr val="FFFFFF"/>
                   </a:solidFill>
                 </a:uFill>
                 <a:latin typeface="Arial"/>
               </a:rPr>
               <a:t>Siebte Gliederungsebene</a:t>
             </a:r>
-            <a:endParaRPr b="0" lang="de-DE" sz="1200" spc="-1" strike="noStrike">
-              <a:solidFill>
-                <a:srgbClr val="000000"/>
-              </a:solidFill>
-              <a:uFill>
-                <a:solidFill>
-                  <a:srgbClr val="ffffff"/>
-                </a:solidFill>
-              </a:uFill>
-              <a:latin typeface="Arial"/>
-            </a:endParaRPr>
           </a:p>
         </p:txBody>
       </p:sp>
     </p:spTree>
   </p:cSld>
-  <p:clrMap bg1="lt1" bg2="lt2" tx1="dk1" tx2="dk2" accent1="accent1" accent2="accent2" accent3="accent3" accent4="accent4" accent5="accent5" accent6="accent6" hlink="hlink" folHlink="folHlink"/>
+  <p:clrMap bg1="lt1" tx1="dk1" bg2="lt2" tx2="dk2" accent1="accent1" accent2="accent2" accent3="accent3" accent4="accent4" accent5="accent5" accent6="accent6" hlink="hlink" folHlink="folHlink"/>
   <p:sldLayoutIdLst>
-    <p:sldLayoutId id="2147483662" r:id="rId3"/>
-    <p:sldLayoutId id="2147483663" r:id="rId4"/>
-    <p:sldLayoutId id="2147483664" r:id="rId5"/>
-    <p:sldLayoutId id="2147483665" r:id="rId6"/>
-    <p:sldLayoutId id="2147483666" r:id="rId7"/>
-    <p:sldLayoutId id="2147483667" r:id="rId8"/>
-    <p:sldLayoutId id="2147483668" r:id="rId9"/>
-    <p:sldLayoutId id="2147483669" r:id="rId10"/>
-    <p:sldLayoutId id="2147483670" r:id="rId11"/>
-    <p:sldLayoutId id="2147483671" r:id="rId12"/>
-    <p:sldLayoutId id="2147483672" r:id="rId13"/>
-    <p:sldLayoutId id="2147483673" r:id="rId14"/>
+    <p:sldLayoutId id="2147483662" r:id="rId1"/>
+    <p:sldLayoutId id="2147483663" r:id="rId2"/>
+    <p:sldLayoutId id="2147483664" r:id="rId3"/>
+    <p:sldLayoutId id="2147483665" r:id="rId4"/>
+    <p:sldLayoutId id="2147483666" r:id="rId5"/>
+    <p:sldLayoutId id="2147483667" r:id="rId6"/>
+    <p:sldLayoutId id="2147483668" r:id="rId7"/>
+    <p:sldLayoutId id="2147483669" r:id="rId8"/>
+    <p:sldLayoutId id="2147483670" r:id="rId9"/>
+    <p:sldLayoutId id="2147483671" r:id="rId10"/>
+    <p:sldLayoutId id="2147483672" r:id="rId11"/>
+    <p:sldLayoutId id="2147483673" r:id="rId12"/>
   </p:sldLayoutIdLst>
+  <p:txStyles>
+    <p:titleStyle>
+      <a:lvl1pPr algn="l" defTabSz="914400" rtl="0" eaLnBrk="1" latinLnBrk="0" hangingPunct="1">
+        <a:lnSpc>
+          <a:spcPct val="90000"/>
+        </a:lnSpc>
+        <a:spcBef>
+          <a:spcPct val="0"/>
+        </a:spcBef>
+        <a:buNone/>
+        <a:defRPr sz="4400" kern="1200">
+          <a:solidFill>
+            <a:schemeClr val="tx1"/>
+          </a:solidFill>
+          <a:latin typeface="+mj-lt"/>
+          <a:ea typeface="+mj-ea"/>
+          <a:cs typeface="+mj-cs"/>
+        </a:defRPr>
+      </a:lvl1pPr>
+    </p:titleStyle>
+    <p:bodyStyle>
+      <a:lvl1pPr marL="228600" indent="-228600" algn="l" defTabSz="914400" rtl="0" eaLnBrk="1" latinLnBrk="0" hangingPunct="1">
+        <a:lnSpc>
+          <a:spcPct val="90000"/>
+        </a:lnSpc>
+        <a:spcBef>
+          <a:spcPts val="1000"/>
+        </a:spcBef>
+        <a:buFont typeface="Arial" panose="020B0604020202020204" pitchFamily="34" charset="0"/>
+        <a:buChar char="•"/>
+        <a:defRPr sz="2800" kern="1200">
+          <a:solidFill>
+            <a:schemeClr val="tx1"/>
+          </a:solidFill>
+          <a:latin typeface="+mn-lt"/>
+          <a:ea typeface="+mn-ea"/>
+          <a:cs typeface="+mn-cs"/>
+        </a:defRPr>
+      </a:lvl1pPr>
+      <a:lvl2pPr marL="685800" indent="-228600" algn="l" defTabSz="914400" rtl="0" eaLnBrk="1" latinLnBrk="0" hangingPunct="1">
+        <a:lnSpc>
+          <a:spcPct val="90000"/>
+        </a:lnSpc>
+        <a:spcBef>
+          <a:spcPts val="500"/>
+        </a:spcBef>
+        <a:buFont typeface="Arial" panose="020B0604020202020204" pitchFamily="34" charset="0"/>
+        <a:buChar char="•"/>
+        <a:defRPr sz="2400" kern="1200">
+          <a:solidFill>
+            <a:schemeClr val="tx1"/>
+          </a:solidFill>
+          <a:latin typeface="+mn-lt"/>
+          <a:ea typeface="+mn-ea"/>
+          <a:cs typeface="+mn-cs"/>
+        </a:defRPr>
+      </a:lvl2pPr>
+      <a:lvl3pPr marL="1143000" indent="-228600" algn="l" defTabSz="914400" rtl="0" eaLnBrk="1" latinLnBrk="0" hangingPunct="1">
+        <a:lnSpc>
+          <a:spcPct val="90000"/>
+        </a:lnSpc>
+        <a:spcBef>
+          <a:spcPts val="500"/>
+        </a:spcBef>
+        <a:buFont typeface="Arial" panose="020B0604020202020204" pitchFamily="34" charset="0"/>
+        <a:buChar char="•"/>
+        <a:defRPr sz="2000" kern="1200">
+          <a:solidFill>
+            <a:schemeClr val="tx1"/>
+          </a:solidFill>
+          <a:latin typeface="+mn-lt"/>
+          <a:ea typeface="+mn-ea"/>
+          <a:cs typeface="+mn-cs"/>
+        </a:defRPr>
+      </a:lvl3pPr>
+      <a:lvl4pPr marL="1600200" indent="-228600" algn="l" defTabSz="914400" rtl="0" eaLnBrk="1" latinLnBrk="0" hangingPunct="1">
+        <a:lnSpc>
+          <a:spcPct val="90000"/>
+        </a:lnSpc>
+        <a:spcBef>
+          <a:spcPts val="500"/>
+        </a:spcBef>
+        <a:buFont typeface="Arial" panose="020B0604020202020204" pitchFamily="34" charset="0"/>
+        <a:buChar char="•"/>
+        <a:defRPr sz="1800" kern="1200">
+          <a:solidFill>
+            <a:schemeClr val="tx1"/>
+          </a:solidFill>
+          <a:latin typeface="+mn-lt"/>
+          <a:ea typeface="+mn-ea"/>
+          <a:cs typeface="+mn-cs"/>
+        </a:defRPr>
+      </a:lvl4pPr>
+      <a:lvl5pPr marL="2057400" indent="-228600" algn="l" defTabSz="914400" rtl="0" eaLnBrk="1" latinLnBrk="0" hangingPunct="1">
+        <a:lnSpc>
+          <a:spcPct val="90000"/>
+        </a:lnSpc>
+        <a:spcBef>
+          <a:spcPts val="500"/>
+        </a:spcBef>
+        <a:buFont typeface="Arial" panose="020B0604020202020204" pitchFamily="34" charset="0"/>
+        <a:buChar char="•"/>
+        <a:defRPr sz="1800" kern="1200">
+          <a:solidFill>
+            <a:schemeClr val="tx1"/>
+          </a:solidFill>
+          <a:latin typeface="+mn-lt"/>
+          <a:ea typeface="+mn-ea"/>
+          <a:cs typeface="+mn-cs"/>
+        </a:defRPr>
+      </a:lvl5pPr>
+      <a:lvl6pPr marL="2514600" indent="-228600" algn="l" defTabSz="914400" rtl="0" eaLnBrk="1" latinLnBrk="0" hangingPunct="1">
+        <a:lnSpc>
+          <a:spcPct val="90000"/>
+        </a:lnSpc>
+        <a:spcBef>
+          <a:spcPts val="500"/>
+        </a:spcBef>
+        <a:buFont typeface="Arial" panose="020B0604020202020204" pitchFamily="34" charset="0"/>
+        <a:buChar char="•"/>
+        <a:defRPr sz="1800" kern="1200">
+          <a:solidFill>
+            <a:schemeClr val="tx1"/>
+          </a:solidFill>
+          <a:latin typeface="+mn-lt"/>
+          <a:ea typeface="+mn-ea"/>
+          <a:cs typeface="+mn-cs"/>
+        </a:defRPr>
+      </a:lvl6pPr>
+      <a:lvl7pPr marL="2971800" indent="-228600" algn="l" defTabSz="914400" rtl="0" eaLnBrk="1" latinLnBrk="0" hangingPunct="1">
+        <a:lnSpc>
+          <a:spcPct val="90000"/>
+        </a:lnSpc>
+        <a:spcBef>
+          <a:spcPts val="500"/>
+        </a:spcBef>
+        <a:buFont typeface="Arial" panose="020B0604020202020204" pitchFamily="34" charset="0"/>
+        <a:buChar char="•"/>
+        <a:defRPr sz="1800" kern="1200">
+          <a:solidFill>
+            <a:schemeClr val="tx1"/>
+          </a:solidFill>
+          <a:latin typeface="+mn-lt"/>
+          <a:ea typeface="+mn-ea"/>
+          <a:cs typeface="+mn-cs"/>
+        </a:defRPr>
+      </a:lvl7pPr>
+      <a:lvl8pPr marL="3429000" indent="-228600" algn="l" defTabSz="914400" rtl="0" eaLnBrk="1" latinLnBrk="0" hangingPunct="1">
+        <a:lnSpc>
+          <a:spcPct val="90000"/>
+        </a:lnSpc>
+        <a:spcBef>
+          <a:spcPts val="500"/>
+        </a:spcBef>
+        <a:buFont typeface="Arial" panose="020B0604020202020204" pitchFamily="34" charset="0"/>
+        <a:buChar char="•"/>
+        <a:defRPr sz="1800" kern="1200">
+          <a:solidFill>
+            <a:schemeClr val="tx1"/>
+          </a:solidFill>
+          <a:latin typeface="+mn-lt"/>
+          <a:ea typeface="+mn-ea"/>
+          <a:cs typeface="+mn-cs"/>
+        </a:defRPr>
+      </a:lvl8pPr>
+      <a:lvl9pPr marL="3886200" indent="-228600" algn="l" defTabSz="914400" rtl="0" eaLnBrk="1" latinLnBrk="0" hangingPunct="1">
+        <a:lnSpc>
+          <a:spcPct val="90000"/>
+        </a:lnSpc>
+        <a:spcBef>
+          <a:spcPts val="500"/>
+        </a:spcBef>
+        <a:buFont typeface="Arial" panose="020B0604020202020204" pitchFamily="34" charset="0"/>
+        <a:buChar char="•"/>
+        <a:defRPr sz="1800" kern="1200">
+          <a:solidFill>
+            <a:schemeClr val="tx1"/>
+          </a:solidFill>
+          <a:latin typeface="+mn-lt"/>
+          <a:ea typeface="+mn-ea"/>
+          <a:cs typeface="+mn-cs"/>
+        </a:defRPr>
+      </a:lvl9pPr>
+    </p:bodyStyle>
+    <p:otherStyle>
+      <a:defPPr>
+        <a:defRPr lang="de-DE"/>
+      </a:defPPr>
+      <a:lvl1pPr marL="0" algn="l" defTabSz="914400" rtl="0" eaLnBrk="1" latinLnBrk="0" hangingPunct="1">
+        <a:defRPr sz="1800" kern="1200">
+          <a:solidFill>
+            <a:schemeClr val="tx1"/>
+          </a:solidFill>
+          <a:latin typeface="+mn-lt"/>
+          <a:ea typeface="+mn-ea"/>
+          <a:cs typeface="+mn-cs"/>
+        </a:defRPr>
+      </a:lvl1pPr>
+      <a:lvl2pPr marL="457200" algn="l" defTabSz="914400" rtl="0" eaLnBrk="1" latinLnBrk="0" hangingPunct="1">
+        <a:defRPr sz="1800" kern="1200">
+          <a:solidFill>
+            <a:schemeClr val="tx1"/>
+          </a:solidFill>
+          <a:latin typeface="+mn-lt"/>
+          <a:ea typeface="+mn-ea"/>
+          <a:cs typeface="+mn-cs"/>
+        </a:defRPr>
+      </a:lvl2pPr>
+      <a:lvl3pPr marL="914400" algn="l" defTabSz="914400" rtl="0" eaLnBrk="1" latinLnBrk="0" hangingPunct="1">
+        <a:defRPr sz="1800" kern="1200">
+          <a:solidFill>
+            <a:schemeClr val="tx1"/>
+          </a:solidFill>
+          <a:latin typeface="+mn-lt"/>
+          <a:ea typeface="+mn-ea"/>
+          <a:cs typeface="+mn-cs"/>
+        </a:defRPr>
+      </a:lvl3pPr>
+      <a:lvl4pPr marL="1371600" algn="l" defTabSz="914400" rtl="0" eaLnBrk="1" latinLnBrk="0" hangingPunct="1">
+        <a:defRPr sz="1800" kern="1200">
+          <a:solidFill>
+            <a:schemeClr val="tx1"/>
+          </a:solidFill>
+          <a:latin typeface="+mn-lt"/>
+          <a:ea typeface="+mn-ea"/>
+          <a:cs typeface="+mn-cs"/>
+        </a:defRPr>
+      </a:lvl4pPr>
+      <a:lvl5pPr marL="1828800" algn="l" defTabSz="914400" rtl="0" eaLnBrk="1" latinLnBrk="0" hangingPunct="1">
+        <a:defRPr sz="1800" kern="1200">
+          <a:solidFill>
+            <a:schemeClr val="tx1"/>
+          </a:solidFill>
+          <a:latin typeface="+mn-lt"/>
+          <a:ea typeface="+mn-ea"/>
+          <a:cs typeface="+mn-cs"/>
+        </a:defRPr>
+      </a:lvl5pPr>
+      <a:lvl6pPr marL="2286000" algn="l" defTabSz="914400" rtl="0" eaLnBrk="1" latinLnBrk="0" hangingPunct="1">
+        <a:defRPr sz="1800" kern="1200">
+          <a:solidFill>
+            <a:schemeClr val="tx1"/>
+          </a:solidFill>
+          <a:latin typeface="+mn-lt"/>
+          <a:ea typeface="+mn-ea"/>
+          <a:cs typeface="+mn-cs"/>
+        </a:defRPr>
+      </a:lvl6pPr>
+      <a:lvl7pPr marL="2743200" algn="l" defTabSz="914400" rtl="0" eaLnBrk="1" latinLnBrk="0" hangingPunct="1">
+        <a:defRPr sz="1800" kern="1200">
+          <a:solidFill>
+            <a:schemeClr val="tx1"/>
+          </a:solidFill>
+          <a:latin typeface="+mn-lt"/>
+          <a:ea typeface="+mn-ea"/>
+          <a:cs typeface="+mn-cs"/>
+        </a:defRPr>
+      </a:lvl7pPr>
+      <a:lvl8pPr marL="3200400" algn="l" defTabSz="914400" rtl="0" eaLnBrk="1" latinLnBrk="0" hangingPunct="1">
+        <a:defRPr sz="1800" kern="1200">
+          <a:solidFill>
+            <a:schemeClr val="tx1"/>
+          </a:solidFill>
+          <a:latin typeface="+mn-lt"/>
+          <a:ea typeface="+mn-ea"/>
+          <a:cs typeface="+mn-cs"/>
+        </a:defRPr>
+      </a:lvl8pPr>
+      <a:lvl9pPr marL="3657600" algn="l" defTabSz="914400" rtl="0" eaLnBrk="1" latinLnBrk="0" hangingPunct="1">
+        <a:defRPr sz="1800" kern="1200">
+          <a:solidFill>
+            <a:schemeClr val="tx1"/>
+          </a:solidFill>
+          <a:latin typeface="+mn-lt"/>
+          <a:ea typeface="+mn-ea"/>
+          <a:cs typeface="+mn-cs"/>
+        </a:defRPr>
+      </a:lvl9pPr>
+    </p:otherStyle>
+  </p:txStyles>
 </p:sldMaster>
 </file>
 
 <file path=ppt/slideMasters/slideMaster3.xml><?xml version="1.0" encoding="utf-8"?>
-<p:sldMaster xmlns:a="http://schemas.openxmlformats.org/drawingml/2006/main" xmlns:p="http://schemas.openxmlformats.org/presentationml/2006/main" xmlns:r="http://schemas.openxmlformats.org/officeDocument/2006/relationships" xmlns:p14="http://schemas.microsoft.com/office/powerpoint/2010/main" xmlns:p15="http://schemas.microsoft.com/office/powerpoint/2012/main" xmlns:mc="http://schemas.openxmlformats.org/markup-compatibility/2006">
+<p:sldMaster xmlns:a="http://schemas.openxmlformats.org/drawingml/2006/main" xmlns:r="http://schemas.openxmlformats.org/officeDocument/2006/relationships" xmlns:p="http://schemas.openxmlformats.org/presentationml/2006/main">
   <p:cSld>
     <p:bg>
       <p:bgPr>
         <a:solidFill>
-          <a:srgbClr val="ffffff"/>
+          <a:srgbClr val="FFFFFF"/>
         </a:solidFill>
+        <a:effectLst/>
       </p:bgPr>
     </p:bg>
     <p:spTree>
@@ -7072,9 +7890,15 @@
           </a:ln>
         </p:spPr>
         <p:style>
-          <a:lnRef idx="0"/>
-          <a:fillRef idx="0"/>
-          <a:effectRef idx="0"/>
+          <a:lnRef idx="0">
+            <a:scrgbClr r="0" g="0" b="0"/>
+          </a:lnRef>
+          <a:fillRef idx="0">
+            <a:scrgbClr r="0" g="0" b="0"/>
+          </a:fillRef>
+          <a:effectRef idx="0">
+            <a:scrgbClr r="0" g="0" b="0"/>
+          </a:effectRef>
           <a:fontRef idx="minor"/>
         </p:style>
       </p:sp>
@@ -7098,9 +7922,15 @@
           </a:ln>
         </p:spPr>
         <p:style>
-          <a:lnRef idx="0"/>
-          <a:fillRef idx="0"/>
-          <a:effectRef idx="0"/>
+          <a:lnRef idx="0">
+            <a:scrgbClr r="0" g="0" b="0"/>
+          </a:lnRef>
+          <a:fillRef idx="0">
+            <a:scrgbClr r="0" g="0" b="0"/>
+          </a:fillRef>
+          <a:effectRef idx="0">
+            <a:scrgbClr r="0" g="0" b="0"/>
+          </a:effectRef>
           <a:fontRef idx="minor"/>
         </p:style>
       </p:sp>
@@ -7124,13 +7954,20 @@
           </a:ln>
         </p:spPr>
         <p:style>
-          <a:lnRef idx="0"/>
-          <a:fillRef idx="0"/>
-          <a:effectRef idx="0"/>
+          <a:lnRef idx="0">
+            <a:scrgbClr r="0" g="0" b="0"/>
+          </a:lnRef>
+          <a:fillRef idx="0">
+            <a:scrgbClr r="0" g="0" b="0"/>
+          </a:fillRef>
+          <a:effectRef idx="0">
+            <a:scrgbClr r="0" g="0" b="0"/>
+          </a:effectRef>
           <a:fontRef idx="minor"/>
         </p:style>
         <p:txBody>
           <a:bodyPr/>
+          <a:lstStyle/>
           <a:p>
             <a:pPr algn="r">
               <a:lnSpc>
@@ -7138,13 +7975,13 @@
               </a:lnSpc>
             </a:pPr>
             <a:r>
-              <a:rPr b="1" lang="de-DE" sz="1200" spc="-1" strike="noStrike">
+              <a:rPr lang="de-DE" sz="1200" b="1" strike="noStrike" spc="-1">
                 <a:solidFill>
                   <a:srgbClr val="000000"/>
                 </a:solidFill>
                 <a:uFill>
                   <a:solidFill>
-                    <a:srgbClr val="ffffff"/>
+                    <a:srgbClr val="FFFFFF"/>
                   </a:solidFill>
                 </a:uFill>
                 <a:latin typeface="Arial"/>
@@ -7153,27 +7990,27 @@
               <a:t>Seite </a:t>
             </a:r>
             <a:fld id="{AFA12139-8D2B-4FBE-B2DA-E73FA3EB88CD}" type="slidenum">
-              <a:rPr b="1" lang="de-DE" sz="1200" spc="-1" strike="noStrike">
+              <a:rPr lang="de-DE" sz="1200" b="1" strike="noStrike" spc="-1">
                 <a:solidFill>
                   <a:srgbClr val="000000"/>
                 </a:solidFill>
                 <a:uFill>
                   <a:solidFill>
-                    <a:srgbClr val="ffffff"/>
+                    <a:srgbClr val="FFFFFF"/>
                   </a:solidFill>
                 </a:uFill>
                 <a:latin typeface="Arial"/>
                 <a:ea typeface="Arial"/>
               </a:rPr>
-              <a:t>1</a:t>
+              <a:t>‹Nr.›</a:t>
             </a:fld>
-            <a:endParaRPr b="0" lang="de-DE" sz="1800" spc="-1" strike="noStrike">
-              <a:solidFill>
-                <a:srgbClr val="000000"/>
-              </a:solidFill>
-              <a:uFill>
-                <a:solidFill>
-                  <a:srgbClr val="ffffff"/>
+            <a:endParaRPr lang="de-DE" sz="1800" b="0" strike="noStrike" spc="-1">
+              <a:solidFill>
+                <a:srgbClr val="000000"/>
+              </a:solidFill>
+              <a:uFill>
+                <a:solidFill>
+                  <a:srgbClr val="FFFFFF"/>
                 </a:solidFill>
               </a:uFill>
               <a:latin typeface="Arial"/>
@@ -7185,13 +8022,13 @@
                 <a:spcPct val="100000"/>
               </a:lnSpc>
             </a:pPr>
-            <a:endParaRPr b="0" lang="de-DE" sz="1800" spc="-1" strike="noStrike">
-              <a:solidFill>
-                <a:srgbClr val="000000"/>
-              </a:solidFill>
-              <a:uFill>
-                <a:solidFill>
-                  <a:srgbClr val="ffffff"/>
+            <a:endParaRPr lang="de-DE" sz="1800" b="0" strike="noStrike" spc="-1">
+              <a:solidFill>
+                <a:srgbClr val="000000"/>
+              </a:solidFill>
+              <a:uFill>
+                <a:solidFill>
+                  <a:srgbClr val="FFFFFF"/>
                 </a:solidFill>
               </a:uFill>
               <a:latin typeface="Arial"/>
@@ -7219,13 +8056,20 @@
           </a:ln>
         </p:spPr>
         <p:style>
-          <a:lnRef idx="0"/>
-          <a:fillRef idx="0"/>
-          <a:effectRef idx="0"/>
+          <a:lnRef idx="0">
+            <a:scrgbClr r="0" g="0" b="0"/>
+          </a:lnRef>
+          <a:fillRef idx="0">
+            <a:scrgbClr r="0" g="0" b="0"/>
+          </a:fillRef>
+          <a:effectRef idx="0">
+            <a:scrgbClr r="0" g="0" b="0"/>
+          </a:effectRef>
           <a:fontRef idx="minor"/>
         </p:style>
         <p:txBody>
           <a:bodyPr/>
+          <a:lstStyle/>
           <a:p>
             <a:pPr>
               <a:lnSpc>
@@ -7233,13 +8077,13 @@
               </a:lnSpc>
             </a:pPr>
             <a:r>
-              <a:rPr b="1" lang="de-DE" sz="1150" spc="-1" strike="noStrike">
+              <a:rPr lang="de-DE" sz="1150" b="1" strike="noStrike" spc="-1">
                 <a:solidFill>
                   <a:srgbClr val="000000"/>
                 </a:solidFill>
                 <a:uFill>
                   <a:solidFill>
-                    <a:srgbClr val="ffffff"/>
+                    <a:srgbClr val="FFFFFF"/>
                   </a:solidFill>
                 </a:uFill>
                 <a:latin typeface="Arial"/>
@@ -7247,13 +8091,13 @@
               </a:rPr>
               <a:t>Man-In-The-Middle</a:t>
             </a:r>
-            <a:endParaRPr b="0" lang="de-DE" sz="1800" spc="-1" strike="noStrike">
-              <a:solidFill>
-                <a:srgbClr val="000000"/>
-              </a:solidFill>
-              <a:uFill>
-                <a:solidFill>
-                  <a:srgbClr val="ffffff"/>
+            <a:endParaRPr lang="de-DE" sz="1800" b="0" strike="noStrike" spc="-1">
+              <a:solidFill>
+                <a:srgbClr val="000000"/>
+              </a:solidFill>
+              <a:uFill>
+                <a:solidFill>
+                  <a:srgbClr val="FFFFFF"/>
                 </a:solidFill>
               </a:uFill>
               <a:latin typeface="Arial"/>
@@ -7276,6 +8120,7 @@
             <a:avLst/>
             <a:gdLst/>
             <a:ahLst/>
+            <a:cxnLst/>
             <a:rect l="l" t="t" r="r" b="b"/>
             <a:pathLst>
               <a:path w="21600" h="21600">
@@ -7291,15 +8136,21 @@
           <a:noFill/>
           <a:ln w="28440">
             <a:solidFill>
-              <a:srgbClr val="b2b2b2"/>
+              <a:srgbClr val="B2B2B2"/>
             </a:solidFill>
             <a:round/>
           </a:ln>
         </p:spPr>
         <p:style>
-          <a:lnRef idx="0"/>
-          <a:fillRef idx="0"/>
-          <a:effectRef idx="0"/>
+          <a:lnRef idx="0">
+            <a:scrgbClr r="0" g="0" b="0"/>
+          </a:lnRef>
+          <a:fillRef idx="0">
+            <a:scrgbClr r="0" g="0" b="0"/>
+          </a:fillRef>
+          <a:effectRef idx="0">
+            <a:scrgbClr r="0" g="0" b="0"/>
+          </a:effectRef>
           <a:fontRef idx="minor"/>
         </p:style>
       </p:sp>
@@ -7318,6 +8169,7 @@
             <a:avLst/>
             <a:gdLst/>
             <a:ahLst/>
+            <a:cxnLst/>
             <a:rect l="l" t="t" r="r" b="b"/>
             <a:pathLst>
               <a:path w="21600" h="21600">
@@ -7333,26 +8185,32 @@
           <a:noFill/>
           <a:ln w="28440">
             <a:solidFill>
-              <a:srgbClr val="b2b2b2"/>
+              <a:srgbClr val="B2B2B2"/>
             </a:solidFill>
             <a:round/>
           </a:ln>
         </p:spPr>
         <p:style>
-          <a:lnRef idx="0"/>
-          <a:fillRef idx="0"/>
-          <a:effectRef idx="0"/>
+          <a:lnRef idx="0">
+            <a:scrgbClr r="0" g="0" b="0"/>
+          </a:lnRef>
+          <a:fillRef idx="0">
+            <a:scrgbClr r="0" g="0" b="0"/>
+          </a:fillRef>
+          <a:effectRef idx="0">
+            <a:scrgbClr r="0" g="0" b="0"/>
+          </a:effectRef>
           <a:fontRef idx="minor"/>
         </p:style>
       </p:sp>
       <p:pic>
         <p:nvPicPr>
-          <p:cNvPr id="98" name="Shape 16" descr=""/>
+          <p:cNvPr id="98" name="Shape 16"/>
           <p:cNvPicPr/>
           <p:nvPr/>
         </p:nvPicPr>
         <p:blipFill>
-          <a:blip r:embed="rId2"/>
+          <a:blip r:embed="rId14"/>
           <a:stretch/>
         </p:blipFill>
         <p:spPr>
@@ -7389,14 +8247,15 @@
         </p:spPr>
         <p:txBody>
           <a:bodyPr tIns="91440" bIns="91440"/>
-          <a:p>
-            <a:endParaRPr b="0" lang="de-DE" sz="1400" spc="-1" strike="noStrike">
-              <a:solidFill>
-                <a:srgbClr val="000000"/>
-              </a:solidFill>
-              <a:uFill>
-                <a:solidFill>
-                  <a:srgbClr val="ffffff"/>
+          <a:lstStyle/>
+          <a:p>
+            <a:endParaRPr lang="de-DE" sz="1400" b="0" strike="noStrike" spc="-1">
+              <a:solidFill>
+                <a:srgbClr val="000000"/>
+              </a:solidFill>
+              <a:uFill>
+                <a:solidFill>
+                  <a:srgbClr val="FFFFFF"/>
                 </a:solidFill>
               </a:uFill>
               <a:latin typeface="Arial"/>
@@ -7425,6 +8284,7 @@
         </p:spPr>
         <p:txBody>
           <a:bodyPr tIns="91440" bIns="91440"/>
+          <a:lstStyle/>
           <a:p>
             <a:pPr marL="432000" indent="-324000">
               <a:buClr>
@@ -7435,33 +8295,22 @@
               <a:buChar char=""/>
             </a:pPr>
             <a:r>
-              <a:rPr b="0" lang="de-DE" sz="1200" spc="-1" strike="noStrike">
+              <a:rPr lang="de-DE" sz="1200" b="0" strike="noStrike" spc="-1">
                 <a:solidFill>
                   <a:srgbClr val="000000"/>
                 </a:solidFill>
                 <a:uFill>
                   <a:solidFill>
-                    <a:srgbClr val="ffffff"/>
+                    <a:srgbClr val="FFFFFF"/>
                   </a:solidFill>
                 </a:uFill>
                 <a:latin typeface="Arial"/>
               </a:rPr>
               <a:t>Format des Gliederungstextes durch Klicken bearbeiten</a:t>
             </a:r>
-            <a:endParaRPr b="0" lang="de-DE" sz="1200" spc="-1" strike="noStrike">
-              <a:solidFill>
-                <a:srgbClr val="000000"/>
-              </a:solidFill>
-              <a:uFill>
-                <a:solidFill>
-                  <a:srgbClr val="ffffff"/>
-                </a:solidFill>
-              </a:uFill>
-              <a:latin typeface="Arial"/>
-            </a:endParaRPr>
-          </a:p>
-          <a:p>
-            <a:pPr lvl="1" marL="864000" indent="-324000">
+          </a:p>
+          <a:p>
+            <a:pPr marL="864000" lvl="1" indent="-324000">
               <a:buClr>
                 <a:srgbClr val="000000"/>
               </a:buClr>
@@ -7470,33 +8319,22 @@
               <a:buChar char=""/>
             </a:pPr>
             <a:r>
-              <a:rPr b="0" lang="de-DE" sz="1200" spc="-1" strike="noStrike">
+              <a:rPr lang="de-DE" sz="1200" b="0" strike="noStrike" spc="-1">
                 <a:solidFill>
                   <a:srgbClr val="000000"/>
                 </a:solidFill>
                 <a:uFill>
                   <a:solidFill>
-                    <a:srgbClr val="ffffff"/>
+                    <a:srgbClr val="FFFFFF"/>
                   </a:solidFill>
                 </a:uFill>
                 <a:latin typeface="Arial"/>
               </a:rPr>
               <a:t>Zweite Gliederungsebene</a:t>
             </a:r>
-            <a:endParaRPr b="0" lang="de-DE" sz="1200" spc="-1" strike="noStrike">
-              <a:solidFill>
-                <a:srgbClr val="000000"/>
-              </a:solidFill>
-              <a:uFill>
-                <a:solidFill>
-                  <a:srgbClr val="ffffff"/>
-                </a:solidFill>
-              </a:uFill>
-              <a:latin typeface="Arial"/>
-            </a:endParaRPr>
-          </a:p>
-          <a:p>
-            <a:pPr lvl="2" marL="1296000" indent="-288000">
+          </a:p>
+          <a:p>
+            <a:pPr marL="1296000" lvl="2" indent="-288000">
               <a:buClr>
                 <a:srgbClr val="000000"/>
               </a:buClr>
@@ -7505,33 +8343,22 @@
               <a:buChar char=""/>
             </a:pPr>
             <a:r>
-              <a:rPr b="0" lang="de-DE" sz="1200" spc="-1" strike="noStrike">
+              <a:rPr lang="de-DE" sz="1200" b="0" strike="noStrike" spc="-1">
                 <a:solidFill>
                   <a:srgbClr val="000000"/>
                 </a:solidFill>
                 <a:uFill>
                   <a:solidFill>
-                    <a:srgbClr val="ffffff"/>
+                    <a:srgbClr val="FFFFFF"/>
                   </a:solidFill>
                 </a:uFill>
                 <a:latin typeface="Arial"/>
               </a:rPr>
               <a:t>Dritte Gliederungsebene</a:t>
             </a:r>
-            <a:endParaRPr b="0" lang="de-DE" sz="1200" spc="-1" strike="noStrike">
-              <a:solidFill>
-                <a:srgbClr val="000000"/>
-              </a:solidFill>
-              <a:uFill>
-                <a:solidFill>
-                  <a:srgbClr val="ffffff"/>
-                </a:solidFill>
-              </a:uFill>
-              <a:latin typeface="Arial"/>
-            </a:endParaRPr>
-          </a:p>
-          <a:p>
-            <a:pPr lvl="3" marL="1728000" indent="-216000">
+          </a:p>
+          <a:p>
+            <a:pPr marL="1728000" lvl="3" indent="-216000">
               <a:buClr>
                 <a:srgbClr val="000000"/>
               </a:buClr>
@@ -7540,33 +8367,22 @@
               <a:buChar char=""/>
             </a:pPr>
             <a:r>
-              <a:rPr b="0" lang="de-DE" sz="1200" spc="-1" strike="noStrike">
+              <a:rPr lang="de-DE" sz="1200" b="0" strike="noStrike" spc="-1">
                 <a:solidFill>
                   <a:srgbClr val="000000"/>
                 </a:solidFill>
                 <a:uFill>
                   <a:solidFill>
-                    <a:srgbClr val="ffffff"/>
+                    <a:srgbClr val="FFFFFF"/>
                   </a:solidFill>
                 </a:uFill>
                 <a:latin typeface="Arial"/>
               </a:rPr>
               <a:t>Vierte Gliederungsebene</a:t>
             </a:r>
-            <a:endParaRPr b="0" lang="de-DE" sz="1200" spc="-1" strike="noStrike">
-              <a:solidFill>
-                <a:srgbClr val="000000"/>
-              </a:solidFill>
-              <a:uFill>
-                <a:solidFill>
-                  <a:srgbClr val="ffffff"/>
-                </a:solidFill>
-              </a:uFill>
-              <a:latin typeface="Arial"/>
-            </a:endParaRPr>
-          </a:p>
-          <a:p>
-            <a:pPr lvl="4" marL="2160000" indent="-216000">
+          </a:p>
+          <a:p>
+            <a:pPr marL="2160000" lvl="4" indent="-216000">
               <a:buClr>
                 <a:srgbClr val="000000"/>
               </a:buClr>
@@ -7575,33 +8391,22 @@
               <a:buChar char=""/>
             </a:pPr>
             <a:r>
-              <a:rPr b="0" lang="de-DE" sz="1200" spc="-1" strike="noStrike">
+              <a:rPr lang="de-DE" sz="1200" b="0" strike="noStrike" spc="-1">
                 <a:solidFill>
                   <a:srgbClr val="000000"/>
                 </a:solidFill>
                 <a:uFill>
                   <a:solidFill>
-                    <a:srgbClr val="ffffff"/>
+                    <a:srgbClr val="FFFFFF"/>
                   </a:solidFill>
                 </a:uFill>
                 <a:latin typeface="Arial"/>
               </a:rPr>
               <a:t>Fünfte Gliederungsebene</a:t>
             </a:r>
-            <a:endParaRPr b="0" lang="de-DE" sz="1200" spc="-1" strike="noStrike">
-              <a:solidFill>
-                <a:srgbClr val="000000"/>
-              </a:solidFill>
-              <a:uFill>
-                <a:solidFill>
-                  <a:srgbClr val="ffffff"/>
-                </a:solidFill>
-              </a:uFill>
-              <a:latin typeface="Arial"/>
-            </a:endParaRPr>
-          </a:p>
-          <a:p>
-            <a:pPr lvl="5" marL="2592000" indent="-216000">
+          </a:p>
+          <a:p>
+            <a:pPr marL="2592000" lvl="5" indent="-216000">
               <a:buClr>
                 <a:srgbClr val="000000"/>
               </a:buClr>
@@ -7610,33 +8415,22 @@
               <a:buChar char=""/>
             </a:pPr>
             <a:r>
-              <a:rPr b="0" lang="de-DE" sz="1200" spc="-1" strike="noStrike">
+              <a:rPr lang="de-DE" sz="1200" b="0" strike="noStrike" spc="-1">
                 <a:solidFill>
                   <a:srgbClr val="000000"/>
                 </a:solidFill>
                 <a:uFill>
                   <a:solidFill>
-                    <a:srgbClr val="ffffff"/>
+                    <a:srgbClr val="FFFFFF"/>
                   </a:solidFill>
                 </a:uFill>
                 <a:latin typeface="Arial"/>
               </a:rPr>
               <a:t>Sechste Gliederungsebene</a:t>
             </a:r>
-            <a:endParaRPr b="0" lang="de-DE" sz="1200" spc="-1" strike="noStrike">
-              <a:solidFill>
-                <a:srgbClr val="000000"/>
-              </a:solidFill>
-              <a:uFill>
-                <a:solidFill>
-                  <a:srgbClr val="ffffff"/>
-                </a:solidFill>
-              </a:uFill>
-              <a:latin typeface="Arial"/>
-            </a:endParaRPr>
-          </a:p>
-          <a:p>
-            <a:pPr lvl="6" marL="3024000" indent="-216000">
+          </a:p>
+          <a:p>
+            <a:pPr marL="3024000" lvl="6" indent="-216000">
               <a:buClr>
                 <a:srgbClr val="000000"/>
               </a:buClr>
@@ -7645,55 +8439,324 @@
               <a:buChar char=""/>
             </a:pPr>
             <a:r>
-              <a:rPr b="0" lang="de-DE" sz="1200" spc="-1" strike="noStrike">
+              <a:rPr lang="de-DE" sz="1200" b="0" strike="noStrike" spc="-1">
                 <a:solidFill>
                   <a:srgbClr val="000000"/>
                 </a:solidFill>
                 <a:uFill>
                   <a:solidFill>
-                    <a:srgbClr val="ffffff"/>
+                    <a:srgbClr val="FFFFFF"/>
                   </a:solidFill>
                 </a:uFill>
                 <a:latin typeface="Arial"/>
               </a:rPr>
               <a:t>Siebte Gliederungsebene</a:t>
             </a:r>
-            <a:endParaRPr b="0" lang="de-DE" sz="1200" spc="-1" strike="noStrike">
-              <a:solidFill>
-                <a:srgbClr val="000000"/>
-              </a:solidFill>
-              <a:uFill>
-                <a:solidFill>
-                  <a:srgbClr val="ffffff"/>
-                </a:solidFill>
-              </a:uFill>
-              <a:latin typeface="Arial"/>
-            </a:endParaRPr>
           </a:p>
         </p:txBody>
       </p:sp>
     </p:spTree>
   </p:cSld>
-  <p:clrMap bg1="lt1" bg2="lt2" tx1="dk1" tx2="dk2" accent1="accent1" accent2="accent2" accent3="accent3" accent4="accent4" accent5="accent5" accent6="accent6" hlink="hlink" folHlink="folHlink"/>
+  <p:clrMap bg1="lt1" tx1="dk1" bg2="lt2" tx2="dk2" accent1="accent1" accent2="accent2" accent3="accent3" accent4="accent4" accent5="accent5" accent6="accent6" hlink="hlink" folHlink="folHlink"/>
   <p:sldLayoutIdLst>
-    <p:sldLayoutId id="2147483675" r:id="rId3"/>
-    <p:sldLayoutId id="2147483676" r:id="rId4"/>
-    <p:sldLayoutId id="2147483677" r:id="rId5"/>
-    <p:sldLayoutId id="2147483678" r:id="rId6"/>
-    <p:sldLayoutId id="2147483679" r:id="rId7"/>
-    <p:sldLayoutId id="2147483680" r:id="rId8"/>
-    <p:sldLayoutId id="2147483681" r:id="rId9"/>
-    <p:sldLayoutId id="2147483682" r:id="rId10"/>
-    <p:sldLayoutId id="2147483683" r:id="rId11"/>
-    <p:sldLayoutId id="2147483684" r:id="rId12"/>
-    <p:sldLayoutId id="2147483685" r:id="rId13"/>
-    <p:sldLayoutId id="2147483686" r:id="rId14"/>
+    <p:sldLayoutId id="2147483675" r:id="rId1"/>
+    <p:sldLayoutId id="2147483676" r:id="rId2"/>
+    <p:sldLayoutId id="2147483677" r:id="rId3"/>
+    <p:sldLayoutId id="2147483678" r:id="rId4"/>
+    <p:sldLayoutId id="2147483679" r:id="rId5"/>
+    <p:sldLayoutId id="2147483680" r:id="rId6"/>
+    <p:sldLayoutId id="2147483681" r:id="rId7"/>
+    <p:sldLayoutId id="2147483682" r:id="rId8"/>
+    <p:sldLayoutId id="2147483683" r:id="rId9"/>
+    <p:sldLayoutId id="2147483684" r:id="rId10"/>
+    <p:sldLayoutId id="2147483685" r:id="rId11"/>
+    <p:sldLayoutId id="2147483686" r:id="rId12"/>
   </p:sldLayoutIdLst>
+  <p:txStyles>
+    <p:titleStyle>
+      <a:lvl1pPr algn="l" defTabSz="914400" rtl="0" eaLnBrk="1" latinLnBrk="0" hangingPunct="1">
+        <a:lnSpc>
+          <a:spcPct val="90000"/>
+        </a:lnSpc>
+        <a:spcBef>
+          <a:spcPct val="0"/>
+        </a:spcBef>
+        <a:buNone/>
+        <a:defRPr sz="4400" kern="1200">
+          <a:solidFill>
+            <a:schemeClr val="tx1"/>
+          </a:solidFill>
+          <a:latin typeface="+mj-lt"/>
+          <a:ea typeface="+mj-ea"/>
+          <a:cs typeface="+mj-cs"/>
+        </a:defRPr>
+      </a:lvl1pPr>
+    </p:titleStyle>
+    <p:bodyStyle>
+      <a:lvl1pPr marL="228600" indent="-228600" algn="l" defTabSz="914400" rtl="0" eaLnBrk="1" latinLnBrk="0" hangingPunct="1">
+        <a:lnSpc>
+          <a:spcPct val="90000"/>
+        </a:lnSpc>
+        <a:spcBef>
+          <a:spcPts val="1000"/>
+        </a:spcBef>
+        <a:buFont typeface="Arial" panose="020B0604020202020204" pitchFamily="34" charset="0"/>
+        <a:buChar char="•"/>
+        <a:defRPr sz="2800" kern="1200">
+          <a:solidFill>
+            <a:schemeClr val="tx1"/>
+          </a:solidFill>
+          <a:latin typeface="+mn-lt"/>
+          <a:ea typeface="+mn-ea"/>
+          <a:cs typeface="+mn-cs"/>
+        </a:defRPr>
+      </a:lvl1pPr>
+      <a:lvl2pPr marL="685800" indent="-228600" algn="l" defTabSz="914400" rtl="0" eaLnBrk="1" latinLnBrk="0" hangingPunct="1">
+        <a:lnSpc>
+          <a:spcPct val="90000"/>
+        </a:lnSpc>
+        <a:spcBef>
+          <a:spcPts val="500"/>
+        </a:spcBef>
+        <a:buFont typeface="Arial" panose="020B0604020202020204" pitchFamily="34" charset="0"/>
+        <a:buChar char="•"/>
+        <a:defRPr sz="2400" kern="1200">
+          <a:solidFill>
+            <a:schemeClr val="tx1"/>
+          </a:solidFill>
+          <a:latin typeface="+mn-lt"/>
+          <a:ea typeface="+mn-ea"/>
+          <a:cs typeface="+mn-cs"/>
+        </a:defRPr>
+      </a:lvl2pPr>
+      <a:lvl3pPr marL="1143000" indent="-228600" algn="l" defTabSz="914400" rtl="0" eaLnBrk="1" latinLnBrk="0" hangingPunct="1">
+        <a:lnSpc>
+          <a:spcPct val="90000"/>
+        </a:lnSpc>
+        <a:spcBef>
+          <a:spcPts val="500"/>
+        </a:spcBef>
+        <a:buFont typeface="Arial" panose="020B0604020202020204" pitchFamily="34" charset="0"/>
+        <a:buChar char="•"/>
+        <a:defRPr sz="2000" kern="1200">
+          <a:solidFill>
+            <a:schemeClr val="tx1"/>
+          </a:solidFill>
+          <a:latin typeface="+mn-lt"/>
+          <a:ea typeface="+mn-ea"/>
+          <a:cs typeface="+mn-cs"/>
+        </a:defRPr>
+      </a:lvl3pPr>
+      <a:lvl4pPr marL="1600200" indent="-228600" algn="l" defTabSz="914400" rtl="0" eaLnBrk="1" latinLnBrk="0" hangingPunct="1">
+        <a:lnSpc>
+          <a:spcPct val="90000"/>
+        </a:lnSpc>
+        <a:spcBef>
+          <a:spcPts val="500"/>
+        </a:spcBef>
+        <a:buFont typeface="Arial" panose="020B0604020202020204" pitchFamily="34" charset="0"/>
+        <a:buChar char="•"/>
+        <a:defRPr sz="1800" kern="1200">
+          <a:solidFill>
+            <a:schemeClr val="tx1"/>
+          </a:solidFill>
+          <a:latin typeface="+mn-lt"/>
+          <a:ea typeface="+mn-ea"/>
+          <a:cs typeface="+mn-cs"/>
+        </a:defRPr>
+      </a:lvl4pPr>
+      <a:lvl5pPr marL="2057400" indent="-228600" algn="l" defTabSz="914400" rtl="0" eaLnBrk="1" latinLnBrk="0" hangingPunct="1">
+        <a:lnSpc>
+          <a:spcPct val="90000"/>
+        </a:lnSpc>
+        <a:spcBef>
+          <a:spcPts val="500"/>
+        </a:spcBef>
+        <a:buFont typeface="Arial" panose="020B0604020202020204" pitchFamily="34" charset="0"/>
+        <a:buChar char="•"/>
+        <a:defRPr sz="1800" kern="1200">
+          <a:solidFill>
+            <a:schemeClr val="tx1"/>
+          </a:solidFill>
+          <a:latin typeface="+mn-lt"/>
+          <a:ea typeface="+mn-ea"/>
+          <a:cs typeface="+mn-cs"/>
+        </a:defRPr>
+      </a:lvl5pPr>
+      <a:lvl6pPr marL="2514600" indent="-228600" algn="l" defTabSz="914400" rtl="0" eaLnBrk="1" latinLnBrk="0" hangingPunct="1">
+        <a:lnSpc>
+          <a:spcPct val="90000"/>
+        </a:lnSpc>
+        <a:spcBef>
+          <a:spcPts val="500"/>
+        </a:spcBef>
+        <a:buFont typeface="Arial" panose="020B0604020202020204" pitchFamily="34" charset="0"/>
+        <a:buChar char="•"/>
+        <a:defRPr sz="1800" kern="1200">
+          <a:solidFill>
+            <a:schemeClr val="tx1"/>
+          </a:solidFill>
+          <a:latin typeface="+mn-lt"/>
+          <a:ea typeface="+mn-ea"/>
+          <a:cs typeface="+mn-cs"/>
+        </a:defRPr>
+      </a:lvl6pPr>
+      <a:lvl7pPr marL="2971800" indent="-228600" algn="l" defTabSz="914400" rtl="0" eaLnBrk="1" latinLnBrk="0" hangingPunct="1">
+        <a:lnSpc>
+          <a:spcPct val="90000"/>
+        </a:lnSpc>
+        <a:spcBef>
+          <a:spcPts val="500"/>
+        </a:spcBef>
+        <a:buFont typeface="Arial" panose="020B0604020202020204" pitchFamily="34" charset="0"/>
+        <a:buChar char="•"/>
+        <a:defRPr sz="1800" kern="1200">
+          <a:solidFill>
+            <a:schemeClr val="tx1"/>
+          </a:solidFill>
+          <a:latin typeface="+mn-lt"/>
+          <a:ea typeface="+mn-ea"/>
+          <a:cs typeface="+mn-cs"/>
+        </a:defRPr>
+      </a:lvl7pPr>
+      <a:lvl8pPr marL="3429000" indent="-228600" algn="l" defTabSz="914400" rtl="0" eaLnBrk="1" latinLnBrk="0" hangingPunct="1">
+        <a:lnSpc>
+          <a:spcPct val="90000"/>
+        </a:lnSpc>
+        <a:spcBef>
+          <a:spcPts val="500"/>
+        </a:spcBef>
+        <a:buFont typeface="Arial" panose="020B0604020202020204" pitchFamily="34" charset="0"/>
+        <a:buChar char="•"/>
+        <a:defRPr sz="1800" kern="1200">
+          <a:solidFill>
+            <a:schemeClr val="tx1"/>
+          </a:solidFill>
+          <a:latin typeface="+mn-lt"/>
+          <a:ea typeface="+mn-ea"/>
+          <a:cs typeface="+mn-cs"/>
+        </a:defRPr>
+      </a:lvl8pPr>
+      <a:lvl9pPr marL="3886200" indent="-228600" algn="l" defTabSz="914400" rtl="0" eaLnBrk="1" latinLnBrk="0" hangingPunct="1">
+        <a:lnSpc>
+          <a:spcPct val="90000"/>
+        </a:lnSpc>
+        <a:spcBef>
+          <a:spcPts val="500"/>
+        </a:spcBef>
+        <a:buFont typeface="Arial" panose="020B0604020202020204" pitchFamily="34" charset="0"/>
+        <a:buChar char="•"/>
+        <a:defRPr sz="1800" kern="1200">
+          <a:solidFill>
+            <a:schemeClr val="tx1"/>
+          </a:solidFill>
+          <a:latin typeface="+mn-lt"/>
+          <a:ea typeface="+mn-ea"/>
+          <a:cs typeface="+mn-cs"/>
+        </a:defRPr>
+      </a:lvl9pPr>
+    </p:bodyStyle>
+    <p:otherStyle>
+      <a:defPPr>
+        <a:defRPr lang="de-DE"/>
+      </a:defPPr>
+      <a:lvl1pPr marL="0" algn="l" defTabSz="914400" rtl="0" eaLnBrk="1" latinLnBrk="0" hangingPunct="1">
+        <a:defRPr sz="1800" kern="1200">
+          <a:solidFill>
+            <a:schemeClr val="tx1"/>
+          </a:solidFill>
+          <a:latin typeface="+mn-lt"/>
+          <a:ea typeface="+mn-ea"/>
+          <a:cs typeface="+mn-cs"/>
+        </a:defRPr>
+      </a:lvl1pPr>
+      <a:lvl2pPr marL="457200" algn="l" defTabSz="914400" rtl="0" eaLnBrk="1" latinLnBrk="0" hangingPunct="1">
+        <a:defRPr sz="1800" kern="1200">
+          <a:solidFill>
+            <a:schemeClr val="tx1"/>
+          </a:solidFill>
+          <a:latin typeface="+mn-lt"/>
+          <a:ea typeface="+mn-ea"/>
+          <a:cs typeface="+mn-cs"/>
+        </a:defRPr>
+      </a:lvl2pPr>
+      <a:lvl3pPr marL="914400" algn="l" defTabSz="914400" rtl="0" eaLnBrk="1" latinLnBrk="0" hangingPunct="1">
+        <a:defRPr sz="1800" kern="1200">
+          <a:solidFill>
+            <a:schemeClr val="tx1"/>
+          </a:solidFill>
+          <a:latin typeface="+mn-lt"/>
+          <a:ea typeface="+mn-ea"/>
+          <a:cs typeface="+mn-cs"/>
+        </a:defRPr>
+      </a:lvl3pPr>
+      <a:lvl4pPr marL="1371600" algn="l" defTabSz="914400" rtl="0" eaLnBrk="1" latinLnBrk="0" hangingPunct="1">
+        <a:defRPr sz="1800" kern="1200">
+          <a:solidFill>
+            <a:schemeClr val="tx1"/>
+          </a:solidFill>
+          <a:latin typeface="+mn-lt"/>
+          <a:ea typeface="+mn-ea"/>
+          <a:cs typeface="+mn-cs"/>
+        </a:defRPr>
+      </a:lvl4pPr>
+      <a:lvl5pPr marL="1828800" algn="l" defTabSz="914400" rtl="0" eaLnBrk="1" latinLnBrk="0" hangingPunct="1">
+        <a:defRPr sz="1800" kern="1200">
+          <a:solidFill>
+            <a:schemeClr val="tx1"/>
+          </a:solidFill>
+          <a:latin typeface="+mn-lt"/>
+          <a:ea typeface="+mn-ea"/>
+          <a:cs typeface="+mn-cs"/>
+        </a:defRPr>
+      </a:lvl5pPr>
+      <a:lvl6pPr marL="2286000" algn="l" defTabSz="914400" rtl="0" eaLnBrk="1" latinLnBrk="0" hangingPunct="1">
+        <a:defRPr sz="1800" kern="1200">
+          <a:solidFill>
+            <a:schemeClr val="tx1"/>
+          </a:solidFill>
+          <a:latin typeface="+mn-lt"/>
+          <a:ea typeface="+mn-ea"/>
+          <a:cs typeface="+mn-cs"/>
+        </a:defRPr>
+      </a:lvl6pPr>
+      <a:lvl7pPr marL="2743200" algn="l" defTabSz="914400" rtl="0" eaLnBrk="1" latinLnBrk="0" hangingPunct="1">
+        <a:defRPr sz="1800" kern="1200">
+          <a:solidFill>
+            <a:schemeClr val="tx1"/>
+          </a:solidFill>
+          <a:latin typeface="+mn-lt"/>
+          <a:ea typeface="+mn-ea"/>
+          <a:cs typeface="+mn-cs"/>
+        </a:defRPr>
+      </a:lvl7pPr>
+      <a:lvl8pPr marL="3200400" algn="l" defTabSz="914400" rtl="0" eaLnBrk="1" latinLnBrk="0" hangingPunct="1">
+        <a:defRPr sz="1800" kern="1200">
+          <a:solidFill>
+            <a:schemeClr val="tx1"/>
+          </a:solidFill>
+          <a:latin typeface="+mn-lt"/>
+          <a:ea typeface="+mn-ea"/>
+          <a:cs typeface="+mn-cs"/>
+        </a:defRPr>
+      </a:lvl8pPr>
+      <a:lvl9pPr marL="3657600" algn="l" defTabSz="914400" rtl="0" eaLnBrk="1" latinLnBrk="0" hangingPunct="1">
+        <a:defRPr sz="1800" kern="1200">
+          <a:solidFill>
+            <a:schemeClr val="tx1"/>
+          </a:solidFill>
+          <a:latin typeface="+mn-lt"/>
+          <a:ea typeface="+mn-ea"/>
+          <a:cs typeface="+mn-cs"/>
+        </a:defRPr>
+      </a:lvl9pPr>
+    </p:otherStyle>
+  </p:txStyles>
 </p:sldMaster>
 </file>
 
 <file path=ppt/slides/slide1.xml><?xml version="1.0" encoding="utf-8"?>
-<p:sld xmlns:a="http://schemas.openxmlformats.org/drawingml/2006/main" xmlns:p="http://schemas.openxmlformats.org/presentationml/2006/main" xmlns:r="http://schemas.openxmlformats.org/officeDocument/2006/relationships" xmlns:p14="http://schemas.microsoft.com/office/powerpoint/2010/main" xmlns:p15="http://schemas.microsoft.com/office/powerpoint/2012/main" xmlns:mc="http://schemas.openxmlformats.org/markup-compatibility/2006">
+<p:sld xmlns:a="http://schemas.openxmlformats.org/drawingml/2006/main" xmlns:r="http://schemas.openxmlformats.org/officeDocument/2006/relationships" xmlns:p="http://schemas.openxmlformats.org/presentationml/2006/main">
   <p:cSld>
     <p:spTree>
       <p:nvGrpSpPr>
@@ -7730,6 +8793,7 @@
         </p:spPr>
         <p:txBody>
           <a:bodyPr lIns="0"/>
+          <a:lstStyle/>
           <a:p>
             <a:pPr>
               <a:lnSpc>
@@ -7737,13 +8801,13 @@
               </a:lnSpc>
             </a:pPr>
             <a:r>
-              <a:rPr b="0" lang="de-DE" sz="1600" spc="-1" strike="noStrike">
+              <a:rPr lang="de-DE" sz="1600" b="0" strike="noStrike" spc="-1">
                 <a:solidFill>
                   <a:srgbClr val="000000"/>
                 </a:solidFill>
                 <a:uFill>
                   <a:solidFill>
-                    <a:srgbClr val="ffffff"/>
+                    <a:srgbClr val="FFFFFF"/>
                   </a:solidFill>
                 </a:uFill>
                 <a:latin typeface="Arial"/>
@@ -7751,13 +8815,13 @@
               </a:rPr>
               <a:t>Bollenmiller, Wilhelm</a:t>
             </a:r>
-            <a:endParaRPr b="0" lang="de-DE" sz="3200" spc="-1" strike="noStrike">
-              <a:solidFill>
-                <a:srgbClr val="000000"/>
-              </a:solidFill>
-              <a:uFill>
-                <a:solidFill>
-                  <a:srgbClr val="ffffff"/>
+            <a:endParaRPr lang="de-DE" sz="3200" b="0" strike="noStrike" spc="-1">
+              <a:solidFill>
+                <a:srgbClr val="000000"/>
+              </a:solidFill>
+              <a:uFill>
+                <a:solidFill>
+                  <a:srgbClr val="FFFFFF"/>
                 </a:solidFill>
               </a:uFill>
               <a:latin typeface="Arial"/>
@@ -7769,13 +8833,13 @@
                 <a:spcPct val="130000"/>
               </a:lnSpc>
             </a:pPr>
-            <a:endParaRPr b="0" lang="de-DE" sz="3200" spc="-1" strike="noStrike">
-              <a:solidFill>
-                <a:srgbClr val="000000"/>
-              </a:solidFill>
-              <a:uFill>
-                <a:solidFill>
-                  <a:srgbClr val="ffffff"/>
+            <a:endParaRPr lang="de-DE" sz="3200" b="0" strike="noStrike" spc="-1">
+              <a:solidFill>
+                <a:srgbClr val="000000"/>
+              </a:solidFill>
+              <a:uFill>
+                <a:solidFill>
+                  <a:srgbClr val="FFFFFF"/>
                 </a:solidFill>
               </a:uFill>
               <a:latin typeface="Arial"/>
@@ -7788,13 +8852,13 @@
               </a:lnSpc>
             </a:pPr>
             <a:r>
-              <a:rPr b="0" lang="de-DE" sz="1600" spc="-1" strike="noStrike">
+              <a:rPr lang="de-DE" sz="1600" b="0" strike="noStrike" spc="-1">
                 <a:solidFill>
                   <a:srgbClr val="000000"/>
                 </a:solidFill>
                 <a:uFill>
                   <a:solidFill>
-                    <a:srgbClr val="ffffff"/>
+                    <a:srgbClr val="FFFFFF"/>
                   </a:solidFill>
                 </a:uFill>
                 <a:latin typeface="Arial"/>
@@ -7802,13 +8866,13 @@
               </a:rPr>
               <a:t>Hochschule München</a:t>
             </a:r>
-            <a:endParaRPr b="0" lang="de-DE" sz="3200" spc="-1" strike="noStrike">
-              <a:solidFill>
-                <a:srgbClr val="000000"/>
-              </a:solidFill>
-              <a:uFill>
-                <a:solidFill>
-                  <a:srgbClr val="ffffff"/>
+            <a:endParaRPr lang="de-DE" sz="3200" b="0" strike="noStrike" spc="-1">
+              <a:solidFill>
+                <a:srgbClr val="000000"/>
+              </a:solidFill>
+              <a:uFill>
+                <a:solidFill>
+                  <a:srgbClr val="FFFFFF"/>
                 </a:solidFill>
               </a:uFill>
               <a:latin typeface="Arial"/>
@@ -7821,13 +8885,13 @@
               </a:lnSpc>
             </a:pPr>
             <a:r>
-              <a:rPr b="0" lang="de-DE" sz="1600" spc="-1" strike="noStrike">
+              <a:rPr lang="de-DE" sz="1600" b="0" strike="noStrike" spc="-1">
                 <a:solidFill>
                   <a:srgbClr val="000000"/>
                 </a:solidFill>
                 <a:uFill>
                   <a:solidFill>
-                    <a:srgbClr val="ffffff"/>
+                    <a:srgbClr val="FFFFFF"/>
                   </a:solidFill>
                 </a:uFill>
                 <a:latin typeface="Arial"/>
@@ -7835,13 +8899,13 @@
               </a:rPr>
               <a:t>25. Januar 2018</a:t>
             </a:r>
-            <a:endParaRPr b="0" lang="de-DE" sz="3200" spc="-1" strike="noStrike">
-              <a:solidFill>
-                <a:srgbClr val="000000"/>
-              </a:solidFill>
-              <a:uFill>
-                <a:solidFill>
-                  <a:srgbClr val="ffffff"/>
+            <a:endParaRPr lang="de-DE" sz="3200" b="0" strike="noStrike" spc="-1">
+              <a:solidFill>
+                <a:srgbClr val="000000"/>
+              </a:solidFill>
+              <a:uFill>
+                <a:solidFill>
+                  <a:srgbClr val="FFFFFF"/>
                 </a:solidFill>
               </a:uFill>
               <a:latin typeface="Arial"/>
@@ -7869,13 +8933,20 @@
           </a:ln>
         </p:spPr>
         <p:style>
-          <a:lnRef idx="0"/>
-          <a:fillRef idx="0"/>
-          <a:effectRef idx="0"/>
+          <a:lnRef idx="0">
+            <a:scrgbClr r="0" g="0" b="0"/>
+          </a:lnRef>
+          <a:fillRef idx="0">
+            <a:scrgbClr r="0" g="0" b="0"/>
+          </a:fillRef>
+          <a:effectRef idx="0">
+            <a:scrgbClr r="0" g="0" b="0"/>
+          </a:effectRef>
           <a:fontRef idx="minor"/>
         </p:style>
         <p:txBody>
           <a:bodyPr lIns="0"/>
+          <a:lstStyle/>
           <a:p>
             <a:pPr>
               <a:lnSpc>
@@ -7883,13 +8954,13 @@
               </a:lnSpc>
             </a:pPr>
             <a:r>
-              <a:rPr b="1" lang="de-DE" sz="2400" spc="-1" strike="noStrike">
+              <a:rPr lang="de-DE" sz="2400" b="1" strike="noStrike" spc="-1">
                 <a:solidFill>
                   <a:srgbClr val="000000"/>
                 </a:solidFill>
                 <a:uFill>
                   <a:solidFill>
-                    <a:srgbClr val="ffffff"/>
+                    <a:srgbClr val="FFFFFF"/>
                   </a:solidFill>
                 </a:uFill>
                 <a:latin typeface="Arial"/>
@@ -7897,13 +8968,13 @@
               </a:rPr>
               <a:t>Dog Breed Analyzer</a:t>
             </a:r>
-            <a:endParaRPr b="0" lang="de-DE" sz="1800" spc="-1" strike="noStrike">
-              <a:solidFill>
-                <a:srgbClr val="000000"/>
-              </a:solidFill>
-              <a:uFill>
-                <a:solidFill>
-                  <a:srgbClr val="ffffff"/>
+            <a:endParaRPr lang="de-DE" sz="1800" b="0" strike="noStrike" spc="-1">
+              <a:solidFill>
+                <a:srgbClr val="000000"/>
+              </a:solidFill>
+              <a:uFill>
+                <a:solidFill>
+                  <a:srgbClr val="FFFFFF"/>
                 </a:solidFill>
               </a:uFill>
               <a:latin typeface="Arial"/>
@@ -7913,6 +8984,9 @@
       </p:sp>
     </p:spTree>
   </p:cSld>
+  <p:clrMapOvr>
+    <a:masterClrMapping/>
+  </p:clrMapOvr>
   <p:timing>
     <p:tnLst>
       <p:par>
@@ -7921,14 +8995,14 @@
             <p:seq>
               <p:cTn id="2" nodeType="mainSeq"/>
               <p:prevCondLst>
-                <p:cond delay="0" evt="onPrev">
+                <p:cond evt="onPrev" delay="0">
                   <p:tgtEl>
                     <p:sldTgt/>
                   </p:tgtEl>
                 </p:cond>
               </p:prevCondLst>
               <p:nextCondLst>
-                <p:cond delay="0" evt="onNext">
+                <p:cond evt="onNext" delay="0">
                   <p:tgtEl>
                     <p:sldTgt/>
                   </p:tgtEl>
@@ -7944,7 +9018,7 @@
 </file>
 
 <file path=ppt/slides/slide2.xml><?xml version="1.0" encoding="utf-8"?>
-<p:sld xmlns:a="http://schemas.openxmlformats.org/drawingml/2006/main" xmlns:p="http://schemas.openxmlformats.org/presentationml/2006/main" xmlns:r="http://schemas.openxmlformats.org/officeDocument/2006/relationships" xmlns:p14="http://schemas.microsoft.com/office/powerpoint/2010/main" xmlns:p15="http://schemas.microsoft.com/office/powerpoint/2012/main" xmlns:mc="http://schemas.openxmlformats.org/markup-compatibility/2006">
+<p:sld xmlns:a="http://schemas.openxmlformats.org/drawingml/2006/main" xmlns:r="http://schemas.openxmlformats.org/officeDocument/2006/relationships" xmlns:p="http://schemas.openxmlformats.org/presentationml/2006/main">
   <p:cSld>
     <p:spTree>
       <p:nvGrpSpPr>
@@ -7981,14 +9055,15 @@
         </p:spPr>
         <p:txBody>
           <a:bodyPr tIns="91440" bIns="91440"/>
-          <a:p>
-            <a:endParaRPr b="0" lang="de-DE" sz="1400" spc="-1" strike="noStrike">
-              <a:solidFill>
-                <a:srgbClr val="000000"/>
-              </a:solidFill>
-              <a:uFill>
-                <a:solidFill>
-                  <a:srgbClr val="ffffff"/>
+          <a:lstStyle/>
+          <a:p>
+            <a:endParaRPr lang="de-DE" sz="1400" b="0" strike="noStrike" spc="-1">
+              <a:solidFill>
+                <a:srgbClr val="000000"/>
+              </a:solidFill>
+              <a:uFill>
+                <a:solidFill>
+                  <a:srgbClr val="FFFFFF"/>
                 </a:solidFill>
               </a:uFill>
               <a:latin typeface="Arial"/>
@@ -8016,13 +9091,20 @@
           </a:ln>
         </p:spPr>
         <p:style>
-          <a:lnRef idx="0"/>
-          <a:fillRef idx="0"/>
-          <a:effectRef idx="0"/>
+          <a:lnRef idx="0">
+            <a:scrgbClr r="0" g="0" b="0"/>
+          </a:lnRef>
+          <a:fillRef idx="0">
+            <a:scrgbClr r="0" g="0" b="0"/>
+          </a:fillRef>
+          <a:effectRef idx="0">
+            <a:scrgbClr r="0" g="0" b="0"/>
+          </a:effectRef>
           <a:fontRef idx="minor"/>
         </p:style>
         <p:txBody>
           <a:bodyPr tIns="91440" bIns="91440"/>
+          <a:lstStyle/>
           <a:p>
             <a:pPr>
               <a:lnSpc>
@@ -8030,13 +9112,13 @@
               </a:lnSpc>
             </a:pPr>
             <a:r>
-              <a:rPr b="1" lang="de-DE" sz="2400" spc="-1" strike="noStrike">
+              <a:rPr lang="de-DE" sz="2800" b="1" strike="noStrike" spc="-1" dirty="0">
                 <a:solidFill>
                   <a:srgbClr val="000000"/>
                 </a:solidFill>
                 <a:uFill>
                   <a:solidFill>
-                    <a:srgbClr val="ffffff"/>
+                    <a:srgbClr val="FFFFFF"/>
                   </a:solidFill>
                 </a:uFill>
                 <a:latin typeface="Arial"/>
@@ -8044,13 +9126,13 @@
               </a:rPr>
               <a:t>Projektziel</a:t>
             </a:r>
-            <a:endParaRPr b="0" lang="de-DE" sz="1800" spc="-1" strike="noStrike">
-              <a:solidFill>
-                <a:srgbClr val="000000"/>
-              </a:solidFill>
-              <a:uFill>
-                <a:solidFill>
-                  <a:srgbClr val="ffffff"/>
+            <a:endParaRPr lang="de-DE" sz="2800" b="0" strike="noStrike" spc="-1" dirty="0">
+              <a:solidFill>
+                <a:srgbClr val="000000"/>
+              </a:solidFill>
+              <a:uFill>
+                <a:solidFill>
+                  <a:srgbClr val="FFFFFF"/>
                 </a:solidFill>
               </a:uFill>
               <a:latin typeface="Arial"/>
@@ -8066,8 +9148,8 @@
         </p:nvSpPr>
         <p:spPr>
           <a:xfrm>
-            <a:off x="839520" y="1371960"/>
-            <a:ext cx="7968960" cy="1898640"/>
+            <a:off x="839520" y="1371959"/>
+            <a:ext cx="7968960" cy="3445137"/>
           </a:xfrm>
           <a:prstGeom prst="rect">
             <a:avLst/>
@@ -8078,13 +9160,20 @@
           </a:ln>
         </p:spPr>
         <p:style>
-          <a:lnRef idx="0"/>
-          <a:fillRef idx="0"/>
-          <a:effectRef idx="0"/>
+          <a:lnRef idx="0">
+            <a:scrgbClr r="0" g="0" b="0"/>
+          </a:lnRef>
+          <a:fillRef idx="0">
+            <a:scrgbClr r="0" g="0" b="0"/>
+          </a:fillRef>
+          <a:effectRef idx="0">
+            <a:scrgbClr r="0" g="0" b="0"/>
+          </a:effectRef>
           <a:fontRef idx="minor"/>
         </p:style>
         <p:txBody>
           <a:bodyPr tIns="91440" bIns="91440"/>
+          <a:lstStyle/>
           <a:p>
             <a:pPr marL="457200" indent="-380520">
               <a:lnSpc>
@@ -8097,27 +9186,42 @@
               <a:buChar char=""/>
             </a:pPr>
             <a:r>
-              <a:rPr b="0" lang="de-DE" sz="2400" spc="-1" strike="noStrike">
+              <a:rPr lang="de-DE" sz="2000" b="0" strike="noStrike" spc="-1" dirty="0">
                 <a:solidFill>
                   <a:srgbClr val="000000"/>
                 </a:solidFill>
                 <a:uFill>
                   <a:solidFill>
-                    <a:srgbClr val="ffffff"/>
+                    <a:srgbClr val="FFFFFF"/>
                   </a:solidFill>
                 </a:uFill>
                 <a:latin typeface="Arial"/>
                 <a:ea typeface="Arial"/>
               </a:rPr>
-              <a:t>Native Android Application</a:t>
+              <a:t>Native Android </a:t>
             </a:r>
-            <a:endParaRPr b="0" lang="de-DE" sz="1800" spc="-1" strike="noStrike">
-              <a:solidFill>
-                <a:srgbClr val="000000"/>
-              </a:solidFill>
-              <a:uFill>
-                <a:solidFill>
-                  <a:srgbClr val="ffffff"/>
+            <a:r>
+              <a:rPr lang="de-DE" sz="2000" b="0" strike="noStrike" spc="-1" dirty="0" err="1">
+                <a:solidFill>
+                  <a:srgbClr val="000000"/>
+                </a:solidFill>
+                <a:uFill>
+                  <a:solidFill>
+                    <a:srgbClr val="FFFFFF"/>
+                  </a:solidFill>
+                </a:uFill>
+                <a:latin typeface="Arial"/>
+                <a:ea typeface="Arial"/>
+              </a:rPr>
+              <a:t>Application</a:t>
+            </a:r>
+            <a:endParaRPr lang="de-DE" sz="2000" b="0" strike="noStrike" spc="-1" dirty="0">
+              <a:solidFill>
+                <a:srgbClr val="000000"/>
+              </a:solidFill>
+              <a:uFill>
+                <a:solidFill>
+                  <a:srgbClr val="FFFFFF"/>
                 </a:solidFill>
               </a:uFill>
               <a:latin typeface="Arial"/>
@@ -8135,27 +9239,57 @@
               <a:buChar char=""/>
             </a:pPr>
             <a:r>
-              <a:rPr b="0" lang="de-DE" sz="2400" spc="-1" strike="noStrike">
+              <a:rPr lang="de-DE" sz="2000" b="0" strike="noStrike" spc="-1" dirty="0">
                 <a:solidFill>
                   <a:srgbClr val="000000"/>
                 </a:solidFill>
                 <a:uFill>
                   <a:solidFill>
-                    <a:srgbClr val="ffffff"/>
+                    <a:srgbClr val="FFFFFF"/>
                   </a:solidFill>
                 </a:uFill>
                 <a:latin typeface="Arial"/>
                 <a:ea typeface="Arial"/>
               </a:rPr>
-              <a:t>Use of Deep Learning Frameworks</a:t>
+              <a:t>Use </a:t>
             </a:r>
-            <a:endParaRPr b="0" lang="de-DE" sz="1800" spc="-1" strike="noStrike">
-              <a:solidFill>
-                <a:srgbClr val="000000"/>
-              </a:solidFill>
-              <a:uFill>
-                <a:solidFill>
-                  <a:srgbClr val="ffffff"/>
+            <a:r>
+              <a:rPr lang="de-DE" sz="2000" b="0" strike="noStrike" spc="-1" dirty="0" err="1">
+                <a:solidFill>
+                  <a:srgbClr val="000000"/>
+                </a:solidFill>
+                <a:uFill>
+                  <a:solidFill>
+                    <a:srgbClr val="FFFFFF"/>
+                  </a:solidFill>
+                </a:uFill>
+                <a:latin typeface="Arial"/>
+                <a:ea typeface="Arial"/>
+              </a:rPr>
+              <a:t>of</a:t>
+            </a:r>
+            <a:r>
+              <a:rPr lang="de-DE" sz="2000" b="0" strike="noStrike" spc="-1" dirty="0">
+                <a:solidFill>
+                  <a:srgbClr val="000000"/>
+                </a:solidFill>
+                <a:uFill>
+                  <a:solidFill>
+                    <a:srgbClr val="FFFFFF"/>
+                  </a:solidFill>
+                </a:uFill>
+                <a:latin typeface="Arial"/>
+                <a:ea typeface="Arial"/>
+              </a:rPr>
+              <a:t> Deep Learning Frameworks</a:t>
+            </a:r>
+            <a:endParaRPr lang="de-DE" sz="2000" b="0" strike="noStrike" spc="-1" dirty="0">
+              <a:solidFill>
+                <a:srgbClr val="000000"/>
+              </a:solidFill>
+              <a:uFill>
+                <a:solidFill>
+                  <a:srgbClr val="FFFFFF"/>
                 </a:solidFill>
               </a:uFill>
               <a:latin typeface="Arial"/>
@@ -8173,27 +9307,72 @@
               <a:buChar char=""/>
             </a:pPr>
             <a:r>
-              <a:rPr b="0" lang="de-DE" sz="2400" spc="-1" strike="noStrike">
+              <a:rPr lang="de-DE" sz="2000" b="0" strike="noStrike" spc="-1" dirty="0" err="1">
                 <a:solidFill>
                   <a:srgbClr val="000000"/>
                 </a:solidFill>
                 <a:uFill>
                   <a:solidFill>
-                    <a:srgbClr val="ffffff"/>
+                    <a:srgbClr val="FFFFFF"/>
                   </a:solidFill>
                 </a:uFill>
                 <a:latin typeface="Arial"/>
                 <a:ea typeface="Arial"/>
               </a:rPr>
-              <a:t>Classify Dog Breeds live</a:t>
+              <a:t>Classify</a:t>
             </a:r>
-            <a:endParaRPr b="0" lang="de-DE" sz="1800" spc="-1" strike="noStrike">
-              <a:solidFill>
-                <a:srgbClr val="000000"/>
-              </a:solidFill>
-              <a:uFill>
-                <a:solidFill>
-                  <a:srgbClr val="ffffff"/>
+            <a:r>
+              <a:rPr lang="de-DE" sz="2000" b="0" strike="noStrike" spc="-1" dirty="0">
+                <a:solidFill>
+                  <a:srgbClr val="000000"/>
+                </a:solidFill>
+                <a:uFill>
+                  <a:solidFill>
+                    <a:srgbClr val="FFFFFF"/>
+                  </a:solidFill>
+                </a:uFill>
+                <a:latin typeface="Arial"/>
+                <a:ea typeface="Arial"/>
+              </a:rPr>
+              <a:t> Dog </a:t>
+            </a:r>
+            <a:r>
+              <a:rPr lang="de-DE" sz="2000" b="0" strike="noStrike" spc="-1" dirty="0" err="1">
+                <a:solidFill>
+                  <a:srgbClr val="000000"/>
+                </a:solidFill>
+                <a:uFill>
+                  <a:solidFill>
+                    <a:srgbClr val="FFFFFF"/>
+                  </a:solidFill>
+                </a:uFill>
+                <a:latin typeface="Arial"/>
+                <a:ea typeface="Arial"/>
+              </a:rPr>
+              <a:t>Breeds</a:t>
+            </a:r>
+            <a:r>
+              <a:rPr lang="de-DE" sz="2000" b="0" strike="noStrike" spc="-1" dirty="0">
+                <a:solidFill>
+                  <a:srgbClr val="000000"/>
+                </a:solidFill>
+                <a:uFill>
+                  <a:solidFill>
+                    <a:srgbClr val="FFFFFF"/>
+                  </a:solidFill>
+                </a:uFill>
+                <a:latin typeface="Arial"/>
+                <a:ea typeface="Arial"/>
+              </a:rPr>
+              <a:t> live</a:t>
+            </a:r>
+            <a:endParaRPr lang="de-DE" sz="2000" b="0" strike="noStrike" spc="-1" dirty="0">
+              <a:solidFill>
+                <a:srgbClr val="000000"/>
+              </a:solidFill>
+              <a:uFill>
+                <a:solidFill>
+                  <a:srgbClr val="FFFFFF"/>
                 </a:solidFill>
               </a:uFill>
               <a:latin typeface="Arial"/>
@@ -8211,27 +9390,102 @@
               <a:buChar char=""/>
             </a:pPr>
             <a:r>
-              <a:rPr b="0" lang="de-DE" sz="2400" spc="-1" strike="noStrike">
+              <a:rPr lang="de-DE" sz="2000" b="0" strike="noStrike" spc="-1" dirty="0">
                 <a:solidFill>
                   <a:srgbClr val="000000"/>
                 </a:solidFill>
                 <a:uFill>
                   <a:solidFill>
-                    <a:srgbClr val="ffffff"/>
+                    <a:srgbClr val="FFFFFF"/>
                   </a:solidFill>
                 </a:uFill>
                 <a:latin typeface="Arial"/>
                 <a:ea typeface="Arial"/>
               </a:rPr>
-              <a:t>Challenge between performance and accuracy</a:t>
+              <a:t>Challenge </a:t>
             </a:r>
-            <a:endParaRPr b="0" lang="de-DE" sz="1800" spc="-1" strike="noStrike">
-              <a:solidFill>
-                <a:srgbClr val="000000"/>
-              </a:solidFill>
-              <a:uFill>
-                <a:solidFill>
-                  <a:srgbClr val="ffffff"/>
+            <a:r>
+              <a:rPr lang="de-DE" sz="2000" b="0" strike="noStrike" spc="-1" dirty="0" err="1">
+                <a:solidFill>
+                  <a:srgbClr val="000000"/>
+                </a:solidFill>
+                <a:uFill>
+                  <a:solidFill>
+                    <a:srgbClr val="FFFFFF"/>
+                  </a:solidFill>
+                </a:uFill>
+                <a:latin typeface="Arial"/>
+                <a:ea typeface="Arial"/>
+              </a:rPr>
+              <a:t>between</a:t>
+            </a:r>
+            <a:r>
+              <a:rPr lang="de-DE" sz="2000" b="0" strike="noStrike" spc="-1" dirty="0">
+                <a:solidFill>
+                  <a:srgbClr val="000000"/>
+                </a:solidFill>
+                <a:uFill>
+                  <a:solidFill>
+                    <a:srgbClr val="FFFFFF"/>
+                  </a:solidFill>
+                </a:uFill>
+                <a:latin typeface="Arial"/>
+                <a:ea typeface="Arial"/>
+              </a:rPr>
+              <a:t> </a:t>
+            </a:r>
+            <a:r>
+              <a:rPr lang="de-DE" sz="2000" b="0" strike="noStrike" spc="-1" dirty="0" err="1">
+                <a:solidFill>
+                  <a:srgbClr val="000000"/>
+                </a:solidFill>
+                <a:uFill>
+                  <a:solidFill>
+                    <a:srgbClr val="FFFFFF"/>
+                  </a:solidFill>
+                </a:uFill>
+                <a:latin typeface="Arial"/>
+                <a:ea typeface="Arial"/>
+              </a:rPr>
+              <a:t>performance</a:t>
+            </a:r>
+            <a:r>
+              <a:rPr lang="de-DE" sz="2000" b="0" strike="noStrike" spc="-1" dirty="0">
+                <a:solidFill>
+                  <a:srgbClr val="000000"/>
+                </a:solidFill>
+                <a:uFill>
+                  <a:solidFill>
+                    <a:srgbClr val="FFFFFF"/>
+                  </a:solidFill>
+                </a:uFill>
+                <a:latin typeface="Arial"/>
+                <a:ea typeface="Arial"/>
+              </a:rPr>
+              <a:t> and </a:t>
+            </a:r>
+            <a:r>
+              <a:rPr lang="de-DE" sz="2000" b="0" strike="noStrike" spc="-1" dirty="0" err="1">
+                <a:solidFill>
+                  <a:srgbClr val="000000"/>
+                </a:solidFill>
+                <a:uFill>
+                  <a:solidFill>
+                    <a:srgbClr val="FFFFFF"/>
+                  </a:solidFill>
+                </a:uFill>
+                <a:latin typeface="Arial"/>
+                <a:ea typeface="Arial"/>
+              </a:rPr>
+              <a:t>accuracy</a:t>
+            </a:r>
+            <a:endParaRPr lang="de-DE" sz="2000" b="0" strike="noStrike" spc="-1" dirty="0">
+              <a:solidFill>
+                <a:srgbClr val="000000"/>
+              </a:solidFill>
+              <a:uFill>
+                <a:solidFill>
+                  <a:srgbClr val="FFFFFF"/>
                 </a:solidFill>
               </a:uFill>
               <a:latin typeface="Arial"/>
@@ -8243,13 +9497,13 @@
                 <a:spcPct val="100000"/>
               </a:lnSpc>
             </a:pPr>
-            <a:endParaRPr b="0" lang="de-DE" sz="1800" spc="-1" strike="noStrike">
-              <a:solidFill>
-                <a:srgbClr val="000000"/>
-              </a:solidFill>
-              <a:uFill>
-                <a:solidFill>
-                  <a:srgbClr val="ffffff"/>
+            <a:endParaRPr lang="de-DE" sz="2000" b="0" strike="noStrike" spc="-1" dirty="0">
+              <a:solidFill>
+                <a:srgbClr val="000000"/>
+              </a:solidFill>
+              <a:uFill>
+                <a:solidFill>
+                  <a:srgbClr val="FFFFFF"/>
                 </a:solidFill>
               </a:uFill>
               <a:latin typeface="Arial"/>
@@ -8277,30 +9531,39 @@
           </a:ln>
         </p:spPr>
         <p:style>
-          <a:lnRef idx="0"/>
-          <a:fillRef idx="0"/>
-          <a:effectRef idx="0"/>
+          <a:lnRef idx="0">
+            <a:scrgbClr r="0" g="0" b="0"/>
+          </a:lnRef>
+          <a:fillRef idx="0">
+            <a:scrgbClr r="0" g="0" b="0"/>
+          </a:fillRef>
+          <a:effectRef idx="0">
+            <a:scrgbClr r="0" g="0" b="0"/>
+          </a:effectRef>
           <a:fontRef idx="minor"/>
         </p:style>
       </p:sp>
     </p:spTree>
   </p:cSld>
+  <p:clrMapOvr>
+    <a:masterClrMapping/>
+  </p:clrMapOvr>
   <p:timing>
     <p:tnLst>
       <p:par>
-        <p:cTn id="3" dur="indefinite" restart="never" nodeType="tmRoot">
+        <p:cTn id="1" dur="indefinite" restart="never" nodeType="tmRoot">
           <p:childTnLst>
             <p:seq>
-              <p:cTn id="4" nodeType="mainSeq"/>
+              <p:cTn id="2" nodeType="mainSeq"/>
               <p:prevCondLst>
-                <p:cond delay="0" evt="onPrev">
+                <p:cond evt="onPrev" delay="0">
                   <p:tgtEl>
                     <p:sldTgt/>
                   </p:tgtEl>
                 </p:cond>
               </p:prevCondLst>
               <p:nextCondLst>
-                <p:cond delay="0" evt="onNext">
+                <p:cond evt="onNext" delay="0">
                   <p:tgtEl>
                     <p:sldTgt/>
                   </p:tgtEl>
@@ -8316,7 +9579,7 @@
 </file>
 
 <file path=ppt/slides/slide3.xml><?xml version="1.0" encoding="utf-8"?>
-<p:sld xmlns:a="http://schemas.openxmlformats.org/drawingml/2006/main" xmlns:p="http://schemas.openxmlformats.org/presentationml/2006/main" xmlns:r="http://schemas.openxmlformats.org/officeDocument/2006/relationships" xmlns:p14="http://schemas.microsoft.com/office/powerpoint/2010/main" xmlns:p15="http://schemas.microsoft.com/office/powerpoint/2012/main" xmlns:mc="http://schemas.openxmlformats.org/markup-compatibility/2006">
+<p:sld xmlns:a="http://schemas.openxmlformats.org/drawingml/2006/main" xmlns:r="http://schemas.openxmlformats.org/officeDocument/2006/relationships" xmlns:p="http://schemas.openxmlformats.org/presentationml/2006/main">
   <p:cSld>
     <p:spTree>
       <p:nvGrpSpPr>
@@ -8353,14 +9616,15 @@
         </p:spPr>
         <p:txBody>
           <a:bodyPr tIns="91440" bIns="91440"/>
-          <a:p>
-            <a:endParaRPr b="0" lang="de-DE" sz="1400" spc="-1" strike="noStrike">
-              <a:solidFill>
-                <a:srgbClr val="000000"/>
-              </a:solidFill>
-              <a:uFill>
-                <a:solidFill>
-                  <a:srgbClr val="ffffff"/>
+          <a:lstStyle/>
+          <a:p>
+            <a:endParaRPr lang="de-DE" sz="1400" b="0" strike="noStrike" spc="-1">
+              <a:solidFill>
+                <a:srgbClr val="000000"/>
+              </a:solidFill>
+              <a:uFill>
+                <a:solidFill>
+                  <a:srgbClr val="FFFFFF"/>
                 </a:solidFill>
               </a:uFill>
               <a:latin typeface="Arial"/>
@@ -8388,13 +9652,20 @@
           </a:ln>
         </p:spPr>
         <p:style>
-          <a:lnRef idx="0"/>
-          <a:fillRef idx="0"/>
-          <a:effectRef idx="0"/>
+          <a:lnRef idx="0">
+            <a:scrgbClr r="0" g="0" b="0"/>
+          </a:lnRef>
+          <a:fillRef idx="0">
+            <a:scrgbClr r="0" g="0" b="0"/>
+          </a:fillRef>
+          <a:effectRef idx="0">
+            <a:scrgbClr r="0" g="0" b="0"/>
+          </a:effectRef>
           <a:fontRef idx="minor"/>
         </p:style>
         <p:txBody>
           <a:bodyPr tIns="91440" bIns="91440"/>
+          <a:lstStyle/>
           <a:p>
             <a:pPr>
               <a:lnSpc>
@@ -8402,13 +9673,13 @@
               </a:lnSpc>
             </a:pPr>
             <a:r>
-              <a:rPr b="1" lang="de-DE" sz="2400" spc="-1" strike="noStrike">
+              <a:rPr lang="de-DE" sz="2800" b="1" strike="noStrike" spc="-1" dirty="0">
                 <a:solidFill>
                   <a:srgbClr val="000000"/>
                 </a:solidFill>
                 <a:uFill>
                   <a:solidFill>
-                    <a:srgbClr val="ffffff"/>
+                    <a:srgbClr val="FFFFFF"/>
                   </a:solidFill>
                 </a:uFill>
                 <a:latin typeface="Arial"/>
@@ -8416,13 +9687,13 @@
               </a:rPr>
               <a:t>Methods</a:t>
             </a:r>
-            <a:endParaRPr b="0" lang="de-DE" sz="1800" spc="-1" strike="noStrike">
-              <a:solidFill>
-                <a:srgbClr val="000000"/>
-              </a:solidFill>
-              <a:uFill>
-                <a:solidFill>
-                  <a:srgbClr val="ffffff"/>
+            <a:endParaRPr lang="de-DE" sz="2800" b="0" strike="noStrike" spc="-1" dirty="0">
+              <a:solidFill>
+                <a:srgbClr val="000000"/>
+              </a:solidFill>
+              <a:uFill>
+                <a:solidFill>
+                  <a:srgbClr val="FFFFFF"/>
                 </a:solidFill>
               </a:uFill>
               <a:latin typeface="Arial"/>
@@ -8438,7 +9709,7 @@
         </p:nvSpPr>
         <p:spPr>
           <a:xfrm>
-            <a:off x="839520" y="1371960"/>
+            <a:off x="742320" y="1070640"/>
             <a:ext cx="7968960" cy="4604040"/>
           </a:xfrm>
           <a:prstGeom prst="rect">
@@ -8450,13 +9721,20 @@
           </a:ln>
         </p:spPr>
         <p:style>
-          <a:lnRef idx="0"/>
-          <a:fillRef idx="0"/>
-          <a:effectRef idx="0"/>
+          <a:lnRef idx="0">
+            <a:scrgbClr r="0" g="0" b="0"/>
+          </a:lnRef>
+          <a:fillRef idx="0">
+            <a:scrgbClr r="0" g="0" b="0"/>
+          </a:fillRef>
+          <a:effectRef idx="0">
+            <a:scrgbClr r="0" g="0" b="0"/>
+          </a:effectRef>
           <a:fontRef idx="minor"/>
         </p:style>
         <p:txBody>
           <a:bodyPr tIns="91440" bIns="91440"/>
+          <a:lstStyle/>
           <a:p>
             <a:pPr marL="457200" indent="-380520">
               <a:lnSpc>
@@ -8469,27 +9747,72 @@
               <a:buChar char=""/>
             </a:pPr>
             <a:r>
-              <a:rPr b="0" lang="de-DE" sz="2400" spc="-1" strike="noStrike">
+              <a:rPr lang="de-DE" sz="2000" b="0" strike="noStrike" spc="-1" dirty="0" err="1">
                 <a:solidFill>
                   <a:srgbClr val="000000"/>
                 </a:solidFill>
                 <a:uFill>
                   <a:solidFill>
-                    <a:srgbClr val="ffffff"/>
+                    <a:srgbClr val="FFFFFF"/>
                   </a:solidFill>
                 </a:uFill>
                 <a:latin typeface="Arial"/>
                 <a:ea typeface="Arial"/>
               </a:rPr>
-              <a:t>ImageNet Stanford Dog Dataset, Udacity Dog Project Dataset</a:t>
+              <a:t>ImageNet</a:t>
             </a:r>
-            <a:endParaRPr b="0" lang="de-DE" sz="1800" spc="-1" strike="noStrike">
-              <a:solidFill>
-                <a:srgbClr val="000000"/>
-              </a:solidFill>
-              <a:uFill>
-                <a:solidFill>
-                  <a:srgbClr val="ffffff"/>
+            <a:r>
+              <a:rPr lang="de-DE" sz="2000" b="0" strike="noStrike" spc="-1" dirty="0">
+                <a:solidFill>
+                  <a:srgbClr val="000000"/>
+                </a:solidFill>
+                <a:uFill>
+                  <a:solidFill>
+                    <a:srgbClr val="FFFFFF"/>
+                  </a:solidFill>
+                </a:uFill>
+                <a:latin typeface="Arial"/>
+                <a:ea typeface="Arial"/>
+              </a:rPr>
+              <a:t> Stanford Dog Dataset, </a:t>
+            </a:r>
+            <a:r>
+              <a:rPr lang="de-DE" sz="2000" b="0" strike="noStrike" spc="-1" dirty="0" err="1">
+                <a:solidFill>
+                  <a:srgbClr val="000000"/>
+                </a:solidFill>
+                <a:uFill>
+                  <a:solidFill>
+                    <a:srgbClr val="FFFFFF"/>
+                  </a:solidFill>
+                </a:uFill>
+                <a:latin typeface="Arial"/>
+                <a:ea typeface="Arial"/>
+              </a:rPr>
+              <a:t>Udacity</a:t>
+            </a:r>
+            <a:r>
+              <a:rPr lang="de-DE" sz="2000" b="0" strike="noStrike" spc="-1" dirty="0">
+                <a:solidFill>
+                  <a:srgbClr val="000000"/>
+                </a:solidFill>
+                <a:uFill>
+                  <a:solidFill>
+                    <a:srgbClr val="FFFFFF"/>
+                  </a:solidFill>
+                </a:uFill>
+                <a:latin typeface="Arial"/>
+                <a:ea typeface="Arial"/>
+              </a:rPr>
+              <a:t> Dog Project Dataset</a:t>
+            </a:r>
+            <a:endParaRPr lang="de-DE" sz="2000" b="0" strike="noStrike" spc="-1" dirty="0">
+              <a:solidFill>
+                <a:srgbClr val="000000"/>
+              </a:solidFill>
+              <a:uFill>
+                <a:solidFill>
+                  <a:srgbClr val="FFFFFF"/>
                 </a:solidFill>
               </a:uFill>
               <a:latin typeface="Arial"/>
@@ -8507,27 +9830,57 @@
               <a:buChar char=""/>
             </a:pPr>
             <a:r>
-              <a:rPr b="0" lang="de-DE" sz="2400" spc="-1" strike="noStrike">
+              <a:rPr lang="de-DE" sz="2000" b="0" strike="noStrike" spc="-1" dirty="0">
                 <a:solidFill>
                   <a:srgbClr val="000000"/>
                 </a:solidFill>
                 <a:uFill>
                   <a:solidFill>
-                    <a:srgbClr val="ffffff"/>
+                    <a:srgbClr val="FFFFFF"/>
                   </a:solidFill>
                 </a:uFill>
                 <a:latin typeface="Arial"/>
                 <a:ea typeface="Arial"/>
               </a:rPr>
-              <a:t>Framework Tensorflow Lite &amp; Mobile</a:t>
+              <a:t>Framework </a:t>
             </a:r>
-            <a:endParaRPr b="0" lang="de-DE" sz="1800" spc="-1" strike="noStrike">
-              <a:solidFill>
-                <a:srgbClr val="000000"/>
-              </a:solidFill>
-              <a:uFill>
-                <a:solidFill>
-                  <a:srgbClr val="ffffff"/>
+            <a:r>
+              <a:rPr lang="de-DE" sz="2000" b="0" strike="noStrike" spc="-1" dirty="0" err="1">
+                <a:solidFill>
+                  <a:srgbClr val="000000"/>
+                </a:solidFill>
+                <a:uFill>
+                  <a:solidFill>
+                    <a:srgbClr val="FFFFFF"/>
+                  </a:solidFill>
+                </a:uFill>
+                <a:latin typeface="Arial"/>
+                <a:ea typeface="Arial"/>
+              </a:rPr>
+              <a:t>Tensorflow</a:t>
+            </a:r>
+            <a:r>
+              <a:rPr lang="de-DE" sz="2000" b="0" strike="noStrike" spc="-1" dirty="0">
+                <a:solidFill>
+                  <a:srgbClr val="000000"/>
+                </a:solidFill>
+                <a:uFill>
+                  <a:solidFill>
+                    <a:srgbClr val="FFFFFF"/>
+                  </a:solidFill>
+                </a:uFill>
+                <a:latin typeface="Arial"/>
+                <a:ea typeface="Arial"/>
+              </a:rPr>
+              <a:t> Lite &amp; Mobile</a:t>
+            </a:r>
+            <a:endParaRPr lang="de-DE" sz="2000" b="0" strike="noStrike" spc="-1" dirty="0">
+              <a:solidFill>
+                <a:srgbClr val="000000"/>
+              </a:solidFill>
+              <a:uFill>
+                <a:solidFill>
+                  <a:srgbClr val="FFFFFF"/>
                 </a:solidFill>
               </a:uFill>
               <a:latin typeface="Arial"/>
@@ -8545,27 +9898,42 @@
               <a:buChar char=""/>
             </a:pPr>
             <a:r>
-              <a:rPr b="0" lang="de-DE" sz="2400" spc="-1" strike="noStrike">
+              <a:rPr lang="de-DE" sz="2000" b="0" strike="noStrike" spc="-1" dirty="0" err="1">
                 <a:solidFill>
                   <a:srgbClr val="000000"/>
                 </a:solidFill>
                 <a:uFill>
                   <a:solidFill>
-                    <a:srgbClr val="ffffff"/>
+                    <a:srgbClr val="FFFFFF"/>
                   </a:solidFill>
                 </a:uFill>
                 <a:latin typeface="Arial"/>
                 <a:ea typeface="Arial"/>
               </a:rPr>
-              <a:t>Mobilenet 0.50, 1.0, InceptionV3</a:t>
+              <a:t>Mobilenet</a:t>
             </a:r>
-            <a:endParaRPr b="0" lang="de-DE" sz="1800" spc="-1" strike="noStrike">
-              <a:solidFill>
-                <a:srgbClr val="000000"/>
-              </a:solidFill>
-              <a:uFill>
-                <a:solidFill>
-                  <a:srgbClr val="ffffff"/>
+            <a:r>
+              <a:rPr lang="de-DE" sz="2000" b="0" strike="noStrike" spc="-1" dirty="0">
+                <a:solidFill>
+                  <a:srgbClr val="000000"/>
+                </a:solidFill>
+                <a:uFill>
+                  <a:solidFill>
+                    <a:srgbClr val="FFFFFF"/>
+                  </a:solidFill>
+                </a:uFill>
+                <a:latin typeface="Arial"/>
+                <a:ea typeface="Arial"/>
+              </a:rPr>
+              <a:t> 0.50, 1.0, InceptionV3</a:t>
+            </a:r>
+            <a:endParaRPr lang="de-DE" sz="2000" b="0" strike="noStrike" spc="-1" dirty="0">
+              <a:solidFill>
+                <a:srgbClr val="000000"/>
+              </a:solidFill>
+              <a:uFill>
+                <a:solidFill>
+                  <a:srgbClr val="FFFFFF"/>
                 </a:solidFill>
               </a:uFill>
               <a:latin typeface="Arial"/>
@@ -8583,27 +9951,42 @@
               <a:buChar char=""/>
             </a:pPr>
             <a:r>
-              <a:rPr b="0" lang="de-DE" sz="2400" spc="-1" strike="noStrike">
+              <a:rPr lang="de-DE" sz="2000" b="0" strike="noStrike" spc="-1" dirty="0">
                 <a:solidFill>
                   <a:srgbClr val="000000"/>
                 </a:solidFill>
                 <a:uFill>
                   <a:solidFill>
-                    <a:srgbClr val="ffffff"/>
+                    <a:srgbClr val="FFFFFF"/>
                   </a:solidFill>
                 </a:uFill>
                 <a:latin typeface="Arial"/>
                 <a:ea typeface="Arial"/>
               </a:rPr>
-              <a:t>Python, Bazel</a:t>
+              <a:t>Python, </a:t>
             </a:r>
-            <a:endParaRPr b="0" lang="de-DE" sz="1800" spc="-1" strike="noStrike">
-              <a:solidFill>
-                <a:srgbClr val="000000"/>
-              </a:solidFill>
-              <a:uFill>
-                <a:solidFill>
-                  <a:srgbClr val="ffffff"/>
+            <a:r>
+              <a:rPr lang="de-DE" sz="2000" b="0" strike="noStrike" spc="-1" dirty="0" err="1">
+                <a:solidFill>
+                  <a:srgbClr val="000000"/>
+                </a:solidFill>
+                <a:uFill>
+                  <a:solidFill>
+                    <a:srgbClr val="FFFFFF"/>
+                  </a:solidFill>
+                </a:uFill>
+                <a:latin typeface="Arial"/>
+                <a:ea typeface="Arial"/>
+              </a:rPr>
+              <a:t>Bazel</a:t>
+            </a:r>
+            <a:endParaRPr lang="de-DE" sz="2000" b="0" strike="noStrike" spc="-1" dirty="0">
+              <a:solidFill>
+                <a:srgbClr val="000000"/>
+              </a:solidFill>
+              <a:uFill>
+                <a:solidFill>
+                  <a:srgbClr val="FFFFFF"/>
                 </a:solidFill>
               </a:uFill>
               <a:latin typeface="Arial"/>
@@ -8621,13 +10004,13 @@
               <a:buChar char=""/>
             </a:pPr>
             <a:r>
-              <a:rPr b="0" lang="de-DE" sz="2400" spc="-1" strike="noStrike">
+              <a:rPr lang="de-DE" sz="2000" b="0" strike="noStrike" spc="-1" dirty="0">
                 <a:solidFill>
                   <a:srgbClr val="000000"/>
                 </a:solidFill>
                 <a:uFill>
                   <a:solidFill>
-                    <a:srgbClr val="ffffff"/>
+                    <a:srgbClr val="FFFFFF"/>
                   </a:solidFill>
                 </a:uFill>
                 <a:latin typeface="Arial"/>
@@ -8635,13 +10018,13 @@
               </a:rPr>
               <a:t>Android Studio</a:t>
             </a:r>
-            <a:endParaRPr b="0" lang="de-DE" sz="1800" spc="-1" strike="noStrike">
-              <a:solidFill>
-                <a:srgbClr val="000000"/>
-              </a:solidFill>
-              <a:uFill>
-                <a:solidFill>
-                  <a:srgbClr val="ffffff"/>
+            <a:endParaRPr lang="de-DE" sz="2000" b="0" strike="noStrike" spc="-1" dirty="0">
+              <a:solidFill>
+                <a:srgbClr val="000000"/>
+              </a:solidFill>
+              <a:uFill>
+                <a:solidFill>
+                  <a:srgbClr val="FFFFFF"/>
                 </a:solidFill>
               </a:uFill>
               <a:latin typeface="Arial"/>
@@ -8653,13 +10036,13 @@
                 <a:spcPct val="100000"/>
               </a:lnSpc>
             </a:pPr>
-            <a:endParaRPr b="0" lang="de-DE" sz="1800" spc="-1" strike="noStrike">
-              <a:solidFill>
-                <a:srgbClr val="000000"/>
-              </a:solidFill>
-              <a:uFill>
-                <a:solidFill>
-                  <a:srgbClr val="ffffff"/>
+            <a:endParaRPr lang="de-DE" sz="1800" b="0" strike="noStrike" spc="-1" dirty="0">
+              <a:solidFill>
+                <a:srgbClr val="000000"/>
+              </a:solidFill>
+              <a:uFill>
+                <a:solidFill>
+                  <a:srgbClr val="FFFFFF"/>
                 </a:solidFill>
               </a:uFill>
               <a:latin typeface="Arial"/>
@@ -8687,30 +10070,39 @@
           </a:ln>
         </p:spPr>
         <p:style>
-          <a:lnRef idx="0"/>
-          <a:fillRef idx="0"/>
-          <a:effectRef idx="0"/>
+          <a:lnRef idx="0">
+            <a:scrgbClr r="0" g="0" b="0"/>
+          </a:lnRef>
+          <a:fillRef idx="0">
+            <a:scrgbClr r="0" g="0" b="0"/>
+          </a:fillRef>
+          <a:effectRef idx="0">
+            <a:scrgbClr r="0" g="0" b="0"/>
+          </a:effectRef>
           <a:fontRef idx="minor"/>
         </p:style>
       </p:sp>
     </p:spTree>
   </p:cSld>
+  <p:clrMapOvr>
+    <a:masterClrMapping/>
+  </p:clrMapOvr>
   <p:timing>
     <p:tnLst>
       <p:par>
-        <p:cTn id="5" dur="indefinite" restart="never" nodeType="tmRoot">
+        <p:cTn id="1" dur="indefinite" restart="never" nodeType="tmRoot">
           <p:childTnLst>
             <p:seq>
-              <p:cTn id="6" nodeType="mainSeq"/>
+              <p:cTn id="2" nodeType="mainSeq"/>
               <p:prevCondLst>
-                <p:cond delay="0" evt="onPrev">
+                <p:cond evt="onPrev" delay="0">
                   <p:tgtEl>
                     <p:sldTgt/>
                   </p:tgtEl>
                 </p:cond>
               </p:prevCondLst>
               <p:nextCondLst>
-                <p:cond delay="0" evt="onNext">
+                <p:cond evt="onNext" delay="0">
                   <p:tgtEl>
                     <p:sldTgt/>
                   </p:tgtEl>
@@ -8726,7 +10118,7 @@
 </file>
 
 <file path=ppt/slides/slide4.xml><?xml version="1.0" encoding="utf-8"?>
-<p:sld xmlns:a="http://schemas.openxmlformats.org/drawingml/2006/main" xmlns:p="http://schemas.openxmlformats.org/presentationml/2006/main" xmlns:r="http://schemas.openxmlformats.org/officeDocument/2006/relationships" xmlns:p14="http://schemas.microsoft.com/office/powerpoint/2010/main" xmlns:p15="http://schemas.microsoft.com/office/powerpoint/2012/main" xmlns:mc="http://schemas.openxmlformats.org/markup-compatibility/2006">
+<p:sld xmlns:a="http://schemas.openxmlformats.org/drawingml/2006/main" xmlns:r="http://schemas.openxmlformats.org/officeDocument/2006/relationships" xmlns:p="http://schemas.openxmlformats.org/presentationml/2006/main">
   <p:cSld>
     <p:spTree>
       <p:nvGrpSpPr>
@@ -8763,14 +10155,15 @@
         </p:spPr>
         <p:txBody>
           <a:bodyPr tIns="91440" bIns="91440"/>
-          <a:p>
-            <a:endParaRPr b="0" lang="de-DE" sz="1400" spc="-1" strike="noStrike">
-              <a:solidFill>
-                <a:srgbClr val="000000"/>
-              </a:solidFill>
-              <a:uFill>
-                <a:solidFill>
-                  <a:srgbClr val="ffffff"/>
+          <a:lstStyle/>
+          <a:p>
+            <a:endParaRPr lang="de-DE" sz="1400" b="0" strike="noStrike" spc="-1">
+              <a:solidFill>
+                <a:srgbClr val="000000"/>
+              </a:solidFill>
+              <a:uFill>
+                <a:solidFill>
+                  <a:srgbClr val="FFFFFF"/>
                 </a:solidFill>
               </a:uFill>
               <a:latin typeface="Arial"/>
@@ -8786,7 +10179,7 @@
         </p:nvSpPr>
         <p:spPr>
           <a:xfrm>
-            <a:off x="742320" y="450000"/>
+            <a:off x="742320" y="571680"/>
             <a:ext cx="7968960" cy="620640"/>
           </a:xfrm>
           <a:prstGeom prst="rect">
@@ -8798,13 +10191,20 @@
           </a:ln>
         </p:spPr>
         <p:style>
-          <a:lnRef idx="0"/>
-          <a:fillRef idx="0"/>
-          <a:effectRef idx="0"/>
+          <a:lnRef idx="0">
+            <a:scrgbClr r="0" g="0" b="0"/>
+          </a:lnRef>
+          <a:fillRef idx="0">
+            <a:scrgbClr r="0" g="0" b="0"/>
+          </a:fillRef>
+          <a:effectRef idx="0">
+            <a:scrgbClr r="0" g="0" b="0"/>
+          </a:effectRef>
           <a:fontRef idx="minor"/>
         </p:style>
         <p:txBody>
           <a:bodyPr tIns="91440" bIns="91440"/>
+          <a:lstStyle/>
           <a:p>
             <a:pPr>
               <a:lnSpc>
@@ -8812,13 +10212,13 @@
               </a:lnSpc>
             </a:pPr>
             <a:r>
-              <a:rPr b="1" lang="de-DE" sz="2400" spc="-1" strike="noStrike">
+              <a:rPr lang="de-DE" sz="2800" b="1" strike="noStrike" spc="-1" dirty="0" err="1">
                 <a:solidFill>
                   <a:srgbClr val="000000"/>
                 </a:solidFill>
                 <a:uFill>
                   <a:solidFill>
-                    <a:srgbClr val="ffffff"/>
+                    <a:srgbClr val="FFFFFF"/>
                   </a:solidFill>
                 </a:uFill>
                 <a:latin typeface="Arial"/>
@@ -8826,13 +10226,13 @@
               </a:rPr>
               <a:t>Realization</a:t>
             </a:r>
-            <a:endParaRPr b="0" lang="de-DE" sz="1800" spc="-1" strike="noStrike">
-              <a:solidFill>
-                <a:srgbClr val="000000"/>
-              </a:solidFill>
-              <a:uFill>
-                <a:solidFill>
-                  <a:srgbClr val="ffffff"/>
+            <a:endParaRPr lang="de-DE" sz="2800" b="0" strike="noStrike" spc="-1" dirty="0">
+              <a:solidFill>
+                <a:srgbClr val="000000"/>
+              </a:solidFill>
+              <a:uFill>
+                <a:solidFill>
+                  <a:srgbClr val="FFFFFF"/>
                 </a:solidFill>
               </a:uFill>
               <a:latin typeface="Arial"/>
@@ -8860,13 +10260,20 @@
           </a:ln>
         </p:spPr>
         <p:style>
-          <a:lnRef idx="0"/>
-          <a:fillRef idx="0"/>
-          <a:effectRef idx="0"/>
+          <a:lnRef idx="0">
+            <a:scrgbClr r="0" g="0" b="0"/>
+          </a:lnRef>
+          <a:fillRef idx="0">
+            <a:scrgbClr r="0" g="0" b="0"/>
+          </a:fillRef>
+          <a:effectRef idx="0">
+            <a:scrgbClr r="0" g="0" b="0"/>
+          </a:effectRef>
           <a:fontRef idx="minor"/>
         </p:style>
         <p:txBody>
           <a:bodyPr tIns="91440" bIns="91440"/>
+          <a:lstStyle/>
           <a:p>
             <a:pPr marL="457200" indent="-380520">
               <a:lnSpc>
@@ -8879,27 +10286,102 @@
               <a:buAutoNum type="arabicParenR"/>
             </a:pPr>
             <a:r>
-              <a:rPr b="0" lang="de-DE" sz="2400" spc="-1" strike="noStrike">
+              <a:rPr lang="de-DE" sz="2000" b="0" strike="noStrike" spc="-1" dirty="0">
                 <a:solidFill>
                   <a:srgbClr val="000000"/>
                 </a:solidFill>
                 <a:uFill>
                   <a:solidFill>
-                    <a:srgbClr val="ffffff"/>
+                    <a:srgbClr val="FFFFFF"/>
                   </a:solidFill>
                 </a:uFill>
                 <a:latin typeface="Arial"/>
                 <a:ea typeface="Arial"/>
               </a:rPr>
-              <a:t>Installation of required software</a:t>
+              <a:t>Installation </a:t>
             </a:r>
-            <a:endParaRPr b="0" lang="de-DE" sz="1800" spc="-1" strike="noStrike">
-              <a:solidFill>
-                <a:srgbClr val="000000"/>
-              </a:solidFill>
-              <a:uFill>
-                <a:solidFill>
-                  <a:srgbClr val="ffffff"/>
+            <a:r>
+              <a:rPr lang="de-DE" sz="2000" b="0" strike="noStrike" spc="-1" dirty="0" err="1">
+                <a:solidFill>
+                  <a:srgbClr val="000000"/>
+                </a:solidFill>
+                <a:uFill>
+                  <a:solidFill>
+                    <a:srgbClr val="FFFFFF"/>
+                  </a:solidFill>
+                </a:uFill>
+                <a:latin typeface="Arial"/>
+                <a:ea typeface="Arial"/>
+              </a:rPr>
+              <a:t>of</a:t>
+            </a:r>
+            <a:r>
+              <a:rPr lang="de-DE" sz="2000" b="0" strike="noStrike" spc="-1" dirty="0">
+                <a:solidFill>
+                  <a:srgbClr val="000000"/>
+                </a:solidFill>
+                <a:uFill>
+                  <a:solidFill>
+                    <a:srgbClr val="FFFFFF"/>
+                  </a:solidFill>
+                </a:uFill>
+                <a:latin typeface="Arial"/>
+                <a:ea typeface="Arial"/>
+              </a:rPr>
+              <a:t> </a:t>
+            </a:r>
+            <a:r>
+              <a:rPr lang="de-DE" sz="2000" b="0" strike="noStrike" spc="-1" dirty="0" err="1">
+                <a:solidFill>
+                  <a:srgbClr val="000000"/>
+                </a:solidFill>
+                <a:uFill>
+                  <a:solidFill>
+                    <a:srgbClr val="FFFFFF"/>
+                  </a:solidFill>
+                </a:uFill>
+                <a:latin typeface="Arial"/>
+                <a:ea typeface="Arial"/>
+              </a:rPr>
+              <a:t>required</a:t>
+            </a:r>
+            <a:r>
+              <a:rPr lang="de-DE" sz="2000" b="0" strike="noStrike" spc="-1" dirty="0">
+                <a:solidFill>
+                  <a:srgbClr val="000000"/>
+                </a:solidFill>
+                <a:uFill>
+                  <a:solidFill>
+                    <a:srgbClr val="FFFFFF"/>
+                  </a:solidFill>
+                </a:uFill>
+                <a:latin typeface="Arial"/>
+                <a:ea typeface="Arial"/>
+              </a:rPr>
+              <a:t> </a:t>
+            </a:r>
+            <a:r>
+              <a:rPr lang="de-DE" sz="2000" b="0" strike="noStrike" spc="-1" dirty="0" err="1">
+                <a:solidFill>
+                  <a:srgbClr val="000000"/>
+                </a:solidFill>
+                <a:uFill>
+                  <a:solidFill>
+                    <a:srgbClr val="FFFFFF"/>
+                  </a:solidFill>
+                </a:uFill>
+                <a:latin typeface="Arial"/>
+                <a:ea typeface="Arial"/>
+              </a:rPr>
+              <a:t>software</a:t>
+            </a:r>
+            <a:endParaRPr lang="de-DE" sz="2000" b="0" strike="noStrike" spc="-1" dirty="0">
+              <a:solidFill>
+                <a:srgbClr val="000000"/>
+              </a:solidFill>
+              <a:uFill>
+                <a:solidFill>
+                  <a:srgbClr val="FFFFFF"/>
                 </a:solidFill>
               </a:uFill>
               <a:latin typeface="Arial"/>
@@ -8917,27 +10399,117 @@
               <a:buAutoNum type="arabicParenR"/>
             </a:pPr>
             <a:r>
-              <a:rPr b="0" lang="de-DE" sz="2400" spc="-1" strike="noStrike">
+              <a:rPr lang="de-DE" sz="2000" b="0" strike="noStrike" spc="-1" dirty="0" err="1">
                 <a:solidFill>
                   <a:srgbClr val="000000"/>
                 </a:solidFill>
                 <a:uFill>
                   <a:solidFill>
-                    <a:srgbClr val="ffffff"/>
+                    <a:srgbClr val="FFFFFF"/>
                   </a:solidFill>
                 </a:uFill>
                 <a:latin typeface="Arial"/>
                 <a:ea typeface="Arial"/>
               </a:rPr>
-              <a:t>Retraining the pre-trained model</a:t>
+              <a:t>Retraining</a:t>
             </a:r>
-            <a:endParaRPr b="0" lang="de-DE" sz="1800" spc="-1" strike="noStrike">
-              <a:solidFill>
-                <a:srgbClr val="000000"/>
-              </a:solidFill>
-              <a:uFill>
-                <a:solidFill>
-                  <a:srgbClr val="ffffff"/>
+            <a:r>
+              <a:rPr lang="de-DE" sz="2000" b="0" strike="noStrike" spc="-1" dirty="0">
+                <a:solidFill>
+                  <a:srgbClr val="000000"/>
+                </a:solidFill>
+                <a:uFill>
+                  <a:solidFill>
+                    <a:srgbClr val="FFFFFF"/>
+                  </a:solidFill>
+                </a:uFill>
+                <a:latin typeface="Arial"/>
+                <a:ea typeface="Arial"/>
+              </a:rPr>
+              <a:t> </a:t>
+            </a:r>
+            <a:r>
+              <a:rPr lang="de-DE" sz="2000" b="0" strike="noStrike" spc="-1" dirty="0" err="1">
+                <a:solidFill>
+                  <a:srgbClr val="000000"/>
+                </a:solidFill>
+                <a:uFill>
+                  <a:solidFill>
+                    <a:srgbClr val="FFFFFF"/>
+                  </a:solidFill>
+                </a:uFill>
+                <a:latin typeface="Arial"/>
+                <a:ea typeface="Arial"/>
+              </a:rPr>
+              <a:t>the</a:t>
+            </a:r>
+            <a:r>
+              <a:rPr lang="de-DE" sz="2000" b="0" strike="noStrike" spc="-1" dirty="0">
+                <a:solidFill>
+                  <a:srgbClr val="000000"/>
+                </a:solidFill>
+                <a:uFill>
+                  <a:solidFill>
+                    <a:srgbClr val="FFFFFF"/>
+                  </a:solidFill>
+                </a:uFill>
+                <a:latin typeface="Arial"/>
+                <a:ea typeface="Arial"/>
+              </a:rPr>
+              <a:t> </a:t>
+            </a:r>
+            <a:r>
+              <a:rPr lang="de-DE" sz="2000" b="0" strike="noStrike" spc="-1" dirty="0" err="1">
+                <a:solidFill>
+                  <a:srgbClr val="000000"/>
+                </a:solidFill>
+                <a:uFill>
+                  <a:solidFill>
+                    <a:srgbClr val="FFFFFF"/>
+                  </a:solidFill>
+                </a:uFill>
+                <a:latin typeface="Arial"/>
+                <a:ea typeface="Arial"/>
+              </a:rPr>
+              <a:t>pre-trained</a:t>
+            </a:r>
+            <a:r>
+              <a:rPr lang="de-DE" sz="2000" b="0" strike="noStrike" spc="-1" dirty="0">
+                <a:solidFill>
+                  <a:srgbClr val="000000"/>
+                </a:solidFill>
+                <a:uFill>
+                  <a:solidFill>
+                    <a:srgbClr val="FFFFFF"/>
+                  </a:solidFill>
+                </a:uFill>
+                <a:latin typeface="Arial"/>
+                <a:ea typeface="Arial"/>
+              </a:rPr>
+              <a:t> </a:t>
+            </a:r>
+            <a:r>
+              <a:rPr lang="de-DE" sz="2000" b="0" strike="noStrike" spc="-1" dirty="0" err="1">
+                <a:solidFill>
+                  <a:srgbClr val="000000"/>
+                </a:solidFill>
+                <a:uFill>
+                  <a:solidFill>
+                    <a:srgbClr val="FFFFFF"/>
+                  </a:solidFill>
+                </a:uFill>
+                <a:latin typeface="Arial"/>
+                <a:ea typeface="Arial"/>
+              </a:rPr>
+              <a:t>model</a:t>
+            </a:r>
+            <a:endParaRPr lang="de-DE" sz="2000" b="0" strike="noStrike" spc="-1" dirty="0">
+              <a:solidFill>
+                <a:srgbClr val="000000"/>
+              </a:solidFill>
+              <a:uFill>
+                <a:solidFill>
+                  <a:srgbClr val="FFFFFF"/>
                 </a:solidFill>
               </a:uFill>
               <a:latin typeface="Arial"/>
@@ -8955,27 +10527,87 @@
               <a:buAutoNum type="arabicParenR"/>
             </a:pPr>
             <a:r>
-              <a:rPr b="0" lang="de-DE" sz="2400" spc="-1" strike="noStrike">
+              <a:rPr lang="de-DE" sz="2000" b="0" strike="noStrike" spc="-1" dirty="0" err="1">
                 <a:solidFill>
                   <a:srgbClr val="000000"/>
                 </a:solidFill>
                 <a:uFill>
                   <a:solidFill>
-                    <a:srgbClr val="ffffff"/>
+                    <a:srgbClr val="FFFFFF"/>
                   </a:solidFill>
                 </a:uFill>
                 <a:latin typeface="Arial"/>
                 <a:ea typeface="Arial"/>
               </a:rPr>
-              <a:t>Optimizing the model</a:t>
+              <a:t>Optimizing</a:t>
             </a:r>
-            <a:endParaRPr b="0" lang="de-DE" sz="1800" spc="-1" strike="noStrike">
-              <a:solidFill>
-                <a:srgbClr val="000000"/>
-              </a:solidFill>
-              <a:uFill>
-                <a:solidFill>
-                  <a:srgbClr val="ffffff"/>
+            <a:r>
+              <a:rPr lang="de-DE" sz="2000" b="0" strike="noStrike" spc="-1" dirty="0">
+                <a:solidFill>
+                  <a:srgbClr val="000000"/>
+                </a:solidFill>
+                <a:uFill>
+                  <a:solidFill>
+                    <a:srgbClr val="FFFFFF"/>
+                  </a:solidFill>
+                </a:uFill>
+                <a:latin typeface="Arial"/>
+                <a:ea typeface="Arial"/>
+              </a:rPr>
+              <a:t> </a:t>
+            </a:r>
+            <a:r>
+              <a:rPr lang="de-DE" sz="2000" b="0" strike="noStrike" spc="-1" dirty="0" err="1">
+                <a:solidFill>
+                  <a:srgbClr val="000000"/>
+                </a:solidFill>
+                <a:uFill>
+                  <a:solidFill>
+                    <a:srgbClr val="FFFFFF"/>
+                  </a:solidFill>
+                </a:uFill>
+                <a:latin typeface="Arial"/>
+                <a:ea typeface="Arial"/>
+              </a:rPr>
+              <a:t>the</a:t>
+            </a:r>
+            <a:r>
+              <a:rPr lang="de-DE" sz="2000" b="0" strike="noStrike" spc="-1" dirty="0">
+                <a:solidFill>
+                  <a:srgbClr val="000000"/>
+                </a:solidFill>
+                <a:uFill>
+                  <a:solidFill>
+                    <a:srgbClr val="FFFFFF"/>
+                  </a:solidFill>
+                </a:uFill>
+                <a:latin typeface="Arial"/>
+                <a:ea typeface="Arial"/>
+              </a:rPr>
+              <a:t> </a:t>
+            </a:r>
+            <a:r>
+              <a:rPr lang="de-DE" sz="2000" b="0" strike="noStrike" spc="-1" dirty="0" err="1">
+                <a:solidFill>
+                  <a:srgbClr val="000000"/>
+                </a:solidFill>
+                <a:uFill>
+                  <a:solidFill>
+                    <a:srgbClr val="FFFFFF"/>
+                  </a:solidFill>
+                </a:uFill>
+                <a:latin typeface="Arial"/>
+                <a:ea typeface="Arial"/>
+              </a:rPr>
+              <a:t>model</a:t>
+            </a:r>
+            <a:endParaRPr lang="de-DE" sz="2000" b="0" strike="noStrike" spc="-1" dirty="0">
+              <a:solidFill>
+                <a:srgbClr val="000000"/>
+              </a:solidFill>
+              <a:uFill>
+                <a:solidFill>
+                  <a:srgbClr val="FFFFFF"/>
                 </a:solidFill>
               </a:uFill>
               <a:latin typeface="Arial"/>
@@ -8993,27 +10625,72 @@
               <a:buAutoNum type="arabicParenR"/>
             </a:pPr>
             <a:r>
-              <a:rPr b="0" lang="de-DE" sz="2400" spc="-1" strike="noStrike">
+              <a:rPr lang="de-DE" sz="2000" b="0" strike="noStrike" spc="-1" dirty="0">
                 <a:solidFill>
                   <a:srgbClr val="000000"/>
                 </a:solidFill>
                 <a:uFill>
                   <a:solidFill>
-                    <a:srgbClr val="ffffff"/>
+                    <a:srgbClr val="FFFFFF"/>
                   </a:solidFill>
                 </a:uFill>
                 <a:latin typeface="Arial"/>
                 <a:ea typeface="Arial"/>
               </a:rPr>
-              <a:t>Building the Android app</a:t>
+              <a:t>Building </a:t>
             </a:r>
-            <a:endParaRPr b="0" lang="de-DE" sz="1800" spc="-1" strike="noStrike">
-              <a:solidFill>
-                <a:srgbClr val="000000"/>
-              </a:solidFill>
-              <a:uFill>
-                <a:solidFill>
-                  <a:srgbClr val="ffffff"/>
+            <a:r>
+              <a:rPr lang="de-DE" sz="2000" b="0" strike="noStrike" spc="-1" dirty="0" err="1">
+                <a:solidFill>
+                  <a:srgbClr val="000000"/>
+                </a:solidFill>
+                <a:uFill>
+                  <a:solidFill>
+                    <a:srgbClr val="FFFFFF"/>
+                  </a:solidFill>
+                </a:uFill>
+                <a:latin typeface="Arial"/>
+                <a:ea typeface="Arial"/>
+              </a:rPr>
+              <a:t>the</a:t>
+            </a:r>
+            <a:r>
+              <a:rPr lang="de-DE" sz="2000" b="0" strike="noStrike" spc="-1" dirty="0">
+                <a:solidFill>
+                  <a:srgbClr val="000000"/>
+                </a:solidFill>
+                <a:uFill>
+                  <a:solidFill>
+                    <a:srgbClr val="FFFFFF"/>
+                  </a:solidFill>
+                </a:uFill>
+                <a:latin typeface="Arial"/>
+                <a:ea typeface="Arial"/>
+              </a:rPr>
+              <a:t> Android </a:t>
+            </a:r>
+            <a:r>
+              <a:rPr lang="de-DE" sz="2000" b="0" strike="noStrike" spc="-1" dirty="0" err="1">
+                <a:solidFill>
+                  <a:srgbClr val="000000"/>
+                </a:solidFill>
+                <a:uFill>
+                  <a:solidFill>
+                    <a:srgbClr val="FFFFFF"/>
+                  </a:solidFill>
+                </a:uFill>
+                <a:latin typeface="Arial"/>
+                <a:ea typeface="Arial"/>
+              </a:rPr>
+              <a:t>app</a:t>
+            </a:r>
+            <a:endParaRPr lang="de-DE" sz="2000" b="0" strike="noStrike" spc="-1" dirty="0">
+              <a:solidFill>
+                <a:srgbClr val="000000"/>
+              </a:solidFill>
+              <a:uFill>
+                <a:solidFill>
+                  <a:srgbClr val="FFFFFF"/>
                 </a:solidFill>
               </a:uFill>
               <a:latin typeface="Arial"/>
@@ -9025,13 +10702,13 @@
                 <a:spcPct val="100000"/>
               </a:lnSpc>
             </a:pPr>
-            <a:endParaRPr b="0" lang="de-DE" sz="1800" spc="-1" strike="noStrike">
-              <a:solidFill>
-                <a:srgbClr val="000000"/>
-              </a:solidFill>
-              <a:uFill>
-                <a:solidFill>
-                  <a:srgbClr val="ffffff"/>
+            <a:endParaRPr lang="de-DE" sz="2000" b="0" strike="noStrike" spc="-1" dirty="0">
+              <a:solidFill>
+                <a:srgbClr val="000000"/>
+              </a:solidFill>
+              <a:uFill>
+                <a:solidFill>
+                  <a:srgbClr val="FFFFFF"/>
                 </a:solidFill>
               </a:uFill>
               <a:latin typeface="Arial"/>
@@ -9059,30 +10736,39 @@
           </a:ln>
         </p:spPr>
         <p:style>
-          <a:lnRef idx="0"/>
-          <a:fillRef idx="0"/>
-          <a:effectRef idx="0"/>
+          <a:lnRef idx="0">
+            <a:scrgbClr r="0" g="0" b="0"/>
+          </a:lnRef>
+          <a:fillRef idx="0">
+            <a:scrgbClr r="0" g="0" b="0"/>
+          </a:fillRef>
+          <a:effectRef idx="0">
+            <a:scrgbClr r="0" g="0" b="0"/>
+          </a:effectRef>
           <a:fontRef idx="minor"/>
         </p:style>
       </p:sp>
     </p:spTree>
   </p:cSld>
+  <p:clrMapOvr>
+    <a:masterClrMapping/>
+  </p:clrMapOvr>
   <p:timing>
     <p:tnLst>
       <p:par>
-        <p:cTn id="7" dur="indefinite" restart="never" nodeType="tmRoot">
+        <p:cTn id="1" dur="indefinite" restart="never" nodeType="tmRoot">
           <p:childTnLst>
             <p:seq>
-              <p:cTn id="8" nodeType="mainSeq"/>
+              <p:cTn id="2" nodeType="mainSeq"/>
               <p:prevCondLst>
-                <p:cond delay="0" evt="onPrev">
+                <p:cond evt="onPrev" delay="0">
                   <p:tgtEl>
                     <p:sldTgt/>
                   </p:tgtEl>
                 </p:cond>
               </p:prevCondLst>
               <p:nextCondLst>
-                <p:cond delay="0" evt="onNext">
+                <p:cond evt="onNext" delay="0">
                   <p:tgtEl>
                     <p:sldTgt/>
                   </p:tgtEl>
@@ -9098,7 +10784,7 @@
 </file>
 
 <file path=ppt/slides/slide5.xml><?xml version="1.0" encoding="utf-8"?>
-<p:sld xmlns:a="http://schemas.openxmlformats.org/drawingml/2006/main" xmlns:p="http://schemas.openxmlformats.org/presentationml/2006/main" xmlns:r="http://schemas.openxmlformats.org/officeDocument/2006/relationships" xmlns:p14="http://schemas.microsoft.com/office/powerpoint/2010/main" xmlns:p15="http://schemas.microsoft.com/office/powerpoint/2012/main" xmlns:mc="http://schemas.openxmlformats.org/markup-compatibility/2006">
+<p:sld xmlns:a="http://schemas.openxmlformats.org/drawingml/2006/main" xmlns:r="http://schemas.openxmlformats.org/officeDocument/2006/relationships" xmlns:p="http://schemas.openxmlformats.org/presentationml/2006/main">
   <p:cSld>
     <p:spTree>
       <p:nvGrpSpPr>
@@ -9135,14 +10821,15 @@
         </p:spPr>
         <p:txBody>
           <a:bodyPr anchor="ctr"/>
-          <a:p>
-            <a:endParaRPr b="0" lang="de-DE" sz="1400" spc="-1" strike="noStrike">
-              <a:solidFill>
-                <a:srgbClr val="000000"/>
-              </a:solidFill>
-              <a:uFill>
-                <a:solidFill>
-                  <a:srgbClr val="ffffff"/>
+          <a:lstStyle/>
+          <a:p>
+            <a:endParaRPr lang="de-DE" sz="1400" b="0" strike="noStrike" spc="-1">
+              <a:solidFill>
+                <a:srgbClr val="000000"/>
+              </a:solidFill>
+              <a:uFill>
+                <a:solidFill>
+                  <a:srgbClr val="FFFFFF"/>
                 </a:solidFill>
               </a:uFill>
               <a:latin typeface="Arial"/>
@@ -9152,12 +10839,12 @@
       </p:sp>
       <p:pic>
         <p:nvPicPr>
-          <p:cNvPr id="155" name="Shape 175" descr=""/>
+          <p:cNvPr id="155" name="Shape 175"/>
           <p:cNvPicPr/>
           <p:nvPr/>
         </p:nvPicPr>
         <p:blipFill>
-          <a:blip r:embed="rId1"/>
+          <a:blip r:embed="rId3"/>
           <a:srcRect l="8531" t="50008" r="8525" b="8525"/>
           <a:stretch/>
         </p:blipFill>
@@ -9195,6 +10882,7 @@
         </p:spPr>
         <p:txBody>
           <a:bodyPr/>
+          <a:lstStyle/>
           <a:p>
             <a:pPr>
               <a:lnSpc>
@@ -9202,13 +10890,13 @@
               </a:lnSpc>
             </a:pPr>
             <a:r>
-              <a:rPr b="1" lang="de-DE" sz="1200" spc="-1" strike="noStrike">
+              <a:rPr lang="de-DE" sz="1200" b="1" strike="noStrike" spc="-1">
                 <a:solidFill>
                   <a:srgbClr val="000000"/>
                 </a:solidFill>
                 <a:uFill>
                   <a:solidFill>
-                    <a:srgbClr val="ffffff"/>
+                    <a:srgbClr val="FFFFFF"/>
                   </a:solidFill>
                 </a:uFill>
                 <a:latin typeface="Arial"/>
@@ -9216,13 +10904,13 @@
               </a:rPr>
               <a:t>Vielen Dank!</a:t>
             </a:r>
-            <a:endParaRPr b="0" lang="de-DE" sz="1400" spc="-1" strike="noStrike">
-              <a:solidFill>
-                <a:srgbClr val="000000"/>
-              </a:solidFill>
-              <a:uFill>
-                <a:solidFill>
-                  <a:srgbClr val="ffffff"/>
+            <a:endParaRPr lang="de-DE" sz="1400" b="0" strike="noStrike" spc="-1">
+              <a:solidFill>
+                <a:srgbClr val="000000"/>
+              </a:solidFill>
+              <a:uFill>
+                <a:solidFill>
+                  <a:srgbClr val="FFFFFF"/>
                 </a:solidFill>
               </a:uFill>
               <a:latin typeface="Arial"/>
@@ -9234,13 +10922,13 @@
                 <a:spcPct val="100000"/>
               </a:lnSpc>
             </a:pPr>
-            <a:endParaRPr b="0" lang="de-DE" sz="1400" spc="-1" strike="noStrike">
-              <a:solidFill>
-                <a:srgbClr val="000000"/>
-              </a:solidFill>
-              <a:uFill>
-                <a:solidFill>
-                  <a:srgbClr val="ffffff"/>
+            <a:endParaRPr lang="de-DE" sz="1400" b="0" strike="noStrike" spc="-1">
+              <a:solidFill>
+                <a:srgbClr val="000000"/>
+              </a:solidFill>
+              <a:uFill>
+                <a:solidFill>
+                  <a:srgbClr val="FFFFFF"/>
                 </a:solidFill>
               </a:uFill>
               <a:latin typeface="Arial"/>
@@ -9268,13 +10956,20 @@
           </a:ln>
         </p:spPr>
         <p:style>
-          <a:lnRef idx="0"/>
-          <a:fillRef idx="0"/>
-          <a:effectRef idx="0"/>
+          <a:lnRef idx="0">
+            <a:scrgbClr r="0" g="0" b="0"/>
+          </a:lnRef>
+          <a:fillRef idx="0">
+            <a:scrgbClr r="0" g="0" b="0"/>
+          </a:fillRef>
+          <a:effectRef idx="0">
+            <a:scrgbClr r="0" g="0" b="0"/>
+          </a:effectRef>
           <a:fontRef idx="minor"/>
         </p:style>
         <p:txBody>
           <a:bodyPr/>
+          <a:lstStyle/>
           <a:p>
             <a:pPr algn="ctr">
               <a:lnSpc>
@@ -9282,13 +10977,13 @@
               </a:lnSpc>
             </a:pPr>
             <a:r>
-              <a:rPr b="1" lang="de-DE" sz="2400" spc="-1" strike="noStrike">
+              <a:rPr lang="de-DE" sz="2400" b="1" strike="noStrike" spc="-1">
                 <a:solidFill>
                   <a:srgbClr val="000000"/>
                 </a:solidFill>
                 <a:uFill>
                   <a:solidFill>
-                    <a:srgbClr val="ffffff"/>
+                    <a:srgbClr val="FFFFFF"/>
                   </a:solidFill>
                 </a:uFill>
                 <a:latin typeface="Arial"/>
@@ -9296,13 +10991,13 @@
               </a:rPr>
               <a:t>Vielen Dank für Ihre Aufmerksamkeit!</a:t>
             </a:r>
-            <a:endParaRPr b="0" lang="de-DE" sz="1800" spc="-1" strike="noStrike">
-              <a:solidFill>
-                <a:srgbClr val="000000"/>
-              </a:solidFill>
-              <a:uFill>
-                <a:solidFill>
-                  <a:srgbClr val="ffffff"/>
+            <a:endParaRPr lang="de-DE" sz="1800" b="0" strike="noStrike" spc="-1">
+              <a:solidFill>
+                <a:srgbClr val="000000"/>
+              </a:solidFill>
+              <a:uFill>
+                <a:solidFill>
+                  <a:srgbClr val="FFFFFF"/>
                 </a:solidFill>
               </a:uFill>
               <a:latin typeface="Arial"/>
@@ -9314,13 +11009,13 @@
                 <a:spcPct val="100000"/>
               </a:lnSpc>
             </a:pPr>
-            <a:endParaRPr b="0" lang="de-DE" sz="1800" spc="-1" strike="noStrike">
-              <a:solidFill>
-                <a:srgbClr val="000000"/>
-              </a:solidFill>
-              <a:uFill>
-                <a:solidFill>
-                  <a:srgbClr val="ffffff"/>
+            <a:endParaRPr lang="de-DE" sz="1800" b="0" strike="noStrike" spc="-1">
+              <a:solidFill>
+                <a:srgbClr val="000000"/>
+              </a:solidFill>
+              <a:uFill>
+                <a:solidFill>
+                  <a:srgbClr val="FFFFFF"/>
                 </a:solidFill>
               </a:uFill>
               <a:latin typeface="Arial"/>
@@ -9332,13 +11027,13 @@
                 <a:spcPct val="100000"/>
               </a:lnSpc>
             </a:pPr>
-            <a:endParaRPr b="0" lang="de-DE" sz="1800" spc="-1" strike="noStrike">
-              <a:solidFill>
-                <a:srgbClr val="000000"/>
-              </a:solidFill>
-              <a:uFill>
-                <a:solidFill>
-                  <a:srgbClr val="ffffff"/>
+            <a:endParaRPr lang="de-DE" sz="1800" b="0" strike="noStrike" spc="-1">
+              <a:solidFill>
+                <a:srgbClr val="000000"/>
+              </a:solidFill>
+              <a:uFill>
+                <a:solidFill>
+                  <a:srgbClr val="FFFFFF"/>
                 </a:solidFill>
               </a:uFill>
               <a:latin typeface="Arial"/>
@@ -9351,13 +11046,13 @@
               </a:lnSpc>
             </a:pPr>
             <a:r>
-              <a:rPr b="1" lang="de-DE" sz="2400" spc="-1" strike="noStrike">
+              <a:rPr lang="de-DE" sz="2400" b="1" strike="noStrike" spc="-1">
                 <a:solidFill>
                   <a:srgbClr val="000000"/>
                 </a:solidFill>
                 <a:uFill>
                   <a:solidFill>
-                    <a:srgbClr val="ffffff"/>
+                    <a:srgbClr val="FFFFFF"/>
                   </a:solidFill>
                 </a:uFill>
                 <a:latin typeface="Arial"/>
@@ -9365,13 +11060,13 @@
               </a:rPr>
               <a:t>Fragen?</a:t>
             </a:r>
-            <a:endParaRPr b="0" lang="de-DE" sz="1800" spc="-1" strike="noStrike">
-              <a:solidFill>
-                <a:srgbClr val="000000"/>
-              </a:solidFill>
-              <a:uFill>
-                <a:solidFill>
-                  <a:srgbClr val="ffffff"/>
+            <a:endParaRPr lang="de-DE" sz="1800" b="0" strike="noStrike" spc="-1">
+              <a:solidFill>
+                <a:srgbClr val="000000"/>
+              </a:solidFill>
+              <a:uFill>
+                <a:solidFill>
+                  <a:srgbClr val="FFFFFF"/>
                 </a:solidFill>
               </a:uFill>
               <a:latin typeface="Arial"/>
@@ -9381,22 +11076,25 @@
       </p:sp>
     </p:spTree>
   </p:cSld>
+  <p:clrMapOvr>
+    <a:masterClrMapping/>
+  </p:clrMapOvr>
   <p:timing>
     <p:tnLst>
       <p:par>
-        <p:cTn id="9" dur="indefinite" restart="never" nodeType="tmRoot">
+        <p:cTn id="1" dur="indefinite" restart="never" nodeType="tmRoot">
           <p:childTnLst>
             <p:seq>
-              <p:cTn id="10" nodeType="mainSeq"/>
+              <p:cTn id="2" nodeType="mainSeq"/>
               <p:prevCondLst>
-                <p:cond delay="0" evt="onPrev">
+                <p:cond evt="onPrev" delay="0">
                   <p:tgtEl>
                     <p:sldTgt/>
                   </p:tgtEl>
                 </p:cond>
               </p:prevCondLst>
               <p:nextCondLst>
-                <p:cond delay="0" evt="onNext">
+                <p:cond evt="onNext" delay="0">
                   <p:tgtEl>
                     <p:sldTgt/>
                   </p:tgtEl>
@@ -9631,6 +11329,8 @@
       </a:bgFillStyleLst>
     </a:fmtScheme>
   </a:themeElements>
+  <a:objectDefaults/>
+  <a:extraClrSchemeLst/>
 </a:theme>
 </file>
 
@@ -9854,6 +11554,8 @@
       </a:bgFillStyleLst>
     </a:fmtScheme>
   </a:themeElements>
+  <a:objectDefaults/>
+  <a:extraClrSchemeLst/>
 </a:theme>
 </file>
 
@@ -10077,6 +11779,8 @@
       </a:bgFillStyleLst>
     </a:fmtScheme>
   </a:themeElements>
+  <a:objectDefaults/>
+  <a:extraClrSchemeLst/>
 </a:theme>
 </file>
 
@@ -10300,5 +12004,7 @@
       </a:bgFillStyleLst>
     </a:fmtScheme>
   </a:themeElements>
+  <a:objectDefaults/>
+  <a:extraClrSchemeLst/>
 </a:theme>
 </file>
--- a/Präsentation/Präsentation.pptx
+++ b/Präsentation/Präsentation.pptx
@@ -7,7 +7,7 @@
     <p:sldMasterId id="2147483674" r:id="rId3"/>
   </p:sldMasterIdLst>
   <p:notesMasterIdLst>
-    <p:notesMasterId r:id="rId9"/>
+    <p:notesMasterId r:id="rId11"/>
   </p:notesMasterIdLst>
   <p:sldIdLst>
     <p:sldId id="256" r:id="rId4"/>
@@ -15,6 +15,8 @@
     <p:sldId id="258" r:id="rId6"/>
     <p:sldId id="259" r:id="rId7"/>
     <p:sldId id="260" r:id="rId8"/>
+    <p:sldId id="261" r:id="rId9"/>
+    <p:sldId id="262" r:id="rId10"/>
   </p:sldIdLst>
   <p:sldSz cx="9144000" cy="6858000" type="screen4x3"/>
   <p:notesSz cx="6669088" cy="9928225"/>
@@ -113,6 +115,11 @@
       </a:defRPr>
     </a:lvl9pPr>
   </p:defaultTextStyle>
+  <p:extLst>
+    <p:ext uri="{EFAFB233-063F-42B5-8137-9DF3F51BA10A}">
+      <p15:sldGuideLst xmlns:p15="http://schemas.microsoft.com/office/powerpoint/2012/main"/>
+    </p:ext>
+  </p:extLst>
 </p:presentation>
 </file>
 
@@ -144,7 +151,7 @@
       </p:grpSpPr>
       <p:sp>
         <p:nvSpPr>
-          <p:cNvPr id="135" name="PlaceHolder 1"/>
+          <p:cNvPr id="134" name="PlaceHolder 1"/>
           <p:cNvSpPr>
             <a:spLocks noGrp="1"/>
           </p:cNvSpPr>
@@ -184,7 +191,7 @@
       </p:sp>
       <p:sp>
         <p:nvSpPr>
-          <p:cNvPr id="136" name="PlaceHolder 2"/>
+          <p:cNvPr id="135" name="PlaceHolder 2"/>
           <p:cNvSpPr>
             <a:spLocks noGrp="1"/>
           </p:cNvSpPr>
@@ -224,7 +231,7 @@
       </p:sp>
       <p:sp>
         <p:nvSpPr>
-          <p:cNvPr id="137" name="PlaceHolder 3"/>
+          <p:cNvPr id="136" name="PlaceHolder 3"/>
           <p:cNvSpPr>
             <a:spLocks noGrp="1"/>
           </p:cNvSpPr>
@@ -265,7 +272,7 @@
       </p:sp>
       <p:sp>
         <p:nvSpPr>
-          <p:cNvPr id="138" name="PlaceHolder 4"/>
+          <p:cNvPr id="137" name="PlaceHolder 4"/>
           <p:cNvSpPr>
             <a:spLocks noGrp="1"/>
           </p:cNvSpPr>
@@ -305,7 +312,7 @@
       </p:sp>
       <p:sp>
         <p:nvSpPr>
-          <p:cNvPr id="139" name="PlaceHolder 5"/>
+          <p:cNvPr id="138" name="PlaceHolder 5"/>
           <p:cNvSpPr>
             <a:spLocks noGrp="1"/>
           </p:cNvSpPr>
@@ -327,7 +334,7 @@
           <a:lstStyle/>
           <a:p>
             <a:pPr algn="r"/>
-            <a:fld id="{CFF14BFF-96D5-4DDE-B115-254680B01A61}" type="slidenum">
+            <a:fld id="{9D527A5A-35C1-4CA7-9D40-EDAA7107B67C}" type="slidenum">
               <a:rPr lang="de-DE" sz="1400" b="0" strike="noStrike" spc="-1">
                 <a:solidFill>
                   <a:srgbClr val="000000"/>
@@ -472,14 +479,14 @@
       </p:grpSpPr>
       <p:sp>
         <p:nvSpPr>
-          <p:cNvPr id="158" name="TextShape 1"/>
-          <p:cNvSpPr txBox="1"/>
+          <p:cNvPr id="165" name="CustomShape 1"/>
+          <p:cNvSpPr/>
           <p:nvPr/>
         </p:nvSpPr>
         <p:spPr>
           <a:xfrm>
             <a:off x="3780000" y="9431280"/>
-            <a:ext cx="2889000" cy="496440"/>
+            <a:ext cx="2888640" cy="496080"/>
           </a:xfrm>
           <a:prstGeom prst="rect">
             <a:avLst/>
@@ -489,8 +496,20 @@
             <a:noFill/>
           </a:ln>
         </p:spPr>
-        <p:txBody>
-          <a:bodyPr anchor="b"/>
+        <p:style>
+          <a:lnRef idx="0">
+            <a:scrgbClr r="0" g="0" b="0"/>
+          </a:lnRef>
+          <a:fillRef idx="0">
+            <a:scrgbClr r="0" g="0" b="0"/>
+          </a:fillRef>
+          <a:effectRef idx="0">
+            <a:scrgbClr r="0" g="0" b="0"/>
+          </a:effectRef>
+          <a:fontRef idx="minor"/>
+        </p:style>
+        <p:txBody>
+          <a:bodyPr lIns="90000" tIns="45000" rIns="90000" bIns="45000" anchor="b"/>
           <a:lstStyle/>
           <a:p>
             <a:pPr algn="r">
@@ -498,7 +517,7 @@
                 <a:spcPct val="100000"/>
               </a:lnSpc>
             </a:pPr>
-            <a:fld id="{0C10EEA5-D596-4851-BC91-6F4505894310}" type="slidenum">
+            <a:fld id="{615EFE01-1B0B-40AC-B66F-39D51AD34A75}" type="slidenum">
               <a:rPr lang="de-DE" sz="1200" b="0" strike="noStrike" spc="-1">
                 <a:solidFill>
                   <a:srgbClr val="000000"/>
@@ -513,23 +532,23 @@
               </a:rPr>
               <a:t>1</a:t>
             </a:fld>
-            <a:endParaRPr lang="de-DE" sz="1400" b="0" strike="noStrike" spc="-1">
-              <a:solidFill>
-                <a:srgbClr val="000000"/>
-              </a:solidFill>
-              <a:uFill>
-                <a:solidFill>
-                  <a:srgbClr val="FFFFFF"/>
-                </a:solidFill>
-              </a:uFill>
-              <a:latin typeface="Times New Roman"/>
-            </a:endParaRPr>
-          </a:p>
-        </p:txBody>
-      </p:sp>
-      <p:sp>
-        <p:nvSpPr>
-          <p:cNvPr id="159" name="PlaceHolder 2"/>
+            <a:endParaRPr lang="de-DE" sz="1800" b="0" strike="noStrike" spc="-1">
+              <a:solidFill>
+                <a:srgbClr val="000000"/>
+              </a:solidFill>
+              <a:uFill>
+                <a:solidFill>
+                  <a:srgbClr val="FFFFFF"/>
+                </a:solidFill>
+              </a:uFill>
+              <a:latin typeface="Arial"/>
+            </a:endParaRPr>
+          </a:p>
+        </p:txBody>
+      </p:sp>
+      <p:sp>
+        <p:nvSpPr>
+          <p:cNvPr id="166" name="PlaceHolder 2"/>
           <p:cNvSpPr>
             <a:spLocks noGrp="1"/>
           </p:cNvSpPr>
@@ -540,14 +559,14 @@
         <p:spPr>
           <a:xfrm>
             <a:off x="888840" y="4716360"/>
-            <a:ext cx="4890600" cy="4466880"/>
-          </a:xfrm>
-          <a:prstGeom prst="rect">
-            <a:avLst/>
-          </a:prstGeom>
-        </p:spPr>
-        <p:txBody>
-          <a:bodyPr/>
+            <a:ext cx="4890240" cy="4466520"/>
+          </a:xfrm>
+          <a:prstGeom prst="rect">
+            <a:avLst/>
+          </a:prstGeom>
+        </p:spPr>
+        <p:txBody>
+          <a:bodyPr lIns="0" tIns="0" rIns="0" bIns="0"/>
           <a:lstStyle/>
           <a:p>
             <a:endParaRPr lang="de-DE" sz="2000" b="0" strike="noStrike" spc="-1">
@@ -591,7 +610,7 @@
       </p:grpSpPr>
       <p:sp>
         <p:nvSpPr>
-          <p:cNvPr id="160" name="PlaceHolder 1"/>
+          <p:cNvPr id="167" name="PlaceHolder 1"/>
           <p:cNvSpPr>
             <a:spLocks noGrp="1"/>
           </p:cNvSpPr>
@@ -602,14 +621,14 @@
         <p:spPr>
           <a:xfrm>
             <a:off x="888840" y="4716360"/>
-            <a:ext cx="4890960" cy="4466880"/>
-          </a:xfrm>
-          <a:prstGeom prst="rect">
-            <a:avLst/>
-          </a:prstGeom>
-        </p:spPr>
-        <p:txBody>
-          <a:bodyPr tIns="91440" bIns="91440"/>
+            <a:ext cx="4890600" cy="4466520"/>
+          </a:xfrm>
+          <a:prstGeom prst="rect">
+            <a:avLst/>
+          </a:prstGeom>
+        </p:spPr>
+        <p:txBody>
+          <a:bodyPr lIns="0" tIns="91440" rIns="0" bIns="91440"/>
           <a:lstStyle/>
           <a:p>
             <a:endParaRPr lang="de-DE" sz="2000" b="0" strike="noStrike" spc="-1">
@@ -628,14 +647,14 @@
       </p:sp>
       <p:sp>
         <p:nvSpPr>
-          <p:cNvPr id="161" name="TextShape 2"/>
-          <p:cNvSpPr txBox="1"/>
+          <p:cNvPr id="168" name="CustomShape 2"/>
+          <p:cNvSpPr/>
           <p:nvPr/>
         </p:nvSpPr>
         <p:spPr>
           <a:xfrm>
             <a:off x="3780000" y="9431280"/>
-            <a:ext cx="2889000" cy="496440"/>
+            <a:ext cx="2888640" cy="496080"/>
           </a:xfrm>
           <a:prstGeom prst="rect">
             <a:avLst/>
@@ -645,8 +664,20 @@
             <a:noFill/>
           </a:ln>
         </p:spPr>
-        <p:txBody>
-          <a:bodyPr anchor="b"/>
+        <p:style>
+          <a:lnRef idx="0">
+            <a:scrgbClr r="0" g="0" b="0"/>
+          </a:lnRef>
+          <a:fillRef idx="0">
+            <a:scrgbClr r="0" g="0" b="0"/>
+          </a:fillRef>
+          <a:effectRef idx="0">
+            <a:scrgbClr r="0" g="0" b="0"/>
+          </a:effectRef>
+          <a:fontRef idx="minor"/>
+        </p:style>
+        <p:txBody>
+          <a:bodyPr lIns="90000" tIns="45000" rIns="90000" bIns="45000" anchor="b"/>
           <a:lstStyle/>
           <a:p>
             <a:pPr>
@@ -654,7 +685,7 @@
                 <a:spcPct val="100000"/>
               </a:lnSpc>
             </a:pPr>
-            <a:fld id="{A161A363-DD5D-4A6B-A394-3E229FCF646D}" type="slidenum">
+            <a:fld id="{722F708A-3925-4845-AB9E-C33378E0A511}" type="slidenum">
               <a:rPr lang="de-DE" sz="1400" b="0" strike="noStrike" spc="-1">
                 <a:solidFill>
                   <a:srgbClr val="000000"/>
@@ -668,16 +699,16 @@
               </a:rPr>
               <a:t>2</a:t>
             </a:fld>
-            <a:endParaRPr lang="de-DE" sz="1400" b="0" strike="noStrike" spc="-1">
-              <a:solidFill>
-                <a:srgbClr val="000000"/>
-              </a:solidFill>
-              <a:uFill>
-                <a:solidFill>
-                  <a:srgbClr val="FFFFFF"/>
-                </a:solidFill>
-              </a:uFill>
-              <a:latin typeface="Times New Roman"/>
+            <a:endParaRPr lang="de-DE" sz="1800" b="0" strike="noStrike" spc="-1">
+              <a:solidFill>
+                <a:srgbClr val="000000"/>
+              </a:solidFill>
+              <a:uFill>
+                <a:solidFill>
+                  <a:srgbClr val="FFFFFF"/>
+                </a:solidFill>
+              </a:uFill>
+              <a:latin typeface="Arial"/>
             </a:endParaRPr>
           </a:p>
         </p:txBody>
@@ -709,7 +740,7 @@
       </p:grpSpPr>
       <p:sp>
         <p:nvSpPr>
-          <p:cNvPr id="162" name="PlaceHolder 1"/>
+          <p:cNvPr id="169" name="PlaceHolder 1"/>
           <p:cNvSpPr>
             <a:spLocks noGrp="1"/>
           </p:cNvSpPr>
@@ -720,14 +751,14 @@
         <p:spPr>
           <a:xfrm>
             <a:off x="888840" y="4716360"/>
-            <a:ext cx="4890960" cy="4466880"/>
-          </a:xfrm>
-          <a:prstGeom prst="rect">
-            <a:avLst/>
-          </a:prstGeom>
-        </p:spPr>
-        <p:txBody>
-          <a:bodyPr tIns="91440" bIns="91440"/>
+            <a:ext cx="4890600" cy="4466520"/>
+          </a:xfrm>
+          <a:prstGeom prst="rect">
+            <a:avLst/>
+          </a:prstGeom>
+        </p:spPr>
+        <p:txBody>
+          <a:bodyPr lIns="0" tIns="91440" rIns="0" bIns="91440"/>
           <a:lstStyle/>
           <a:p>
             <a:endParaRPr lang="de-DE" sz="2000" b="0" strike="noStrike" spc="-1">
@@ -746,14 +777,14 @@
       </p:sp>
       <p:sp>
         <p:nvSpPr>
-          <p:cNvPr id="163" name="TextShape 2"/>
-          <p:cNvSpPr txBox="1"/>
+          <p:cNvPr id="170" name="CustomShape 2"/>
+          <p:cNvSpPr/>
           <p:nvPr/>
         </p:nvSpPr>
         <p:spPr>
           <a:xfrm>
             <a:off x="3780000" y="9431280"/>
-            <a:ext cx="2889000" cy="496440"/>
+            <a:ext cx="2888640" cy="496080"/>
           </a:xfrm>
           <a:prstGeom prst="rect">
             <a:avLst/>
@@ -763,8 +794,20 @@
             <a:noFill/>
           </a:ln>
         </p:spPr>
-        <p:txBody>
-          <a:bodyPr anchor="b"/>
+        <p:style>
+          <a:lnRef idx="0">
+            <a:scrgbClr r="0" g="0" b="0"/>
+          </a:lnRef>
+          <a:fillRef idx="0">
+            <a:scrgbClr r="0" g="0" b="0"/>
+          </a:fillRef>
+          <a:effectRef idx="0">
+            <a:scrgbClr r="0" g="0" b="0"/>
+          </a:effectRef>
+          <a:fontRef idx="minor"/>
+        </p:style>
+        <p:txBody>
+          <a:bodyPr lIns="90000" tIns="45000" rIns="90000" bIns="45000" anchor="b"/>
           <a:lstStyle/>
           <a:p>
             <a:pPr>
@@ -772,7 +815,7 @@
                 <a:spcPct val="100000"/>
               </a:lnSpc>
             </a:pPr>
-            <a:fld id="{A5AD5A0A-0800-4134-BE30-24337B246CC6}" type="slidenum">
+            <a:fld id="{9CCB6536-CDC1-41B0-802D-E71BA4E83CC5}" type="slidenum">
               <a:rPr lang="de-DE" sz="1400" b="0" strike="noStrike" spc="-1">
                 <a:solidFill>
                   <a:srgbClr val="000000"/>
@@ -786,16 +829,16 @@
               </a:rPr>
               <a:t>3</a:t>
             </a:fld>
-            <a:endParaRPr lang="de-DE" sz="1400" b="0" strike="noStrike" spc="-1">
-              <a:solidFill>
-                <a:srgbClr val="000000"/>
-              </a:solidFill>
-              <a:uFill>
-                <a:solidFill>
-                  <a:srgbClr val="FFFFFF"/>
-                </a:solidFill>
-              </a:uFill>
-              <a:latin typeface="Times New Roman"/>
+            <a:endParaRPr lang="de-DE" sz="1800" b="0" strike="noStrike" spc="-1">
+              <a:solidFill>
+                <a:srgbClr val="000000"/>
+              </a:solidFill>
+              <a:uFill>
+                <a:solidFill>
+                  <a:srgbClr val="FFFFFF"/>
+                </a:solidFill>
+              </a:uFill>
+              <a:latin typeface="Arial"/>
             </a:endParaRPr>
           </a:p>
         </p:txBody>
@@ -827,7 +870,7 @@
       </p:grpSpPr>
       <p:sp>
         <p:nvSpPr>
-          <p:cNvPr id="164" name="PlaceHolder 1"/>
+          <p:cNvPr id="171" name="PlaceHolder 1"/>
           <p:cNvSpPr>
             <a:spLocks noGrp="1"/>
           </p:cNvSpPr>
@@ -838,14 +881,14 @@
         <p:spPr>
           <a:xfrm>
             <a:off x="888840" y="4716360"/>
-            <a:ext cx="4890960" cy="4466880"/>
-          </a:xfrm>
-          <a:prstGeom prst="rect">
-            <a:avLst/>
-          </a:prstGeom>
-        </p:spPr>
-        <p:txBody>
-          <a:bodyPr tIns="91440" bIns="91440"/>
+            <a:ext cx="4890600" cy="4466520"/>
+          </a:xfrm>
+          <a:prstGeom prst="rect">
+            <a:avLst/>
+          </a:prstGeom>
+        </p:spPr>
+        <p:txBody>
+          <a:bodyPr lIns="0" tIns="91440" rIns="0" bIns="91440"/>
           <a:lstStyle/>
           <a:p>
             <a:endParaRPr lang="de-DE" sz="2000" b="0" strike="noStrike" spc="-1">
@@ -864,14 +907,14 @@
       </p:sp>
       <p:sp>
         <p:nvSpPr>
-          <p:cNvPr id="165" name="TextShape 2"/>
-          <p:cNvSpPr txBox="1"/>
+          <p:cNvPr id="172" name="CustomShape 2"/>
+          <p:cNvSpPr/>
           <p:nvPr/>
         </p:nvSpPr>
         <p:spPr>
           <a:xfrm>
             <a:off x="3780000" y="9431280"/>
-            <a:ext cx="2889000" cy="496440"/>
+            <a:ext cx="2888640" cy="496080"/>
           </a:xfrm>
           <a:prstGeom prst="rect">
             <a:avLst/>
@@ -881,8 +924,20 @@
             <a:noFill/>
           </a:ln>
         </p:spPr>
-        <p:txBody>
-          <a:bodyPr anchor="b"/>
+        <p:style>
+          <a:lnRef idx="0">
+            <a:scrgbClr r="0" g="0" b="0"/>
+          </a:lnRef>
+          <a:fillRef idx="0">
+            <a:scrgbClr r="0" g="0" b="0"/>
+          </a:fillRef>
+          <a:effectRef idx="0">
+            <a:scrgbClr r="0" g="0" b="0"/>
+          </a:effectRef>
+          <a:fontRef idx="minor"/>
+        </p:style>
+        <p:txBody>
+          <a:bodyPr lIns="90000" tIns="45000" rIns="90000" bIns="45000" anchor="b"/>
           <a:lstStyle/>
           <a:p>
             <a:pPr>
@@ -890,7 +945,7 @@
                 <a:spcPct val="100000"/>
               </a:lnSpc>
             </a:pPr>
-            <a:fld id="{4B1120F6-30C3-4E66-B0C7-87F406053685}" type="slidenum">
+            <a:fld id="{8D23B3CF-C51F-4B99-9938-35B333BDE152}" type="slidenum">
               <a:rPr lang="de-DE" sz="1400" b="0" strike="noStrike" spc="-1">
                 <a:solidFill>
                   <a:srgbClr val="000000"/>
@@ -904,16 +959,16 @@
               </a:rPr>
               <a:t>4</a:t>
             </a:fld>
-            <a:endParaRPr lang="de-DE" sz="1400" b="0" strike="noStrike" spc="-1">
-              <a:solidFill>
-                <a:srgbClr val="000000"/>
-              </a:solidFill>
-              <a:uFill>
-                <a:solidFill>
-                  <a:srgbClr val="FFFFFF"/>
-                </a:solidFill>
-              </a:uFill>
-              <a:latin typeface="Times New Roman"/>
+            <a:endParaRPr lang="de-DE" sz="1800" b="0" strike="noStrike" spc="-1">
+              <a:solidFill>
+                <a:srgbClr val="000000"/>
+              </a:solidFill>
+              <a:uFill>
+                <a:solidFill>
+                  <a:srgbClr val="FFFFFF"/>
+                </a:solidFill>
+              </a:uFill>
+              <a:latin typeface="Arial"/>
             </a:endParaRPr>
           </a:p>
         </p:txBody>
@@ -945,7 +1000,7 @@
       </p:grpSpPr>
       <p:sp>
         <p:nvSpPr>
-          <p:cNvPr id="166" name="PlaceHolder 1"/>
+          <p:cNvPr id="173" name="PlaceHolder 1"/>
           <p:cNvSpPr>
             <a:spLocks noGrp="1"/>
           </p:cNvSpPr>
@@ -956,14 +1011,14 @@
         <p:spPr>
           <a:xfrm>
             <a:off x="888840" y="4716360"/>
-            <a:ext cx="4890600" cy="4466880"/>
-          </a:xfrm>
-          <a:prstGeom prst="rect">
-            <a:avLst/>
-          </a:prstGeom>
-        </p:spPr>
-        <p:txBody>
-          <a:bodyPr/>
+            <a:ext cx="4890600" cy="4466520"/>
+          </a:xfrm>
+          <a:prstGeom prst="rect">
+            <a:avLst/>
+          </a:prstGeom>
+        </p:spPr>
+        <p:txBody>
+          <a:bodyPr lIns="0" tIns="91440" rIns="0" bIns="91440"/>
           <a:lstStyle/>
           <a:p>
             <a:endParaRPr lang="de-DE" sz="2000" b="0" strike="noStrike" spc="-1">
@@ -982,14 +1037,14 @@
       </p:sp>
       <p:sp>
         <p:nvSpPr>
-          <p:cNvPr id="167" name="TextShape 2"/>
-          <p:cNvSpPr txBox="1"/>
+          <p:cNvPr id="174" name="CustomShape 2"/>
+          <p:cNvSpPr/>
           <p:nvPr/>
         </p:nvSpPr>
         <p:spPr>
           <a:xfrm>
             <a:off x="3780000" y="9431280"/>
-            <a:ext cx="2889000" cy="496440"/>
+            <a:ext cx="2888640" cy="496080"/>
           </a:xfrm>
           <a:prstGeom prst="rect">
             <a:avLst/>
@@ -999,8 +1054,150 @@
             <a:noFill/>
           </a:ln>
         </p:spPr>
-        <p:txBody>
-          <a:bodyPr anchor="b"/>
+        <p:style>
+          <a:lnRef idx="0">
+            <a:scrgbClr r="0" g="0" b="0"/>
+          </a:lnRef>
+          <a:fillRef idx="0">
+            <a:scrgbClr r="0" g="0" b="0"/>
+          </a:fillRef>
+          <a:effectRef idx="0">
+            <a:scrgbClr r="0" g="0" b="0"/>
+          </a:effectRef>
+          <a:fontRef idx="minor"/>
+        </p:style>
+        <p:txBody>
+          <a:bodyPr lIns="90000" tIns="45000" rIns="90000" bIns="45000" anchor="b"/>
+          <a:lstStyle/>
+          <a:p>
+            <a:pPr>
+              <a:lnSpc>
+                <a:spcPct val="100000"/>
+              </a:lnSpc>
+            </a:pPr>
+            <a:fld id="{7FCD777B-D707-4D71-B1D4-D6FA14C3C33F}" type="slidenum">
+              <a:rPr lang="de-DE" sz="1400" b="0" strike="noStrike" spc="-1">
+                <a:solidFill>
+                  <a:srgbClr val="000000"/>
+                </a:solidFill>
+                <a:uFill>
+                  <a:solidFill>
+                    <a:srgbClr val="FFFFFF"/>
+                  </a:solidFill>
+                </a:uFill>
+                <a:latin typeface="Times New Roman"/>
+              </a:rPr>
+              <a:t>5</a:t>
+            </a:fld>
+            <a:endParaRPr lang="de-DE" sz="1800" b="0" strike="noStrike" spc="-1">
+              <a:solidFill>
+                <a:srgbClr val="000000"/>
+              </a:solidFill>
+              <a:uFill>
+                <a:solidFill>
+                  <a:srgbClr val="FFFFFF"/>
+                </a:solidFill>
+              </a:uFill>
+              <a:latin typeface="Arial"/>
+            </a:endParaRPr>
+          </a:p>
+        </p:txBody>
+      </p:sp>
+    </p:spTree>
+  </p:cSld>
+  <p:clrMapOvr>
+    <a:masterClrMapping/>
+  </p:clrMapOvr>
+</p:notes>
+</file>
+
+<file path=ppt/notesSlides/notesSlide6.xml><?xml version="1.0" encoding="utf-8"?>
+<p:notes xmlns:a="http://schemas.openxmlformats.org/drawingml/2006/main" xmlns:r="http://schemas.openxmlformats.org/officeDocument/2006/relationships" xmlns:p="http://schemas.openxmlformats.org/presentationml/2006/main">
+  <p:cSld>
+    <p:spTree>
+      <p:nvGrpSpPr>
+        <p:cNvPr id="1" name=""/>
+        <p:cNvGrpSpPr/>
+        <p:nvPr/>
+      </p:nvGrpSpPr>
+      <p:grpSpPr>
+        <a:xfrm>
+          <a:off x="0" y="0"/>
+          <a:ext cx="0" cy="0"/>
+          <a:chOff x="0" y="0"/>
+          <a:chExt cx="0" cy="0"/>
+        </a:xfrm>
+      </p:grpSpPr>
+      <p:sp>
+        <p:nvSpPr>
+          <p:cNvPr id="175" name="PlaceHolder 1"/>
+          <p:cNvSpPr>
+            <a:spLocks noGrp="1"/>
+          </p:cNvSpPr>
+          <p:nvPr>
+            <p:ph type="body"/>
+          </p:nvPr>
+        </p:nvSpPr>
+        <p:spPr>
+          <a:xfrm>
+            <a:off x="888840" y="4716360"/>
+            <a:ext cx="4890240" cy="4466520"/>
+          </a:xfrm>
+          <a:prstGeom prst="rect">
+            <a:avLst/>
+          </a:prstGeom>
+        </p:spPr>
+        <p:txBody>
+          <a:bodyPr lIns="0" tIns="0" rIns="0" bIns="0"/>
+          <a:lstStyle/>
+          <a:p>
+            <a:endParaRPr lang="de-DE" sz="2000" b="0" strike="noStrike" spc="-1">
+              <a:solidFill>
+                <a:srgbClr val="000000"/>
+              </a:solidFill>
+              <a:uFill>
+                <a:solidFill>
+                  <a:srgbClr val="FFFFFF"/>
+                </a:solidFill>
+              </a:uFill>
+              <a:latin typeface="Arial"/>
+            </a:endParaRPr>
+          </a:p>
+        </p:txBody>
+      </p:sp>
+      <p:sp>
+        <p:nvSpPr>
+          <p:cNvPr id="176" name="CustomShape 2"/>
+          <p:cNvSpPr/>
+          <p:nvPr/>
+        </p:nvSpPr>
+        <p:spPr>
+          <a:xfrm>
+            <a:off x="3780000" y="9431280"/>
+            <a:ext cx="2888640" cy="496080"/>
+          </a:xfrm>
+          <a:prstGeom prst="rect">
+            <a:avLst/>
+          </a:prstGeom>
+          <a:noFill/>
+          <a:ln>
+            <a:noFill/>
+          </a:ln>
+        </p:spPr>
+        <p:style>
+          <a:lnRef idx="0">
+            <a:scrgbClr r="0" g="0" b="0"/>
+          </a:lnRef>
+          <a:fillRef idx="0">
+            <a:scrgbClr r="0" g="0" b="0"/>
+          </a:fillRef>
+          <a:effectRef idx="0">
+            <a:scrgbClr r="0" g="0" b="0"/>
+          </a:effectRef>
+          <a:fontRef idx="minor"/>
+        </p:style>
+        <p:txBody>
+          <a:bodyPr lIns="90000" tIns="45000" rIns="90000" bIns="45000" anchor="b"/>
           <a:lstStyle/>
           <a:p>
             <a:pPr algn="r">
@@ -1008,7 +1205,7 @@
                 <a:spcPct val="100000"/>
               </a:lnSpc>
             </a:pPr>
-            <a:fld id="{7EF19C2C-A8B1-4436-8D78-2560F5100205}" type="slidenum">
+            <a:fld id="{40662A9E-2BBE-4DBE-88DA-3973C2295108}" type="slidenum">
               <a:rPr lang="de-DE" sz="1200" b="0" strike="noStrike" spc="-1">
                 <a:solidFill>
                   <a:srgbClr val="000000"/>
@@ -1021,18 +1218,18 @@
                 <a:latin typeface="Times New Roman"/>
                 <a:ea typeface="Times New Roman"/>
               </a:rPr>
-              <a:t>5</a:t>
+              <a:t>7</a:t>
             </a:fld>
-            <a:endParaRPr lang="de-DE" sz="1400" b="0" strike="noStrike" spc="-1">
-              <a:solidFill>
-                <a:srgbClr val="000000"/>
-              </a:solidFill>
-              <a:uFill>
-                <a:solidFill>
-                  <a:srgbClr val="FFFFFF"/>
-                </a:solidFill>
-              </a:uFill>
-              <a:latin typeface="Times New Roman"/>
+            <a:endParaRPr lang="de-DE" sz="1800" b="0" strike="noStrike" spc="-1">
+              <a:solidFill>
+                <a:srgbClr val="000000"/>
+              </a:solidFill>
+              <a:uFill>
+                <a:solidFill>
+                  <a:srgbClr val="FFFFFF"/>
+                </a:solidFill>
+              </a:uFill>
+              <a:latin typeface="Arial"/>
             </a:endParaRPr>
           </a:p>
         </p:txBody>
@@ -1099,8 +1296,8 @@
         </p:nvSpPr>
         <p:spPr>
           <a:xfrm>
-            <a:off x="685800" y="304920"/>
-            <a:ext cx="7772040" cy="609120"/>
+            <a:off x="457200" y="273600"/>
+            <a:ext cx="8229240" cy="1144800"/>
           </a:xfrm>
           <a:prstGeom prst="rect">
             <a:avLst/>
@@ -1110,7 +1307,8 @@
           <a:bodyPr lIns="0" tIns="0" rIns="0" bIns="0" anchor="ctr"/>
           <a:lstStyle/>
           <a:p>
-            <a:endParaRPr lang="de-DE" sz="1400" b="0" strike="noStrike" spc="-1">
+            <a:pPr algn="ctr"/>
+            <a:endParaRPr lang="de-DE" sz="4400" b="0" strike="noStrike" spc="-1">
               <a:solidFill>
                 <a:srgbClr val="000000"/>
               </a:solidFill>
@@ -1136,8 +1334,8 @@
         </p:nvSpPr>
         <p:spPr>
           <a:xfrm>
-            <a:off x="685800" y="1066680"/>
-            <a:ext cx="7772040" cy="2398680"/>
+            <a:off x="457200" y="1604520"/>
+            <a:ext cx="8229240" cy="1896840"/>
           </a:xfrm>
           <a:prstGeom prst="rect">
             <a:avLst/>
@@ -1147,7 +1345,7 @@
           <a:bodyPr lIns="0" tIns="0" rIns="0" bIns="0"/>
           <a:lstStyle/>
           <a:p>
-            <a:endParaRPr lang="de-DE" sz="1400" b="0" strike="noStrike" spc="-1">
+            <a:endParaRPr lang="de-DE" sz="3200" b="0" strike="noStrike" spc="-1">
               <a:solidFill>
                 <a:srgbClr val="000000"/>
               </a:solidFill>
@@ -1173,8 +1371,8 @@
         </p:nvSpPr>
         <p:spPr>
           <a:xfrm>
-            <a:off x="685800" y="3693600"/>
-            <a:ext cx="7772040" cy="2398680"/>
+            <a:off x="457200" y="3682080"/>
+            <a:ext cx="8229240" cy="1896840"/>
           </a:xfrm>
           <a:prstGeom prst="rect">
             <a:avLst/>
@@ -1184,7 +1382,7 @@
           <a:bodyPr lIns="0" tIns="0" rIns="0" bIns="0"/>
           <a:lstStyle/>
           <a:p>
-            <a:endParaRPr lang="de-DE" sz="1400" b="0" strike="noStrike" spc="-1">
+            <a:endParaRPr lang="de-DE" sz="3200" b="0" strike="noStrike" spc="-1">
               <a:solidFill>
                 <a:srgbClr val="000000"/>
               </a:solidFill>
@@ -1235,8 +1433,8 @@
         </p:nvSpPr>
         <p:spPr>
           <a:xfrm>
-            <a:off x="685800" y="304920"/>
-            <a:ext cx="7772040" cy="609120"/>
+            <a:off x="457200" y="273600"/>
+            <a:ext cx="8229240" cy="1144800"/>
           </a:xfrm>
           <a:prstGeom prst="rect">
             <a:avLst/>
@@ -1246,7 +1444,8 @@
           <a:bodyPr lIns="0" tIns="0" rIns="0" bIns="0" anchor="ctr"/>
           <a:lstStyle/>
           <a:p>
-            <a:endParaRPr lang="de-DE" sz="1400" b="0" strike="noStrike" spc="-1">
+            <a:pPr algn="ctr"/>
+            <a:endParaRPr lang="de-DE" sz="4400" b="0" strike="noStrike" spc="-1">
               <a:solidFill>
                 <a:srgbClr val="000000"/>
               </a:solidFill>
@@ -1272,8 +1471,8 @@
         </p:nvSpPr>
         <p:spPr>
           <a:xfrm>
-            <a:off x="685800" y="1066680"/>
-            <a:ext cx="3792600" cy="2398680"/>
+            <a:off x="457200" y="1604520"/>
+            <a:ext cx="4015800" cy="1896840"/>
           </a:xfrm>
           <a:prstGeom prst="rect">
             <a:avLst/>
@@ -1283,7 +1482,7 @@
           <a:bodyPr lIns="0" tIns="0" rIns="0" bIns="0"/>
           <a:lstStyle/>
           <a:p>
-            <a:endParaRPr lang="de-DE" sz="1400" b="0" strike="noStrike" spc="-1">
+            <a:endParaRPr lang="de-DE" sz="3200" b="0" strike="noStrike" spc="-1">
               <a:solidFill>
                 <a:srgbClr val="000000"/>
               </a:solidFill>
@@ -1309,8 +1508,8 @@
         </p:nvSpPr>
         <p:spPr>
           <a:xfrm>
-            <a:off x="4668480" y="1066680"/>
-            <a:ext cx="3792600" cy="2398680"/>
+            <a:off x="4674240" y="1604520"/>
+            <a:ext cx="4015800" cy="1896840"/>
           </a:xfrm>
           <a:prstGeom prst="rect">
             <a:avLst/>
@@ -1320,7 +1519,7 @@
           <a:bodyPr lIns="0" tIns="0" rIns="0" bIns="0"/>
           <a:lstStyle/>
           <a:p>
-            <a:endParaRPr lang="de-DE" sz="1400" b="0" strike="noStrike" spc="-1">
+            <a:endParaRPr lang="de-DE" sz="3200" b="0" strike="noStrike" spc="-1">
               <a:solidFill>
                 <a:srgbClr val="000000"/>
               </a:solidFill>
@@ -1346,8 +1545,8 @@
         </p:nvSpPr>
         <p:spPr>
           <a:xfrm>
-            <a:off x="4668480" y="3693600"/>
-            <a:ext cx="3792600" cy="2398680"/>
+            <a:off x="4674240" y="3682080"/>
+            <a:ext cx="4015800" cy="1896840"/>
           </a:xfrm>
           <a:prstGeom prst="rect">
             <a:avLst/>
@@ -1357,7 +1556,7 @@
           <a:bodyPr lIns="0" tIns="0" rIns="0" bIns="0"/>
           <a:lstStyle/>
           <a:p>
-            <a:endParaRPr lang="de-DE" sz="1400" b="0" strike="noStrike" spc="-1">
+            <a:endParaRPr lang="de-DE" sz="3200" b="0" strike="noStrike" spc="-1">
               <a:solidFill>
                 <a:srgbClr val="000000"/>
               </a:solidFill>
@@ -1383,8 +1582,8 @@
         </p:nvSpPr>
         <p:spPr>
           <a:xfrm>
-            <a:off x="685800" y="3693600"/>
-            <a:ext cx="3792600" cy="2398680"/>
+            <a:off x="457200" y="3682080"/>
+            <a:ext cx="4015800" cy="1896840"/>
           </a:xfrm>
           <a:prstGeom prst="rect">
             <a:avLst/>
@@ -1394,7 +1593,7 @@
           <a:bodyPr lIns="0" tIns="0" rIns="0" bIns="0"/>
           <a:lstStyle/>
           <a:p>
-            <a:endParaRPr lang="de-DE" sz="1400" b="0" strike="noStrike" spc="-1">
+            <a:endParaRPr lang="de-DE" sz="3200" b="0" strike="noStrike" spc="-1">
               <a:solidFill>
                 <a:srgbClr val="000000"/>
               </a:solidFill>
@@ -1445,8 +1644,8 @@
         </p:nvSpPr>
         <p:spPr>
           <a:xfrm>
-            <a:off x="685800" y="304920"/>
-            <a:ext cx="7772040" cy="609120"/>
+            <a:off x="457200" y="273600"/>
+            <a:ext cx="8229240" cy="1144800"/>
           </a:xfrm>
           <a:prstGeom prst="rect">
             <a:avLst/>
@@ -1456,7 +1655,8 @@
           <a:bodyPr lIns="0" tIns="0" rIns="0" bIns="0" anchor="ctr"/>
           <a:lstStyle/>
           <a:p>
-            <a:endParaRPr lang="de-DE" sz="1400" b="0" strike="noStrike" spc="-1">
+            <a:pPr algn="ctr"/>
+            <a:endParaRPr lang="de-DE" sz="4400" b="0" strike="noStrike" spc="-1">
               <a:solidFill>
                 <a:srgbClr val="000000"/>
               </a:solidFill>
@@ -1482,8 +1682,8 @@
         </p:nvSpPr>
         <p:spPr>
           <a:xfrm>
-            <a:off x="685800" y="1066680"/>
-            <a:ext cx="7772040" cy="5028840"/>
+            <a:off x="457200" y="1604520"/>
+            <a:ext cx="8229240" cy="3977280"/>
           </a:xfrm>
           <a:prstGeom prst="rect">
             <a:avLst/>
@@ -1493,7 +1693,7 @@
           <a:bodyPr lIns="0" tIns="0" rIns="0" bIns="0"/>
           <a:lstStyle/>
           <a:p>
-            <a:endParaRPr lang="de-DE" sz="1400" b="0" strike="noStrike" spc="-1">
+            <a:endParaRPr lang="de-DE" sz="3200" b="0" strike="noStrike" spc="-1">
               <a:solidFill>
                 <a:srgbClr val="000000"/>
               </a:solidFill>
@@ -1519,8 +1719,8 @@
         </p:nvSpPr>
         <p:spPr>
           <a:xfrm>
-            <a:off x="685800" y="1066680"/>
-            <a:ext cx="7772040" cy="5028840"/>
+            <a:off x="457200" y="1604520"/>
+            <a:ext cx="8229240" cy="3977280"/>
           </a:xfrm>
           <a:prstGeom prst="rect">
             <a:avLst/>
@@ -1530,7 +1730,7 @@
           <a:bodyPr lIns="0" tIns="0" rIns="0" bIns="0"/>
           <a:lstStyle/>
           <a:p>
-            <a:endParaRPr lang="de-DE" sz="1400" b="0" strike="noStrike" spc="-1">
+            <a:endParaRPr lang="de-DE" sz="3200" b="0" strike="noStrike" spc="-1">
               <a:solidFill>
                 <a:srgbClr val="000000"/>
               </a:solidFill>
@@ -1556,8 +1756,8 @@
         </p:blipFill>
         <p:spPr>
           <a:xfrm>
-            <a:off x="1420200" y="1066320"/>
-            <a:ext cx="6302520" cy="5028840"/>
+            <a:off x="2077920" y="1604520"/>
+            <a:ext cx="4987440" cy="3977280"/>
           </a:xfrm>
           <a:prstGeom prst="rect">
             <a:avLst/>
@@ -1579,8 +1779,8 @@
         </p:blipFill>
         <p:spPr>
           <a:xfrm>
-            <a:off x="1420200" y="1066320"/>
-            <a:ext cx="6302520" cy="5028840"/>
+            <a:off x="2077920" y="1604520"/>
+            <a:ext cx="4987440" cy="3977280"/>
           </a:xfrm>
           <a:prstGeom prst="rect">
             <a:avLst/>
@@ -1642,7 +1842,7 @@
       </p:grpSpPr>
       <p:sp>
         <p:nvSpPr>
-          <p:cNvPr id="58" name="PlaceHolder 1"/>
+          <p:cNvPr id="57" name="PlaceHolder 1"/>
           <p:cNvSpPr>
             <a:spLocks noGrp="1"/>
           </p:cNvSpPr>
@@ -1652,8 +1852,8 @@
         </p:nvSpPr>
         <p:spPr>
           <a:xfrm>
-            <a:off x="685800" y="304920"/>
-            <a:ext cx="7772040" cy="609120"/>
+            <a:off x="457200" y="273600"/>
+            <a:ext cx="8229240" cy="1144800"/>
           </a:xfrm>
           <a:prstGeom prst="rect">
             <a:avLst/>
@@ -1663,23 +1863,24 @@
           <a:bodyPr lIns="0" tIns="0" rIns="0" bIns="0" anchor="ctr"/>
           <a:lstStyle/>
           <a:p>
-            <a:endParaRPr lang="de-DE" sz="1400" b="0" strike="noStrike" spc="-1">
-              <a:solidFill>
-                <a:srgbClr val="000000"/>
-              </a:solidFill>
-              <a:uFill>
-                <a:solidFill>
-                  <a:srgbClr val="FFFFFF"/>
-                </a:solidFill>
-              </a:uFill>
-              <a:latin typeface="Arial"/>
-            </a:endParaRPr>
-          </a:p>
-        </p:txBody>
-      </p:sp>
-      <p:sp>
-        <p:nvSpPr>
-          <p:cNvPr id="59" name="PlaceHolder 2"/>
+            <a:pPr algn="ctr"/>
+            <a:endParaRPr lang="de-DE" sz="4400" b="0" strike="noStrike" spc="-1">
+              <a:solidFill>
+                <a:srgbClr val="000000"/>
+              </a:solidFill>
+              <a:uFill>
+                <a:solidFill>
+                  <a:srgbClr val="FFFFFF"/>
+                </a:solidFill>
+              </a:uFill>
+              <a:latin typeface="Arial"/>
+            </a:endParaRPr>
+          </a:p>
+        </p:txBody>
+      </p:sp>
+      <p:sp>
+        <p:nvSpPr>
+          <p:cNvPr id="58" name="PlaceHolder 2"/>
           <p:cNvSpPr>
             <a:spLocks noGrp="1"/>
           </p:cNvSpPr>
@@ -1689,8 +1890,8 @@
         </p:nvSpPr>
         <p:spPr>
           <a:xfrm>
-            <a:off x="685800" y="1066680"/>
-            <a:ext cx="7772040" cy="5028840"/>
+            <a:off x="457200" y="1604520"/>
+            <a:ext cx="8229240" cy="3977280"/>
           </a:xfrm>
           <a:prstGeom prst="rect">
             <a:avLst/>
@@ -1742,7 +1943,7 @@
       </p:grpSpPr>
       <p:sp>
         <p:nvSpPr>
-          <p:cNvPr id="60" name="PlaceHolder 1"/>
+          <p:cNvPr id="59" name="PlaceHolder 1"/>
           <p:cNvSpPr>
             <a:spLocks noGrp="1"/>
           </p:cNvSpPr>
@@ -1752,8 +1953,8 @@
         </p:nvSpPr>
         <p:spPr>
           <a:xfrm>
-            <a:off x="685800" y="304920"/>
-            <a:ext cx="7772040" cy="609120"/>
+            <a:off x="457200" y="273600"/>
+            <a:ext cx="8229240" cy="1144800"/>
           </a:xfrm>
           <a:prstGeom prst="rect">
             <a:avLst/>
@@ -1763,23 +1964,24 @@
           <a:bodyPr lIns="0" tIns="0" rIns="0" bIns="0" anchor="ctr"/>
           <a:lstStyle/>
           <a:p>
-            <a:endParaRPr lang="de-DE" sz="1400" b="0" strike="noStrike" spc="-1">
-              <a:solidFill>
-                <a:srgbClr val="000000"/>
-              </a:solidFill>
-              <a:uFill>
-                <a:solidFill>
-                  <a:srgbClr val="FFFFFF"/>
-                </a:solidFill>
-              </a:uFill>
-              <a:latin typeface="Arial"/>
-            </a:endParaRPr>
-          </a:p>
-        </p:txBody>
-      </p:sp>
-      <p:sp>
-        <p:nvSpPr>
-          <p:cNvPr id="61" name="PlaceHolder 2"/>
+            <a:pPr algn="ctr"/>
+            <a:endParaRPr lang="de-DE" sz="4400" b="0" strike="noStrike" spc="-1">
+              <a:solidFill>
+                <a:srgbClr val="000000"/>
+              </a:solidFill>
+              <a:uFill>
+                <a:solidFill>
+                  <a:srgbClr val="FFFFFF"/>
+                </a:solidFill>
+              </a:uFill>
+              <a:latin typeface="Arial"/>
+            </a:endParaRPr>
+          </a:p>
+        </p:txBody>
+      </p:sp>
+      <p:sp>
+        <p:nvSpPr>
+          <p:cNvPr id="60" name="PlaceHolder 2"/>
           <p:cNvSpPr>
             <a:spLocks noGrp="1"/>
           </p:cNvSpPr>
@@ -1789,8 +1991,8 @@
         </p:nvSpPr>
         <p:spPr>
           <a:xfrm>
-            <a:off x="685800" y="1066680"/>
-            <a:ext cx="7772040" cy="5028840"/>
+            <a:off x="457200" y="1604520"/>
+            <a:ext cx="8229240" cy="3977280"/>
           </a:xfrm>
           <a:prstGeom prst="rect">
             <a:avLst/>
@@ -1800,7 +2002,7 @@
           <a:bodyPr lIns="0" tIns="0" rIns="0" bIns="0"/>
           <a:lstStyle/>
           <a:p>
-            <a:endParaRPr lang="de-DE" sz="1400" b="0" strike="noStrike" spc="-1">
+            <a:endParaRPr lang="de-DE" sz="3200" b="0" strike="noStrike" spc="-1">
               <a:solidFill>
                 <a:srgbClr val="000000"/>
               </a:solidFill>
@@ -1841,7 +2043,7 @@
       </p:grpSpPr>
       <p:sp>
         <p:nvSpPr>
-          <p:cNvPr id="62" name="PlaceHolder 1"/>
+          <p:cNvPr id="61" name="PlaceHolder 1"/>
           <p:cNvSpPr>
             <a:spLocks noGrp="1"/>
           </p:cNvSpPr>
@@ -1851,8 +2053,8 @@
         </p:nvSpPr>
         <p:spPr>
           <a:xfrm>
-            <a:off x="685800" y="304920"/>
-            <a:ext cx="7772040" cy="609120"/>
+            <a:off x="457200" y="273600"/>
+            <a:ext cx="8229240" cy="1144800"/>
           </a:xfrm>
           <a:prstGeom prst="rect">
             <a:avLst/>
@@ -1862,23 +2064,24 @@
           <a:bodyPr lIns="0" tIns="0" rIns="0" bIns="0" anchor="ctr"/>
           <a:lstStyle/>
           <a:p>
-            <a:endParaRPr lang="de-DE" sz="1400" b="0" strike="noStrike" spc="-1">
-              <a:solidFill>
-                <a:srgbClr val="000000"/>
-              </a:solidFill>
-              <a:uFill>
-                <a:solidFill>
-                  <a:srgbClr val="FFFFFF"/>
-                </a:solidFill>
-              </a:uFill>
-              <a:latin typeface="Arial"/>
-            </a:endParaRPr>
-          </a:p>
-        </p:txBody>
-      </p:sp>
-      <p:sp>
-        <p:nvSpPr>
-          <p:cNvPr id="63" name="PlaceHolder 2"/>
+            <a:pPr algn="ctr"/>
+            <a:endParaRPr lang="de-DE" sz="4400" b="0" strike="noStrike" spc="-1">
+              <a:solidFill>
+                <a:srgbClr val="000000"/>
+              </a:solidFill>
+              <a:uFill>
+                <a:solidFill>
+                  <a:srgbClr val="FFFFFF"/>
+                </a:solidFill>
+              </a:uFill>
+              <a:latin typeface="Arial"/>
+            </a:endParaRPr>
+          </a:p>
+        </p:txBody>
+      </p:sp>
+      <p:sp>
+        <p:nvSpPr>
+          <p:cNvPr id="62" name="PlaceHolder 2"/>
           <p:cNvSpPr>
             <a:spLocks noGrp="1"/>
           </p:cNvSpPr>
@@ -1888,8 +2091,8 @@
         </p:nvSpPr>
         <p:spPr>
           <a:xfrm>
-            <a:off x="685800" y="1066680"/>
-            <a:ext cx="3792600" cy="5028840"/>
+            <a:off x="457200" y="1604520"/>
+            <a:ext cx="4015800" cy="3977280"/>
           </a:xfrm>
           <a:prstGeom prst="rect">
             <a:avLst/>
@@ -1899,23 +2102,23 @@
           <a:bodyPr lIns="0" tIns="0" rIns="0" bIns="0"/>
           <a:lstStyle/>
           <a:p>
-            <a:endParaRPr lang="de-DE" sz="1400" b="0" strike="noStrike" spc="-1">
-              <a:solidFill>
-                <a:srgbClr val="000000"/>
-              </a:solidFill>
-              <a:uFill>
-                <a:solidFill>
-                  <a:srgbClr val="FFFFFF"/>
-                </a:solidFill>
-              </a:uFill>
-              <a:latin typeface="Arial"/>
-            </a:endParaRPr>
-          </a:p>
-        </p:txBody>
-      </p:sp>
-      <p:sp>
-        <p:nvSpPr>
-          <p:cNvPr id="64" name="PlaceHolder 3"/>
+            <a:endParaRPr lang="de-DE" sz="3200" b="0" strike="noStrike" spc="-1">
+              <a:solidFill>
+                <a:srgbClr val="000000"/>
+              </a:solidFill>
+              <a:uFill>
+                <a:solidFill>
+                  <a:srgbClr val="FFFFFF"/>
+                </a:solidFill>
+              </a:uFill>
+              <a:latin typeface="Arial"/>
+            </a:endParaRPr>
+          </a:p>
+        </p:txBody>
+      </p:sp>
+      <p:sp>
+        <p:nvSpPr>
+          <p:cNvPr id="63" name="PlaceHolder 3"/>
           <p:cNvSpPr>
             <a:spLocks noGrp="1"/>
           </p:cNvSpPr>
@@ -1925,8 +2128,8 @@
         </p:nvSpPr>
         <p:spPr>
           <a:xfrm>
-            <a:off x="4668480" y="1066680"/>
-            <a:ext cx="3792600" cy="5028840"/>
+            <a:off x="4674240" y="1604520"/>
+            <a:ext cx="4015800" cy="3977280"/>
           </a:xfrm>
           <a:prstGeom prst="rect">
             <a:avLst/>
@@ -1936,7 +2139,7 @@
           <a:bodyPr lIns="0" tIns="0" rIns="0" bIns="0"/>
           <a:lstStyle/>
           <a:p>
-            <a:endParaRPr lang="de-DE" sz="1400" b="0" strike="noStrike" spc="-1">
+            <a:endParaRPr lang="de-DE" sz="3200" b="0" strike="noStrike" spc="-1">
               <a:solidFill>
                 <a:srgbClr val="000000"/>
               </a:solidFill>
@@ -1977,7 +2180,7 @@
       </p:grpSpPr>
       <p:sp>
         <p:nvSpPr>
-          <p:cNvPr id="65" name="PlaceHolder 1"/>
+          <p:cNvPr id="64" name="PlaceHolder 1"/>
           <p:cNvSpPr>
             <a:spLocks noGrp="1"/>
           </p:cNvSpPr>
@@ -1987,8 +2190,8 @@
         </p:nvSpPr>
         <p:spPr>
           <a:xfrm>
-            <a:off x="685800" y="304920"/>
-            <a:ext cx="7772040" cy="609120"/>
+            <a:off x="457200" y="273600"/>
+            <a:ext cx="8229240" cy="1144800"/>
           </a:xfrm>
           <a:prstGeom prst="rect">
             <a:avLst/>
@@ -1998,7 +2201,8 @@
           <a:bodyPr lIns="0" tIns="0" rIns="0" bIns="0" anchor="ctr"/>
           <a:lstStyle/>
           <a:p>
-            <a:endParaRPr lang="de-DE" sz="1400" b="0" strike="noStrike" spc="-1">
+            <a:pPr algn="ctr"/>
+            <a:endParaRPr lang="de-DE" sz="4400" b="0" strike="noStrike" spc="-1">
               <a:solidFill>
                 <a:srgbClr val="000000"/>
               </a:solidFill>
@@ -2039,7 +2243,7 @@
       </p:grpSpPr>
       <p:sp>
         <p:nvSpPr>
-          <p:cNvPr id="66" name="PlaceHolder 1"/>
+          <p:cNvPr id="65" name="PlaceHolder 1"/>
           <p:cNvSpPr>
             <a:spLocks noGrp="1"/>
           </p:cNvSpPr>
@@ -2049,8 +2253,8 @@
         </p:nvSpPr>
         <p:spPr>
           <a:xfrm>
-            <a:off x="685800" y="304920"/>
-            <a:ext cx="7772040" cy="2824920"/>
+            <a:off x="457200" y="273600"/>
+            <a:ext cx="8229240" cy="5307840"/>
           </a:xfrm>
           <a:prstGeom prst="rect">
             <a:avLst/>
@@ -2102,7 +2306,7 @@
       </p:grpSpPr>
       <p:sp>
         <p:nvSpPr>
-          <p:cNvPr id="67" name="PlaceHolder 1"/>
+          <p:cNvPr id="66" name="PlaceHolder 1"/>
           <p:cNvSpPr>
             <a:spLocks noGrp="1"/>
           </p:cNvSpPr>
@@ -2112,8 +2316,8 @@
         </p:nvSpPr>
         <p:spPr>
           <a:xfrm>
-            <a:off x="685800" y="304920"/>
-            <a:ext cx="7772040" cy="609120"/>
+            <a:off x="457200" y="273600"/>
+            <a:ext cx="8229240" cy="1144800"/>
           </a:xfrm>
           <a:prstGeom prst="rect">
             <a:avLst/>
@@ -2123,23 +2327,24 @@
           <a:bodyPr lIns="0" tIns="0" rIns="0" bIns="0" anchor="ctr"/>
           <a:lstStyle/>
           <a:p>
-            <a:endParaRPr lang="de-DE" sz="1400" b="0" strike="noStrike" spc="-1">
-              <a:solidFill>
-                <a:srgbClr val="000000"/>
-              </a:solidFill>
-              <a:uFill>
-                <a:solidFill>
-                  <a:srgbClr val="FFFFFF"/>
-                </a:solidFill>
-              </a:uFill>
-              <a:latin typeface="Arial"/>
-            </a:endParaRPr>
-          </a:p>
-        </p:txBody>
-      </p:sp>
-      <p:sp>
-        <p:nvSpPr>
-          <p:cNvPr id="68" name="PlaceHolder 2"/>
+            <a:pPr algn="ctr"/>
+            <a:endParaRPr lang="de-DE" sz="4400" b="0" strike="noStrike" spc="-1">
+              <a:solidFill>
+                <a:srgbClr val="000000"/>
+              </a:solidFill>
+              <a:uFill>
+                <a:solidFill>
+                  <a:srgbClr val="FFFFFF"/>
+                </a:solidFill>
+              </a:uFill>
+              <a:latin typeface="Arial"/>
+            </a:endParaRPr>
+          </a:p>
+        </p:txBody>
+      </p:sp>
+      <p:sp>
+        <p:nvSpPr>
+          <p:cNvPr id="67" name="PlaceHolder 2"/>
           <p:cNvSpPr>
             <a:spLocks noGrp="1"/>
           </p:cNvSpPr>
@@ -2149,8 +2354,8 @@
         </p:nvSpPr>
         <p:spPr>
           <a:xfrm>
-            <a:off x="685800" y="1066680"/>
-            <a:ext cx="3792600" cy="2398680"/>
+            <a:off x="457200" y="1604520"/>
+            <a:ext cx="4015800" cy="1896840"/>
           </a:xfrm>
           <a:prstGeom prst="rect">
             <a:avLst/>
@@ -2160,23 +2365,23 @@
           <a:bodyPr lIns="0" tIns="0" rIns="0" bIns="0"/>
           <a:lstStyle/>
           <a:p>
-            <a:endParaRPr lang="de-DE" sz="1400" b="0" strike="noStrike" spc="-1">
-              <a:solidFill>
-                <a:srgbClr val="000000"/>
-              </a:solidFill>
-              <a:uFill>
-                <a:solidFill>
-                  <a:srgbClr val="FFFFFF"/>
-                </a:solidFill>
-              </a:uFill>
-              <a:latin typeface="Arial"/>
-            </a:endParaRPr>
-          </a:p>
-        </p:txBody>
-      </p:sp>
-      <p:sp>
-        <p:nvSpPr>
-          <p:cNvPr id="69" name="PlaceHolder 3"/>
+            <a:endParaRPr lang="de-DE" sz="3200" b="0" strike="noStrike" spc="-1">
+              <a:solidFill>
+                <a:srgbClr val="000000"/>
+              </a:solidFill>
+              <a:uFill>
+                <a:solidFill>
+                  <a:srgbClr val="FFFFFF"/>
+                </a:solidFill>
+              </a:uFill>
+              <a:latin typeface="Arial"/>
+            </a:endParaRPr>
+          </a:p>
+        </p:txBody>
+      </p:sp>
+      <p:sp>
+        <p:nvSpPr>
+          <p:cNvPr id="68" name="PlaceHolder 3"/>
           <p:cNvSpPr>
             <a:spLocks noGrp="1"/>
           </p:cNvSpPr>
@@ -2186,8 +2391,8 @@
         </p:nvSpPr>
         <p:spPr>
           <a:xfrm>
-            <a:off x="685800" y="3693600"/>
-            <a:ext cx="3792600" cy="2398680"/>
+            <a:off x="457200" y="3682080"/>
+            <a:ext cx="4015800" cy="1896840"/>
           </a:xfrm>
           <a:prstGeom prst="rect">
             <a:avLst/>
@@ -2197,23 +2402,23 @@
           <a:bodyPr lIns="0" tIns="0" rIns="0" bIns="0"/>
           <a:lstStyle/>
           <a:p>
-            <a:endParaRPr lang="de-DE" sz="1400" b="0" strike="noStrike" spc="-1">
-              <a:solidFill>
-                <a:srgbClr val="000000"/>
-              </a:solidFill>
-              <a:uFill>
-                <a:solidFill>
-                  <a:srgbClr val="FFFFFF"/>
-                </a:solidFill>
-              </a:uFill>
-              <a:latin typeface="Arial"/>
-            </a:endParaRPr>
-          </a:p>
-        </p:txBody>
-      </p:sp>
-      <p:sp>
-        <p:nvSpPr>
-          <p:cNvPr id="70" name="PlaceHolder 4"/>
+            <a:endParaRPr lang="de-DE" sz="3200" b="0" strike="noStrike" spc="-1">
+              <a:solidFill>
+                <a:srgbClr val="000000"/>
+              </a:solidFill>
+              <a:uFill>
+                <a:solidFill>
+                  <a:srgbClr val="FFFFFF"/>
+                </a:solidFill>
+              </a:uFill>
+              <a:latin typeface="Arial"/>
+            </a:endParaRPr>
+          </a:p>
+        </p:txBody>
+      </p:sp>
+      <p:sp>
+        <p:nvSpPr>
+          <p:cNvPr id="69" name="PlaceHolder 4"/>
           <p:cNvSpPr>
             <a:spLocks noGrp="1"/>
           </p:cNvSpPr>
@@ -2223,8 +2428,8 @@
         </p:nvSpPr>
         <p:spPr>
           <a:xfrm>
-            <a:off x="4668480" y="1066680"/>
-            <a:ext cx="3792600" cy="5028840"/>
+            <a:off x="4674240" y="1604520"/>
+            <a:ext cx="4015800" cy="3977280"/>
           </a:xfrm>
           <a:prstGeom prst="rect">
             <a:avLst/>
@@ -2234,7 +2439,7 @@
           <a:bodyPr lIns="0" tIns="0" rIns="0" bIns="0"/>
           <a:lstStyle/>
           <a:p>
-            <a:endParaRPr lang="de-DE" sz="1400" b="0" strike="noStrike" spc="-1">
+            <a:endParaRPr lang="de-DE" sz="3200" b="0" strike="noStrike" spc="-1">
               <a:solidFill>
                 <a:srgbClr val="000000"/>
               </a:solidFill>
@@ -2285,8 +2490,8 @@
         </p:nvSpPr>
         <p:spPr>
           <a:xfrm>
-            <a:off x="685800" y="304920"/>
-            <a:ext cx="7772040" cy="609120"/>
+            <a:off x="457200" y="273600"/>
+            <a:ext cx="8229240" cy="1144800"/>
           </a:xfrm>
           <a:prstGeom prst="rect">
             <a:avLst/>
@@ -2296,7 +2501,8 @@
           <a:bodyPr lIns="0" tIns="0" rIns="0" bIns="0" anchor="ctr"/>
           <a:lstStyle/>
           <a:p>
-            <a:endParaRPr lang="de-DE" sz="1400" b="0" strike="noStrike" spc="-1">
+            <a:pPr algn="ctr"/>
+            <a:endParaRPr lang="de-DE" sz="4400" b="0" strike="noStrike" spc="-1">
               <a:solidFill>
                 <a:srgbClr val="000000"/>
               </a:solidFill>
@@ -2322,8 +2528,8 @@
         </p:nvSpPr>
         <p:spPr>
           <a:xfrm>
-            <a:off x="685800" y="1066680"/>
-            <a:ext cx="7772040" cy="5028840"/>
+            <a:off x="457200" y="1604520"/>
+            <a:ext cx="8229240" cy="3977280"/>
           </a:xfrm>
           <a:prstGeom prst="rect">
             <a:avLst/>
@@ -2375,7 +2581,7 @@
       </p:grpSpPr>
       <p:sp>
         <p:nvSpPr>
-          <p:cNvPr id="71" name="PlaceHolder 1"/>
+          <p:cNvPr id="70" name="PlaceHolder 1"/>
           <p:cNvSpPr>
             <a:spLocks noGrp="1"/>
           </p:cNvSpPr>
@@ -2385,8 +2591,8 @@
         </p:nvSpPr>
         <p:spPr>
           <a:xfrm>
-            <a:off x="685800" y="304920"/>
-            <a:ext cx="7772040" cy="609120"/>
+            <a:off x="457200" y="273600"/>
+            <a:ext cx="8229240" cy="1144800"/>
           </a:xfrm>
           <a:prstGeom prst="rect">
             <a:avLst/>
@@ -2396,23 +2602,24 @@
           <a:bodyPr lIns="0" tIns="0" rIns="0" bIns="0" anchor="ctr"/>
           <a:lstStyle/>
           <a:p>
-            <a:endParaRPr lang="de-DE" sz="1400" b="0" strike="noStrike" spc="-1">
-              <a:solidFill>
-                <a:srgbClr val="000000"/>
-              </a:solidFill>
-              <a:uFill>
-                <a:solidFill>
-                  <a:srgbClr val="FFFFFF"/>
-                </a:solidFill>
-              </a:uFill>
-              <a:latin typeface="Arial"/>
-            </a:endParaRPr>
-          </a:p>
-        </p:txBody>
-      </p:sp>
-      <p:sp>
-        <p:nvSpPr>
-          <p:cNvPr id="72" name="PlaceHolder 2"/>
+            <a:pPr algn="ctr"/>
+            <a:endParaRPr lang="de-DE" sz="4400" b="0" strike="noStrike" spc="-1">
+              <a:solidFill>
+                <a:srgbClr val="000000"/>
+              </a:solidFill>
+              <a:uFill>
+                <a:solidFill>
+                  <a:srgbClr val="FFFFFF"/>
+                </a:solidFill>
+              </a:uFill>
+              <a:latin typeface="Arial"/>
+            </a:endParaRPr>
+          </a:p>
+        </p:txBody>
+      </p:sp>
+      <p:sp>
+        <p:nvSpPr>
+          <p:cNvPr id="71" name="PlaceHolder 2"/>
           <p:cNvSpPr>
             <a:spLocks noGrp="1"/>
           </p:cNvSpPr>
@@ -2422,8 +2629,8 @@
         </p:nvSpPr>
         <p:spPr>
           <a:xfrm>
-            <a:off x="685800" y="1066680"/>
-            <a:ext cx="3792600" cy="5028840"/>
+            <a:off x="457200" y="1604520"/>
+            <a:ext cx="4015800" cy="3977280"/>
           </a:xfrm>
           <a:prstGeom prst="rect">
             <a:avLst/>
@@ -2433,23 +2640,23 @@
           <a:bodyPr lIns="0" tIns="0" rIns="0" bIns="0"/>
           <a:lstStyle/>
           <a:p>
-            <a:endParaRPr lang="de-DE" sz="1400" b="0" strike="noStrike" spc="-1">
-              <a:solidFill>
-                <a:srgbClr val="000000"/>
-              </a:solidFill>
-              <a:uFill>
-                <a:solidFill>
-                  <a:srgbClr val="FFFFFF"/>
-                </a:solidFill>
-              </a:uFill>
-              <a:latin typeface="Arial"/>
-            </a:endParaRPr>
-          </a:p>
-        </p:txBody>
-      </p:sp>
-      <p:sp>
-        <p:nvSpPr>
-          <p:cNvPr id="73" name="PlaceHolder 3"/>
+            <a:endParaRPr lang="de-DE" sz="3200" b="0" strike="noStrike" spc="-1">
+              <a:solidFill>
+                <a:srgbClr val="000000"/>
+              </a:solidFill>
+              <a:uFill>
+                <a:solidFill>
+                  <a:srgbClr val="FFFFFF"/>
+                </a:solidFill>
+              </a:uFill>
+              <a:latin typeface="Arial"/>
+            </a:endParaRPr>
+          </a:p>
+        </p:txBody>
+      </p:sp>
+      <p:sp>
+        <p:nvSpPr>
+          <p:cNvPr id="72" name="PlaceHolder 3"/>
           <p:cNvSpPr>
             <a:spLocks noGrp="1"/>
           </p:cNvSpPr>
@@ -2459,8 +2666,8 @@
         </p:nvSpPr>
         <p:spPr>
           <a:xfrm>
-            <a:off x="4668480" y="1066680"/>
-            <a:ext cx="3792600" cy="2398680"/>
+            <a:off x="4674240" y="1604520"/>
+            <a:ext cx="4015800" cy="1896840"/>
           </a:xfrm>
           <a:prstGeom prst="rect">
             <a:avLst/>
@@ -2470,23 +2677,23 @@
           <a:bodyPr lIns="0" tIns="0" rIns="0" bIns="0"/>
           <a:lstStyle/>
           <a:p>
-            <a:endParaRPr lang="de-DE" sz="1400" b="0" strike="noStrike" spc="-1">
-              <a:solidFill>
-                <a:srgbClr val="000000"/>
-              </a:solidFill>
-              <a:uFill>
-                <a:solidFill>
-                  <a:srgbClr val="FFFFFF"/>
-                </a:solidFill>
-              </a:uFill>
-              <a:latin typeface="Arial"/>
-            </a:endParaRPr>
-          </a:p>
-        </p:txBody>
-      </p:sp>
-      <p:sp>
-        <p:nvSpPr>
-          <p:cNvPr id="74" name="PlaceHolder 4"/>
+            <a:endParaRPr lang="de-DE" sz="3200" b="0" strike="noStrike" spc="-1">
+              <a:solidFill>
+                <a:srgbClr val="000000"/>
+              </a:solidFill>
+              <a:uFill>
+                <a:solidFill>
+                  <a:srgbClr val="FFFFFF"/>
+                </a:solidFill>
+              </a:uFill>
+              <a:latin typeface="Arial"/>
+            </a:endParaRPr>
+          </a:p>
+        </p:txBody>
+      </p:sp>
+      <p:sp>
+        <p:nvSpPr>
+          <p:cNvPr id="73" name="PlaceHolder 4"/>
           <p:cNvSpPr>
             <a:spLocks noGrp="1"/>
           </p:cNvSpPr>
@@ -2496,8 +2703,8 @@
         </p:nvSpPr>
         <p:spPr>
           <a:xfrm>
-            <a:off x="4668480" y="3693600"/>
-            <a:ext cx="3792600" cy="2398680"/>
+            <a:off x="4674240" y="3682080"/>
+            <a:ext cx="4015800" cy="1896840"/>
           </a:xfrm>
           <a:prstGeom prst="rect">
             <a:avLst/>
@@ -2507,7 +2714,7 @@
           <a:bodyPr lIns="0" tIns="0" rIns="0" bIns="0"/>
           <a:lstStyle/>
           <a:p>
-            <a:endParaRPr lang="de-DE" sz="1400" b="0" strike="noStrike" spc="-1">
+            <a:endParaRPr lang="de-DE" sz="3200" b="0" strike="noStrike" spc="-1">
               <a:solidFill>
                 <a:srgbClr val="000000"/>
               </a:solidFill>
@@ -2548,7 +2755,7 @@
       </p:grpSpPr>
       <p:sp>
         <p:nvSpPr>
-          <p:cNvPr id="75" name="PlaceHolder 1"/>
+          <p:cNvPr id="74" name="PlaceHolder 1"/>
           <p:cNvSpPr>
             <a:spLocks noGrp="1"/>
           </p:cNvSpPr>
@@ -2558,8 +2765,8 @@
         </p:nvSpPr>
         <p:spPr>
           <a:xfrm>
-            <a:off x="685800" y="304920"/>
-            <a:ext cx="7772040" cy="609120"/>
+            <a:off x="457200" y="273600"/>
+            <a:ext cx="8229240" cy="1144800"/>
           </a:xfrm>
           <a:prstGeom prst="rect">
             <a:avLst/>
@@ -2569,23 +2776,24 @@
           <a:bodyPr lIns="0" tIns="0" rIns="0" bIns="0" anchor="ctr"/>
           <a:lstStyle/>
           <a:p>
-            <a:endParaRPr lang="de-DE" sz="1400" b="0" strike="noStrike" spc="-1">
-              <a:solidFill>
-                <a:srgbClr val="000000"/>
-              </a:solidFill>
-              <a:uFill>
-                <a:solidFill>
-                  <a:srgbClr val="FFFFFF"/>
-                </a:solidFill>
-              </a:uFill>
-              <a:latin typeface="Arial"/>
-            </a:endParaRPr>
-          </a:p>
-        </p:txBody>
-      </p:sp>
-      <p:sp>
-        <p:nvSpPr>
-          <p:cNvPr id="76" name="PlaceHolder 2"/>
+            <a:pPr algn="ctr"/>
+            <a:endParaRPr lang="de-DE" sz="4400" b="0" strike="noStrike" spc="-1">
+              <a:solidFill>
+                <a:srgbClr val="000000"/>
+              </a:solidFill>
+              <a:uFill>
+                <a:solidFill>
+                  <a:srgbClr val="FFFFFF"/>
+                </a:solidFill>
+              </a:uFill>
+              <a:latin typeface="Arial"/>
+            </a:endParaRPr>
+          </a:p>
+        </p:txBody>
+      </p:sp>
+      <p:sp>
+        <p:nvSpPr>
+          <p:cNvPr id="75" name="PlaceHolder 2"/>
           <p:cNvSpPr>
             <a:spLocks noGrp="1"/>
           </p:cNvSpPr>
@@ -2595,8 +2803,8 @@
         </p:nvSpPr>
         <p:spPr>
           <a:xfrm>
-            <a:off x="685800" y="1066680"/>
-            <a:ext cx="3792600" cy="2398680"/>
+            <a:off x="457200" y="1604520"/>
+            <a:ext cx="4015800" cy="1896840"/>
           </a:xfrm>
           <a:prstGeom prst="rect">
             <a:avLst/>
@@ -2606,23 +2814,23 @@
           <a:bodyPr lIns="0" tIns="0" rIns="0" bIns="0"/>
           <a:lstStyle/>
           <a:p>
-            <a:endParaRPr lang="de-DE" sz="1400" b="0" strike="noStrike" spc="-1">
-              <a:solidFill>
-                <a:srgbClr val="000000"/>
-              </a:solidFill>
-              <a:uFill>
-                <a:solidFill>
-                  <a:srgbClr val="FFFFFF"/>
-                </a:solidFill>
-              </a:uFill>
-              <a:latin typeface="Arial"/>
-            </a:endParaRPr>
-          </a:p>
-        </p:txBody>
-      </p:sp>
-      <p:sp>
-        <p:nvSpPr>
-          <p:cNvPr id="77" name="PlaceHolder 3"/>
+            <a:endParaRPr lang="de-DE" sz="3200" b="0" strike="noStrike" spc="-1">
+              <a:solidFill>
+                <a:srgbClr val="000000"/>
+              </a:solidFill>
+              <a:uFill>
+                <a:solidFill>
+                  <a:srgbClr val="FFFFFF"/>
+                </a:solidFill>
+              </a:uFill>
+              <a:latin typeface="Arial"/>
+            </a:endParaRPr>
+          </a:p>
+        </p:txBody>
+      </p:sp>
+      <p:sp>
+        <p:nvSpPr>
+          <p:cNvPr id="76" name="PlaceHolder 3"/>
           <p:cNvSpPr>
             <a:spLocks noGrp="1"/>
           </p:cNvSpPr>
@@ -2632,8 +2840,8 @@
         </p:nvSpPr>
         <p:spPr>
           <a:xfrm>
-            <a:off x="4668480" y="1066680"/>
-            <a:ext cx="3792600" cy="2398680"/>
+            <a:off x="4674240" y="1604520"/>
+            <a:ext cx="4015800" cy="1896840"/>
           </a:xfrm>
           <a:prstGeom prst="rect">
             <a:avLst/>
@@ -2643,23 +2851,23 @@
           <a:bodyPr lIns="0" tIns="0" rIns="0" bIns="0"/>
           <a:lstStyle/>
           <a:p>
-            <a:endParaRPr lang="de-DE" sz="1400" b="0" strike="noStrike" spc="-1">
-              <a:solidFill>
-                <a:srgbClr val="000000"/>
-              </a:solidFill>
-              <a:uFill>
-                <a:solidFill>
-                  <a:srgbClr val="FFFFFF"/>
-                </a:solidFill>
-              </a:uFill>
-              <a:latin typeface="Arial"/>
-            </a:endParaRPr>
-          </a:p>
-        </p:txBody>
-      </p:sp>
-      <p:sp>
-        <p:nvSpPr>
-          <p:cNvPr id="78" name="PlaceHolder 4"/>
+            <a:endParaRPr lang="de-DE" sz="3200" b="0" strike="noStrike" spc="-1">
+              <a:solidFill>
+                <a:srgbClr val="000000"/>
+              </a:solidFill>
+              <a:uFill>
+                <a:solidFill>
+                  <a:srgbClr val="FFFFFF"/>
+                </a:solidFill>
+              </a:uFill>
+              <a:latin typeface="Arial"/>
+            </a:endParaRPr>
+          </a:p>
+        </p:txBody>
+      </p:sp>
+      <p:sp>
+        <p:nvSpPr>
+          <p:cNvPr id="77" name="PlaceHolder 4"/>
           <p:cNvSpPr>
             <a:spLocks noGrp="1"/>
           </p:cNvSpPr>
@@ -2669,8 +2877,8 @@
         </p:nvSpPr>
         <p:spPr>
           <a:xfrm>
-            <a:off x="685800" y="3693600"/>
-            <a:ext cx="7772040" cy="2398680"/>
+            <a:off x="457200" y="3682080"/>
+            <a:ext cx="8229240" cy="1896840"/>
           </a:xfrm>
           <a:prstGeom prst="rect">
             <a:avLst/>
@@ -2680,7 +2888,7 @@
           <a:bodyPr lIns="0" tIns="0" rIns="0" bIns="0"/>
           <a:lstStyle/>
           <a:p>
-            <a:endParaRPr lang="de-DE" sz="1400" b="0" strike="noStrike" spc="-1">
+            <a:endParaRPr lang="de-DE" sz="3200" b="0" strike="noStrike" spc="-1">
               <a:solidFill>
                 <a:srgbClr val="000000"/>
               </a:solidFill>
@@ -2721,7 +2929,7 @@
       </p:grpSpPr>
       <p:sp>
         <p:nvSpPr>
-          <p:cNvPr id="79" name="PlaceHolder 1"/>
+          <p:cNvPr id="78" name="PlaceHolder 1"/>
           <p:cNvSpPr>
             <a:spLocks noGrp="1"/>
           </p:cNvSpPr>
@@ -2731,8 +2939,8 @@
         </p:nvSpPr>
         <p:spPr>
           <a:xfrm>
-            <a:off x="685800" y="304920"/>
-            <a:ext cx="7772040" cy="609120"/>
+            <a:off x="457200" y="273600"/>
+            <a:ext cx="8229240" cy="1144800"/>
           </a:xfrm>
           <a:prstGeom prst="rect">
             <a:avLst/>
@@ -2742,23 +2950,24 @@
           <a:bodyPr lIns="0" tIns="0" rIns="0" bIns="0" anchor="ctr"/>
           <a:lstStyle/>
           <a:p>
-            <a:endParaRPr lang="de-DE" sz="1400" b="0" strike="noStrike" spc="-1">
-              <a:solidFill>
-                <a:srgbClr val="000000"/>
-              </a:solidFill>
-              <a:uFill>
-                <a:solidFill>
-                  <a:srgbClr val="FFFFFF"/>
-                </a:solidFill>
-              </a:uFill>
-              <a:latin typeface="Arial"/>
-            </a:endParaRPr>
-          </a:p>
-        </p:txBody>
-      </p:sp>
-      <p:sp>
-        <p:nvSpPr>
-          <p:cNvPr id="80" name="PlaceHolder 2"/>
+            <a:pPr algn="ctr"/>
+            <a:endParaRPr lang="de-DE" sz="4400" b="0" strike="noStrike" spc="-1">
+              <a:solidFill>
+                <a:srgbClr val="000000"/>
+              </a:solidFill>
+              <a:uFill>
+                <a:solidFill>
+                  <a:srgbClr val="FFFFFF"/>
+                </a:solidFill>
+              </a:uFill>
+              <a:latin typeface="Arial"/>
+            </a:endParaRPr>
+          </a:p>
+        </p:txBody>
+      </p:sp>
+      <p:sp>
+        <p:nvSpPr>
+          <p:cNvPr id="79" name="PlaceHolder 2"/>
           <p:cNvSpPr>
             <a:spLocks noGrp="1"/>
           </p:cNvSpPr>
@@ -2768,8 +2977,8 @@
         </p:nvSpPr>
         <p:spPr>
           <a:xfrm>
-            <a:off x="685800" y="1066680"/>
-            <a:ext cx="7772040" cy="2398680"/>
+            <a:off x="457200" y="1604520"/>
+            <a:ext cx="8229240" cy="1896840"/>
           </a:xfrm>
           <a:prstGeom prst="rect">
             <a:avLst/>
@@ -2779,23 +2988,23 @@
           <a:bodyPr lIns="0" tIns="0" rIns="0" bIns="0"/>
           <a:lstStyle/>
           <a:p>
-            <a:endParaRPr lang="de-DE" sz="1400" b="0" strike="noStrike" spc="-1">
-              <a:solidFill>
-                <a:srgbClr val="000000"/>
-              </a:solidFill>
-              <a:uFill>
-                <a:solidFill>
-                  <a:srgbClr val="FFFFFF"/>
-                </a:solidFill>
-              </a:uFill>
-              <a:latin typeface="Arial"/>
-            </a:endParaRPr>
-          </a:p>
-        </p:txBody>
-      </p:sp>
-      <p:sp>
-        <p:nvSpPr>
-          <p:cNvPr id="81" name="PlaceHolder 3"/>
+            <a:endParaRPr lang="de-DE" sz="3200" b="0" strike="noStrike" spc="-1">
+              <a:solidFill>
+                <a:srgbClr val="000000"/>
+              </a:solidFill>
+              <a:uFill>
+                <a:solidFill>
+                  <a:srgbClr val="FFFFFF"/>
+                </a:solidFill>
+              </a:uFill>
+              <a:latin typeface="Arial"/>
+            </a:endParaRPr>
+          </a:p>
+        </p:txBody>
+      </p:sp>
+      <p:sp>
+        <p:nvSpPr>
+          <p:cNvPr id="80" name="PlaceHolder 3"/>
           <p:cNvSpPr>
             <a:spLocks noGrp="1"/>
           </p:cNvSpPr>
@@ -2805,8 +3014,8 @@
         </p:nvSpPr>
         <p:spPr>
           <a:xfrm>
-            <a:off x="685800" y="3693600"/>
-            <a:ext cx="7772040" cy="2398680"/>
+            <a:off x="457200" y="3682080"/>
+            <a:ext cx="8229240" cy="1896840"/>
           </a:xfrm>
           <a:prstGeom prst="rect">
             <a:avLst/>
@@ -2816,7 +3025,7 @@
           <a:bodyPr lIns="0" tIns="0" rIns="0" bIns="0"/>
           <a:lstStyle/>
           <a:p>
-            <a:endParaRPr lang="de-DE" sz="1400" b="0" strike="noStrike" spc="-1">
+            <a:endParaRPr lang="de-DE" sz="3200" b="0" strike="noStrike" spc="-1">
               <a:solidFill>
                 <a:srgbClr val="000000"/>
               </a:solidFill>
@@ -2857,7 +3066,7 @@
       </p:grpSpPr>
       <p:sp>
         <p:nvSpPr>
-          <p:cNvPr id="82" name="PlaceHolder 1"/>
+          <p:cNvPr id="81" name="PlaceHolder 1"/>
           <p:cNvSpPr>
             <a:spLocks noGrp="1"/>
           </p:cNvSpPr>
@@ -2867,8 +3076,8 @@
         </p:nvSpPr>
         <p:spPr>
           <a:xfrm>
-            <a:off x="685800" y="304920"/>
-            <a:ext cx="7772040" cy="609120"/>
+            <a:off x="457200" y="273600"/>
+            <a:ext cx="8229240" cy="1144800"/>
           </a:xfrm>
           <a:prstGeom prst="rect">
             <a:avLst/>
@@ -2878,23 +3087,24 @@
           <a:bodyPr lIns="0" tIns="0" rIns="0" bIns="0" anchor="ctr"/>
           <a:lstStyle/>
           <a:p>
-            <a:endParaRPr lang="de-DE" sz="1400" b="0" strike="noStrike" spc="-1">
-              <a:solidFill>
-                <a:srgbClr val="000000"/>
-              </a:solidFill>
-              <a:uFill>
-                <a:solidFill>
-                  <a:srgbClr val="FFFFFF"/>
-                </a:solidFill>
-              </a:uFill>
-              <a:latin typeface="Arial"/>
-            </a:endParaRPr>
-          </a:p>
-        </p:txBody>
-      </p:sp>
-      <p:sp>
-        <p:nvSpPr>
-          <p:cNvPr id="83" name="PlaceHolder 2"/>
+            <a:pPr algn="ctr"/>
+            <a:endParaRPr lang="de-DE" sz="4400" b="0" strike="noStrike" spc="-1">
+              <a:solidFill>
+                <a:srgbClr val="000000"/>
+              </a:solidFill>
+              <a:uFill>
+                <a:solidFill>
+                  <a:srgbClr val="FFFFFF"/>
+                </a:solidFill>
+              </a:uFill>
+              <a:latin typeface="Arial"/>
+            </a:endParaRPr>
+          </a:p>
+        </p:txBody>
+      </p:sp>
+      <p:sp>
+        <p:nvSpPr>
+          <p:cNvPr id="82" name="PlaceHolder 2"/>
           <p:cNvSpPr>
             <a:spLocks noGrp="1"/>
           </p:cNvSpPr>
@@ -2904,8 +3114,8 @@
         </p:nvSpPr>
         <p:spPr>
           <a:xfrm>
-            <a:off x="685800" y="1066680"/>
-            <a:ext cx="3792600" cy="2398680"/>
+            <a:off x="457200" y="1604520"/>
+            <a:ext cx="4015800" cy="1896840"/>
           </a:xfrm>
           <a:prstGeom prst="rect">
             <a:avLst/>
@@ -2915,23 +3125,23 @@
           <a:bodyPr lIns="0" tIns="0" rIns="0" bIns="0"/>
           <a:lstStyle/>
           <a:p>
-            <a:endParaRPr lang="de-DE" sz="1400" b="0" strike="noStrike" spc="-1">
-              <a:solidFill>
-                <a:srgbClr val="000000"/>
-              </a:solidFill>
-              <a:uFill>
-                <a:solidFill>
-                  <a:srgbClr val="FFFFFF"/>
-                </a:solidFill>
-              </a:uFill>
-              <a:latin typeface="Arial"/>
-            </a:endParaRPr>
-          </a:p>
-        </p:txBody>
-      </p:sp>
-      <p:sp>
-        <p:nvSpPr>
-          <p:cNvPr id="84" name="PlaceHolder 3"/>
+            <a:endParaRPr lang="de-DE" sz="3200" b="0" strike="noStrike" spc="-1">
+              <a:solidFill>
+                <a:srgbClr val="000000"/>
+              </a:solidFill>
+              <a:uFill>
+                <a:solidFill>
+                  <a:srgbClr val="FFFFFF"/>
+                </a:solidFill>
+              </a:uFill>
+              <a:latin typeface="Arial"/>
+            </a:endParaRPr>
+          </a:p>
+        </p:txBody>
+      </p:sp>
+      <p:sp>
+        <p:nvSpPr>
+          <p:cNvPr id="83" name="PlaceHolder 3"/>
           <p:cNvSpPr>
             <a:spLocks noGrp="1"/>
           </p:cNvSpPr>
@@ -2941,8 +3151,8 @@
         </p:nvSpPr>
         <p:spPr>
           <a:xfrm>
-            <a:off x="4668480" y="1066680"/>
-            <a:ext cx="3792600" cy="2398680"/>
+            <a:off x="4674240" y="1604520"/>
+            <a:ext cx="4015800" cy="1896840"/>
           </a:xfrm>
           <a:prstGeom prst="rect">
             <a:avLst/>
@@ -2952,23 +3162,23 @@
           <a:bodyPr lIns="0" tIns="0" rIns="0" bIns="0"/>
           <a:lstStyle/>
           <a:p>
-            <a:endParaRPr lang="de-DE" sz="1400" b="0" strike="noStrike" spc="-1">
-              <a:solidFill>
-                <a:srgbClr val="000000"/>
-              </a:solidFill>
-              <a:uFill>
-                <a:solidFill>
-                  <a:srgbClr val="FFFFFF"/>
-                </a:solidFill>
-              </a:uFill>
-              <a:latin typeface="Arial"/>
-            </a:endParaRPr>
-          </a:p>
-        </p:txBody>
-      </p:sp>
-      <p:sp>
-        <p:nvSpPr>
-          <p:cNvPr id="85" name="PlaceHolder 4"/>
+            <a:endParaRPr lang="de-DE" sz="3200" b="0" strike="noStrike" spc="-1">
+              <a:solidFill>
+                <a:srgbClr val="000000"/>
+              </a:solidFill>
+              <a:uFill>
+                <a:solidFill>
+                  <a:srgbClr val="FFFFFF"/>
+                </a:solidFill>
+              </a:uFill>
+              <a:latin typeface="Arial"/>
+            </a:endParaRPr>
+          </a:p>
+        </p:txBody>
+      </p:sp>
+      <p:sp>
+        <p:nvSpPr>
+          <p:cNvPr id="84" name="PlaceHolder 4"/>
           <p:cNvSpPr>
             <a:spLocks noGrp="1"/>
           </p:cNvSpPr>
@@ -2978,8 +3188,8 @@
         </p:nvSpPr>
         <p:spPr>
           <a:xfrm>
-            <a:off x="4668480" y="3693600"/>
-            <a:ext cx="3792600" cy="2398680"/>
+            <a:off x="4674240" y="3682080"/>
+            <a:ext cx="4015800" cy="1896840"/>
           </a:xfrm>
           <a:prstGeom prst="rect">
             <a:avLst/>
@@ -2989,23 +3199,23 @@
           <a:bodyPr lIns="0" tIns="0" rIns="0" bIns="0"/>
           <a:lstStyle/>
           <a:p>
-            <a:endParaRPr lang="de-DE" sz="1400" b="0" strike="noStrike" spc="-1">
-              <a:solidFill>
-                <a:srgbClr val="000000"/>
-              </a:solidFill>
-              <a:uFill>
-                <a:solidFill>
-                  <a:srgbClr val="FFFFFF"/>
-                </a:solidFill>
-              </a:uFill>
-              <a:latin typeface="Arial"/>
-            </a:endParaRPr>
-          </a:p>
-        </p:txBody>
-      </p:sp>
-      <p:sp>
-        <p:nvSpPr>
-          <p:cNvPr id="86" name="PlaceHolder 5"/>
+            <a:endParaRPr lang="de-DE" sz="3200" b="0" strike="noStrike" spc="-1">
+              <a:solidFill>
+                <a:srgbClr val="000000"/>
+              </a:solidFill>
+              <a:uFill>
+                <a:solidFill>
+                  <a:srgbClr val="FFFFFF"/>
+                </a:solidFill>
+              </a:uFill>
+              <a:latin typeface="Arial"/>
+            </a:endParaRPr>
+          </a:p>
+        </p:txBody>
+      </p:sp>
+      <p:sp>
+        <p:nvSpPr>
+          <p:cNvPr id="85" name="PlaceHolder 5"/>
           <p:cNvSpPr>
             <a:spLocks noGrp="1"/>
           </p:cNvSpPr>
@@ -3015,8 +3225,8 @@
         </p:nvSpPr>
         <p:spPr>
           <a:xfrm>
-            <a:off x="685800" y="3693600"/>
-            <a:ext cx="3792600" cy="2398680"/>
+            <a:off x="457200" y="3682080"/>
+            <a:ext cx="4015800" cy="1896840"/>
           </a:xfrm>
           <a:prstGeom prst="rect">
             <a:avLst/>
@@ -3026,7 +3236,7 @@
           <a:bodyPr lIns="0" tIns="0" rIns="0" bIns="0"/>
           <a:lstStyle/>
           <a:p>
-            <a:endParaRPr lang="de-DE" sz="1400" b="0" strike="noStrike" spc="-1">
+            <a:endParaRPr lang="de-DE" sz="3200" b="0" strike="noStrike" spc="-1">
               <a:solidFill>
                 <a:srgbClr val="000000"/>
               </a:solidFill>
@@ -3067,7 +3277,7 @@
       </p:grpSpPr>
       <p:sp>
         <p:nvSpPr>
-          <p:cNvPr id="87" name="PlaceHolder 1"/>
+          <p:cNvPr id="86" name="PlaceHolder 1"/>
           <p:cNvSpPr>
             <a:spLocks noGrp="1"/>
           </p:cNvSpPr>
@@ -3077,8 +3287,8 @@
         </p:nvSpPr>
         <p:spPr>
           <a:xfrm>
-            <a:off x="685800" y="304920"/>
-            <a:ext cx="7772040" cy="609120"/>
+            <a:off x="457200" y="273600"/>
+            <a:ext cx="8229240" cy="1144800"/>
           </a:xfrm>
           <a:prstGeom prst="rect">
             <a:avLst/>
@@ -3088,23 +3298,24 @@
           <a:bodyPr lIns="0" tIns="0" rIns="0" bIns="0" anchor="ctr"/>
           <a:lstStyle/>
           <a:p>
-            <a:endParaRPr lang="de-DE" sz="1400" b="0" strike="noStrike" spc="-1">
-              <a:solidFill>
-                <a:srgbClr val="000000"/>
-              </a:solidFill>
-              <a:uFill>
-                <a:solidFill>
-                  <a:srgbClr val="FFFFFF"/>
-                </a:solidFill>
-              </a:uFill>
-              <a:latin typeface="Arial"/>
-            </a:endParaRPr>
-          </a:p>
-        </p:txBody>
-      </p:sp>
-      <p:sp>
-        <p:nvSpPr>
-          <p:cNvPr id="88" name="PlaceHolder 2"/>
+            <a:pPr algn="ctr"/>
+            <a:endParaRPr lang="de-DE" sz="4400" b="0" strike="noStrike" spc="-1">
+              <a:solidFill>
+                <a:srgbClr val="000000"/>
+              </a:solidFill>
+              <a:uFill>
+                <a:solidFill>
+                  <a:srgbClr val="FFFFFF"/>
+                </a:solidFill>
+              </a:uFill>
+              <a:latin typeface="Arial"/>
+            </a:endParaRPr>
+          </a:p>
+        </p:txBody>
+      </p:sp>
+      <p:sp>
+        <p:nvSpPr>
+          <p:cNvPr id="87" name="PlaceHolder 2"/>
           <p:cNvSpPr>
             <a:spLocks noGrp="1"/>
           </p:cNvSpPr>
@@ -3114,8 +3325,8 @@
         </p:nvSpPr>
         <p:spPr>
           <a:xfrm>
-            <a:off x="685800" y="1066680"/>
-            <a:ext cx="7772040" cy="5028840"/>
+            <a:off x="457200" y="1604520"/>
+            <a:ext cx="8229240" cy="3977280"/>
           </a:xfrm>
           <a:prstGeom prst="rect">
             <a:avLst/>
@@ -3125,23 +3336,23 @@
           <a:bodyPr lIns="0" tIns="0" rIns="0" bIns="0"/>
           <a:lstStyle/>
           <a:p>
-            <a:endParaRPr lang="de-DE" sz="1400" b="0" strike="noStrike" spc="-1">
-              <a:solidFill>
-                <a:srgbClr val="000000"/>
-              </a:solidFill>
-              <a:uFill>
-                <a:solidFill>
-                  <a:srgbClr val="FFFFFF"/>
-                </a:solidFill>
-              </a:uFill>
-              <a:latin typeface="Arial"/>
-            </a:endParaRPr>
-          </a:p>
-        </p:txBody>
-      </p:sp>
-      <p:sp>
-        <p:nvSpPr>
-          <p:cNvPr id="89" name="PlaceHolder 3"/>
+            <a:endParaRPr lang="de-DE" sz="3200" b="0" strike="noStrike" spc="-1">
+              <a:solidFill>
+                <a:srgbClr val="000000"/>
+              </a:solidFill>
+              <a:uFill>
+                <a:solidFill>
+                  <a:srgbClr val="FFFFFF"/>
+                </a:solidFill>
+              </a:uFill>
+              <a:latin typeface="Arial"/>
+            </a:endParaRPr>
+          </a:p>
+        </p:txBody>
+      </p:sp>
+      <p:sp>
+        <p:nvSpPr>
+          <p:cNvPr id="88" name="PlaceHolder 3"/>
           <p:cNvSpPr>
             <a:spLocks noGrp="1"/>
           </p:cNvSpPr>
@@ -3151,8 +3362,8 @@
         </p:nvSpPr>
         <p:spPr>
           <a:xfrm>
-            <a:off x="685800" y="1066680"/>
-            <a:ext cx="7772040" cy="5028840"/>
+            <a:off x="457200" y="1604520"/>
+            <a:ext cx="8229240" cy="3977280"/>
           </a:xfrm>
           <a:prstGeom prst="rect">
             <a:avLst/>
@@ -3162,20 +3373,43 @@
           <a:bodyPr lIns="0" tIns="0" rIns="0" bIns="0"/>
           <a:lstStyle/>
           <a:p>
-            <a:endParaRPr lang="de-DE" sz="1400" b="0" strike="noStrike" spc="-1">
-              <a:solidFill>
-                <a:srgbClr val="000000"/>
-              </a:solidFill>
-              <a:uFill>
-                <a:solidFill>
-                  <a:srgbClr val="FFFFFF"/>
-                </a:solidFill>
-              </a:uFill>
-              <a:latin typeface="Arial"/>
-            </a:endParaRPr>
-          </a:p>
-        </p:txBody>
-      </p:sp>
+            <a:endParaRPr lang="de-DE" sz="3200" b="0" strike="noStrike" spc="-1">
+              <a:solidFill>
+                <a:srgbClr val="000000"/>
+              </a:solidFill>
+              <a:uFill>
+                <a:solidFill>
+                  <a:srgbClr val="FFFFFF"/>
+                </a:solidFill>
+              </a:uFill>
+              <a:latin typeface="Arial"/>
+            </a:endParaRPr>
+          </a:p>
+        </p:txBody>
+      </p:sp>
+      <p:pic>
+        <p:nvPicPr>
+          <p:cNvPr id="89" name="Grafik 88"/>
+          <p:cNvPicPr/>
+          <p:nvPr/>
+        </p:nvPicPr>
+        <p:blipFill>
+          <a:blip r:embed="rId2"/>
+          <a:stretch/>
+        </p:blipFill>
+        <p:spPr>
+          <a:xfrm>
+            <a:off x="2077920" y="1604520"/>
+            <a:ext cx="4987440" cy="3977280"/>
+          </a:xfrm>
+          <a:prstGeom prst="rect">
+            <a:avLst/>
+          </a:prstGeom>
+          <a:ln>
+            <a:noFill/>
+          </a:ln>
+        </p:spPr>
+      </p:pic>
       <p:pic>
         <p:nvPicPr>
           <p:cNvPr id="90" name="Grafik 89"/>
@@ -3188,31 +3422,8 @@
         </p:blipFill>
         <p:spPr>
           <a:xfrm>
-            <a:off x="1420200" y="1066320"/>
-            <a:ext cx="6302520" cy="5028840"/>
-          </a:xfrm>
-          <a:prstGeom prst="rect">
-            <a:avLst/>
-          </a:prstGeom>
-          <a:ln>
-            <a:noFill/>
-          </a:ln>
-        </p:spPr>
-      </p:pic>
-      <p:pic>
-        <p:nvPicPr>
-          <p:cNvPr id="91" name="Grafik 90"/>
-          <p:cNvPicPr/>
-          <p:nvPr/>
-        </p:nvPicPr>
-        <p:blipFill>
-          <a:blip r:embed="rId2"/>
-          <a:stretch/>
-        </p:blipFill>
-        <p:spPr>
-          <a:xfrm>
-            <a:off x="1420200" y="1066320"/>
-            <a:ext cx="6302520" cy="5028840"/>
+            <a:off x="2077920" y="1604520"/>
+            <a:ext cx="4987440" cy="3977280"/>
           </a:xfrm>
           <a:prstGeom prst="rect">
             <a:avLst/>
@@ -3274,7 +3485,7 @@
       </p:grpSpPr>
       <p:sp>
         <p:nvSpPr>
-          <p:cNvPr id="101" name="PlaceHolder 1"/>
+          <p:cNvPr id="100" name="PlaceHolder 1"/>
           <p:cNvSpPr>
             <a:spLocks noGrp="1"/>
           </p:cNvSpPr>
@@ -3284,8 +3495,8 @@
         </p:nvSpPr>
         <p:spPr>
           <a:xfrm>
-            <a:off x="685800" y="304920"/>
-            <a:ext cx="7772040" cy="609120"/>
+            <a:off x="457200" y="273600"/>
+            <a:ext cx="8229240" cy="1144800"/>
           </a:xfrm>
           <a:prstGeom prst="rect">
             <a:avLst/>
@@ -3295,23 +3506,24 @@
           <a:bodyPr lIns="0" tIns="0" rIns="0" bIns="0" anchor="ctr"/>
           <a:lstStyle/>
           <a:p>
-            <a:endParaRPr lang="de-DE" sz="1400" b="0" strike="noStrike" spc="-1">
-              <a:solidFill>
-                <a:srgbClr val="000000"/>
-              </a:solidFill>
-              <a:uFill>
-                <a:solidFill>
-                  <a:srgbClr val="FFFFFF"/>
-                </a:solidFill>
-              </a:uFill>
-              <a:latin typeface="Arial"/>
-            </a:endParaRPr>
-          </a:p>
-        </p:txBody>
-      </p:sp>
-      <p:sp>
-        <p:nvSpPr>
-          <p:cNvPr id="102" name="PlaceHolder 2"/>
+            <a:pPr algn="ctr"/>
+            <a:endParaRPr lang="de-DE" sz="4400" b="0" strike="noStrike" spc="-1">
+              <a:solidFill>
+                <a:srgbClr val="000000"/>
+              </a:solidFill>
+              <a:uFill>
+                <a:solidFill>
+                  <a:srgbClr val="FFFFFF"/>
+                </a:solidFill>
+              </a:uFill>
+              <a:latin typeface="Arial"/>
+            </a:endParaRPr>
+          </a:p>
+        </p:txBody>
+      </p:sp>
+      <p:sp>
+        <p:nvSpPr>
+          <p:cNvPr id="101" name="PlaceHolder 2"/>
           <p:cNvSpPr>
             <a:spLocks noGrp="1"/>
           </p:cNvSpPr>
@@ -3321,8 +3533,8 @@
         </p:nvSpPr>
         <p:spPr>
           <a:xfrm>
-            <a:off x="685800" y="1066680"/>
-            <a:ext cx="7772040" cy="5028840"/>
+            <a:off x="457200" y="1604520"/>
+            <a:ext cx="8229240" cy="3977280"/>
           </a:xfrm>
           <a:prstGeom prst="rect">
             <a:avLst/>
@@ -3374,7 +3586,7 @@
       </p:grpSpPr>
       <p:sp>
         <p:nvSpPr>
-          <p:cNvPr id="103" name="PlaceHolder 1"/>
+          <p:cNvPr id="102" name="PlaceHolder 1"/>
           <p:cNvSpPr>
             <a:spLocks noGrp="1"/>
           </p:cNvSpPr>
@@ -3384,8 +3596,8 @@
         </p:nvSpPr>
         <p:spPr>
           <a:xfrm>
-            <a:off x="685800" y="304920"/>
-            <a:ext cx="7772040" cy="609120"/>
+            <a:off x="457200" y="273600"/>
+            <a:ext cx="8229240" cy="1144800"/>
           </a:xfrm>
           <a:prstGeom prst="rect">
             <a:avLst/>
@@ -3395,23 +3607,24 @@
           <a:bodyPr lIns="0" tIns="0" rIns="0" bIns="0" anchor="ctr"/>
           <a:lstStyle/>
           <a:p>
-            <a:endParaRPr lang="de-DE" sz="1400" b="0" strike="noStrike" spc="-1">
-              <a:solidFill>
-                <a:srgbClr val="000000"/>
-              </a:solidFill>
-              <a:uFill>
-                <a:solidFill>
-                  <a:srgbClr val="FFFFFF"/>
-                </a:solidFill>
-              </a:uFill>
-              <a:latin typeface="Arial"/>
-            </a:endParaRPr>
-          </a:p>
-        </p:txBody>
-      </p:sp>
-      <p:sp>
-        <p:nvSpPr>
-          <p:cNvPr id="104" name="PlaceHolder 2"/>
+            <a:pPr algn="ctr"/>
+            <a:endParaRPr lang="de-DE" sz="4400" b="0" strike="noStrike" spc="-1">
+              <a:solidFill>
+                <a:srgbClr val="000000"/>
+              </a:solidFill>
+              <a:uFill>
+                <a:solidFill>
+                  <a:srgbClr val="FFFFFF"/>
+                </a:solidFill>
+              </a:uFill>
+              <a:latin typeface="Arial"/>
+            </a:endParaRPr>
+          </a:p>
+        </p:txBody>
+      </p:sp>
+      <p:sp>
+        <p:nvSpPr>
+          <p:cNvPr id="103" name="PlaceHolder 2"/>
           <p:cNvSpPr>
             <a:spLocks noGrp="1"/>
           </p:cNvSpPr>
@@ -3421,8 +3634,8 @@
         </p:nvSpPr>
         <p:spPr>
           <a:xfrm>
-            <a:off x="685800" y="1066680"/>
-            <a:ext cx="7772040" cy="5028840"/>
+            <a:off x="457200" y="1604520"/>
+            <a:ext cx="8229240" cy="3977280"/>
           </a:xfrm>
           <a:prstGeom prst="rect">
             <a:avLst/>
@@ -3432,7 +3645,7 @@
           <a:bodyPr lIns="0" tIns="0" rIns="0" bIns="0"/>
           <a:lstStyle/>
           <a:p>
-            <a:endParaRPr lang="de-DE" sz="1400" b="0" strike="noStrike" spc="-1">
+            <a:endParaRPr lang="de-DE" sz="3200" b="0" strike="noStrike" spc="-1">
               <a:solidFill>
                 <a:srgbClr val="000000"/>
               </a:solidFill>
@@ -3473,7 +3686,7 @@
       </p:grpSpPr>
       <p:sp>
         <p:nvSpPr>
-          <p:cNvPr id="105" name="PlaceHolder 1"/>
+          <p:cNvPr id="104" name="PlaceHolder 1"/>
           <p:cNvSpPr>
             <a:spLocks noGrp="1"/>
           </p:cNvSpPr>
@@ -3483,8 +3696,8 @@
         </p:nvSpPr>
         <p:spPr>
           <a:xfrm>
-            <a:off x="685800" y="304920"/>
-            <a:ext cx="7772040" cy="609120"/>
+            <a:off x="457200" y="273600"/>
+            <a:ext cx="8229240" cy="1144800"/>
           </a:xfrm>
           <a:prstGeom prst="rect">
             <a:avLst/>
@@ -3494,23 +3707,24 @@
           <a:bodyPr lIns="0" tIns="0" rIns="0" bIns="0" anchor="ctr"/>
           <a:lstStyle/>
           <a:p>
-            <a:endParaRPr lang="de-DE" sz="1400" b="0" strike="noStrike" spc="-1">
-              <a:solidFill>
-                <a:srgbClr val="000000"/>
-              </a:solidFill>
-              <a:uFill>
-                <a:solidFill>
-                  <a:srgbClr val="FFFFFF"/>
-                </a:solidFill>
-              </a:uFill>
-              <a:latin typeface="Arial"/>
-            </a:endParaRPr>
-          </a:p>
-        </p:txBody>
-      </p:sp>
-      <p:sp>
-        <p:nvSpPr>
-          <p:cNvPr id="106" name="PlaceHolder 2"/>
+            <a:pPr algn="ctr"/>
+            <a:endParaRPr lang="de-DE" sz="4400" b="0" strike="noStrike" spc="-1">
+              <a:solidFill>
+                <a:srgbClr val="000000"/>
+              </a:solidFill>
+              <a:uFill>
+                <a:solidFill>
+                  <a:srgbClr val="FFFFFF"/>
+                </a:solidFill>
+              </a:uFill>
+              <a:latin typeface="Arial"/>
+            </a:endParaRPr>
+          </a:p>
+        </p:txBody>
+      </p:sp>
+      <p:sp>
+        <p:nvSpPr>
+          <p:cNvPr id="105" name="PlaceHolder 2"/>
           <p:cNvSpPr>
             <a:spLocks noGrp="1"/>
           </p:cNvSpPr>
@@ -3520,8 +3734,8 @@
         </p:nvSpPr>
         <p:spPr>
           <a:xfrm>
-            <a:off x="685800" y="1066680"/>
-            <a:ext cx="3792600" cy="5028840"/>
+            <a:off x="457200" y="1604520"/>
+            <a:ext cx="4015800" cy="3977280"/>
           </a:xfrm>
           <a:prstGeom prst="rect">
             <a:avLst/>
@@ -3531,23 +3745,23 @@
           <a:bodyPr lIns="0" tIns="0" rIns="0" bIns="0"/>
           <a:lstStyle/>
           <a:p>
-            <a:endParaRPr lang="de-DE" sz="1400" b="0" strike="noStrike" spc="-1">
-              <a:solidFill>
-                <a:srgbClr val="000000"/>
-              </a:solidFill>
-              <a:uFill>
-                <a:solidFill>
-                  <a:srgbClr val="FFFFFF"/>
-                </a:solidFill>
-              </a:uFill>
-              <a:latin typeface="Arial"/>
-            </a:endParaRPr>
-          </a:p>
-        </p:txBody>
-      </p:sp>
-      <p:sp>
-        <p:nvSpPr>
-          <p:cNvPr id="107" name="PlaceHolder 3"/>
+            <a:endParaRPr lang="de-DE" sz="3200" b="0" strike="noStrike" spc="-1">
+              <a:solidFill>
+                <a:srgbClr val="000000"/>
+              </a:solidFill>
+              <a:uFill>
+                <a:solidFill>
+                  <a:srgbClr val="FFFFFF"/>
+                </a:solidFill>
+              </a:uFill>
+              <a:latin typeface="Arial"/>
+            </a:endParaRPr>
+          </a:p>
+        </p:txBody>
+      </p:sp>
+      <p:sp>
+        <p:nvSpPr>
+          <p:cNvPr id="106" name="PlaceHolder 3"/>
           <p:cNvSpPr>
             <a:spLocks noGrp="1"/>
           </p:cNvSpPr>
@@ -3557,8 +3771,8 @@
         </p:nvSpPr>
         <p:spPr>
           <a:xfrm>
-            <a:off x="4668480" y="1066680"/>
-            <a:ext cx="3792600" cy="5028840"/>
+            <a:off x="4674240" y="1604520"/>
+            <a:ext cx="4015800" cy="3977280"/>
           </a:xfrm>
           <a:prstGeom prst="rect">
             <a:avLst/>
@@ -3568,7 +3782,7 @@
           <a:bodyPr lIns="0" tIns="0" rIns="0" bIns="0"/>
           <a:lstStyle/>
           <a:p>
-            <a:endParaRPr lang="de-DE" sz="1400" b="0" strike="noStrike" spc="-1">
+            <a:endParaRPr lang="de-DE" sz="3200" b="0" strike="noStrike" spc="-1">
               <a:solidFill>
                 <a:srgbClr val="000000"/>
               </a:solidFill>
@@ -3609,7 +3823,7 @@
       </p:grpSpPr>
       <p:sp>
         <p:nvSpPr>
-          <p:cNvPr id="108" name="PlaceHolder 1"/>
+          <p:cNvPr id="107" name="PlaceHolder 1"/>
           <p:cNvSpPr>
             <a:spLocks noGrp="1"/>
           </p:cNvSpPr>
@@ -3619,8 +3833,8 @@
         </p:nvSpPr>
         <p:spPr>
           <a:xfrm>
-            <a:off x="685800" y="304920"/>
-            <a:ext cx="7772040" cy="609120"/>
+            <a:off x="457200" y="273600"/>
+            <a:ext cx="8229240" cy="1144800"/>
           </a:xfrm>
           <a:prstGeom prst="rect">
             <a:avLst/>
@@ -3630,7 +3844,8 @@
           <a:bodyPr lIns="0" tIns="0" rIns="0" bIns="0" anchor="ctr"/>
           <a:lstStyle/>
           <a:p>
-            <a:endParaRPr lang="de-DE" sz="1400" b="0" strike="noStrike" spc="-1">
+            <a:pPr algn="ctr"/>
+            <a:endParaRPr lang="de-DE" sz="4400" b="0" strike="noStrike" spc="-1">
               <a:solidFill>
                 <a:srgbClr val="000000"/>
               </a:solidFill>
@@ -3681,8 +3896,8 @@
         </p:nvSpPr>
         <p:spPr>
           <a:xfrm>
-            <a:off x="685800" y="304920"/>
-            <a:ext cx="7772040" cy="609120"/>
+            <a:off x="457200" y="273600"/>
+            <a:ext cx="8229240" cy="1144800"/>
           </a:xfrm>
           <a:prstGeom prst="rect">
             <a:avLst/>
@@ -3692,7 +3907,8 @@
           <a:bodyPr lIns="0" tIns="0" rIns="0" bIns="0" anchor="ctr"/>
           <a:lstStyle/>
           <a:p>
-            <a:endParaRPr lang="de-DE" sz="1400" b="0" strike="noStrike" spc="-1">
+            <a:pPr algn="ctr"/>
+            <a:endParaRPr lang="de-DE" sz="4400" b="0" strike="noStrike" spc="-1">
               <a:solidFill>
                 <a:srgbClr val="000000"/>
               </a:solidFill>
@@ -3718,8 +3934,8 @@
         </p:nvSpPr>
         <p:spPr>
           <a:xfrm>
-            <a:off x="685800" y="1066680"/>
-            <a:ext cx="7772040" cy="5028840"/>
+            <a:off x="457200" y="1604520"/>
+            <a:ext cx="8229240" cy="3977280"/>
           </a:xfrm>
           <a:prstGeom prst="rect">
             <a:avLst/>
@@ -3729,7 +3945,7 @@
           <a:bodyPr lIns="0" tIns="0" rIns="0" bIns="0"/>
           <a:lstStyle/>
           <a:p>
-            <a:endParaRPr lang="de-DE" sz="1400" b="0" strike="noStrike" spc="-1">
+            <a:endParaRPr lang="de-DE" sz="3200" b="0" strike="noStrike" spc="-1" dirty="0">
               <a:solidFill>
                 <a:srgbClr val="000000"/>
               </a:solidFill>
@@ -3770,7 +3986,7 @@
       </p:grpSpPr>
       <p:sp>
         <p:nvSpPr>
-          <p:cNvPr id="109" name="PlaceHolder 1"/>
+          <p:cNvPr id="108" name="PlaceHolder 1"/>
           <p:cNvSpPr>
             <a:spLocks noGrp="1"/>
           </p:cNvSpPr>
@@ -3780,8 +3996,8 @@
         </p:nvSpPr>
         <p:spPr>
           <a:xfrm>
-            <a:off x="685800" y="304920"/>
-            <a:ext cx="7772040" cy="2824920"/>
+            <a:off x="457200" y="273600"/>
+            <a:ext cx="8229240" cy="5307840"/>
           </a:xfrm>
           <a:prstGeom prst="rect">
             <a:avLst/>
@@ -3833,7 +4049,7 @@
       </p:grpSpPr>
       <p:sp>
         <p:nvSpPr>
-          <p:cNvPr id="110" name="PlaceHolder 1"/>
+          <p:cNvPr id="109" name="PlaceHolder 1"/>
           <p:cNvSpPr>
             <a:spLocks noGrp="1"/>
           </p:cNvSpPr>
@@ -3843,8 +4059,8 @@
         </p:nvSpPr>
         <p:spPr>
           <a:xfrm>
-            <a:off x="685800" y="304920"/>
-            <a:ext cx="7772040" cy="609120"/>
+            <a:off x="457200" y="273600"/>
+            <a:ext cx="8229240" cy="1144800"/>
           </a:xfrm>
           <a:prstGeom prst="rect">
             <a:avLst/>
@@ -3854,23 +4070,24 @@
           <a:bodyPr lIns="0" tIns="0" rIns="0" bIns="0" anchor="ctr"/>
           <a:lstStyle/>
           <a:p>
-            <a:endParaRPr lang="de-DE" sz="1400" b="0" strike="noStrike" spc="-1">
-              <a:solidFill>
-                <a:srgbClr val="000000"/>
-              </a:solidFill>
-              <a:uFill>
-                <a:solidFill>
-                  <a:srgbClr val="FFFFFF"/>
-                </a:solidFill>
-              </a:uFill>
-              <a:latin typeface="Arial"/>
-            </a:endParaRPr>
-          </a:p>
-        </p:txBody>
-      </p:sp>
-      <p:sp>
-        <p:nvSpPr>
-          <p:cNvPr id="111" name="PlaceHolder 2"/>
+            <a:pPr algn="ctr"/>
+            <a:endParaRPr lang="de-DE" sz="4400" b="0" strike="noStrike" spc="-1">
+              <a:solidFill>
+                <a:srgbClr val="000000"/>
+              </a:solidFill>
+              <a:uFill>
+                <a:solidFill>
+                  <a:srgbClr val="FFFFFF"/>
+                </a:solidFill>
+              </a:uFill>
+              <a:latin typeface="Arial"/>
+            </a:endParaRPr>
+          </a:p>
+        </p:txBody>
+      </p:sp>
+      <p:sp>
+        <p:nvSpPr>
+          <p:cNvPr id="110" name="PlaceHolder 2"/>
           <p:cNvSpPr>
             <a:spLocks noGrp="1"/>
           </p:cNvSpPr>
@@ -3880,8 +4097,8 @@
         </p:nvSpPr>
         <p:spPr>
           <a:xfrm>
-            <a:off x="685800" y="1066680"/>
-            <a:ext cx="3792600" cy="2398680"/>
+            <a:off x="457200" y="1604520"/>
+            <a:ext cx="4015800" cy="1896840"/>
           </a:xfrm>
           <a:prstGeom prst="rect">
             <a:avLst/>
@@ -3891,23 +4108,23 @@
           <a:bodyPr lIns="0" tIns="0" rIns="0" bIns="0"/>
           <a:lstStyle/>
           <a:p>
-            <a:endParaRPr lang="de-DE" sz="1400" b="0" strike="noStrike" spc="-1">
-              <a:solidFill>
-                <a:srgbClr val="000000"/>
-              </a:solidFill>
-              <a:uFill>
-                <a:solidFill>
-                  <a:srgbClr val="FFFFFF"/>
-                </a:solidFill>
-              </a:uFill>
-              <a:latin typeface="Arial"/>
-            </a:endParaRPr>
-          </a:p>
-        </p:txBody>
-      </p:sp>
-      <p:sp>
-        <p:nvSpPr>
-          <p:cNvPr id="112" name="PlaceHolder 3"/>
+            <a:endParaRPr lang="de-DE" sz="3200" b="0" strike="noStrike" spc="-1">
+              <a:solidFill>
+                <a:srgbClr val="000000"/>
+              </a:solidFill>
+              <a:uFill>
+                <a:solidFill>
+                  <a:srgbClr val="FFFFFF"/>
+                </a:solidFill>
+              </a:uFill>
+              <a:latin typeface="Arial"/>
+            </a:endParaRPr>
+          </a:p>
+        </p:txBody>
+      </p:sp>
+      <p:sp>
+        <p:nvSpPr>
+          <p:cNvPr id="111" name="PlaceHolder 3"/>
           <p:cNvSpPr>
             <a:spLocks noGrp="1"/>
           </p:cNvSpPr>
@@ -3917,8 +4134,8 @@
         </p:nvSpPr>
         <p:spPr>
           <a:xfrm>
-            <a:off x="685800" y="3693600"/>
-            <a:ext cx="3792600" cy="2398680"/>
+            <a:off x="457200" y="3682080"/>
+            <a:ext cx="4015800" cy="1896840"/>
           </a:xfrm>
           <a:prstGeom prst="rect">
             <a:avLst/>
@@ -3928,23 +4145,23 @@
           <a:bodyPr lIns="0" tIns="0" rIns="0" bIns="0"/>
           <a:lstStyle/>
           <a:p>
-            <a:endParaRPr lang="de-DE" sz="1400" b="0" strike="noStrike" spc="-1">
-              <a:solidFill>
-                <a:srgbClr val="000000"/>
-              </a:solidFill>
-              <a:uFill>
-                <a:solidFill>
-                  <a:srgbClr val="FFFFFF"/>
-                </a:solidFill>
-              </a:uFill>
-              <a:latin typeface="Arial"/>
-            </a:endParaRPr>
-          </a:p>
-        </p:txBody>
-      </p:sp>
-      <p:sp>
-        <p:nvSpPr>
-          <p:cNvPr id="113" name="PlaceHolder 4"/>
+            <a:endParaRPr lang="de-DE" sz="3200" b="0" strike="noStrike" spc="-1">
+              <a:solidFill>
+                <a:srgbClr val="000000"/>
+              </a:solidFill>
+              <a:uFill>
+                <a:solidFill>
+                  <a:srgbClr val="FFFFFF"/>
+                </a:solidFill>
+              </a:uFill>
+              <a:latin typeface="Arial"/>
+            </a:endParaRPr>
+          </a:p>
+        </p:txBody>
+      </p:sp>
+      <p:sp>
+        <p:nvSpPr>
+          <p:cNvPr id="112" name="PlaceHolder 4"/>
           <p:cNvSpPr>
             <a:spLocks noGrp="1"/>
           </p:cNvSpPr>
@@ -3954,8 +4171,8 @@
         </p:nvSpPr>
         <p:spPr>
           <a:xfrm>
-            <a:off x="4668480" y="1066680"/>
-            <a:ext cx="3792600" cy="5028840"/>
+            <a:off x="4674240" y="1604520"/>
+            <a:ext cx="4015800" cy="3977280"/>
           </a:xfrm>
           <a:prstGeom prst="rect">
             <a:avLst/>
@@ -3965,7 +4182,7 @@
           <a:bodyPr lIns="0" tIns="0" rIns="0" bIns="0"/>
           <a:lstStyle/>
           <a:p>
-            <a:endParaRPr lang="de-DE" sz="1400" b="0" strike="noStrike" spc="-1">
+            <a:endParaRPr lang="de-DE" sz="3200" b="0" strike="noStrike" spc="-1">
               <a:solidFill>
                 <a:srgbClr val="000000"/>
               </a:solidFill>
@@ -4006,7 +4223,7 @@
       </p:grpSpPr>
       <p:sp>
         <p:nvSpPr>
-          <p:cNvPr id="114" name="PlaceHolder 1"/>
+          <p:cNvPr id="113" name="PlaceHolder 1"/>
           <p:cNvSpPr>
             <a:spLocks noGrp="1"/>
           </p:cNvSpPr>
@@ -4016,8 +4233,8 @@
         </p:nvSpPr>
         <p:spPr>
           <a:xfrm>
-            <a:off x="685800" y="304920"/>
-            <a:ext cx="7772040" cy="609120"/>
+            <a:off x="457200" y="273600"/>
+            <a:ext cx="8229240" cy="1144800"/>
           </a:xfrm>
           <a:prstGeom prst="rect">
             <a:avLst/>
@@ -4027,23 +4244,24 @@
           <a:bodyPr lIns="0" tIns="0" rIns="0" bIns="0" anchor="ctr"/>
           <a:lstStyle/>
           <a:p>
-            <a:endParaRPr lang="de-DE" sz="1400" b="0" strike="noStrike" spc="-1">
-              <a:solidFill>
-                <a:srgbClr val="000000"/>
-              </a:solidFill>
-              <a:uFill>
-                <a:solidFill>
-                  <a:srgbClr val="FFFFFF"/>
-                </a:solidFill>
-              </a:uFill>
-              <a:latin typeface="Arial"/>
-            </a:endParaRPr>
-          </a:p>
-        </p:txBody>
-      </p:sp>
-      <p:sp>
-        <p:nvSpPr>
-          <p:cNvPr id="115" name="PlaceHolder 2"/>
+            <a:pPr algn="ctr"/>
+            <a:endParaRPr lang="de-DE" sz="4400" b="0" strike="noStrike" spc="-1">
+              <a:solidFill>
+                <a:srgbClr val="000000"/>
+              </a:solidFill>
+              <a:uFill>
+                <a:solidFill>
+                  <a:srgbClr val="FFFFFF"/>
+                </a:solidFill>
+              </a:uFill>
+              <a:latin typeface="Arial"/>
+            </a:endParaRPr>
+          </a:p>
+        </p:txBody>
+      </p:sp>
+      <p:sp>
+        <p:nvSpPr>
+          <p:cNvPr id="114" name="PlaceHolder 2"/>
           <p:cNvSpPr>
             <a:spLocks noGrp="1"/>
           </p:cNvSpPr>
@@ -4053,8 +4271,8 @@
         </p:nvSpPr>
         <p:spPr>
           <a:xfrm>
-            <a:off x="685800" y="1066680"/>
-            <a:ext cx="3792600" cy="5028840"/>
+            <a:off x="457200" y="1604520"/>
+            <a:ext cx="4015800" cy="3977280"/>
           </a:xfrm>
           <a:prstGeom prst="rect">
             <a:avLst/>
@@ -4064,23 +4282,23 @@
           <a:bodyPr lIns="0" tIns="0" rIns="0" bIns="0"/>
           <a:lstStyle/>
           <a:p>
-            <a:endParaRPr lang="de-DE" sz="1400" b="0" strike="noStrike" spc="-1">
-              <a:solidFill>
-                <a:srgbClr val="000000"/>
-              </a:solidFill>
-              <a:uFill>
-                <a:solidFill>
-                  <a:srgbClr val="FFFFFF"/>
-                </a:solidFill>
-              </a:uFill>
-              <a:latin typeface="Arial"/>
-            </a:endParaRPr>
-          </a:p>
-        </p:txBody>
-      </p:sp>
-      <p:sp>
-        <p:nvSpPr>
-          <p:cNvPr id="116" name="PlaceHolder 3"/>
+            <a:endParaRPr lang="de-DE" sz="3200" b="0" strike="noStrike" spc="-1">
+              <a:solidFill>
+                <a:srgbClr val="000000"/>
+              </a:solidFill>
+              <a:uFill>
+                <a:solidFill>
+                  <a:srgbClr val="FFFFFF"/>
+                </a:solidFill>
+              </a:uFill>
+              <a:latin typeface="Arial"/>
+            </a:endParaRPr>
+          </a:p>
+        </p:txBody>
+      </p:sp>
+      <p:sp>
+        <p:nvSpPr>
+          <p:cNvPr id="115" name="PlaceHolder 3"/>
           <p:cNvSpPr>
             <a:spLocks noGrp="1"/>
           </p:cNvSpPr>
@@ -4090,8 +4308,8 @@
         </p:nvSpPr>
         <p:spPr>
           <a:xfrm>
-            <a:off x="4668480" y="1066680"/>
-            <a:ext cx="3792600" cy="2398680"/>
+            <a:off x="4674240" y="1604520"/>
+            <a:ext cx="4015800" cy="1896840"/>
           </a:xfrm>
           <a:prstGeom prst="rect">
             <a:avLst/>
@@ -4101,23 +4319,23 @@
           <a:bodyPr lIns="0" tIns="0" rIns="0" bIns="0"/>
           <a:lstStyle/>
           <a:p>
-            <a:endParaRPr lang="de-DE" sz="1400" b="0" strike="noStrike" spc="-1">
-              <a:solidFill>
-                <a:srgbClr val="000000"/>
-              </a:solidFill>
-              <a:uFill>
-                <a:solidFill>
-                  <a:srgbClr val="FFFFFF"/>
-                </a:solidFill>
-              </a:uFill>
-              <a:latin typeface="Arial"/>
-            </a:endParaRPr>
-          </a:p>
-        </p:txBody>
-      </p:sp>
-      <p:sp>
-        <p:nvSpPr>
-          <p:cNvPr id="117" name="PlaceHolder 4"/>
+            <a:endParaRPr lang="de-DE" sz="3200" b="0" strike="noStrike" spc="-1">
+              <a:solidFill>
+                <a:srgbClr val="000000"/>
+              </a:solidFill>
+              <a:uFill>
+                <a:solidFill>
+                  <a:srgbClr val="FFFFFF"/>
+                </a:solidFill>
+              </a:uFill>
+              <a:latin typeface="Arial"/>
+            </a:endParaRPr>
+          </a:p>
+        </p:txBody>
+      </p:sp>
+      <p:sp>
+        <p:nvSpPr>
+          <p:cNvPr id="116" name="PlaceHolder 4"/>
           <p:cNvSpPr>
             <a:spLocks noGrp="1"/>
           </p:cNvSpPr>
@@ -4127,8 +4345,8 @@
         </p:nvSpPr>
         <p:spPr>
           <a:xfrm>
-            <a:off x="4668480" y="3693600"/>
-            <a:ext cx="3792600" cy="2398680"/>
+            <a:off x="4674240" y="3682080"/>
+            <a:ext cx="4015800" cy="1896840"/>
           </a:xfrm>
           <a:prstGeom prst="rect">
             <a:avLst/>
@@ -4138,7 +4356,7 @@
           <a:bodyPr lIns="0" tIns="0" rIns="0" bIns="0"/>
           <a:lstStyle/>
           <a:p>
-            <a:endParaRPr lang="de-DE" sz="1400" b="0" strike="noStrike" spc="-1">
+            <a:endParaRPr lang="de-DE" sz="3200" b="0" strike="noStrike" spc="-1">
               <a:solidFill>
                 <a:srgbClr val="000000"/>
               </a:solidFill>
@@ -4179,7 +4397,7 @@
       </p:grpSpPr>
       <p:sp>
         <p:nvSpPr>
-          <p:cNvPr id="118" name="PlaceHolder 1"/>
+          <p:cNvPr id="117" name="PlaceHolder 1"/>
           <p:cNvSpPr>
             <a:spLocks noGrp="1"/>
           </p:cNvSpPr>
@@ -4189,8 +4407,8 @@
         </p:nvSpPr>
         <p:spPr>
           <a:xfrm>
-            <a:off x="685800" y="304920"/>
-            <a:ext cx="7772040" cy="609120"/>
+            <a:off x="457200" y="273600"/>
+            <a:ext cx="8229240" cy="1144800"/>
           </a:xfrm>
           <a:prstGeom prst="rect">
             <a:avLst/>
@@ -4200,23 +4418,24 @@
           <a:bodyPr lIns="0" tIns="0" rIns="0" bIns="0" anchor="ctr"/>
           <a:lstStyle/>
           <a:p>
-            <a:endParaRPr lang="de-DE" sz="1400" b="0" strike="noStrike" spc="-1">
-              <a:solidFill>
-                <a:srgbClr val="000000"/>
-              </a:solidFill>
-              <a:uFill>
-                <a:solidFill>
-                  <a:srgbClr val="FFFFFF"/>
-                </a:solidFill>
-              </a:uFill>
-              <a:latin typeface="Arial"/>
-            </a:endParaRPr>
-          </a:p>
-        </p:txBody>
-      </p:sp>
-      <p:sp>
-        <p:nvSpPr>
-          <p:cNvPr id="119" name="PlaceHolder 2"/>
+            <a:pPr algn="ctr"/>
+            <a:endParaRPr lang="de-DE" sz="4400" b="0" strike="noStrike" spc="-1">
+              <a:solidFill>
+                <a:srgbClr val="000000"/>
+              </a:solidFill>
+              <a:uFill>
+                <a:solidFill>
+                  <a:srgbClr val="FFFFFF"/>
+                </a:solidFill>
+              </a:uFill>
+              <a:latin typeface="Arial"/>
+            </a:endParaRPr>
+          </a:p>
+        </p:txBody>
+      </p:sp>
+      <p:sp>
+        <p:nvSpPr>
+          <p:cNvPr id="118" name="PlaceHolder 2"/>
           <p:cNvSpPr>
             <a:spLocks noGrp="1"/>
           </p:cNvSpPr>
@@ -4226,8 +4445,8 @@
         </p:nvSpPr>
         <p:spPr>
           <a:xfrm>
-            <a:off x="685800" y="1066680"/>
-            <a:ext cx="3792600" cy="2398680"/>
+            <a:off x="457200" y="1604520"/>
+            <a:ext cx="4015800" cy="1896840"/>
           </a:xfrm>
           <a:prstGeom prst="rect">
             <a:avLst/>
@@ -4237,23 +4456,23 @@
           <a:bodyPr lIns="0" tIns="0" rIns="0" bIns="0"/>
           <a:lstStyle/>
           <a:p>
-            <a:endParaRPr lang="de-DE" sz="1400" b="0" strike="noStrike" spc="-1">
-              <a:solidFill>
-                <a:srgbClr val="000000"/>
-              </a:solidFill>
-              <a:uFill>
-                <a:solidFill>
-                  <a:srgbClr val="FFFFFF"/>
-                </a:solidFill>
-              </a:uFill>
-              <a:latin typeface="Arial"/>
-            </a:endParaRPr>
-          </a:p>
-        </p:txBody>
-      </p:sp>
-      <p:sp>
-        <p:nvSpPr>
-          <p:cNvPr id="120" name="PlaceHolder 3"/>
+            <a:endParaRPr lang="de-DE" sz="3200" b="0" strike="noStrike" spc="-1">
+              <a:solidFill>
+                <a:srgbClr val="000000"/>
+              </a:solidFill>
+              <a:uFill>
+                <a:solidFill>
+                  <a:srgbClr val="FFFFFF"/>
+                </a:solidFill>
+              </a:uFill>
+              <a:latin typeface="Arial"/>
+            </a:endParaRPr>
+          </a:p>
+        </p:txBody>
+      </p:sp>
+      <p:sp>
+        <p:nvSpPr>
+          <p:cNvPr id="119" name="PlaceHolder 3"/>
           <p:cNvSpPr>
             <a:spLocks noGrp="1"/>
           </p:cNvSpPr>
@@ -4263,8 +4482,8 @@
         </p:nvSpPr>
         <p:spPr>
           <a:xfrm>
-            <a:off x="4668480" y="1066680"/>
-            <a:ext cx="3792600" cy="2398680"/>
+            <a:off x="4674240" y="1604520"/>
+            <a:ext cx="4015800" cy="1896840"/>
           </a:xfrm>
           <a:prstGeom prst="rect">
             <a:avLst/>
@@ -4274,23 +4493,23 @@
           <a:bodyPr lIns="0" tIns="0" rIns="0" bIns="0"/>
           <a:lstStyle/>
           <a:p>
-            <a:endParaRPr lang="de-DE" sz="1400" b="0" strike="noStrike" spc="-1">
-              <a:solidFill>
-                <a:srgbClr val="000000"/>
-              </a:solidFill>
-              <a:uFill>
-                <a:solidFill>
-                  <a:srgbClr val="FFFFFF"/>
-                </a:solidFill>
-              </a:uFill>
-              <a:latin typeface="Arial"/>
-            </a:endParaRPr>
-          </a:p>
-        </p:txBody>
-      </p:sp>
-      <p:sp>
-        <p:nvSpPr>
-          <p:cNvPr id="121" name="PlaceHolder 4"/>
+            <a:endParaRPr lang="de-DE" sz="3200" b="0" strike="noStrike" spc="-1">
+              <a:solidFill>
+                <a:srgbClr val="000000"/>
+              </a:solidFill>
+              <a:uFill>
+                <a:solidFill>
+                  <a:srgbClr val="FFFFFF"/>
+                </a:solidFill>
+              </a:uFill>
+              <a:latin typeface="Arial"/>
+            </a:endParaRPr>
+          </a:p>
+        </p:txBody>
+      </p:sp>
+      <p:sp>
+        <p:nvSpPr>
+          <p:cNvPr id="120" name="PlaceHolder 4"/>
           <p:cNvSpPr>
             <a:spLocks noGrp="1"/>
           </p:cNvSpPr>
@@ -4300,8 +4519,8 @@
         </p:nvSpPr>
         <p:spPr>
           <a:xfrm>
-            <a:off x="685800" y="3693600"/>
-            <a:ext cx="7772040" cy="2398680"/>
+            <a:off x="457200" y="3682080"/>
+            <a:ext cx="8229240" cy="1896840"/>
           </a:xfrm>
           <a:prstGeom prst="rect">
             <a:avLst/>
@@ -4311,7 +4530,7 @@
           <a:bodyPr lIns="0" tIns="0" rIns="0" bIns="0"/>
           <a:lstStyle/>
           <a:p>
-            <a:endParaRPr lang="de-DE" sz="1400" b="0" strike="noStrike" spc="-1">
+            <a:endParaRPr lang="de-DE" sz="3200" b="0" strike="noStrike" spc="-1">
               <a:solidFill>
                 <a:srgbClr val="000000"/>
               </a:solidFill>
@@ -4352,7 +4571,7 @@
       </p:grpSpPr>
       <p:sp>
         <p:nvSpPr>
-          <p:cNvPr id="122" name="PlaceHolder 1"/>
+          <p:cNvPr id="121" name="PlaceHolder 1"/>
           <p:cNvSpPr>
             <a:spLocks noGrp="1"/>
           </p:cNvSpPr>
@@ -4362,8 +4581,8 @@
         </p:nvSpPr>
         <p:spPr>
           <a:xfrm>
-            <a:off x="685800" y="304920"/>
-            <a:ext cx="7772040" cy="609120"/>
+            <a:off x="457200" y="273600"/>
+            <a:ext cx="8229240" cy="1144800"/>
           </a:xfrm>
           <a:prstGeom prst="rect">
             <a:avLst/>
@@ -4373,23 +4592,24 @@
           <a:bodyPr lIns="0" tIns="0" rIns="0" bIns="0" anchor="ctr"/>
           <a:lstStyle/>
           <a:p>
-            <a:endParaRPr lang="de-DE" sz="1400" b="0" strike="noStrike" spc="-1">
-              <a:solidFill>
-                <a:srgbClr val="000000"/>
-              </a:solidFill>
-              <a:uFill>
-                <a:solidFill>
-                  <a:srgbClr val="FFFFFF"/>
-                </a:solidFill>
-              </a:uFill>
-              <a:latin typeface="Arial"/>
-            </a:endParaRPr>
-          </a:p>
-        </p:txBody>
-      </p:sp>
-      <p:sp>
-        <p:nvSpPr>
-          <p:cNvPr id="123" name="PlaceHolder 2"/>
+            <a:pPr algn="ctr"/>
+            <a:endParaRPr lang="de-DE" sz="4400" b="0" strike="noStrike" spc="-1">
+              <a:solidFill>
+                <a:srgbClr val="000000"/>
+              </a:solidFill>
+              <a:uFill>
+                <a:solidFill>
+                  <a:srgbClr val="FFFFFF"/>
+                </a:solidFill>
+              </a:uFill>
+              <a:latin typeface="Arial"/>
+            </a:endParaRPr>
+          </a:p>
+        </p:txBody>
+      </p:sp>
+      <p:sp>
+        <p:nvSpPr>
+          <p:cNvPr id="122" name="PlaceHolder 2"/>
           <p:cNvSpPr>
             <a:spLocks noGrp="1"/>
           </p:cNvSpPr>
@@ -4399,8 +4619,8 @@
         </p:nvSpPr>
         <p:spPr>
           <a:xfrm>
-            <a:off x="685800" y="1066680"/>
-            <a:ext cx="7772040" cy="2398680"/>
+            <a:off x="457200" y="1604520"/>
+            <a:ext cx="8229240" cy="1896840"/>
           </a:xfrm>
           <a:prstGeom prst="rect">
             <a:avLst/>
@@ -4410,23 +4630,23 @@
           <a:bodyPr lIns="0" tIns="0" rIns="0" bIns="0"/>
           <a:lstStyle/>
           <a:p>
-            <a:endParaRPr lang="de-DE" sz="1400" b="0" strike="noStrike" spc="-1">
-              <a:solidFill>
-                <a:srgbClr val="000000"/>
-              </a:solidFill>
-              <a:uFill>
-                <a:solidFill>
-                  <a:srgbClr val="FFFFFF"/>
-                </a:solidFill>
-              </a:uFill>
-              <a:latin typeface="Arial"/>
-            </a:endParaRPr>
-          </a:p>
-        </p:txBody>
-      </p:sp>
-      <p:sp>
-        <p:nvSpPr>
-          <p:cNvPr id="124" name="PlaceHolder 3"/>
+            <a:endParaRPr lang="de-DE" sz="3200" b="0" strike="noStrike" spc="-1">
+              <a:solidFill>
+                <a:srgbClr val="000000"/>
+              </a:solidFill>
+              <a:uFill>
+                <a:solidFill>
+                  <a:srgbClr val="FFFFFF"/>
+                </a:solidFill>
+              </a:uFill>
+              <a:latin typeface="Arial"/>
+            </a:endParaRPr>
+          </a:p>
+        </p:txBody>
+      </p:sp>
+      <p:sp>
+        <p:nvSpPr>
+          <p:cNvPr id="123" name="PlaceHolder 3"/>
           <p:cNvSpPr>
             <a:spLocks noGrp="1"/>
           </p:cNvSpPr>
@@ -4436,8 +4656,8 @@
         </p:nvSpPr>
         <p:spPr>
           <a:xfrm>
-            <a:off x="685800" y="3693600"/>
-            <a:ext cx="7772040" cy="2398680"/>
+            <a:off x="457200" y="3682080"/>
+            <a:ext cx="8229240" cy="1896840"/>
           </a:xfrm>
           <a:prstGeom prst="rect">
             <a:avLst/>
@@ -4447,7 +4667,7 @@
           <a:bodyPr lIns="0" tIns="0" rIns="0" bIns="0"/>
           <a:lstStyle/>
           <a:p>
-            <a:endParaRPr lang="de-DE" sz="1400" b="0" strike="noStrike" spc="-1">
+            <a:endParaRPr lang="de-DE" sz="3200" b="0" strike="noStrike" spc="-1">
               <a:solidFill>
                 <a:srgbClr val="000000"/>
               </a:solidFill>
@@ -4488,7 +4708,7 @@
       </p:grpSpPr>
       <p:sp>
         <p:nvSpPr>
-          <p:cNvPr id="125" name="PlaceHolder 1"/>
+          <p:cNvPr id="124" name="PlaceHolder 1"/>
           <p:cNvSpPr>
             <a:spLocks noGrp="1"/>
           </p:cNvSpPr>
@@ -4498,8 +4718,8 @@
         </p:nvSpPr>
         <p:spPr>
           <a:xfrm>
-            <a:off x="685800" y="304920"/>
-            <a:ext cx="7772040" cy="609120"/>
+            <a:off x="457200" y="273600"/>
+            <a:ext cx="8229240" cy="1144800"/>
           </a:xfrm>
           <a:prstGeom prst="rect">
             <a:avLst/>
@@ -4509,23 +4729,24 @@
           <a:bodyPr lIns="0" tIns="0" rIns="0" bIns="0" anchor="ctr"/>
           <a:lstStyle/>
           <a:p>
-            <a:endParaRPr lang="de-DE" sz="1400" b="0" strike="noStrike" spc="-1">
-              <a:solidFill>
-                <a:srgbClr val="000000"/>
-              </a:solidFill>
-              <a:uFill>
-                <a:solidFill>
-                  <a:srgbClr val="FFFFFF"/>
-                </a:solidFill>
-              </a:uFill>
-              <a:latin typeface="Arial"/>
-            </a:endParaRPr>
-          </a:p>
-        </p:txBody>
-      </p:sp>
-      <p:sp>
-        <p:nvSpPr>
-          <p:cNvPr id="126" name="PlaceHolder 2"/>
+            <a:pPr algn="ctr"/>
+            <a:endParaRPr lang="de-DE" sz="4400" b="0" strike="noStrike" spc="-1">
+              <a:solidFill>
+                <a:srgbClr val="000000"/>
+              </a:solidFill>
+              <a:uFill>
+                <a:solidFill>
+                  <a:srgbClr val="FFFFFF"/>
+                </a:solidFill>
+              </a:uFill>
+              <a:latin typeface="Arial"/>
+            </a:endParaRPr>
+          </a:p>
+        </p:txBody>
+      </p:sp>
+      <p:sp>
+        <p:nvSpPr>
+          <p:cNvPr id="125" name="PlaceHolder 2"/>
           <p:cNvSpPr>
             <a:spLocks noGrp="1"/>
           </p:cNvSpPr>
@@ -4535,8 +4756,8 @@
         </p:nvSpPr>
         <p:spPr>
           <a:xfrm>
-            <a:off x="685800" y="1066680"/>
-            <a:ext cx="3792600" cy="2398680"/>
+            <a:off x="457200" y="1604520"/>
+            <a:ext cx="4015800" cy="1896840"/>
           </a:xfrm>
           <a:prstGeom prst="rect">
             <a:avLst/>
@@ -4546,23 +4767,23 @@
           <a:bodyPr lIns="0" tIns="0" rIns="0" bIns="0"/>
           <a:lstStyle/>
           <a:p>
-            <a:endParaRPr lang="de-DE" sz="1400" b="0" strike="noStrike" spc="-1">
-              <a:solidFill>
-                <a:srgbClr val="000000"/>
-              </a:solidFill>
-              <a:uFill>
-                <a:solidFill>
-                  <a:srgbClr val="FFFFFF"/>
-                </a:solidFill>
-              </a:uFill>
-              <a:latin typeface="Arial"/>
-            </a:endParaRPr>
-          </a:p>
-        </p:txBody>
-      </p:sp>
-      <p:sp>
-        <p:nvSpPr>
-          <p:cNvPr id="127" name="PlaceHolder 3"/>
+            <a:endParaRPr lang="de-DE" sz="3200" b="0" strike="noStrike" spc="-1">
+              <a:solidFill>
+                <a:srgbClr val="000000"/>
+              </a:solidFill>
+              <a:uFill>
+                <a:solidFill>
+                  <a:srgbClr val="FFFFFF"/>
+                </a:solidFill>
+              </a:uFill>
+              <a:latin typeface="Arial"/>
+            </a:endParaRPr>
+          </a:p>
+        </p:txBody>
+      </p:sp>
+      <p:sp>
+        <p:nvSpPr>
+          <p:cNvPr id="126" name="PlaceHolder 3"/>
           <p:cNvSpPr>
             <a:spLocks noGrp="1"/>
           </p:cNvSpPr>
@@ -4572,8 +4793,8 @@
         </p:nvSpPr>
         <p:spPr>
           <a:xfrm>
-            <a:off x="4668480" y="1066680"/>
-            <a:ext cx="3792600" cy="2398680"/>
+            <a:off x="4674240" y="1604520"/>
+            <a:ext cx="4015800" cy="1896840"/>
           </a:xfrm>
           <a:prstGeom prst="rect">
             <a:avLst/>
@@ -4583,23 +4804,23 @@
           <a:bodyPr lIns="0" tIns="0" rIns="0" bIns="0"/>
           <a:lstStyle/>
           <a:p>
-            <a:endParaRPr lang="de-DE" sz="1400" b="0" strike="noStrike" spc="-1">
-              <a:solidFill>
-                <a:srgbClr val="000000"/>
-              </a:solidFill>
-              <a:uFill>
-                <a:solidFill>
-                  <a:srgbClr val="FFFFFF"/>
-                </a:solidFill>
-              </a:uFill>
-              <a:latin typeface="Arial"/>
-            </a:endParaRPr>
-          </a:p>
-        </p:txBody>
-      </p:sp>
-      <p:sp>
-        <p:nvSpPr>
-          <p:cNvPr id="128" name="PlaceHolder 4"/>
+            <a:endParaRPr lang="de-DE" sz="3200" b="0" strike="noStrike" spc="-1">
+              <a:solidFill>
+                <a:srgbClr val="000000"/>
+              </a:solidFill>
+              <a:uFill>
+                <a:solidFill>
+                  <a:srgbClr val="FFFFFF"/>
+                </a:solidFill>
+              </a:uFill>
+              <a:latin typeface="Arial"/>
+            </a:endParaRPr>
+          </a:p>
+        </p:txBody>
+      </p:sp>
+      <p:sp>
+        <p:nvSpPr>
+          <p:cNvPr id="127" name="PlaceHolder 4"/>
           <p:cNvSpPr>
             <a:spLocks noGrp="1"/>
           </p:cNvSpPr>
@@ -4609,8 +4830,8 @@
         </p:nvSpPr>
         <p:spPr>
           <a:xfrm>
-            <a:off x="4668480" y="3693600"/>
-            <a:ext cx="3792600" cy="2398680"/>
+            <a:off x="4674240" y="3682080"/>
+            <a:ext cx="4015800" cy="1896840"/>
           </a:xfrm>
           <a:prstGeom prst="rect">
             <a:avLst/>
@@ -4620,23 +4841,23 @@
           <a:bodyPr lIns="0" tIns="0" rIns="0" bIns="0"/>
           <a:lstStyle/>
           <a:p>
-            <a:endParaRPr lang="de-DE" sz="1400" b="0" strike="noStrike" spc="-1">
-              <a:solidFill>
-                <a:srgbClr val="000000"/>
-              </a:solidFill>
-              <a:uFill>
-                <a:solidFill>
-                  <a:srgbClr val="FFFFFF"/>
-                </a:solidFill>
-              </a:uFill>
-              <a:latin typeface="Arial"/>
-            </a:endParaRPr>
-          </a:p>
-        </p:txBody>
-      </p:sp>
-      <p:sp>
-        <p:nvSpPr>
-          <p:cNvPr id="129" name="PlaceHolder 5"/>
+            <a:endParaRPr lang="de-DE" sz="3200" b="0" strike="noStrike" spc="-1">
+              <a:solidFill>
+                <a:srgbClr val="000000"/>
+              </a:solidFill>
+              <a:uFill>
+                <a:solidFill>
+                  <a:srgbClr val="FFFFFF"/>
+                </a:solidFill>
+              </a:uFill>
+              <a:latin typeface="Arial"/>
+            </a:endParaRPr>
+          </a:p>
+        </p:txBody>
+      </p:sp>
+      <p:sp>
+        <p:nvSpPr>
+          <p:cNvPr id="128" name="PlaceHolder 5"/>
           <p:cNvSpPr>
             <a:spLocks noGrp="1"/>
           </p:cNvSpPr>
@@ -4646,8 +4867,8 @@
         </p:nvSpPr>
         <p:spPr>
           <a:xfrm>
-            <a:off x="685800" y="3693600"/>
-            <a:ext cx="3792600" cy="2398680"/>
+            <a:off x="457200" y="3682080"/>
+            <a:ext cx="4015800" cy="1896840"/>
           </a:xfrm>
           <a:prstGeom prst="rect">
             <a:avLst/>
@@ -4657,7 +4878,7 @@
           <a:bodyPr lIns="0" tIns="0" rIns="0" bIns="0"/>
           <a:lstStyle/>
           <a:p>
-            <a:endParaRPr lang="de-DE" sz="1400" b="0" strike="noStrike" spc="-1">
+            <a:endParaRPr lang="de-DE" sz="3200" b="0" strike="noStrike" spc="-1">
               <a:solidFill>
                 <a:srgbClr val="000000"/>
               </a:solidFill>
@@ -4698,7 +4919,7 @@
       </p:grpSpPr>
       <p:sp>
         <p:nvSpPr>
-          <p:cNvPr id="130" name="PlaceHolder 1"/>
+          <p:cNvPr id="129" name="PlaceHolder 1"/>
           <p:cNvSpPr>
             <a:spLocks noGrp="1"/>
           </p:cNvSpPr>
@@ -4708,8 +4929,8 @@
         </p:nvSpPr>
         <p:spPr>
           <a:xfrm>
-            <a:off x="685800" y="304920"/>
-            <a:ext cx="7772040" cy="609120"/>
+            <a:off x="457200" y="273600"/>
+            <a:ext cx="8229240" cy="1144800"/>
           </a:xfrm>
           <a:prstGeom prst="rect">
             <a:avLst/>
@@ -4719,23 +4940,24 @@
           <a:bodyPr lIns="0" tIns="0" rIns="0" bIns="0" anchor="ctr"/>
           <a:lstStyle/>
           <a:p>
-            <a:endParaRPr lang="de-DE" sz="1400" b="0" strike="noStrike" spc="-1">
-              <a:solidFill>
-                <a:srgbClr val="000000"/>
-              </a:solidFill>
-              <a:uFill>
-                <a:solidFill>
-                  <a:srgbClr val="FFFFFF"/>
-                </a:solidFill>
-              </a:uFill>
-              <a:latin typeface="Arial"/>
-            </a:endParaRPr>
-          </a:p>
-        </p:txBody>
-      </p:sp>
-      <p:sp>
-        <p:nvSpPr>
-          <p:cNvPr id="131" name="PlaceHolder 2"/>
+            <a:pPr algn="ctr"/>
+            <a:endParaRPr lang="de-DE" sz="4400" b="0" strike="noStrike" spc="-1">
+              <a:solidFill>
+                <a:srgbClr val="000000"/>
+              </a:solidFill>
+              <a:uFill>
+                <a:solidFill>
+                  <a:srgbClr val="FFFFFF"/>
+                </a:solidFill>
+              </a:uFill>
+              <a:latin typeface="Arial"/>
+            </a:endParaRPr>
+          </a:p>
+        </p:txBody>
+      </p:sp>
+      <p:sp>
+        <p:nvSpPr>
+          <p:cNvPr id="130" name="PlaceHolder 2"/>
           <p:cNvSpPr>
             <a:spLocks noGrp="1"/>
           </p:cNvSpPr>
@@ -4745,8 +4967,8 @@
         </p:nvSpPr>
         <p:spPr>
           <a:xfrm>
-            <a:off x="685800" y="1066680"/>
-            <a:ext cx="7772040" cy="5028840"/>
+            <a:off x="457200" y="1604520"/>
+            <a:ext cx="8229240" cy="3977280"/>
           </a:xfrm>
           <a:prstGeom prst="rect">
             <a:avLst/>
@@ -4756,23 +4978,23 @@
           <a:bodyPr lIns="0" tIns="0" rIns="0" bIns="0"/>
           <a:lstStyle/>
           <a:p>
-            <a:endParaRPr lang="de-DE" sz="1400" b="0" strike="noStrike" spc="-1">
-              <a:solidFill>
-                <a:srgbClr val="000000"/>
-              </a:solidFill>
-              <a:uFill>
-                <a:solidFill>
-                  <a:srgbClr val="FFFFFF"/>
-                </a:solidFill>
-              </a:uFill>
-              <a:latin typeface="Arial"/>
-            </a:endParaRPr>
-          </a:p>
-        </p:txBody>
-      </p:sp>
-      <p:sp>
-        <p:nvSpPr>
-          <p:cNvPr id="132" name="PlaceHolder 3"/>
+            <a:endParaRPr lang="de-DE" sz="3200" b="0" strike="noStrike" spc="-1">
+              <a:solidFill>
+                <a:srgbClr val="000000"/>
+              </a:solidFill>
+              <a:uFill>
+                <a:solidFill>
+                  <a:srgbClr val="FFFFFF"/>
+                </a:solidFill>
+              </a:uFill>
+              <a:latin typeface="Arial"/>
+            </a:endParaRPr>
+          </a:p>
+        </p:txBody>
+      </p:sp>
+      <p:sp>
+        <p:nvSpPr>
+          <p:cNvPr id="131" name="PlaceHolder 3"/>
           <p:cNvSpPr>
             <a:spLocks noGrp="1"/>
           </p:cNvSpPr>
@@ -4782,8 +5004,8 @@
         </p:nvSpPr>
         <p:spPr>
           <a:xfrm>
-            <a:off x="685800" y="1066680"/>
-            <a:ext cx="7772040" cy="5028840"/>
+            <a:off x="457200" y="1604520"/>
+            <a:ext cx="8229240" cy="3977280"/>
           </a:xfrm>
           <a:prstGeom prst="rect">
             <a:avLst/>
@@ -4793,20 +5015,43 @@
           <a:bodyPr lIns="0" tIns="0" rIns="0" bIns="0"/>
           <a:lstStyle/>
           <a:p>
-            <a:endParaRPr lang="de-DE" sz="1400" b="0" strike="noStrike" spc="-1">
-              <a:solidFill>
-                <a:srgbClr val="000000"/>
-              </a:solidFill>
-              <a:uFill>
-                <a:solidFill>
-                  <a:srgbClr val="FFFFFF"/>
-                </a:solidFill>
-              </a:uFill>
-              <a:latin typeface="Arial"/>
-            </a:endParaRPr>
-          </a:p>
-        </p:txBody>
-      </p:sp>
+            <a:endParaRPr lang="de-DE" sz="3200" b="0" strike="noStrike" spc="-1">
+              <a:solidFill>
+                <a:srgbClr val="000000"/>
+              </a:solidFill>
+              <a:uFill>
+                <a:solidFill>
+                  <a:srgbClr val="FFFFFF"/>
+                </a:solidFill>
+              </a:uFill>
+              <a:latin typeface="Arial"/>
+            </a:endParaRPr>
+          </a:p>
+        </p:txBody>
+      </p:sp>
+      <p:pic>
+        <p:nvPicPr>
+          <p:cNvPr id="132" name="Grafik 131"/>
+          <p:cNvPicPr/>
+          <p:nvPr/>
+        </p:nvPicPr>
+        <p:blipFill>
+          <a:blip r:embed="rId2"/>
+          <a:stretch/>
+        </p:blipFill>
+        <p:spPr>
+          <a:xfrm>
+            <a:off x="2077920" y="1604520"/>
+            <a:ext cx="4987440" cy="3977280"/>
+          </a:xfrm>
+          <a:prstGeom prst="rect">
+            <a:avLst/>
+          </a:prstGeom>
+          <a:ln>
+            <a:noFill/>
+          </a:ln>
+        </p:spPr>
+      </p:pic>
       <p:pic>
         <p:nvPicPr>
           <p:cNvPr id="133" name="Grafik 132"/>
@@ -4819,31 +5064,8 @@
         </p:blipFill>
         <p:spPr>
           <a:xfrm>
-            <a:off x="1420200" y="1066320"/>
-            <a:ext cx="6302520" cy="5028840"/>
-          </a:xfrm>
-          <a:prstGeom prst="rect">
-            <a:avLst/>
-          </a:prstGeom>
-          <a:ln>
-            <a:noFill/>
-          </a:ln>
-        </p:spPr>
-      </p:pic>
-      <p:pic>
-        <p:nvPicPr>
-          <p:cNvPr id="134" name="Grafik 133"/>
-          <p:cNvPicPr/>
-          <p:nvPr/>
-        </p:nvPicPr>
-        <p:blipFill>
-          <a:blip r:embed="rId2"/>
-          <a:stretch/>
-        </p:blipFill>
-        <p:spPr>
-          <a:xfrm>
-            <a:off x="1420200" y="1066320"/>
-            <a:ext cx="6302520" cy="5028840"/>
+            <a:off x="2077920" y="1604520"/>
+            <a:ext cx="4987440" cy="3977280"/>
           </a:xfrm>
           <a:prstGeom prst="rect">
             <a:avLst/>
@@ -4890,8 +5112,8 @@
         </p:nvSpPr>
         <p:spPr>
           <a:xfrm>
-            <a:off x="685800" y="304920"/>
-            <a:ext cx="7772040" cy="609120"/>
+            <a:off x="457200" y="273600"/>
+            <a:ext cx="8229240" cy="1144800"/>
           </a:xfrm>
           <a:prstGeom prst="rect">
             <a:avLst/>
@@ -4901,7 +5123,8 @@
           <a:bodyPr lIns="0" tIns="0" rIns="0" bIns="0" anchor="ctr"/>
           <a:lstStyle/>
           <a:p>
-            <a:endParaRPr lang="de-DE" sz="1400" b="0" strike="noStrike" spc="-1">
+            <a:pPr algn="ctr"/>
+            <a:endParaRPr lang="de-DE" sz="4400" b="0" strike="noStrike" spc="-1">
               <a:solidFill>
                 <a:srgbClr val="000000"/>
               </a:solidFill>
@@ -4927,8 +5150,8 @@
         </p:nvSpPr>
         <p:spPr>
           <a:xfrm>
-            <a:off x="685800" y="1066680"/>
-            <a:ext cx="3792600" cy="5028840"/>
+            <a:off x="457200" y="1604520"/>
+            <a:ext cx="4015800" cy="3977280"/>
           </a:xfrm>
           <a:prstGeom prst="rect">
             <a:avLst/>
@@ -4938,7 +5161,7 @@
           <a:bodyPr lIns="0" tIns="0" rIns="0" bIns="0"/>
           <a:lstStyle/>
           <a:p>
-            <a:endParaRPr lang="de-DE" sz="1400" b="0" strike="noStrike" spc="-1">
+            <a:endParaRPr lang="de-DE" sz="3200" b="0" strike="noStrike" spc="-1">
               <a:solidFill>
                 <a:srgbClr val="000000"/>
               </a:solidFill>
@@ -4964,8 +5187,8 @@
         </p:nvSpPr>
         <p:spPr>
           <a:xfrm>
-            <a:off x="4668480" y="1066680"/>
-            <a:ext cx="3792600" cy="5028840"/>
+            <a:off x="4674240" y="1604520"/>
+            <a:ext cx="4015800" cy="3977280"/>
           </a:xfrm>
           <a:prstGeom prst="rect">
             <a:avLst/>
@@ -4975,7 +5198,7 @@
           <a:bodyPr lIns="0" tIns="0" rIns="0" bIns="0"/>
           <a:lstStyle/>
           <a:p>
-            <a:endParaRPr lang="de-DE" sz="1400" b="0" strike="noStrike" spc="-1">
+            <a:endParaRPr lang="de-DE" sz="3200" b="0" strike="noStrike" spc="-1">
               <a:solidFill>
                 <a:srgbClr val="000000"/>
               </a:solidFill>
@@ -5026,8 +5249,8 @@
         </p:nvSpPr>
         <p:spPr>
           <a:xfrm>
-            <a:off x="685800" y="304920"/>
-            <a:ext cx="7772040" cy="609120"/>
+            <a:off x="457200" y="273600"/>
+            <a:ext cx="8229240" cy="1144800"/>
           </a:xfrm>
           <a:prstGeom prst="rect">
             <a:avLst/>
@@ -5037,7 +5260,8 @@
           <a:bodyPr lIns="0" tIns="0" rIns="0" bIns="0" anchor="ctr"/>
           <a:lstStyle/>
           <a:p>
-            <a:endParaRPr lang="de-DE" sz="1400" b="0" strike="noStrike" spc="-1">
+            <a:pPr algn="ctr"/>
+            <a:endParaRPr lang="de-DE" sz="4400" b="0" strike="noStrike" spc="-1">
               <a:solidFill>
                 <a:srgbClr val="000000"/>
               </a:solidFill>
@@ -5088,8 +5312,8 @@
         </p:nvSpPr>
         <p:spPr>
           <a:xfrm>
-            <a:off x="685800" y="304920"/>
-            <a:ext cx="7772040" cy="2824920"/>
+            <a:off x="457200" y="273600"/>
+            <a:ext cx="8229240" cy="5307840"/>
           </a:xfrm>
           <a:prstGeom prst="rect">
             <a:avLst/>
@@ -5151,8 +5375,8 @@
         </p:nvSpPr>
         <p:spPr>
           <a:xfrm>
-            <a:off x="685800" y="304920"/>
-            <a:ext cx="7772040" cy="609120"/>
+            <a:off x="457200" y="273600"/>
+            <a:ext cx="8229240" cy="1144800"/>
           </a:xfrm>
           <a:prstGeom prst="rect">
             <a:avLst/>
@@ -5162,7 +5386,8 @@
           <a:bodyPr lIns="0" tIns="0" rIns="0" bIns="0" anchor="ctr"/>
           <a:lstStyle/>
           <a:p>
-            <a:endParaRPr lang="de-DE" sz="1400" b="0" strike="noStrike" spc="-1">
+            <a:pPr algn="ctr"/>
+            <a:endParaRPr lang="de-DE" sz="4400" b="0" strike="noStrike" spc="-1">
               <a:solidFill>
                 <a:srgbClr val="000000"/>
               </a:solidFill>
@@ -5188,8 +5413,8 @@
         </p:nvSpPr>
         <p:spPr>
           <a:xfrm>
-            <a:off x="685800" y="1066680"/>
-            <a:ext cx="3792600" cy="2398680"/>
+            <a:off x="457200" y="1604520"/>
+            <a:ext cx="4015800" cy="1896840"/>
           </a:xfrm>
           <a:prstGeom prst="rect">
             <a:avLst/>
@@ -5199,7 +5424,7 @@
           <a:bodyPr lIns="0" tIns="0" rIns="0" bIns="0"/>
           <a:lstStyle/>
           <a:p>
-            <a:endParaRPr lang="de-DE" sz="1400" b="0" strike="noStrike" spc="-1">
+            <a:endParaRPr lang="de-DE" sz="3200" b="0" strike="noStrike" spc="-1">
               <a:solidFill>
                 <a:srgbClr val="000000"/>
               </a:solidFill>
@@ -5225,8 +5450,8 @@
         </p:nvSpPr>
         <p:spPr>
           <a:xfrm>
-            <a:off x="685800" y="3693600"/>
-            <a:ext cx="3792600" cy="2398680"/>
+            <a:off x="457200" y="3682080"/>
+            <a:ext cx="4015800" cy="1896840"/>
           </a:xfrm>
           <a:prstGeom prst="rect">
             <a:avLst/>
@@ -5236,7 +5461,7 @@
           <a:bodyPr lIns="0" tIns="0" rIns="0" bIns="0"/>
           <a:lstStyle/>
           <a:p>
-            <a:endParaRPr lang="de-DE" sz="1400" b="0" strike="noStrike" spc="-1">
+            <a:endParaRPr lang="de-DE" sz="3200" b="0" strike="noStrike" spc="-1">
               <a:solidFill>
                 <a:srgbClr val="000000"/>
               </a:solidFill>
@@ -5262,8 +5487,8 @@
         </p:nvSpPr>
         <p:spPr>
           <a:xfrm>
-            <a:off x="4668480" y="1066680"/>
-            <a:ext cx="3792600" cy="5028840"/>
+            <a:off x="4674240" y="1604520"/>
+            <a:ext cx="4015800" cy="3977280"/>
           </a:xfrm>
           <a:prstGeom prst="rect">
             <a:avLst/>
@@ -5273,7 +5498,7 @@
           <a:bodyPr lIns="0" tIns="0" rIns="0" bIns="0"/>
           <a:lstStyle/>
           <a:p>
-            <a:endParaRPr lang="de-DE" sz="1400" b="0" strike="noStrike" spc="-1">
+            <a:endParaRPr lang="de-DE" sz="3200" b="0" strike="noStrike" spc="-1">
               <a:solidFill>
                 <a:srgbClr val="000000"/>
               </a:solidFill>
@@ -5324,8 +5549,8 @@
         </p:nvSpPr>
         <p:spPr>
           <a:xfrm>
-            <a:off x="685800" y="304920"/>
-            <a:ext cx="7772040" cy="609120"/>
+            <a:off x="457200" y="273600"/>
+            <a:ext cx="8229240" cy="1144800"/>
           </a:xfrm>
           <a:prstGeom prst="rect">
             <a:avLst/>
@@ -5335,7 +5560,8 @@
           <a:bodyPr lIns="0" tIns="0" rIns="0" bIns="0" anchor="ctr"/>
           <a:lstStyle/>
           <a:p>
-            <a:endParaRPr lang="de-DE" sz="1400" b="0" strike="noStrike" spc="-1">
+            <a:pPr algn="ctr"/>
+            <a:endParaRPr lang="de-DE" sz="4400" b="0" strike="noStrike" spc="-1">
               <a:solidFill>
                 <a:srgbClr val="000000"/>
               </a:solidFill>
@@ -5361,8 +5587,8 @@
         </p:nvSpPr>
         <p:spPr>
           <a:xfrm>
-            <a:off x="685800" y="1066680"/>
-            <a:ext cx="3792600" cy="5028840"/>
+            <a:off x="457200" y="1604520"/>
+            <a:ext cx="4015800" cy="3977280"/>
           </a:xfrm>
           <a:prstGeom prst="rect">
             <a:avLst/>
@@ -5372,7 +5598,7 @@
           <a:bodyPr lIns="0" tIns="0" rIns="0" bIns="0"/>
           <a:lstStyle/>
           <a:p>
-            <a:endParaRPr lang="de-DE" sz="1400" b="0" strike="noStrike" spc="-1">
+            <a:endParaRPr lang="de-DE" sz="3200" b="0" strike="noStrike" spc="-1">
               <a:solidFill>
                 <a:srgbClr val="000000"/>
               </a:solidFill>
@@ -5398,8 +5624,8 @@
         </p:nvSpPr>
         <p:spPr>
           <a:xfrm>
-            <a:off x="4668480" y="1066680"/>
-            <a:ext cx="3792600" cy="2398680"/>
+            <a:off x="4674240" y="1604520"/>
+            <a:ext cx="4015800" cy="1896840"/>
           </a:xfrm>
           <a:prstGeom prst="rect">
             <a:avLst/>
@@ -5409,7 +5635,7 @@
           <a:bodyPr lIns="0" tIns="0" rIns="0" bIns="0"/>
           <a:lstStyle/>
           <a:p>
-            <a:endParaRPr lang="de-DE" sz="1400" b="0" strike="noStrike" spc="-1">
+            <a:endParaRPr lang="de-DE" sz="3200" b="0" strike="noStrike" spc="-1">
               <a:solidFill>
                 <a:srgbClr val="000000"/>
               </a:solidFill>
@@ -5435,8 +5661,8 @@
         </p:nvSpPr>
         <p:spPr>
           <a:xfrm>
-            <a:off x="4668480" y="3693600"/>
-            <a:ext cx="3792600" cy="2398680"/>
+            <a:off x="4674240" y="3682080"/>
+            <a:ext cx="4015800" cy="1896840"/>
           </a:xfrm>
           <a:prstGeom prst="rect">
             <a:avLst/>
@@ -5446,7 +5672,7 @@
           <a:bodyPr lIns="0" tIns="0" rIns="0" bIns="0"/>
           <a:lstStyle/>
           <a:p>
-            <a:endParaRPr lang="de-DE" sz="1400" b="0" strike="noStrike" spc="-1">
+            <a:endParaRPr lang="de-DE" sz="3200" b="0" strike="noStrike" spc="-1">
               <a:solidFill>
                 <a:srgbClr val="000000"/>
               </a:solidFill>
@@ -5497,8 +5723,8 @@
         </p:nvSpPr>
         <p:spPr>
           <a:xfrm>
-            <a:off x="685800" y="304920"/>
-            <a:ext cx="7772040" cy="609120"/>
+            <a:off x="457200" y="273600"/>
+            <a:ext cx="8229240" cy="1144800"/>
           </a:xfrm>
           <a:prstGeom prst="rect">
             <a:avLst/>
@@ -5508,7 +5734,8 @@
           <a:bodyPr lIns="0" tIns="0" rIns="0" bIns="0" anchor="ctr"/>
           <a:lstStyle/>
           <a:p>
-            <a:endParaRPr lang="de-DE" sz="1400" b="0" strike="noStrike" spc="-1">
+            <a:pPr algn="ctr"/>
+            <a:endParaRPr lang="de-DE" sz="4400" b="0" strike="noStrike" spc="-1">
               <a:solidFill>
                 <a:srgbClr val="000000"/>
               </a:solidFill>
@@ -5534,8 +5761,8 @@
         </p:nvSpPr>
         <p:spPr>
           <a:xfrm>
-            <a:off x="685800" y="1066680"/>
-            <a:ext cx="3792600" cy="2398680"/>
+            <a:off x="457200" y="1604520"/>
+            <a:ext cx="4015800" cy="1896840"/>
           </a:xfrm>
           <a:prstGeom prst="rect">
             <a:avLst/>
@@ -5545,7 +5772,7 @@
           <a:bodyPr lIns="0" tIns="0" rIns="0" bIns="0"/>
           <a:lstStyle/>
           <a:p>
-            <a:endParaRPr lang="de-DE" sz="1400" b="0" strike="noStrike" spc="-1">
+            <a:endParaRPr lang="de-DE" sz="3200" b="0" strike="noStrike" spc="-1">
               <a:solidFill>
                 <a:srgbClr val="000000"/>
               </a:solidFill>
@@ -5571,8 +5798,8 @@
         </p:nvSpPr>
         <p:spPr>
           <a:xfrm>
-            <a:off x="4668480" y="1066680"/>
-            <a:ext cx="3792600" cy="2398680"/>
+            <a:off x="4674240" y="1604520"/>
+            <a:ext cx="4015800" cy="1896840"/>
           </a:xfrm>
           <a:prstGeom prst="rect">
             <a:avLst/>
@@ -5582,7 +5809,7 @@
           <a:bodyPr lIns="0" tIns="0" rIns="0" bIns="0"/>
           <a:lstStyle/>
           <a:p>
-            <a:endParaRPr lang="de-DE" sz="1400" b="0" strike="noStrike" spc="-1">
+            <a:endParaRPr lang="de-DE" sz="3200" b="0" strike="noStrike" spc="-1">
               <a:solidFill>
                 <a:srgbClr val="000000"/>
               </a:solidFill>
@@ -5608,8 +5835,8 @@
         </p:nvSpPr>
         <p:spPr>
           <a:xfrm>
-            <a:off x="685800" y="3693600"/>
-            <a:ext cx="7772040" cy="2398680"/>
+            <a:off x="457200" y="3682080"/>
+            <a:ext cx="8229240" cy="1896840"/>
           </a:xfrm>
           <a:prstGeom prst="rect">
             <a:avLst/>
@@ -5619,7 +5846,7 @@
           <a:bodyPr lIns="0" tIns="0" rIns="0" bIns="0"/>
           <a:lstStyle/>
           <a:p>
-            <a:endParaRPr lang="de-DE" sz="1400" b="0" strike="noStrike" spc="-1">
+            <a:endParaRPr lang="de-DE" sz="3200" b="0" strike="noStrike" spc="-1">
               <a:solidFill>
                 <a:srgbClr val="000000"/>
               </a:solidFill>
@@ -5675,7 +5902,7 @@
         <p:spPr>
           <a:xfrm>
             <a:off x="152280" y="1752480"/>
-            <a:ext cx="4723920" cy="151920"/>
+            <a:ext cx="4723560" cy="151560"/>
           </a:xfrm>
           <a:prstGeom prst="rect">
             <a:avLst/>
@@ -5707,7 +5934,7 @@
         <p:spPr>
           <a:xfrm>
             <a:off x="762120" y="762120"/>
-            <a:ext cx="8380080" cy="761760"/>
+            <a:ext cx="8379720" cy="761400"/>
           </a:xfrm>
           <a:prstGeom prst="rect">
             <a:avLst/>
@@ -5739,7 +5966,7 @@
         <p:spPr>
           <a:xfrm>
             <a:off x="5638680" y="6248520"/>
-            <a:ext cx="2879280" cy="475920"/>
+            <a:ext cx="2878920" cy="475560"/>
           </a:xfrm>
           <a:prstGeom prst="rect">
             <a:avLst/>
@@ -5762,7 +5989,7 @@
           <a:fontRef idx="minor"/>
         </p:style>
         <p:txBody>
-          <a:bodyPr/>
+          <a:bodyPr lIns="90000" tIns="45000" rIns="90000" bIns="45000"/>
           <a:lstStyle/>
           <a:p>
             <a:pPr algn="r">
@@ -5785,7 +6012,7 @@
               </a:rPr>
               <a:t>Seite </a:t>
             </a:r>
-            <a:fld id="{7D752E70-5E9A-4462-966F-D463FDC3CEA3}" type="slidenum">
+            <a:fld id="{2AD49FB5-8A86-4C5F-BFA7-81A1B12B7E4C}" type="slidenum">
               <a:rPr lang="de-DE" sz="1200" b="1" strike="noStrike" spc="-1">
                 <a:solidFill>
                   <a:srgbClr val="000000"/>
@@ -5841,7 +6068,7 @@
         <p:spPr>
           <a:xfrm>
             <a:off x="1295280" y="6248520"/>
-            <a:ext cx="5866920" cy="268920"/>
+            <a:ext cx="5866560" cy="268560"/>
           </a:xfrm>
           <a:prstGeom prst="rect">
             <a:avLst/>
@@ -5864,7 +6091,7 @@
           <a:fontRef idx="minor"/>
         </p:style>
         <p:txBody>
-          <a:bodyPr/>
+          <a:bodyPr lIns="90000" tIns="45000" rIns="90000" bIns="45000"/>
           <a:lstStyle/>
           <a:p>
             <a:pPr>
@@ -5910,7 +6137,7 @@
         <p:spPr>
           <a:xfrm>
             <a:off x="1219320" y="6172200"/>
-            <a:ext cx="7924320" cy="360"/>
+            <a:ext cx="7923960" cy="360"/>
           </a:xfrm>
           <a:custGeom>
             <a:avLst/>
@@ -5958,8 +6185,8 @@
         </p:nvSpPr>
         <p:spPr>
           <a:xfrm rot="10800000">
-            <a:off x="1219320" y="6858000"/>
-            <a:ext cx="360" cy="685440"/>
+            <a:off x="1219680" y="7543440"/>
+            <a:ext cx="360" cy="685080"/>
           </a:xfrm>
           <a:custGeom>
             <a:avLst/>
@@ -6012,7 +6239,7 @@
         <p:spPr>
           <a:xfrm>
             <a:off x="0" y="6019920"/>
-            <a:ext cx="956520" cy="664200"/>
+            <a:ext cx="956160" cy="663840"/>
           </a:xfrm>
           <a:prstGeom prst="rect">
             <a:avLst/>
@@ -6029,13 +6256,21 @@
           <p:nvPr/>
         </p:nvPicPr>
         <p:blipFill>
-          <a:blip r:embed="rId15"/>
-          <a:stretch/>
+          <a:blip r:embed="rId15">
+            <a:extLst>
+              <a:ext uri="{28A0092B-C50C-407E-A947-70E740481C1C}">
+                <a14:useLocalDpi xmlns:a14="http://schemas.microsoft.com/office/drawing/2010/main" val="0"/>
+              </a:ext>
+            </a:extLst>
+          </a:blip>
+          <a:stretch>
+            <a:fillRect/>
+          </a:stretch>
         </p:blipFill>
         <p:spPr>
           <a:xfrm>
-            <a:off x="5321160" y="1030320"/>
-            <a:ext cx="2625840" cy="1101240"/>
+            <a:off x="5459508" y="981552"/>
+            <a:ext cx="2775906" cy="1261776"/>
           </a:xfrm>
           <a:prstGeom prst="rect">
             <a:avLst/>
@@ -6054,7 +6289,7 @@
         <p:spPr>
           <a:xfrm>
             <a:off x="0" y="0"/>
-            <a:ext cx="360" cy="2514240"/>
+            <a:ext cx="360" cy="2513880"/>
           </a:xfrm>
           <a:custGeom>
             <a:avLst/>
@@ -6096,63 +6331,14 @@
       </p:sp>
       <p:sp>
         <p:nvSpPr>
-          <p:cNvPr id="9" name="CustomShape 8"/>
-          <p:cNvSpPr/>
-          <p:nvPr/>
-        </p:nvSpPr>
-        <p:spPr>
-          <a:xfrm rot="10800000">
-            <a:off x="5867280" y="0"/>
-            <a:ext cx="5866920" cy="360"/>
-          </a:xfrm>
-          <a:custGeom>
-            <a:avLst/>
-            <a:gdLst/>
-            <a:ahLst/>
-            <a:cxnLst/>
-            <a:rect l="l" t="t" r="r" b="b"/>
-            <a:pathLst>
-              <a:path w="21600" h="21600">
-                <a:moveTo>
-                  <a:pt x="0" y="0"/>
-                </a:moveTo>
-                <a:lnTo>
-                  <a:pt x="21600" y="21600"/>
-                </a:lnTo>
-              </a:path>
-            </a:pathLst>
-          </a:custGeom>
-          <a:noFill/>
-          <a:ln w="12600">
-            <a:solidFill>
-              <a:schemeClr val="dk1"/>
-            </a:solidFill>
-            <a:round/>
-          </a:ln>
-        </p:spPr>
-        <p:style>
-          <a:lnRef idx="0">
-            <a:scrgbClr r="0" g="0" b="0"/>
-          </a:lnRef>
-          <a:fillRef idx="0">
-            <a:scrgbClr r="0" g="0" b="0"/>
-          </a:fillRef>
-          <a:effectRef idx="0">
-            <a:scrgbClr r="0" g="0" b="0"/>
-          </a:effectRef>
-          <a:fontRef idx="minor"/>
-        </p:style>
-      </p:sp>
-      <p:sp>
-        <p:nvSpPr>
           <p:cNvPr id="10" name="CustomShape 9"/>
           <p:cNvSpPr/>
           <p:nvPr/>
         </p:nvSpPr>
         <p:spPr>
           <a:xfrm rot="10800000" flipH="1">
-            <a:off x="5334120" y="2133720"/>
-            <a:ext cx="5333760" cy="2133360"/>
+            <a:off x="0" y="359"/>
+            <a:ext cx="5333400" cy="2133000"/>
           </a:xfrm>
           <a:prstGeom prst="rtTriangle">
             <a:avLst/>
@@ -6186,7 +6372,7 @@
         <p:spPr>
           <a:xfrm rot="5400000" flipH="1">
             <a:off x="-1389960" y="3511440"/>
-            <a:ext cx="4736880" cy="1955520"/>
+            <a:ext cx="4736520" cy="1955160"/>
           </a:xfrm>
           <a:prstGeom prst="rtTriangle">
             <a:avLst/>
@@ -6223,8 +6409,8 @@
         </p:nvSpPr>
         <p:spPr>
           <a:xfrm>
-            <a:off x="457200" y="273600"/>
-            <a:ext cx="8229240" cy="1144800"/>
+            <a:off x="685800" y="304920"/>
+            <a:ext cx="7771680" cy="608760"/>
           </a:xfrm>
           <a:prstGeom prst="rect">
             <a:avLst/>
@@ -6234,20 +6420,18 @@
           <a:bodyPr lIns="0" tIns="0" rIns="0" bIns="0" anchor="ctr"/>
           <a:lstStyle/>
           <a:p>
-            <a:r>
-              <a:rPr lang="de-DE" sz="1400" b="0" strike="noStrike" spc="-1">
-                <a:solidFill>
-                  <a:srgbClr val="000000"/>
-                </a:solidFill>
-                <a:uFill>
-                  <a:solidFill>
-                    <a:srgbClr val="FFFFFF"/>
-                  </a:solidFill>
-                </a:uFill>
-                <a:latin typeface="Arial"/>
-              </a:rPr>
-              <a:t>Format des Titeltextes durch Klicken bearbeiten</a:t>
-            </a:r>
+            <a:pPr algn="ctr"/>
+            <a:endParaRPr lang="de-DE" sz="4400" b="0" strike="noStrike" spc="-1">
+              <a:solidFill>
+                <a:srgbClr val="000000"/>
+              </a:solidFill>
+              <a:uFill>
+                <a:solidFill>
+                  <a:srgbClr val="FFFFFF"/>
+                </a:solidFill>
+              </a:uFill>
+              <a:latin typeface="Arial"/>
+            </a:endParaRPr>
           </a:p>
         </p:txBody>
       </p:sp>
@@ -6283,7 +6467,7 @@
               <a:buChar char=""/>
             </a:pPr>
             <a:r>
-              <a:rPr lang="de-DE" sz="1400" b="0" strike="noStrike" spc="-1">
+              <a:rPr lang="de-DE" sz="3200" b="0" strike="noStrike" spc="-1">
                 <a:solidFill>
                   <a:srgbClr val="000000"/>
                 </a:solidFill>
@@ -6307,7 +6491,7 @@
               <a:buChar char=""/>
             </a:pPr>
             <a:r>
-              <a:rPr lang="de-DE" sz="1400" b="0" strike="noStrike" spc="-1">
+              <a:rPr lang="de-DE" sz="2800" b="0" strike="noStrike" spc="-1">
                 <a:solidFill>
                   <a:srgbClr val="000000"/>
                 </a:solidFill>
@@ -6331,7 +6515,7 @@
               <a:buChar char=""/>
             </a:pPr>
             <a:r>
-              <a:rPr lang="de-DE" sz="1400" b="0" strike="noStrike" spc="-1">
+              <a:rPr lang="de-DE" sz="2400" b="0" strike="noStrike" spc="-1">
                 <a:solidFill>
                   <a:srgbClr val="000000"/>
                 </a:solidFill>
@@ -6355,7 +6539,7 @@
               <a:buChar char=""/>
             </a:pPr>
             <a:r>
-              <a:rPr lang="de-DE" sz="1400" b="0" strike="noStrike" spc="-1">
+              <a:rPr lang="de-DE" sz="2000" b="0" strike="noStrike" spc="-1">
                 <a:solidFill>
                   <a:srgbClr val="000000"/>
                 </a:solidFill>
@@ -6777,7 +6961,7 @@
         <p:spPr>
           <a:xfrm>
             <a:off x="152280" y="1752480"/>
-            <a:ext cx="4723920" cy="151920"/>
+            <a:ext cx="4723560" cy="151560"/>
           </a:xfrm>
           <a:prstGeom prst="rect">
             <a:avLst/>
@@ -6809,7 +6993,7 @@
         <p:spPr>
           <a:xfrm>
             <a:off x="762120" y="762120"/>
-            <a:ext cx="8380080" cy="761760"/>
+            <a:ext cx="8379720" cy="761400"/>
           </a:xfrm>
           <a:prstGeom prst="rect">
             <a:avLst/>
@@ -6841,7 +7025,7 @@
         <p:spPr>
           <a:xfrm>
             <a:off x="5638680" y="6248520"/>
-            <a:ext cx="2879280" cy="475920"/>
+            <a:ext cx="2878920" cy="475560"/>
           </a:xfrm>
           <a:prstGeom prst="rect">
             <a:avLst/>
@@ -6864,7 +7048,7 @@
           <a:fontRef idx="minor"/>
         </p:style>
         <p:txBody>
-          <a:bodyPr/>
+          <a:bodyPr lIns="90000" tIns="45000" rIns="90000" bIns="45000"/>
           <a:lstStyle/>
           <a:p>
             <a:pPr algn="r">
@@ -6873,7 +7057,7 @@
               </a:lnSpc>
             </a:pPr>
             <a:r>
-              <a:rPr lang="de-DE" sz="1200" b="1" strike="noStrike" spc="-1">
+              <a:rPr lang="de-DE" sz="1200" b="1" strike="noStrike" spc="-1" dirty="0" err="1">
                 <a:solidFill>
                   <a:srgbClr val="000000"/>
                 </a:solidFill>
@@ -6885,9 +7069,24 @@
                 <a:latin typeface="Arial"/>
                 <a:ea typeface="Arial"/>
               </a:rPr>
-              <a:t>Seite </a:t>
+              <a:t>page</a:t>
             </a:r>
-            <a:fld id="{D08D7536-29BD-4F23-98A7-AC47D52205E2}" type="slidenum">
+            <a:r>
+              <a:rPr lang="de-DE" sz="1200" b="1" strike="noStrike" spc="-1" dirty="0">
+                <a:solidFill>
+                  <a:srgbClr val="000000"/>
+                </a:solidFill>
+                <a:uFill>
+                  <a:solidFill>
+                    <a:srgbClr val="FFFFFF"/>
+                  </a:solidFill>
+                </a:uFill>
+                <a:latin typeface="Arial"/>
+                <a:ea typeface="Arial"/>
+              </a:rPr>
+              <a:t> </a:t>
+            </a:r>
+            <a:fld id="{AEB9090A-A0AF-4599-913B-95B4D2CB4832}" type="slidenum">
               <a:rPr lang="de-DE" sz="1200" b="1" strike="noStrike" spc="-1">
                 <a:solidFill>
                   <a:srgbClr val="000000"/>
@@ -6902,7 +7101,7 @@
               </a:rPr>
               <a:t>‹Nr.›</a:t>
             </a:fld>
-            <a:endParaRPr lang="de-DE" sz="1800" b="0" strike="noStrike" spc="-1">
+            <a:endParaRPr lang="de-DE" sz="1800" b="0" strike="noStrike" spc="-1" dirty="0">
               <a:solidFill>
                 <a:srgbClr val="000000"/>
               </a:solidFill>
@@ -6920,7 +7119,7 @@
                 <a:spcPct val="100000"/>
               </a:lnSpc>
             </a:pPr>
-            <a:endParaRPr lang="de-DE" sz="1800" b="0" strike="noStrike" spc="-1">
+            <a:endParaRPr lang="de-DE" sz="1800" b="0" strike="noStrike" spc="-1" dirty="0">
               <a:solidFill>
                 <a:srgbClr val="000000"/>
               </a:solidFill>
@@ -6943,7 +7142,7 @@
         <p:spPr>
           <a:xfrm>
             <a:off x="1295280" y="6248520"/>
-            <a:ext cx="5866920" cy="268920"/>
+            <a:ext cx="5866560" cy="268560"/>
           </a:xfrm>
           <a:prstGeom prst="rect">
             <a:avLst/>
@@ -6966,7 +7165,7 @@
           <a:fontRef idx="minor"/>
         </p:style>
         <p:txBody>
-          <a:bodyPr/>
+          <a:bodyPr lIns="90000" tIns="45000" rIns="90000" bIns="45000"/>
           <a:lstStyle/>
           <a:p>
             <a:pPr>
@@ -6975,7 +7174,7 @@
               </a:lnSpc>
             </a:pPr>
             <a:r>
-              <a:rPr lang="de-DE" sz="1150" b="1" strike="noStrike" spc="-1">
+              <a:rPr lang="de-DE" sz="1150" b="1" strike="noStrike" spc="-1" dirty="0">
                 <a:solidFill>
                   <a:srgbClr val="000000"/>
                 </a:solidFill>
@@ -6987,9 +7186,39 @@
                 <a:latin typeface="Arial"/>
                 <a:ea typeface="Arial"/>
               </a:rPr>
-              <a:t>Man-In-The-Middle</a:t>
+              <a:t>Dog </a:t>
             </a:r>
-            <a:endParaRPr lang="de-DE" sz="1800" b="0" strike="noStrike" spc="-1">
+            <a:r>
+              <a:rPr lang="de-DE" sz="1150" b="1" strike="noStrike" spc="-1" dirty="0" err="1">
+                <a:solidFill>
+                  <a:srgbClr val="000000"/>
+                </a:solidFill>
+                <a:uFill>
+                  <a:solidFill>
+                    <a:srgbClr val="FFFFFF"/>
+                  </a:solidFill>
+                </a:uFill>
+                <a:latin typeface="Arial"/>
+                <a:ea typeface="Arial"/>
+              </a:rPr>
+              <a:t>Breed</a:t>
+            </a:r>
+            <a:r>
+              <a:rPr lang="de-DE" sz="1150" b="1" strike="noStrike" spc="-1" dirty="0">
+                <a:solidFill>
+                  <a:srgbClr val="000000"/>
+                </a:solidFill>
+                <a:uFill>
+                  <a:solidFill>
+                    <a:srgbClr val="FFFFFF"/>
+                  </a:solidFill>
+                </a:uFill>
+                <a:latin typeface="Arial"/>
+                <a:ea typeface="Arial"/>
+              </a:rPr>
+              <a:t> Analyzer</a:t>
+            </a:r>
+            <a:endParaRPr lang="de-DE" sz="1800" b="0" strike="noStrike" spc="-1" dirty="0">
               <a:solidFill>
                 <a:srgbClr val="000000"/>
               </a:solidFill>
@@ -7012,7 +7241,7 @@
         <p:spPr>
           <a:xfrm>
             <a:off x="1219320" y="6172200"/>
-            <a:ext cx="7924320" cy="360"/>
+            <a:ext cx="7923960" cy="360"/>
           </a:xfrm>
           <a:custGeom>
             <a:avLst/>
@@ -7056,12 +7285,12 @@
         <p:nvSpPr>
           <p:cNvPr id="53" name="CustomShape 6"/>
           <p:cNvSpPr/>
-          <p:nvPr/>
+          <p:nvPr userDrawn="1"/>
         </p:nvSpPr>
         <p:spPr>
           <a:xfrm rot="10800000">
-            <a:off x="1219320" y="6858000"/>
-            <a:ext cx="360" cy="685440"/>
+            <a:off x="1218960" y="6174540"/>
+            <a:ext cx="360" cy="685080"/>
           </a:xfrm>
           <a:custGeom>
             <a:avLst/>
@@ -7114,7 +7343,7 @@
         <p:spPr>
           <a:xfrm>
             <a:off x="0" y="6019920"/>
-            <a:ext cx="956520" cy="664200"/>
+            <a:ext cx="956160" cy="663840"/>
           </a:xfrm>
           <a:prstGeom prst="rect">
             <a:avLst/>
@@ -7136,28 +7365,32 @@
         </p:nvSpPr>
         <p:spPr>
           <a:xfrm>
-            <a:off x="685800" y="304920"/>
-            <a:ext cx="7772040" cy="609120"/>
-          </a:xfrm>
-          <a:prstGeom prst="rect">
-            <a:avLst/>
-          </a:prstGeom>
-        </p:spPr>
-        <p:txBody>
-          <a:bodyPr tIns="91440" bIns="91440" anchor="ctr"/>
-          <a:lstStyle/>
-          <a:p>
-            <a:endParaRPr lang="de-DE" sz="1400" b="0" strike="noStrike" spc="-1">
-              <a:solidFill>
-                <a:srgbClr val="000000"/>
-              </a:solidFill>
-              <a:uFill>
-                <a:solidFill>
-                  <a:srgbClr val="FFFFFF"/>
-                </a:solidFill>
-              </a:uFill>
-              <a:latin typeface="Arial"/>
-            </a:endParaRPr>
+            <a:off x="457200" y="273600"/>
+            <a:ext cx="8229240" cy="1144800"/>
+          </a:xfrm>
+          <a:prstGeom prst="rect">
+            <a:avLst/>
+          </a:prstGeom>
+        </p:spPr>
+        <p:txBody>
+          <a:bodyPr lIns="0" tIns="0" rIns="0" bIns="0" anchor="ctr"/>
+          <a:lstStyle/>
+          <a:p>
+            <a:pPr algn="ctr"/>
+            <a:r>
+              <a:rPr lang="de-DE" sz="4400" b="0" strike="noStrike" spc="-1">
+                <a:solidFill>
+                  <a:srgbClr val="000000"/>
+                </a:solidFill>
+                <a:uFill>
+                  <a:solidFill>
+                    <a:srgbClr val="FFFFFF"/>
+                  </a:solidFill>
+                </a:uFill>
+                <a:latin typeface="Arial"/>
+              </a:rPr>
+              <a:t>Format des Titeltextes durch Klicken bearbeiten</a:t>
+            </a:r>
           </a:p>
         </p:txBody>
       </p:sp>
@@ -7173,15 +7406,15 @@
         </p:nvSpPr>
         <p:spPr>
           <a:xfrm>
-            <a:off x="685800" y="1066680"/>
-            <a:ext cx="7772040" cy="5028840"/>
-          </a:xfrm>
-          <a:prstGeom prst="rect">
-            <a:avLst/>
-          </a:prstGeom>
-        </p:spPr>
-        <p:txBody>
-          <a:bodyPr tIns="91440" bIns="91440"/>
+            <a:off x="457200" y="1604520"/>
+            <a:ext cx="8229240" cy="3977280"/>
+          </a:xfrm>
+          <a:prstGeom prst="rect">
+            <a:avLst/>
+          </a:prstGeom>
+        </p:spPr>
+        <p:txBody>
+          <a:bodyPr lIns="0" tIns="0" rIns="0" bIns="0"/>
           <a:lstStyle/>
           <a:p>
             <a:pPr marL="432000" indent="-324000">
@@ -7193,7 +7426,7 @@
               <a:buChar char=""/>
             </a:pPr>
             <a:r>
-              <a:rPr lang="de-DE" sz="2800" b="0" strike="noStrike" spc="-1">
+              <a:rPr lang="de-DE" sz="3200" b="0" strike="noStrike" spc="-1">
                 <a:solidFill>
                   <a:srgbClr val="000000"/>
                 </a:solidFill>
@@ -7241,7 +7474,7 @@
               <a:buChar char=""/>
             </a:pPr>
             <a:r>
-              <a:rPr lang="de-DE" sz="2800" b="0" strike="noStrike" spc="-1">
+              <a:rPr lang="de-DE" sz="2400" b="0" strike="noStrike" spc="-1">
                 <a:solidFill>
                   <a:srgbClr val="000000"/>
                 </a:solidFill>
@@ -7265,7 +7498,7 @@
               <a:buChar char=""/>
             </a:pPr>
             <a:r>
-              <a:rPr lang="de-DE" sz="2800" b="0" strike="noStrike" spc="-1">
+              <a:rPr lang="de-DE" sz="2000" b="0" strike="noStrike" spc="-1">
                 <a:solidFill>
                   <a:srgbClr val="000000"/>
                 </a:solidFill>
@@ -7289,7 +7522,7 @@
               <a:buChar char=""/>
             </a:pPr>
             <a:r>
-              <a:rPr lang="de-DE" sz="2800" b="0" strike="noStrike" spc="-1">
+              <a:rPr lang="de-DE" sz="2000" b="0" strike="noStrike" spc="-1">
                 <a:solidFill>
                   <a:srgbClr val="000000"/>
                 </a:solidFill>
@@ -7313,7 +7546,7 @@
               <a:buChar char=""/>
             </a:pPr>
             <a:r>
-              <a:rPr lang="de-DE" sz="2800" b="0" strike="noStrike" spc="-1">
+              <a:rPr lang="de-DE" sz="2000" b="0" strike="noStrike" spc="-1">
                 <a:solidFill>
                   <a:srgbClr val="000000"/>
                 </a:solidFill>
@@ -7337,199 +7570,7 @@
               <a:buChar char=""/>
             </a:pPr>
             <a:r>
-              <a:rPr lang="de-DE" sz="2800" b="0" strike="noStrike" spc="-1">
-                <a:solidFill>
-                  <a:srgbClr val="000000"/>
-                </a:solidFill>
-                <a:uFill>
-                  <a:solidFill>
-                    <a:srgbClr val="FFFFFF"/>
-                  </a:solidFill>
-                </a:uFill>
-                <a:latin typeface="Arial"/>
-              </a:rPr>
-              <a:t>Siebte Gliederungsebene</a:t>
-            </a:r>
-          </a:p>
-        </p:txBody>
-      </p:sp>
-      <p:sp>
-        <p:nvSpPr>
-          <p:cNvPr id="57" name="PlaceHolder 9"/>
-          <p:cNvSpPr>
-            <a:spLocks noGrp="1"/>
-          </p:cNvSpPr>
-          <p:nvPr>
-            <p:ph type="body"/>
-          </p:nvPr>
-        </p:nvSpPr>
-        <p:spPr>
-          <a:xfrm>
-            <a:off x="1331280" y="6453360"/>
-            <a:ext cx="4176360" cy="288720"/>
-          </a:xfrm>
-          <a:prstGeom prst="rect">
-            <a:avLst/>
-          </a:prstGeom>
-        </p:spPr>
-        <p:txBody>
-          <a:bodyPr tIns="91440" bIns="91440"/>
-          <a:lstStyle/>
-          <a:p>
-            <a:pPr marL="432000" indent="-324000">
-              <a:buClr>
-                <a:srgbClr val="000000"/>
-              </a:buClr>
-              <a:buSzPct val="45000"/>
-              <a:buFont typeface="Wingdings" charset="2"/>
-              <a:buChar char=""/>
-            </a:pPr>
-            <a:r>
-              <a:rPr lang="de-DE" sz="1200" b="0" strike="noStrike" spc="-1">
-                <a:solidFill>
-                  <a:srgbClr val="000000"/>
-                </a:solidFill>
-                <a:uFill>
-                  <a:solidFill>
-                    <a:srgbClr val="FFFFFF"/>
-                  </a:solidFill>
-                </a:uFill>
-                <a:latin typeface="Arial"/>
-              </a:rPr>
-              <a:t>Format des Gliederungstextes durch Klicken bearbeiten</a:t>
-            </a:r>
-          </a:p>
-          <a:p>
-            <a:pPr marL="864000" lvl="1" indent="-324000">
-              <a:buClr>
-                <a:srgbClr val="000000"/>
-              </a:buClr>
-              <a:buSzPct val="75000"/>
-              <a:buFont typeface="Symbol" charset="2"/>
-              <a:buChar char=""/>
-            </a:pPr>
-            <a:r>
-              <a:rPr lang="de-DE" sz="1200" b="0" strike="noStrike" spc="-1">
-                <a:solidFill>
-                  <a:srgbClr val="000000"/>
-                </a:solidFill>
-                <a:uFill>
-                  <a:solidFill>
-                    <a:srgbClr val="FFFFFF"/>
-                  </a:solidFill>
-                </a:uFill>
-                <a:latin typeface="Arial"/>
-              </a:rPr>
-              <a:t>Zweite Gliederungsebene</a:t>
-            </a:r>
-          </a:p>
-          <a:p>
-            <a:pPr marL="1296000" lvl="2" indent="-288000">
-              <a:buClr>
-                <a:srgbClr val="000000"/>
-              </a:buClr>
-              <a:buSzPct val="45000"/>
-              <a:buFont typeface="Wingdings" charset="2"/>
-              <a:buChar char=""/>
-            </a:pPr>
-            <a:r>
-              <a:rPr lang="de-DE" sz="1200" b="0" strike="noStrike" spc="-1">
-                <a:solidFill>
-                  <a:srgbClr val="000000"/>
-                </a:solidFill>
-                <a:uFill>
-                  <a:solidFill>
-                    <a:srgbClr val="FFFFFF"/>
-                  </a:solidFill>
-                </a:uFill>
-                <a:latin typeface="Arial"/>
-              </a:rPr>
-              <a:t>Dritte Gliederungsebene</a:t>
-            </a:r>
-          </a:p>
-          <a:p>
-            <a:pPr marL="1728000" lvl="3" indent="-216000">
-              <a:buClr>
-                <a:srgbClr val="000000"/>
-              </a:buClr>
-              <a:buSzPct val="75000"/>
-              <a:buFont typeface="Symbol" charset="2"/>
-              <a:buChar char=""/>
-            </a:pPr>
-            <a:r>
-              <a:rPr lang="de-DE" sz="1200" b="0" strike="noStrike" spc="-1">
-                <a:solidFill>
-                  <a:srgbClr val="000000"/>
-                </a:solidFill>
-                <a:uFill>
-                  <a:solidFill>
-                    <a:srgbClr val="FFFFFF"/>
-                  </a:solidFill>
-                </a:uFill>
-                <a:latin typeface="Arial"/>
-              </a:rPr>
-              <a:t>Vierte Gliederungsebene</a:t>
-            </a:r>
-          </a:p>
-          <a:p>
-            <a:pPr marL="2160000" lvl="4" indent="-216000">
-              <a:buClr>
-                <a:srgbClr val="000000"/>
-              </a:buClr>
-              <a:buSzPct val="45000"/>
-              <a:buFont typeface="Wingdings" charset="2"/>
-              <a:buChar char=""/>
-            </a:pPr>
-            <a:r>
-              <a:rPr lang="de-DE" sz="1200" b="0" strike="noStrike" spc="-1">
-                <a:solidFill>
-                  <a:srgbClr val="000000"/>
-                </a:solidFill>
-                <a:uFill>
-                  <a:solidFill>
-                    <a:srgbClr val="FFFFFF"/>
-                  </a:solidFill>
-                </a:uFill>
-                <a:latin typeface="Arial"/>
-              </a:rPr>
-              <a:t>Fünfte Gliederungsebene</a:t>
-            </a:r>
-          </a:p>
-          <a:p>
-            <a:pPr marL="2592000" lvl="5" indent="-216000">
-              <a:buClr>
-                <a:srgbClr val="000000"/>
-              </a:buClr>
-              <a:buSzPct val="45000"/>
-              <a:buFont typeface="Wingdings" charset="2"/>
-              <a:buChar char=""/>
-            </a:pPr>
-            <a:r>
-              <a:rPr lang="de-DE" sz="1200" b="0" strike="noStrike" spc="-1">
-                <a:solidFill>
-                  <a:srgbClr val="000000"/>
-                </a:solidFill>
-                <a:uFill>
-                  <a:solidFill>
-                    <a:srgbClr val="FFFFFF"/>
-                  </a:solidFill>
-                </a:uFill>
-                <a:latin typeface="Arial"/>
-              </a:rPr>
-              <a:t>Sechste Gliederungsebene</a:t>
-            </a:r>
-          </a:p>
-          <a:p>
-            <a:pPr marL="3024000" lvl="6" indent="-216000">
-              <a:buClr>
-                <a:srgbClr val="000000"/>
-              </a:buClr>
-              <a:buSzPct val="45000"/>
-              <a:buFont typeface="Wingdings" charset="2"/>
-              <a:buChar char=""/>
-            </a:pPr>
-            <a:r>
-              <a:rPr lang="de-DE" sz="1200" b="0" strike="noStrike" spc="-1">
+              <a:rPr lang="de-DE" sz="2000" b="0" strike="noStrike" spc="-1">
                 <a:solidFill>
                   <a:srgbClr val="000000"/>
                 </a:solidFill>
@@ -7872,14 +7913,14 @@
       </p:grpSpPr>
       <p:sp>
         <p:nvSpPr>
-          <p:cNvPr id="92" name="CustomShape 1"/>
+          <p:cNvPr id="91" name="CustomShape 1"/>
           <p:cNvSpPr/>
           <p:nvPr/>
         </p:nvSpPr>
         <p:spPr>
           <a:xfrm>
             <a:off x="152280" y="1752480"/>
-            <a:ext cx="4723920" cy="151920"/>
+            <a:ext cx="4723560" cy="151560"/>
           </a:xfrm>
           <a:prstGeom prst="rect">
             <a:avLst/>
@@ -7904,14 +7945,14 @@
       </p:sp>
       <p:sp>
         <p:nvSpPr>
-          <p:cNvPr id="93" name="CustomShape 2"/>
+          <p:cNvPr id="92" name="CustomShape 2"/>
           <p:cNvSpPr/>
           <p:nvPr/>
         </p:nvSpPr>
         <p:spPr>
           <a:xfrm>
             <a:off x="762120" y="762120"/>
-            <a:ext cx="8380080" cy="761760"/>
+            <a:ext cx="8379720" cy="761400"/>
           </a:xfrm>
           <a:prstGeom prst="rect">
             <a:avLst/>
@@ -7936,14 +7977,14 @@
       </p:sp>
       <p:sp>
         <p:nvSpPr>
-          <p:cNvPr id="94" name="CustomShape 3"/>
+          <p:cNvPr id="93" name="CustomShape 3"/>
           <p:cNvSpPr/>
           <p:nvPr/>
         </p:nvSpPr>
         <p:spPr>
           <a:xfrm>
             <a:off x="5638680" y="6248520"/>
-            <a:ext cx="2879280" cy="475920"/>
+            <a:ext cx="2878920" cy="475560"/>
           </a:xfrm>
           <a:prstGeom prst="rect">
             <a:avLst/>
@@ -7966,7 +8007,7 @@
           <a:fontRef idx="minor"/>
         </p:style>
         <p:txBody>
-          <a:bodyPr/>
+          <a:bodyPr lIns="90000" tIns="45000" rIns="90000" bIns="45000"/>
           <a:lstStyle/>
           <a:p>
             <a:pPr algn="r">
@@ -7975,7 +8016,7 @@
               </a:lnSpc>
             </a:pPr>
             <a:r>
-              <a:rPr lang="de-DE" sz="1200" b="1" strike="noStrike" spc="-1">
+              <a:rPr lang="de-DE" sz="1200" b="1" strike="noStrike" spc="-1" dirty="0" err="1">
                 <a:solidFill>
                   <a:srgbClr val="000000"/>
                 </a:solidFill>
@@ -7987,9 +8028,24 @@
                 <a:latin typeface="Arial"/>
                 <a:ea typeface="Arial"/>
               </a:rPr>
-              <a:t>Seite </a:t>
+              <a:t>page</a:t>
             </a:r>
-            <a:fld id="{AFA12139-8D2B-4FBE-B2DA-E73FA3EB88CD}" type="slidenum">
+            <a:r>
+              <a:rPr lang="de-DE" sz="1200" b="1" strike="noStrike" spc="-1" dirty="0">
+                <a:solidFill>
+                  <a:srgbClr val="000000"/>
+                </a:solidFill>
+                <a:uFill>
+                  <a:solidFill>
+                    <a:srgbClr val="FFFFFF"/>
+                  </a:solidFill>
+                </a:uFill>
+                <a:latin typeface="Arial"/>
+                <a:ea typeface="Arial"/>
+              </a:rPr>
+              <a:t> </a:t>
+            </a:r>
+            <a:fld id="{410C1B5F-965A-4974-BC8F-2715B8308F1F}" type="slidenum">
               <a:rPr lang="de-DE" sz="1200" b="1" strike="noStrike" spc="-1">
                 <a:solidFill>
                   <a:srgbClr val="000000"/>
@@ -8004,7 +8060,7 @@
               </a:rPr>
               <a:t>‹Nr.›</a:t>
             </a:fld>
-            <a:endParaRPr lang="de-DE" sz="1800" b="0" strike="noStrike" spc="-1">
+            <a:endParaRPr lang="de-DE" sz="1800" b="0" strike="noStrike" spc="-1" dirty="0">
               <a:solidFill>
                 <a:srgbClr val="000000"/>
               </a:solidFill>
@@ -8022,30 +8078,30 @@
                 <a:spcPct val="100000"/>
               </a:lnSpc>
             </a:pPr>
-            <a:endParaRPr lang="de-DE" sz="1800" b="0" strike="noStrike" spc="-1">
-              <a:solidFill>
-                <a:srgbClr val="000000"/>
-              </a:solidFill>
-              <a:uFill>
-                <a:solidFill>
-                  <a:srgbClr val="FFFFFF"/>
-                </a:solidFill>
-              </a:uFill>
-              <a:latin typeface="Arial"/>
-            </a:endParaRPr>
-          </a:p>
-        </p:txBody>
-      </p:sp>
-      <p:sp>
-        <p:nvSpPr>
-          <p:cNvPr id="95" name="CustomShape 4"/>
+            <a:endParaRPr lang="de-DE" sz="1800" b="0" strike="noStrike" spc="-1" dirty="0">
+              <a:solidFill>
+                <a:srgbClr val="000000"/>
+              </a:solidFill>
+              <a:uFill>
+                <a:solidFill>
+                  <a:srgbClr val="FFFFFF"/>
+                </a:solidFill>
+              </a:uFill>
+              <a:latin typeface="Arial"/>
+            </a:endParaRPr>
+          </a:p>
+        </p:txBody>
+      </p:sp>
+      <p:sp>
+        <p:nvSpPr>
+          <p:cNvPr id="94" name="CustomShape 4"/>
           <p:cNvSpPr/>
           <p:nvPr/>
         </p:nvSpPr>
         <p:spPr>
           <a:xfrm>
             <a:off x="1295280" y="6248520"/>
-            <a:ext cx="5866920" cy="268920"/>
+            <a:ext cx="5866560" cy="268560"/>
           </a:xfrm>
           <a:prstGeom prst="rect">
             <a:avLst/>
@@ -8068,7 +8124,7 @@
           <a:fontRef idx="minor"/>
         </p:style>
         <p:txBody>
-          <a:bodyPr/>
+          <a:bodyPr lIns="90000" tIns="45000" rIns="90000" bIns="45000"/>
           <a:lstStyle/>
           <a:p>
             <a:pPr>
@@ -8077,7 +8133,7 @@
               </a:lnSpc>
             </a:pPr>
             <a:r>
-              <a:rPr lang="de-DE" sz="1150" b="1" strike="noStrike" spc="-1">
+              <a:rPr lang="de-DE" sz="1150" b="1" strike="noStrike" spc="-1" dirty="0">
                 <a:solidFill>
                   <a:srgbClr val="000000"/>
                 </a:solidFill>
@@ -8087,34 +8143,61 @@
                   </a:solidFill>
                 </a:uFill>
                 <a:latin typeface="Arial"/>
-                <a:ea typeface="Arial"/>
               </a:rPr>
-              <a:t>Man-In-The-Middle</a:t>
+              <a:t>Dog </a:t>
             </a:r>
-            <a:endParaRPr lang="de-DE" sz="1800" b="0" strike="noStrike" spc="-1">
-              <a:solidFill>
-                <a:srgbClr val="000000"/>
-              </a:solidFill>
-              <a:uFill>
-                <a:solidFill>
-                  <a:srgbClr val="FFFFFF"/>
-                </a:solidFill>
-              </a:uFill>
-              <a:latin typeface="Arial"/>
-            </a:endParaRPr>
-          </a:p>
-        </p:txBody>
-      </p:sp>
-      <p:sp>
-        <p:nvSpPr>
-          <p:cNvPr id="96" name="CustomShape 5"/>
+            <a:r>
+              <a:rPr lang="de-DE" sz="1150" b="1" strike="noStrike" spc="-1" dirty="0" err="1">
+                <a:solidFill>
+                  <a:srgbClr val="000000"/>
+                </a:solidFill>
+                <a:uFill>
+                  <a:solidFill>
+                    <a:srgbClr val="FFFFFF"/>
+                  </a:solidFill>
+                </a:uFill>
+                <a:latin typeface="Arial"/>
+              </a:rPr>
+              <a:t>Breed</a:t>
+            </a:r>
+            <a:r>
+              <a:rPr lang="de-DE" sz="1150" b="1" strike="noStrike" spc="-1" dirty="0">
+                <a:solidFill>
+                  <a:srgbClr val="000000"/>
+                </a:solidFill>
+                <a:uFill>
+                  <a:solidFill>
+                    <a:srgbClr val="FFFFFF"/>
+                  </a:solidFill>
+                </a:uFill>
+                <a:latin typeface="Arial"/>
+              </a:rPr>
+              <a:t> Analyzer</a:t>
+            </a:r>
+            <a:endParaRPr lang="de-DE" sz="1800" b="0" strike="noStrike" spc="-1" dirty="0">
+              <a:solidFill>
+                <a:srgbClr val="000000"/>
+              </a:solidFill>
+              <a:uFill>
+                <a:solidFill>
+                  <a:srgbClr val="FFFFFF"/>
+                </a:solidFill>
+              </a:uFill>
+              <a:latin typeface="Arial"/>
+            </a:endParaRPr>
+          </a:p>
+        </p:txBody>
+      </p:sp>
+      <p:sp>
+        <p:nvSpPr>
+          <p:cNvPr id="95" name="CustomShape 5"/>
           <p:cNvSpPr/>
           <p:nvPr/>
         </p:nvSpPr>
         <p:spPr>
           <a:xfrm>
             <a:off x="1219320" y="6172200"/>
-            <a:ext cx="7924320" cy="360"/>
+            <a:ext cx="7923960" cy="360"/>
           </a:xfrm>
           <a:custGeom>
             <a:avLst/>
@@ -8156,14 +8239,14 @@
       </p:sp>
       <p:sp>
         <p:nvSpPr>
-          <p:cNvPr id="97" name="CustomShape 6"/>
+          <p:cNvPr id="96" name="CustomShape 6"/>
           <p:cNvSpPr/>
           <p:nvPr/>
         </p:nvSpPr>
         <p:spPr>
           <a:xfrm rot="10800000">
-            <a:off x="1219320" y="6858000"/>
-            <a:ext cx="360" cy="685440"/>
+            <a:off x="1219440" y="6174540"/>
+            <a:ext cx="360" cy="685080"/>
           </a:xfrm>
           <a:custGeom>
             <a:avLst/>
@@ -8205,7 +8288,7 @@
       </p:sp>
       <p:pic>
         <p:nvPicPr>
-          <p:cNvPr id="98" name="Shape 16"/>
+          <p:cNvPr id="97" name="Shape 16"/>
           <p:cNvPicPr/>
           <p:nvPr/>
         </p:nvPicPr>
@@ -8216,7 +8299,7 @@
         <p:spPr>
           <a:xfrm>
             <a:off x="0" y="6019920"/>
-            <a:ext cx="956520" cy="664200"/>
+            <a:ext cx="956160" cy="663840"/>
           </a:xfrm>
           <a:prstGeom prst="rect">
             <a:avLst/>
@@ -8228,7 +8311,7 @@
       </p:pic>
       <p:sp>
         <p:nvSpPr>
-          <p:cNvPr id="99" name="PlaceHolder 7"/>
+          <p:cNvPr id="98" name="PlaceHolder 7"/>
           <p:cNvSpPr>
             <a:spLocks noGrp="1"/>
           </p:cNvSpPr>
@@ -8238,34 +8321,38 @@
         </p:nvSpPr>
         <p:spPr>
           <a:xfrm>
-            <a:off x="722160" y="3285000"/>
-            <a:ext cx="7772040" cy="1361880"/>
-          </a:xfrm>
-          <a:prstGeom prst="rect">
-            <a:avLst/>
-          </a:prstGeom>
-        </p:spPr>
-        <p:txBody>
-          <a:bodyPr tIns="91440" bIns="91440"/>
-          <a:lstStyle/>
-          <a:p>
-            <a:endParaRPr lang="de-DE" sz="1400" b="0" strike="noStrike" spc="-1">
-              <a:solidFill>
-                <a:srgbClr val="000000"/>
-              </a:solidFill>
-              <a:uFill>
-                <a:solidFill>
-                  <a:srgbClr val="FFFFFF"/>
-                </a:solidFill>
-              </a:uFill>
-              <a:latin typeface="Arial"/>
-            </a:endParaRPr>
-          </a:p>
-        </p:txBody>
-      </p:sp>
-      <p:sp>
-        <p:nvSpPr>
-          <p:cNvPr id="100" name="PlaceHolder 8"/>
+            <a:off x="457200" y="273600"/>
+            <a:ext cx="8229240" cy="1144800"/>
+          </a:xfrm>
+          <a:prstGeom prst="rect">
+            <a:avLst/>
+          </a:prstGeom>
+        </p:spPr>
+        <p:txBody>
+          <a:bodyPr lIns="0" tIns="0" rIns="0" bIns="0" anchor="ctr"/>
+          <a:lstStyle/>
+          <a:p>
+            <a:pPr algn="ctr"/>
+            <a:r>
+              <a:rPr lang="de-DE" sz="4400" b="0" strike="noStrike" spc="-1">
+                <a:solidFill>
+                  <a:srgbClr val="000000"/>
+                </a:solidFill>
+                <a:uFill>
+                  <a:solidFill>
+                    <a:srgbClr val="FFFFFF"/>
+                  </a:solidFill>
+                </a:uFill>
+                <a:latin typeface="Arial"/>
+              </a:rPr>
+              <a:t>Format des Titeltextes durch Klicken bearbeiten</a:t>
+            </a:r>
+          </a:p>
+        </p:txBody>
+      </p:sp>
+      <p:sp>
+        <p:nvSpPr>
+          <p:cNvPr id="99" name="PlaceHolder 8"/>
           <p:cNvSpPr>
             <a:spLocks noGrp="1"/>
           </p:cNvSpPr>
@@ -8275,15 +8362,15 @@
         </p:nvSpPr>
         <p:spPr>
           <a:xfrm>
-            <a:off x="1331280" y="6453360"/>
-            <a:ext cx="4176360" cy="288720"/>
-          </a:xfrm>
-          <a:prstGeom prst="rect">
-            <a:avLst/>
-          </a:prstGeom>
-        </p:spPr>
-        <p:txBody>
-          <a:bodyPr tIns="91440" bIns="91440"/>
+            <a:off x="457200" y="1604520"/>
+            <a:ext cx="8229240" cy="3977280"/>
+          </a:xfrm>
+          <a:prstGeom prst="rect">
+            <a:avLst/>
+          </a:prstGeom>
+        </p:spPr>
+        <p:txBody>
+          <a:bodyPr lIns="0" tIns="0" rIns="0" bIns="0"/>
           <a:lstStyle/>
           <a:p>
             <a:pPr marL="432000" indent="-324000">
@@ -8295,7 +8382,7 @@
               <a:buChar char=""/>
             </a:pPr>
             <a:r>
-              <a:rPr lang="de-DE" sz="1200" b="0" strike="noStrike" spc="-1">
+              <a:rPr lang="de-DE" sz="3200" b="0" strike="noStrike" spc="-1">
                 <a:solidFill>
                   <a:srgbClr val="000000"/>
                 </a:solidFill>
@@ -8319,7 +8406,7 @@
               <a:buChar char=""/>
             </a:pPr>
             <a:r>
-              <a:rPr lang="de-DE" sz="1200" b="0" strike="noStrike" spc="-1">
+              <a:rPr lang="de-DE" sz="2800" b="0" strike="noStrike" spc="-1">
                 <a:solidFill>
                   <a:srgbClr val="000000"/>
                 </a:solidFill>
@@ -8343,7 +8430,7 @@
               <a:buChar char=""/>
             </a:pPr>
             <a:r>
-              <a:rPr lang="de-DE" sz="1200" b="0" strike="noStrike" spc="-1">
+              <a:rPr lang="de-DE" sz="2400" b="0" strike="noStrike" spc="-1">
                 <a:solidFill>
                   <a:srgbClr val="000000"/>
                 </a:solidFill>
@@ -8367,7 +8454,7 @@
               <a:buChar char=""/>
             </a:pPr>
             <a:r>
-              <a:rPr lang="de-DE" sz="1200" b="0" strike="noStrike" spc="-1">
+              <a:rPr lang="de-DE" sz="2000" b="0" strike="noStrike" spc="-1">
                 <a:solidFill>
                   <a:srgbClr val="000000"/>
                 </a:solidFill>
@@ -8391,7 +8478,7 @@
               <a:buChar char=""/>
             </a:pPr>
             <a:r>
-              <a:rPr lang="de-DE" sz="1200" b="0" strike="noStrike" spc="-1">
+              <a:rPr lang="de-DE" sz="2000" b="0" strike="noStrike" spc="-1">
                 <a:solidFill>
                   <a:srgbClr val="000000"/>
                 </a:solidFill>
@@ -8415,7 +8502,7 @@
               <a:buChar char=""/>
             </a:pPr>
             <a:r>
-              <a:rPr lang="de-DE" sz="1200" b="0" strike="noStrike" spc="-1">
+              <a:rPr lang="de-DE" sz="2000" b="0" strike="noStrike" spc="-1">
                 <a:solidFill>
                   <a:srgbClr val="000000"/>
                 </a:solidFill>
@@ -8439,7 +8526,7 @@
               <a:buChar char=""/>
             </a:pPr>
             <a:r>
-              <a:rPr lang="de-DE" sz="1200" b="0" strike="noStrike" spc="-1">
+              <a:rPr lang="de-DE" sz="2000" b="0" strike="noStrike" spc="-1">
                 <a:solidFill>
                   <a:srgbClr val="000000"/>
                 </a:solidFill>
@@ -8774,14 +8861,14 @@
       </p:grpSpPr>
       <p:sp>
         <p:nvSpPr>
-          <p:cNvPr id="140" name="TextShape 1"/>
-          <p:cNvSpPr txBox="1"/>
+          <p:cNvPr id="139" name="CustomShape 1"/>
+          <p:cNvSpPr/>
           <p:nvPr/>
         </p:nvSpPr>
         <p:spPr>
           <a:xfrm>
             <a:off x="3962520" y="4708440"/>
-            <a:ext cx="5181120" cy="1218960"/>
+            <a:ext cx="5180760" cy="1218600"/>
           </a:xfrm>
           <a:prstGeom prst="rect">
             <a:avLst/>
@@ -8791,8 +8878,20 @@
             <a:noFill/>
           </a:ln>
         </p:spPr>
-        <p:txBody>
-          <a:bodyPr lIns="0"/>
+        <p:style>
+          <a:lnRef idx="0">
+            <a:scrgbClr r="0" g="0" b="0"/>
+          </a:lnRef>
+          <a:fillRef idx="0">
+            <a:scrgbClr r="0" g="0" b="0"/>
+          </a:fillRef>
+          <a:effectRef idx="0">
+            <a:scrgbClr r="0" g="0" b="0"/>
+          </a:effectRef>
+          <a:fontRef idx="minor"/>
+        </p:style>
+        <p:txBody>
+          <a:bodyPr lIns="0" tIns="45000" rIns="90000" bIns="45000"/>
           <a:lstStyle/>
           <a:p>
             <a:pPr>
@@ -8801,7 +8900,7 @@
               </a:lnSpc>
             </a:pPr>
             <a:r>
-              <a:rPr lang="de-DE" sz="1600" b="0" strike="noStrike" spc="-1">
+              <a:rPr lang="de-DE" sz="1600" b="0" strike="noStrike" spc="-1" dirty="0" err="1">
                 <a:solidFill>
                   <a:srgbClr val="000000"/>
                 </a:solidFill>
@@ -8813,46 +8912,10 @@
                 <a:latin typeface="Arial"/>
                 <a:ea typeface="Arial"/>
               </a:rPr>
-              <a:t>Bollenmiller, Wilhelm</a:t>
+              <a:t>Bollenmiller</a:t>
             </a:r>
-            <a:endParaRPr lang="de-DE" sz="3200" b="0" strike="noStrike" spc="-1">
-              <a:solidFill>
-                <a:srgbClr val="000000"/>
-              </a:solidFill>
-              <a:uFill>
-                <a:solidFill>
-                  <a:srgbClr val="FFFFFF"/>
-                </a:solidFill>
-              </a:uFill>
-              <a:latin typeface="Arial"/>
-            </a:endParaRPr>
-          </a:p>
-          <a:p>
-            <a:pPr>
-              <a:lnSpc>
-                <a:spcPct val="130000"/>
-              </a:lnSpc>
-            </a:pPr>
-            <a:endParaRPr lang="de-DE" sz="3200" b="0" strike="noStrike" spc="-1">
-              <a:solidFill>
-                <a:srgbClr val="000000"/>
-              </a:solidFill>
-              <a:uFill>
-                <a:solidFill>
-                  <a:srgbClr val="FFFFFF"/>
-                </a:solidFill>
-              </a:uFill>
-              <a:latin typeface="Arial"/>
-            </a:endParaRPr>
-          </a:p>
-          <a:p>
-            <a:pPr>
-              <a:lnSpc>
-                <a:spcPct val="130000"/>
-              </a:lnSpc>
-            </a:pPr>
             <a:r>
-              <a:rPr lang="de-DE" sz="1600" b="0" strike="noStrike" spc="-1">
+              <a:rPr lang="de-DE" sz="1600" b="0" strike="noStrike" spc="-1" dirty="0">
                 <a:solidFill>
                   <a:srgbClr val="000000"/>
                 </a:solidFill>
@@ -8864,9 +8927,27 @@
                 <a:latin typeface="Arial"/>
                 <a:ea typeface="Arial"/>
               </a:rPr>
-              <a:t>Hochschule München</a:t>
+              <a:t>, Wilhelm</a:t>
             </a:r>
-            <a:endParaRPr lang="de-DE" sz="3200" b="0" strike="noStrike" spc="-1">
+            <a:endParaRPr lang="de-DE" sz="1800" b="0" strike="noStrike" spc="-1" dirty="0">
+              <a:solidFill>
+                <a:srgbClr val="000000"/>
+              </a:solidFill>
+              <a:uFill>
+                <a:solidFill>
+                  <a:srgbClr val="FFFFFF"/>
+                </a:solidFill>
+              </a:uFill>
+              <a:latin typeface="Arial"/>
+            </a:endParaRPr>
+          </a:p>
+          <a:p>
+            <a:pPr>
+              <a:lnSpc>
+                <a:spcPct val="130000"/>
+              </a:lnSpc>
+            </a:pPr>
+            <a:endParaRPr lang="de-DE" sz="1800" b="0" strike="noStrike" spc="-1" dirty="0">
               <a:solidFill>
                 <a:srgbClr val="000000"/>
               </a:solidFill>
@@ -8885,7 +8966,70 @@
               </a:lnSpc>
             </a:pPr>
             <a:r>
-              <a:rPr lang="de-DE" sz="1600" b="0" strike="noStrike" spc="-1">
+              <a:rPr lang="de-DE" sz="1600" b="0" strike="noStrike" spc="-1" dirty="0">
+                <a:solidFill>
+                  <a:srgbClr val="000000"/>
+                </a:solidFill>
+                <a:uFill>
+                  <a:solidFill>
+                    <a:srgbClr val="FFFFFF"/>
+                  </a:solidFill>
+                </a:uFill>
+                <a:latin typeface="Arial"/>
+                <a:ea typeface="Arial"/>
+              </a:rPr>
+              <a:t>University </a:t>
+            </a:r>
+            <a:r>
+              <a:rPr lang="de-DE" sz="1600" b="0" strike="noStrike" spc="-1" dirty="0" err="1">
+                <a:solidFill>
+                  <a:srgbClr val="000000"/>
+                </a:solidFill>
+                <a:uFill>
+                  <a:solidFill>
+                    <a:srgbClr val="FFFFFF"/>
+                  </a:solidFill>
+                </a:uFill>
+                <a:latin typeface="Arial"/>
+                <a:ea typeface="Arial"/>
+              </a:rPr>
+              <a:t>of</a:t>
+            </a:r>
+            <a:r>
+              <a:rPr lang="de-DE" sz="1600" b="0" strike="noStrike" spc="-1" dirty="0">
+                <a:solidFill>
+                  <a:srgbClr val="000000"/>
+                </a:solidFill>
+                <a:uFill>
+                  <a:solidFill>
+                    <a:srgbClr val="FFFFFF"/>
+                  </a:solidFill>
+                </a:uFill>
+                <a:latin typeface="Arial"/>
+                <a:ea typeface="Arial"/>
+              </a:rPr>
+              <a:t> Applied Science Munich</a:t>
+            </a:r>
+            <a:endParaRPr lang="de-DE" sz="1800" b="0" strike="noStrike" spc="-1" dirty="0">
+              <a:solidFill>
+                <a:srgbClr val="000000"/>
+              </a:solidFill>
+              <a:uFill>
+                <a:solidFill>
+                  <a:srgbClr val="FFFFFF"/>
+                </a:solidFill>
+              </a:uFill>
+              <a:latin typeface="Arial"/>
+            </a:endParaRPr>
+          </a:p>
+          <a:p>
+            <a:pPr>
+              <a:lnSpc>
+                <a:spcPct val="130000"/>
+              </a:lnSpc>
+            </a:pPr>
+            <a:r>
+              <a:rPr lang="de-DE" sz="1600" b="0" strike="noStrike" spc="-1" dirty="0">
                 <a:solidFill>
                   <a:srgbClr val="000000"/>
                 </a:solidFill>
@@ -8899,30 +9043,30 @@
               </a:rPr>
               <a:t>25. Januar 2018</a:t>
             </a:r>
-            <a:endParaRPr lang="de-DE" sz="3200" b="0" strike="noStrike" spc="-1">
-              <a:solidFill>
-                <a:srgbClr val="000000"/>
-              </a:solidFill>
-              <a:uFill>
-                <a:solidFill>
-                  <a:srgbClr val="FFFFFF"/>
-                </a:solidFill>
-              </a:uFill>
-              <a:latin typeface="Arial"/>
-            </a:endParaRPr>
-          </a:p>
-        </p:txBody>
-      </p:sp>
-      <p:sp>
-        <p:nvSpPr>
-          <p:cNvPr id="141" name="CustomShape 2"/>
+            <a:endParaRPr lang="de-DE" sz="1800" b="0" strike="noStrike" spc="-1" dirty="0">
+              <a:solidFill>
+                <a:srgbClr val="000000"/>
+              </a:solidFill>
+              <a:uFill>
+                <a:solidFill>
+                  <a:srgbClr val="FFFFFF"/>
+                </a:solidFill>
+              </a:uFill>
+              <a:latin typeface="Arial"/>
+            </a:endParaRPr>
+          </a:p>
+        </p:txBody>
+      </p:sp>
+      <p:sp>
+        <p:nvSpPr>
+          <p:cNvPr id="140" name="CustomShape 2"/>
           <p:cNvSpPr/>
           <p:nvPr/>
         </p:nvSpPr>
         <p:spPr>
           <a:xfrm>
             <a:off x="2895480" y="2971800"/>
-            <a:ext cx="5257440" cy="461160"/>
+            <a:ext cx="5257080" cy="460800"/>
           </a:xfrm>
           <a:prstGeom prst="rect">
             <a:avLst/>
@@ -8945,7 +9089,7 @@
           <a:fontRef idx="minor"/>
         </p:style>
         <p:txBody>
-          <a:bodyPr lIns="0"/>
+          <a:bodyPr lIns="0" tIns="45000" rIns="90000" bIns="45000"/>
           <a:lstStyle/>
           <a:p>
             <a:pPr>
@@ -9036,14 +9180,14 @@
       </p:grpSpPr>
       <p:sp>
         <p:nvSpPr>
-          <p:cNvPr id="142" name="TextShape 1"/>
-          <p:cNvSpPr txBox="1"/>
+          <p:cNvPr id="141" name="CustomShape 1"/>
+          <p:cNvSpPr/>
           <p:nvPr/>
         </p:nvSpPr>
         <p:spPr>
           <a:xfrm>
             <a:off x="1331280" y="6453360"/>
-            <a:ext cx="4176360" cy="288720"/>
+            <a:ext cx="4176000" cy="288360"/>
           </a:xfrm>
           <a:prstGeom prst="rect">
             <a:avLst/>
@@ -9053,34 +9197,29 @@
             <a:noFill/>
           </a:ln>
         </p:spPr>
-        <p:txBody>
-          <a:bodyPr tIns="91440" bIns="91440"/>
-          <a:lstStyle/>
-          <a:p>
-            <a:endParaRPr lang="de-DE" sz="1400" b="0" strike="noStrike" spc="-1">
-              <a:solidFill>
-                <a:srgbClr val="000000"/>
-              </a:solidFill>
-              <a:uFill>
-                <a:solidFill>
-                  <a:srgbClr val="FFFFFF"/>
-                </a:solidFill>
-              </a:uFill>
-              <a:latin typeface="Arial"/>
-            </a:endParaRPr>
-          </a:p>
-        </p:txBody>
-      </p:sp>
-      <p:sp>
-        <p:nvSpPr>
-          <p:cNvPr id="143" name="CustomShape 2"/>
+        <p:style>
+          <a:lnRef idx="0">
+            <a:scrgbClr r="0" g="0" b="0"/>
+          </a:lnRef>
+          <a:fillRef idx="0">
+            <a:scrgbClr r="0" g="0" b="0"/>
+          </a:fillRef>
+          <a:effectRef idx="0">
+            <a:scrgbClr r="0" g="0" b="0"/>
+          </a:effectRef>
+          <a:fontRef idx="minor"/>
+        </p:style>
+      </p:sp>
+      <p:sp>
+        <p:nvSpPr>
+          <p:cNvPr id="142" name="CustomShape 2"/>
           <p:cNvSpPr/>
           <p:nvPr/>
         </p:nvSpPr>
         <p:spPr>
           <a:xfrm>
             <a:off x="742320" y="450000"/>
-            <a:ext cx="7968960" cy="620640"/>
+            <a:ext cx="7968600" cy="620280"/>
           </a:xfrm>
           <a:prstGeom prst="rect">
             <a:avLst/>
@@ -9103,7 +9242,7 @@
           <a:fontRef idx="minor"/>
         </p:style>
         <p:txBody>
-          <a:bodyPr tIns="91440" bIns="91440"/>
+          <a:bodyPr lIns="90000" tIns="91440" rIns="90000" bIns="91440"/>
           <a:lstStyle/>
           <a:p>
             <a:pPr>
@@ -9112,7 +9251,7 @@
               </a:lnSpc>
             </a:pPr>
             <a:r>
-              <a:rPr lang="de-DE" sz="2800" b="1" strike="noStrike" spc="-1" dirty="0">
+              <a:rPr lang="de-DE" sz="2800" b="1" strike="noStrike" spc="-1" dirty="0" err="1">
                 <a:solidFill>
                   <a:srgbClr val="000000"/>
                 </a:solidFill>
@@ -9124,32 +9263,32 @@
                 <a:latin typeface="Arial"/>
                 <a:ea typeface="Arial"/>
               </a:rPr>
-              <a:t>Projektziel</a:t>
+              <a:t>Scope</a:t>
             </a:r>
-            <a:endParaRPr lang="de-DE" sz="2800" b="0" strike="noStrike" spc="-1" dirty="0">
-              <a:solidFill>
-                <a:srgbClr val="000000"/>
-              </a:solidFill>
-              <a:uFill>
-                <a:solidFill>
-                  <a:srgbClr val="FFFFFF"/>
-                </a:solidFill>
-              </a:uFill>
-              <a:latin typeface="Arial"/>
-            </a:endParaRPr>
-          </a:p>
-        </p:txBody>
-      </p:sp>
-      <p:sp>
-        <p:nvSpPr>
-          <p:cNvPr id="144" name="CustomShape 3"/>
+            <a:endParaRPr lang="de-DE" sz="2000" b="0" strike="noStrike" spc="-1" dirty="0">
+              <a:solidFill>
+                <a:srgbClr val="000000"/>
+              </a:solidFill>
+              <a:uFill>
+                <a:solidFill>
+                  <a:srgbClr val="FFFFFF"/>
+                </a:solidFill>
+              </a:uFill>
+              <a:latin typeface="Arial"/>
+            </a:endParaRPr>
+          </a:p>
+        </p:txBody>
+      </p:sp>
+      <p:sp>
+        <p:nvSpPr>
+          <p:cNvPr id="143" name="CustomShape 3"/>
           <p:cNvSpPr/>
           <p:nvPr/>
         </p:nvSpPr>
         <p:spPr>
           <a:xfrm>
-            <a:off x="839520" y="1371959"/>
-            <a:ext cx="7968960" cy="3445137"/>
+            <a:off x="839520" y="1371960"/>
+            <a:ext cx="7968600" cy="1898280"/>
           </a:xfrm>
           <a:prstGeom prst="rect">
             <a:avLst/>
@@ -9172,10 +9311,10 @@
           <a:fontRef idx="minor"/>
         </p:style>
         <p:txBody>
-          <a:bodyPr tIns="91440" bIns="91440"/>
-          <a:lstStyle/>
-          <a:p>
-            <a:pPr marL="457200" indent="-380520">
+          <a:bodyPr lIns="90000" tIns="91440" rIns="90000" bIns="91440"/>
+          <a:lstStyle/>
+          <a:p>
+            <a:pPr marL="457200" indent="-380160">
               <a:lnSpc>
                 <a:spcPct val="200000"/>
               </a:lnSpc>
@@ -9186,7 +9325,7 @@
               <a:buChar char=""/>
             </a:pPr>
             <a:r>
-              <a:rPr lang="de-DE" sz="2000" b="0" strike="noStrike" spc="-1" dirty="0">
+              <a:rPr lang="de-DE" sz="2400" b="0" strike="noStrike" spc="-1" dirty="0">
                 <a:solidFill>
                   <a:srgbClr val="000000"/>
                 </a:solidFill>
@@ -9201,7 +9340,7 @@
               <a:t>Native Android </a:t>
             </a:r>
             <a:r>
-              <a:rPr lang="de-DE" sz="2000" b="0" strike="noStrike" spc="-1" dirty="0" err="1">
+              <a:rPr lang="de-DE" sz="2400" b="0" strike="noStrike" spc="-1" dirty="0" err="1">
                 <a:solidFill>
                   <a:srgbClr val="000000"/>
                 </a:solidFill>
@@ -9213,22 +9352,22 @@
                 <a:latin typeface="Arial"/>
                 <a:ea typeface="Arial"/>
               </a:rPr>
-              <a:t>Application</a:t>
+              <a:t>application</a:t>
             </a:r>
-            <a:endParaRPr lang="de-DE" sz="2000" b="0" strike="noStrike" spc="-1" dirty="0">
-              <a:solidFill>
-                <a:srgbClr val="000000"/>
-              </a:solidFill>
-              <a:uFill>
-                <a:solidFill>
-                  <a:srgbClr val="FFFFFF"/>
-                </a:solidFill>
-              </a:uFill>
-              <a:latin typeface="Arial"/>
-            </a:endParaRPr>
-          </a:p>
-          <a:p>
-            <a:pPr marL="457200" indent="-380520">
+            <a:endParaRPr lang="de-DE" sz="1800" b="0" strike="noStrike" spc="-1" dirty="0">
+              <a:solidFill>
+                <a:srgbClr val="000000"/>
+              </a:solidFill>
+              <a:uFill>
+                <a:solidFill>
+                  <a:srgbClr val="FFFFFF"/>
+                </a:solidFill>
+              </a:uFill>
+              <a:latin typeface="Arial"/>
+            </a:endParaRPr>
+          </a:p>
+          <a:p>
+            <a:pPr marL="457200" indent="-380160">
               <a:lnSpc>
                 <a:spcPct val="200000"/>
               </a:lnSpc>
@@ -9239,7 +9378,7 @@
               <a:buChar char=""/>
             </a:pPr>
             <a:r>
-              <a:rPr lang="de-DE" sz="2000" b="0" strike="noStrike" spc="-1" dirty="0">
+              <a:rPr lang="de-DE" sz="2400" b="0" strike="noStrike" spc="-1" dirty="0">
                 <a:solidFill>
                   <a:srgbClr val="000000"/>
                 </a:solidFill>
@@ -9254,7 +9393,7 @@
               <a:t>Use </a:t>
             </a:r>
             <a:r>
-              <a:rPr lang="de-DE" sz="2000" b="0" strike="noStrike" spc="-1" dirty="0" err="1">
+              <a:rPr lang="de-DE" sz="2400" b="0" strike="noStrike" spc="-1" dirty="0" err="1">
                 <a:solidFill>
                   <a:srgbClr val="000000"/>
                 </a:solidFill>
@@ -9269,7 +9408,7 @@
               <a:t>of</a:t>
             </a:r>
             <a:r>
-              <a:rPr lang="de-DE" sz="2000" b="0" strike="noStrike" spc="-1" dirty="0">
+              <a:rPr lang="de-DE" sz="2400" b="0" strike="noStrike" spc="-1" dirty="0">
                 <a:solidFill>
                   <a:srgbClr val="000000"/>
                 </a:solidFill>
@@ -9281,22 +9420,37 @@
                 <a:latin typeface="Arial"/>
                 <a:ea typeface="Arial"/>
               </a:rPr>
-              <a:t> Deep Learning Frameworks</a:t>
+              <a:t> Deep Learning </a:t>
             </a:r>
-            <a:endParaRPr lang="de-DE" sz="2000" b="0" strike="noStrike" spc="-1" dirty="0">
-              <a:solidFill>
-                <a:srgbClr val="000000"/>
-              </a:solidFill>
-              <a:uFill>
-                <a:solidFill>
-                  <a:srgbClr val="FFFFFF"/>
-                </a:solidFill>
-              </a:uFill>
-              <a:latin typeface="Arial"/>
-            </a:endParaRPr>
-          </a:p>
-          <a:p>
-            <a:pPr marL="457200" indent="-380520">
+            <a:r>
+              <a:rPr lang="de-DE" sz="2400" b="0" strike="noStrike" spc="-1" dirty="0" err="1">
+                <a:solidFill>
+                  <a:srgbClr val="000000"/>
+                </a:solidFill>
+                <a:uFill>
+                  <a:solidFill>
+                    <a:srgbClr val="FFFFFF"/>
+                  </a:solidFill>
+                </a:uFill>
+                <a:latin typeface="Arial"/>
+                <a:ea typeface="Arial"/>
+              </a:rPr>
+              <a:t>frameworks</a:t>
+            </a:r>
+            <a:endParaRPr lang="de-DE" sz="1800" b="0" strike="noStrike" spc="-1" dirty="0">
+              <a:solidFill>
+                <a:srgbClr val="000000"/>
+              </a:solidFill>
+              <a:uFill>
+                <a:solidFill>
+                  <a:srgbClr val="FFFFFF"/>
+                </a:solidFill>
+              </a:uFill>
+              <a:latin typeface="Arial"/>
+            </a:endParaRPr>
+          </a:p>
+          <a:p>
+            <a:pPr marL="457200" indent="-380160">
               <a:lnSpc>
                 <a:spcPct val="200000"/>
               </a:lnSpc>
@@ -9307,7 +9461,7 @@
               <a:buChar char=""/>
             </a:pPr>
             <a:r>
-              <a:rPr lang="de-DE" sz="2000" b="0" strike="noStrike" spc="-1" dirty="0" err="1">
+              <a:rPr lang="de-DE" sz="2400" b="0" strike="noStrike" spc="-1" dirty="0" err="1">
                 <a:solidFill>
                   <a:srgbClr val="000000"/>
                 </a:solidFill>
@@ -9322,7 +9476,7 @@
               <a:t>Classify</a:t>
             </a:r>
             <a:r>
-              <a:rPr lang="de-DE" sz="2000" b="0" strike="noStrike" spc="-1" dirty="0">
+              <a:rPr lang="de-DE" sz="2400" b="0" strike="noStrike" spc="-1" dirty="0">
                 <a:solidFill>
                   <a:srgbClr val="000000"/>
                 </a:solidFill>
@@ -9337,7 +9491,7 @@
               <a:t> Dog </a:t>
             </a:r>
             <a:r>
-              <a:rPr lang="de-DE" sz="2000" b="0" strike="noStrike" spc="-1" dirty="0" err="1">
+              <a:rPr lang="de-DE" sz="2400" b="0" strike="noStrike" spc="-1" dirty="0" err="1">
                 <a:solidFill>
                   <a:srgbClr val="000000"/>
                 </a:solidFill>
@@ -9352,7 +9506,7 @@
               <a:t>Breeds</a:t>
             </a:r>
             <a:r>
-              <a:rPr lang="de-DE" sz="2000" b="0" strike="noStrike" spc="-1" dirty="0">
+              <a:rPr lang="de-DE" sz="2400" b="0" strike="noStrike" spc="-1" dirty="0">
                 <a:solidFill>
                   <a:srgbClr val="000000"/>
                 </a:solidFill>
@@ -9366,20 +9520,20 @@
               </a:rPr>
               <a:t> live</a:t>
             </a:r>
-            <a:endParaRPr lang="de-DE" sz="2000" b="0" strike="noStrike" spc="-1" dirty="0">
-              <a:solidFill>
-                <a:srgbClr val="000000"/>
-              </a:solidFill>
-              <a:uFill>
-                <a:solidFill>
-                  <a:srgbClr val="FFFFFF"/>
-                </a:solidFill>
-              </a:uFill>
-              <a:latin typeface="Arial"/>
-            </a:endParaRPr>
-          </a:p>
-          <a:p>
-            <a:pPr marL="457200" indent="-380520">
+            <a:endParaRPr lang="de-DE" sz="1800" b="0" strike="noStrike" spc="-1" dirty="0">
+              <a:solidFill>
+                <a:srgbClr val="000000"/>
+              </a:solidFill>
+              <a:uFill>
+                <a:solidFill>
+                  <a:srgbClr val="FFFFFF"/>
+                </a:solidFill>
+              </a:uFill>
+              <a:latin typeface="Arial"/>
+            </a:endParaRPr>
+          </a:p>
+          <a:p>
+            <a:pPr marL="457200" indent="-380160">
               <a:lnSpc>
                 <a:spcPct val="200000"/>
               </a:lnSpc>
@@ -9390,7 +9544,7 @@
               <a:buChar char=""/>
             </a:pPr>
             <a:r>
-              <a:rPr lang="de-DE" sz="2000" b="0" strike="noStrike" spc="-1" dirty="0">
+              <a:rPr lang="de-DE" sz="2400" b="0" strike="noStrike" spc="-1" dirty="0">
                 <a:solidFill>
                   <a:srgbClr val="000000"/>
                 </a:solidFill>
@@ -9405,7 +9559,7 @@
               <a:t>Challenge </a:t>
             </a:r>
             <a:r>
-              <a:rPr lang="de-DE" sz="2000" b="0" strike="noStrike" spc="-1" dirty="0" err="1">
+              <a:rPr lang="de-DE" sz="2400" b="0" strike="noStrike" spc="-1" dirty="0" err="1">
                 <a:solidFill>
                   <a:srgbClr val="000000"/>
                 </a:solidFill>
@@ -9420,7 +9574,7 @@
               <a:t>between</a:t>
             </a:r>
             <a:r>
-              <a:rPr lang="de-DE" sz="2000" b="0" strike="noStrike" spc="-1" dirty="0">
+              <a:rPr lang="de-DE" sz="2400" b="0" strike="noStrike" spc="-1" dirty="0">
                 <a:solidFill>
                   <a:srgbClr val="000000"/>
                 </a:solidFill>
@@ -9435,7 +9589,7 @@
               <a:t> </a:t>
             </a:r>
             <a:r>
-              <a:rPr lang="de-DE" sz="2000" b="0" strike="noStrike" spc="-1" dirty="0" err="1">
+              <a:rPr lang="de-DE" sz="2400" b="0" strike="noStrike" spc="-1" dirty="0" err="1">
                 <a:solidFill>
                   <a:srgbClr val="000000"/>
                 </a:solidFill>
@@ -9450,7 +9604,7 @@
               <a:t>performance</a:t>
             </a:r>
             <a:r>
-              <a:rPr lang="de-DE" sz="2000" b="0" strike="noStrike" spc="-1" dirty="0">
+              <a:rPr lang="de-DE" sz="2400" b="0" strike="noStrike" spc="-1" dirty="0">
                 <a:solidFill>
                   <a:srgbClr val="000000"/>
                 </a:solidFill>
@@ -9465,7 +9619,7 @@
               <a:t> and </a:t>
             </a:r>
             <a:r>
-              <a:rPr lang="de-DE" sz="2000" b="0" strike="noStrike" spc="-1" dirty="0" err="1">
+              <a:rPr lang="de-DE" sz="2400" b="0" strike="noStrike" spc="-1" dirty="0" err="1">
                 <a:solidFill>
                   <a:srgbClr val="000000"/>
                 </a:solidFill>
@@ -9479,7 +9633,7 @@
               </a:rPr>
               <a:t>accuracy</a:t>
             </a:r>
-            <a:endParaRPr lang="de-DE" sz="2000" b="0" strike="noStrike" spc="-1" dirty="0">
+            <a:endParaRPr lang="de-DE" sz="1800" b="0" strike="noStrike" spc="-1" dirty="0">
               <a:solidFill>
                 <a:srgbClr val="000000"/>
               </a:solidFill>
@@ -9497,30 +9651,30 @@
                 <a:spcPct val="100000"/>
               </a:lnSpc>
             </a:pPr>
-            <a:endParaRPr lang="de-DE" sz="2000" b="0" strike="noStrike" spc="-1" dirty="0">
-              <a:solidFill>
-                <a:srgbClr val="000000"/>
-              </a:solidFill>
-              <a:uFill>
-                <a:solidFill>
-                  <a:srgbClr val="FFFFFF"/>
-                </a:solidFill>
-              </a:uFill>
-              <a:latin typeface="Arial"/>
-            </a:endParaRPr>
-          </a:p>
-        </p:txBody>
-      </p:sp>
-      <p:sp>
-        <p:nvSpPr>
-          <p:cNvPr id="145" name="CustomShape 4"/>
+            <a:endParaRPr lang="de-DE" sz="1800" b="0" strike="noStrike" spc="-1" dirty="0">
+              <a:solidFill>
+                <a:srgbClr val="000000"/>
+              </a:solidFill>
+              <a:uFill>
+                <a:solidFill>
+                  <a:srgbClr val="FFFFFF"/>
+                </a:solidFill>
+              </a:uFill>
+              <a:latin typeface="Arial"/>
+            </a:endParaRPr>
+          </a:p>
+        </p:txBody>
+      </p:sp>
+      <p:sp>
+        <p:nvSpPr>
+          <p:cNvPr id="144" name="CustomShape 4"/>
           <p:cNvSpPr/>
           <p:nvPr/>
         </p:nvSpPr>
         <p:spPr>
           <a:xfrm>
             <a:off x="839520" y="3451680"/>
-            <a:ext cx="7968960" cy="620640"/>
+            <a:ext cx="7968600" cy="620280"/>
           </a:xfrm>
           <a:prstGeom prst="rect">
             <a:avLst/>
@@ -9597,14 +9751,14 @@
       </p:grpSpPr>
       <p:sp>
         <p:nvSpPr>
-          <p:cNvPr id="146" name="TextShape 1"/>
-          <p:cNvSpPr txBox="1"/>
+          <p:cNvPr id="145" name="CustomShape 1"/>
+          <p:cNvSpPr/>
           <p:nvPr/>
         </p:nvSpPr>
         <p:spPr>
           <a:xfrm>
             <a:off x="1331280" y="6453360"/>
-            <a:ext cx="4176360" cy="288720"/>
+            <a:ext cx="4176000" cy="288360"/>
           </a:xfrm>
           <a:prstGeom prst="rect">
             <a:avLst/>
@@ -9614,34 +9768,29 @@
             <a:noFill/>
           </a:ln>
         </p:spPr>
-        <p:txBody>
-          <a:bodyPr tIns="91440" bIns="91440"/>
-          <a:lstStyle/>
-          <a:p>
-            <a:endParaRPr lang="de-DE" sz="1400" b="0" strike="noStrike" spc="-1">
-              <a:solidFill>
-                <a:srgbClr val="000000"/>
-              </a:solidFill>
-              <a:uFill>
-                <a:solidFill>
-                  <a:srgbClr val="FFFFFF"/>
-                </a:solidFill>
-              </a:uFill>
-              <a:latin typeface="Arial"/>
-            </a:endParaRPr>
-          </a:p>
-        </p:txBody>
-      </p:sp>
-      <p:sp>
-        <p:nvSpPr>
-          <p:cNvPr id="147" name="CustomShape 2"/>
+        <p:style>
+          <a:lnRef idx="0">
+            <a:scrgbClr r="0" g="0" b="0"/>
+          </a:lnRef>
+          <a:fillRef idx="0">
+            <a:scrgbClr r="0" g="0" b="0"/>
+          </a:fillRef>
+          <a:effectRef idx="0">
+            <a:scrgbClr r="0" g="0" b="0"/>
+          </a:effectRef>
+          <a:fontRef idx="minor"/>
+        </p:style>
+      </p:sp>
+      <p:sp>
+        <p:nvSpPr>
+          <p:cNvPr id="146" name="CustomShape 2"/>
           <p:cNvSpPr/>
           <p:nvPr/>
         </p:nvSpPr>
         <p:spPr>
           <a:xfrm>
             <a:off x="742320" y="450000"/>
-            <a:ext cx="7968960" cy="620640"/>
+            <a:ext cx="7968600" cy="620280"/>
           </a:xfrm>
           <a:prstGeom prst="rect">
             <a:avLst/>
@@ -9664,7 +9813,7 @@
           <a:fontRef idx="minor"/>
         </p:style>
         <p:txBody>
-          <a:bodyPr tIns="91440" bIns="91440"/>
+          <a:bodyPr lIns="90000" tIns="91440" rIns="90000" bIns="91440"/>
           <a:lstStyle/>
           <a:p>
             <a:pPr>
@@ -9687,30 +9836,30 @@
               </a:rPr>
               <a:t>Methods</a:t>
             </a:r>
-            <a:endParaRPr lang="de-DE" sz="2800" b="0" strike="noStrike" spc="-1" dirty="0">
-              <a:solidFill>
-                <a:srgbClr val="000000"/>
-              </a:solidFill>
-              <a:uFill>
-                <a:solidFill>
-                  <a:srgbClr val="FFFFFF"/>
-                </a:solidFill>
-              </a:uFill>
-              <a:latin typeface="Arial"/>
-            </a:endParaRPr>
-          </a:p>
-        </p:txBody>
-      </p:sp>
-      <p:sp>
-        <p:nvSpPr>
-          <p:cNvPr id="148" name="CustomShape 3"/>
+            <a:endParaRPr lang="de-DE" sz="2000" b="0" strike="noStrike" spc="-1" dirty="0">
+              <a:solidFill>
+                <a:srgbClr val="000000"/>
+              </a:solidFill>
+              <a:uFill>
+                <a:solidFill>
+                  <a:srgbClr val="FFFFFF"/>
+                </a:solidFill>
+              </a:uFill>
+              <a:latin typeface="Arial"/>
+            </a:endParaRPr>
+          </a:p>
+        </p:txBody>
+      </p:sp>
+      <p:sp>
+        <p:nvSpPr>
+          <p:cNvPr id="147" name="CustomShape 3"/>
           <p:cNvSpPr/>
           <p:nvPr/>
         </p:nvSpPr>
         <p:spPr>
           <a:xfrm>
-            <a:off x="742320" y="1070640"/>
-            <a:ext cx="7968960" cy="4604040"/>
+            <a:off x="839520" y="1371960"/>
+            <a:ext cx="7968600" cy="4603680"/>
           </a:xfrm>
           <a:prstGeom prst="rect">
             <a:avLst/>
@@ -9733,10 +9882,10 @@
           <a:fontRef idx="minor"/>
         </p:style>
         <p:txBody>
-          <a:bodyPr tIns="91440" bIns="91440"/>
-          <a:lstStyle/>
-          <a:p>
-            <a:pPr marL="457200" indent="-380520">
+          <a:bodyPr lIns="90000" tIns="91440" rIns="90000" bIns="91440"/>
+          <a:lstStyle/>
+          <a:p>
+            <a:pPr marL="457200" indent="-380160">
               <a:lnSpc>
                 <a:spcPct val="200000"/>
               </a:lnSpc>
@@ -9747,7 +9896,7 @@
               <a:buChar char=""/>
             </a:pPr>
             <a:r>
-              <a:rPr lang="de-DE" sz="2000" b="0" strike="noStrike" spc="-1" dirty="0" err="1">
+              <a:rPr lang="de-DE" sz="2400" b="0" strike="noStrike" spc="-1" dirty="0" err="1">
                 <a:solidFill>
                   <a:srgbClr val="000000"/>
                 </a:solidFill>
@@ -9762,7 +9911,7 @@
               <a:t>ImageNet</a:t>
             </a:r>
             <a:r>
-              <a:rPr lang="de-DE" sz="2000" b="0" strike="noStrike" spc="-1" dirty="0">
+              <a:rPr lang="de-DE" sz="2400" b="0" strike="noStrike" spc="-1" dirty="0">
                 <a:solidFill>
                   <a:srgbClr val="000000"/>
                 </a:solidFill>
@@ -9774,10 +9923,84 @@
                 <a:latin typeface="Arial"/>
                 <a:ea typeface="Arial"/>
               </a:rPr>
-              <a:t> Stanford Dog Dataset, </a:t>
+              <a:t> Stanford </a:t>
             </a:r>
             <a:r>
-              <a:rPr lang="de-DE" sz="2000" b="0" strike="noStrike" spc="-1" dirty="0" err="1">
+              <a:rPr lang="de-DE" sz="2400" b="0" strike="noStrike" spc="-1" dirty="0" err="1">
+                <a:solidFill>
+                  <a:srgbClr val="000000"/>
+                </a:solidFill>
+                <a:uFill>
+                  <a:solidFill>
+                    <a:srgbClr val="FFFFFF"/>
+                  </a:solidFill>
+                </a:uFill>
+                <a:latin typeface="Arial"/>
+                <a:ea typeface="Arial"/>
+              </a:rPr>
+              <a:t>dog</a:t>
+            </a:r>
+            <a:r>
+              <a:rPr lang="de-DE" sz="2400" b="0" strike="noStrike" spc="-1" dirty="0">
+                <a:solidFill>
+                  <a:srgbClr val="000000"/>
+                </a:solidFill>
+                <a:uFill>
+                  <a:solidFill>
+                    <a:srgbClr val="FFFFFF"/>
+                  </a:solidFill>
+                </a:uFill>
+                <a:latin typeface="Arial"/>
+                <a:ea typeface="Arial"/>
+              </a:rPr>
+              <a:t> </a:t>
+            </a:r>
+            <a:r>
+              <a:rPr lang="de-DE" sz="2400" b="0" strike="noStrike" spc="-1" dirty="0" err="1">
+                <a:solidFill>
+                  <a:srgbClr val="000000"/>
+                </a:solidFill>
+                <a:uFill>
+                  <a:solidFill>
+                    <a:srgbClr val="FFFFFF"/>
+                  </a:solidFill>
+                </a:uFill>
+                <a:latin typeface="Arial"/>
+                <a:ea typeface="Arial"/>
+              </a:rPr>
+              <a:t>dataset</a:t>
+            </a:r>
+            <a:r>
+              <a:rPr lang="de-DE" sz="2400" b="0" strike="noStrike" spc="-1" dirty="0">
+                <a:solidFill>
+                  <a:srgbClr val="000000"/>
+                </a:solidFill>
+                <a:uFill>
+                  <a:solidFill>
+                    <a:srgbClr val="FFFFFF"/>
+                  </a:solidFill>
+                </a:uFill>
+                <a:latin typeface="Arial"/>
+                <a:ea typeface="Arial"/>
+              </a:rPr>
+              <a:t>, </a:t>
+            </a:r>
+            <a:br>
+              <a:rPr lang="de-DE" sz="2400" b="0" strike="noStrike" spc="-1" dirty="0">
+                <a:solidFill>
+                  <a:srgbClr val="000000"/>
+                </a:solidFill>
+                <a:uFill>
+                  <a:solidFill>
+                    <a:srgbClr val="FFFFFF"/>
+                  </a:solidFill>
+                </a:uFill>
+                <a:latin typeface="Arial"/>
+                <a:ea typeface="Arial"/>
+              </a:rPr>
+            </a:br>
+            <a:r>
+              <a:rPr lang="de-DE" sz="2400" b="0" strike="noStrike" spc="-1" dirty="0" err="1">
                 <a:solidFill>
                   <a:srgbClr val="000000"/>
                 </a:solidFill>
@@ -9792,7 +10015,7 @@
               <a:t>Udacity</a:t>
             </a:r>
             <a:r>
-              <a:rPr lang="de-DE" sz="2000" b="0" strike="noStrike" spc="-1" dirty="0">
+              <a:rPr lang="de-DE" sz="2400" b="0" strike="noStrike" spc="-1" dirty="0">
                 <a:solidFill>
                   <a:srgbClr val="000000"/>
                 </a:solidFill>
@@ -9804,22 +10027,97 @@
                 <a:latin typeface="Arial"/>
                 <a:ea typeface="Arial"/>
               </a:rPr>
-              <a:t> Dog Project Dataset</a:t>
+              <a:t> </a:t>
             </a:r>
-            <a:endParaRPr lang="de-DE" sz="2000" b="0" strike="noStrike" spc="-1" dirty="0">
-              <a:solidFill>
-                <a:srgbClr val="000000"/>
-              </a:solidFill>
-              <a:uFill>
-                <a:solidFill>
-                  <a:srgbClr val="FFFFFF"/>
-                </a:solidFill>
-              </a:uFill>
-              <a:latin typeface="Arial"/>
-            </a:endParaRPr>
-          </a:p>
-          <a:p>
-            <a:pPr marL="457200" indent="-380520">
+            <a:r>
+              <a:rPr lang="de-DE" sz="2400" b="0" strike="noStrike" spc="-1" dirty="0" err="1">
+                <a:solidFill>
+                  <a:srgbClr val="000000"/>
+                </a:solidFill>
+                <a:uFill>
+                  <a:solidFill>
+                    <a:srgbClr val="FFFFFF"/>
+                  </a:solidFill>
+                </a:uFill>
+                <a:latin typeface="Arial"/>
+                <a:ea typeface="Arial"/>
+              </a:rPr>
+              <a:t>dog</a:t>
+            </a:r>
+            <a:r>
+              <a:rPr lang="de-DE" sz="2400" b="0" strike="noStrike" spc="-1" dirty="0">
+                <a:solidFill>
+                  <a:srgbClr val="000000"/>
+                </a:solidFill>
+                <a:uFill>
+                  <a:solidFill>
+                    <a:srgbClr val="FFFFFF"/>
+                  </a:solidFill>
+                </a:uFill>
+                <a:latin typeface="Arial"/>
+                <a:ea typeface="Arial"/>
+              </a:rPr>
+              <a:t> </a:t>
+            </a:r>
+            <a:r>
+              <a:rPr lang="de-DE" sz="2400" b="0" strike="noStrike" spc="-1" dirty="0" err="1">
+                <a:solidFill>
+                  <a:srgbClr val="000000"/>
+                </a:solidFill>
+                <a:uFill>
+                  <a:solidFill>
+                    <a:srgbClr val="FFFFFF"/>
+                  </a:solidFill>
+                </a:uFill>
+                <a:latin typeface="Arial"/>
+                <a:ea typeface="Arial"/>
+              </a:rPr>
+              <a:t>project</a:t>
+            </a:r>
+            <a:r>
+              <a:rPr lang="de-DE" sz="2400" b="0" strike="noStrike" spc="-1" dirty="0">
+                <a:solidFill>
+                  <a:srgbClr val="000000"/>
+                </a:solidFill>
+                <a:uFill>
+                  <a:solidFill>
+                    <a:srgbClr val="FFFFFF"/>
+                  </a:solidFill>
+                </a:uFill>
+                <a:latin typeface="Arial"/>
+                <a:ea typeface="Arial"/>
+              </a:rPr>
+              <a:t> </a:t>
+            </a:r>
+            <a:r>
+              <a:rPr lang="de-DE" sz="2400" b="0" strike="noStrike" spc="-1" dirty="0" err="1">
+                <a:solidFill>
+                  <a:srgbClr val="000000"/>
+                </a:solidFill>
+                <a:uFill>
+                  <a:solidFill>
+                    <a:srgbClr val="FFFFFF"/>
+                  </a:solidFill>
+                </a:uFill>
+                <a:latin typeface="Arial"/>
+                <a:ea typeface="Arial"/>
+              </a:rPr>
+              <a:t>dataset</a:t>
+            </a:r>
+            <a:endParaRPr lang="de-DE" sz="1800" b="0" strike="noStrike" spc="-1" dirty="0">
+              <a:solidFill>
+                <a:srgbClr val="000000"/>
+              </a:solidFill>
+              <a:uFill>
+                <a:solidFill>
+                  <a:srgbClr val="FFFFFF"/>
+                </a:solidFill>
+              </a:uFill>
+              <a:latin typeface="Arial"/>
+            </a:endParaRPr>
+          </a:p>
+          <a:p>
+            <a:pPr marL="457200" indent="-380160">
               <a:lnSpc>
                 <a:spcPct val="200000"/>
               </a:lnSpc>
@@ -9830,7 +10128,7 @@
               <a:buChar char=""/>
             </a:pPr>
             <a:r>
-              <a:rPr lang="de-DE" sz="2000" b="0" strike="noStrike" spc="-1" dirty="0">
+              <a:rPr lang="de-DE" sz="2400" b="0" strike="noStrike" spc="-1" dirty="0">
                 <a:solidFill>
                   <a:srgbClr val="000000"/>
                 </a:solidFill>
@@ -9845,7 +10143,7 @@
               <a:t>Framework </a:t>
             </a:r>
             <a:r>
-              <a:rPr lang="de-DE" sz="2000" b="0" strike="noStrike" spc="-1" dirty="0" err="1">
+              <a:rPr lang="de-DE" sz="2400" b="0" strike="noStrike" spc="-1" dirty="0" err="1">
                 <a:solidFill>
                   <a:srgbClr val="000000"/>
                 </a:solidFill>
@@ -9860,7 +10158,7 @@
               <a:t>Tensorflow</a:t>
             </a:r>
             <a:r>
-              <a:rPr lang="de-DE" sz="2000" b="0" strike="noStrike" spc="-1" dirty="0">
+              <a:rPr lang="de-DE" sz="2400" b="0" strike="noStrike" spc="-1" dirty="0">
                 <a:solidFill>
                   <a:srgbClr val="000000"/>
                 </a:solidFill>
@@ -9874,20 +10172,20 @@
               </a:rPr>
               <a:t> Lite &amp; Mobile</a:t>
             </a:r>
-            <a:endParaRPr lang="de-DE" sz="2000" b="0" strike="noStrike" spc="-1" dirty="0">
-              <a:solidFill>
-                <a:srgbClr val="000000"/>
-              </a:solidFill>
-              <a:uFill>
-                <a:solidFill>
-                  <a:srgbClr val="FFFFFF"/>
-                </a:solidFill>
-              </a:uFill>
-              <a:latin typeface="Arial"/>
-            </a:endParaRPr>
-          </a:p>
-          <a:p>
-            <a:pPr marL="457200" indent="-380520">
+            <a:endParaRPr lang="de-DE" sz="1800" b="0" strike="noStrike" spc="-1" dirty="0">
+              <a:solidFill>
+                <a:srgbClr val="000000"/>
+              </a:solidFill>
+              <a:uFill>
+                <a:solidFill>
+                  <a:srgbClr val="FFFFFF"/>
+                </a:solidFill>
+              </a:uFill>
+              <a:latin typeface="Arial"/>
+            </a:endParaRPr>
+          </a:p>
+          <a:p>
+            <a:pPr marL="457200" indent="-380160">
               <a:lnSpc>
                 <a:spcPct val="200000"/>
               </a:lnSpc>
@@ -9898,7 +10196,7 @@
               <a:buChar char=""/>
             </a:pPr>
             <a:r>
-              <a:rPr lang="de-DE" sz="2000" b="0" strike="noStrike" spc="-1" dirty="0" err="1">
+              <a:rPr lang="de-DE" sz="2400" b="0" strike="noStrike" spc="-1" dirty="0" err="1">
                 <a:solidFill>
                   <a:srgbClr val="000000"/>
                 </a:solidFill>
@@ -9913,7 +10211,7 @@
               <a:t>Mobilenet</a:t>
             </a:r>
             <a:r>
-              <a:rPr lang="de-DE" sz="2000" b="0" strike="noStrike" spc="-1" dirty="0">
+              <a:rPr lang="de-DE" sz="2400" b="0" strike="noStrike" spc="-1" dirty="0">
                 <a:solidFill>
                   <a:srgbClr val="000000"/>
                 </a:solidFill>
@@ -9927,20 +10225,20 @@
               </a:rPr>
               <a:t> 0.50, 1.0, InceptionV3</a:t>
             </a:r>
-            <a:endParaRPr lang="de-DE" sz="2000" b="0" strike="noStrike" spc="-1" dirty="0">
-              <a:solidFill>
-                <a:srgbClr val="000000"/>
-              </a:solidFill>
-              <a:uFill>
-                <a:solidFill>
-                  <a:srgbClr val="FFFFFF"/>
-                </a:solidFill>
-              </a:uFill>
-              <a:latin typeface="Arial"/>
-            </a:endParaRPr>
-          </a:p>
-          <a:p>
-            <a:pPr marL="457200" indent="-380520">
+            <a:endParaRPr lang="de-DE" sz="1800" b="0" strike="noStrike" spc="-1" dirty="0">
+              <a:solidFill>
+                <a:srgbClr val="000000"/>
+              </a:solidFill>
+              <a:uFill>
+                <a:solidFill>
+                  <a:srgbClr val="FFFFFF"/>
+                </a:solidFill>
+              </a:uFill>
+              <a:latin typeface="Arial"/>
+            </a:endParaRPr>
+          </a:p>
+          <a:p>
+            <a:pPr marL="457200" indent="-380160">
               <a:lnSpc>
                 <a:spcPct val="200000"/>
               </a:lnSpc>
@@ -9951,7 +10249,7 @@
               <a:buChar char=""/>
             </a:pPr>
             <a:r>
-              <a:rPr lang="de-DE" sz="2000" b="0" strike="noStrike" spc="-1" dirty="0">
+              <a:rPr lang="de-DE" sz="2400" b="0" strike="noStrike" spc="-1" dirty="0">
                 <a:solidFill>
                   <a:srgbClr val="000000"/>
                 </a:solidFill>
@@ -9963,10 +10261,10 @@
                 <a:latin typeface="Arial"/>
                 <a:ea typeface="Arial"/>
               </a:rPr>
-              <a:t>Python, </a:t>
+              <a:t>Python, C++ (</a:t>
             </a:r>
             <a:r>
-              <a:rPr lang="de-DE" sz="2000" b="0" strike="noStrike" spc="-1" dirty="0" err="1">
+              <a:rPr lang="de-DE" sz="2400" b="0" strike="noStrike" spc="-1" dirty="0" err="1">
                 <a:solidFill>
                   <a:srgbClr val="000000"/>
                 </a:solidFill>
@@ -9980,20 +10278,35 @@
               </a:rPr>
               <a:t>Bazel</a:t>
             </a:r>
-            <a:endParaRPr lang="de-DE" sz="2000" b="0" strike="noStrike" spc="-1" dirty="0">
-              <a:solidFill>
-                <a:srgbClr val="000000"/>
-              </a:solidFill>
-              <a:uFill>
-                <a:solidFill>
-                  <a:srgbClr val="FFFFFF"/>
-                </a:solidFill>
-              </a:uFill>
-              <a:latin typeface="Arial"/>
-            </a:endParaRPr>
-          </a:p>
-          <a:p>
-            <a:pPr marL="457200" indent="-380520">
+            <a:r>
+              <a:rPr lang="de-DE" sz="2400" b="0" strike="noStrike" spc="-1" dirty="0">
+                <a:solidFill>
+                  <a:srgbClr val="000000"/>
+                </a:solidFill>
+                <a:uFill>
+                  <a:solidFill>
+                    <a:srgbClr val="FFFFFF"/>
+                  </a:solidFill>
+                </a:uFill>
+                <a:latin typeface="Arial"/>
+                <a:ea typeface="Arial"/>
+              </a:rPr>
+              <a:t>)</a:t>
+            </a:r>
+            <a:endParaRPr lang="de-DE" sz="1800" b="0" strike="noStrike" spc="-1" dirty="0">
+              <a:solidFill>
+                <a:srgbClr val="000000"/>
+              </a:solidFill>
+              <a:uFill>
+                <a:solidFill>
+                  <a:srgbClr val="FFFFFF"/>
+                </a:solidFill>
+              </a:uFill>
+              <a:latin typeface="Arial"/>
+            </a:endParaRPr>
+          </a:p>
+          <a:p>
+            <a:pPr marL="457200" indent="-380160">
               <a:lnSpc>
                 <a:spcPct val="200000"/>
               </a:lnSpc>
@@ -10004,7 +10317,7 @@
               <a:buChar char=""/>
             </a:pPr>
             <a:r>
-              <a:rPr lang="de-DE" sz="2000" b="0" strike="noStrike" spc="-1" dirty="0">
+              <a:rPr lang="de-DE" sz="2400" b="0" strike="noStrike" spc="-1" dirty="0">
                 <a:solidFill>
                   <a:srgbClr val="000000"/>
                 </a:solidFill>
@@ -10018,7 +10331,7 @@
               </a:rPr>
               <a:t>Android Studio</a:t>
             </a:r>
-            <a:endParaRPr lang="de-DE" sz="2000" b="0" strike="noStrike" spc="-1" dirty="0">
+            <a:endParaRPr lang="de-DE" sz="1800" b="0" strike="noStrike" spc="-1" dirty="0">
               <a:solidFill>
                 <a:srgbClr val="000000"/>
               </a:solidFill>
@@ -10052,14 +10365,14 @@
       </p:sp>
       <p:sp>
         <p:nvSpPr>
-          <p:cNvPr id="149" name="CustomShape 4"/>
+          <p:cNvPr id="148" name="CustomShape 4"/>
           <p:cNvSpPr/>
           <p:nvPr/>
         </p:nvSpPr>
         <p:spPr>
           <a:xfrm>
             <a:off x="839520" y="3451680"/>
-            <a:ext cx="7968960" cy="620640"/>
+            <a:ext cx="7968600" cy="620280"/>
           </a:xfrm>
           <a:prstGeom prst="rect">
             <a:avLst/>
@@ -10136,14 +10449,14 @@
       </p:grpSpPr>
       <p:sp>
         <p:nvSpPr>
-          <p:cNvPr id="150" name="TextShape 1"/>
-          <p:cNvSpPr txBox="1"/>
+          <p:cNvPr id="149" name="CustomShape 1"/>
+          <p:cNvSpPr/>
           <p:nvPr/>
         </p:nvSpPr>
         <p:spPr>
           <a:xfrm>
             <a:off x="1331280" y="6453360"/>
-            <a:ext cx="4176360" cy="288720"/>
+            <a:ext cx="4176000" cy="288360"/>
           </a:xfrm>
           <a:prstGeom prst="rect">
             <a:avLst/>
@@ -10153,34 +10466,29 @@
             <a:noFill/>
           </a:ln>
         </p:spPr>
-        <p:txBody>
-          <a:bodyPr tIns="91440" bIns="91440"/>
-          <a:lstStyle/>
-          <a:p>
-            <a:endParaRPr lang="de-DE" sz="1400" b="0" strike="noStrike" spc="-1">
-              <a:solidFill>
-                <a:srgbClr val="000000"/>
-              </a:solidFill>
-              <a:uFill>
-                <a:solidFill>
-                  <a:srgbClr val="FFFFFF"/>
-                </a:solidFill>
-              </a:uFill>
-              <a:latin typeface="Arial"/>
-            </a:endParaRPr>
-          </a:p>
-        </p:txBody>
-      </p:sp>
-      <p:sp>
-        <p:nvSpPr>
-          <p:cNvPr id="151" name="CustomShape 2"/>
+        <p:style>
+          <a:lnRef idx="0">
+            <a:scrgbClr r="0" g="0" b="0"/>
+          </a:lnRef>
+          <a:fillRef idx="0">
+            <a:scrgbClr r="0" g="0" b="0"/>
+          </a:fillRef>
+          <a:effectRef idx="0">
+            <a:scrgbClr r="0" g="0" b="0"/>
+          </a:effectRef>
+          <a:fontRef idx="minor"/>
+        </p:style>
+      </p:sp>
+      <p:sp>
+        <p:nvSpPr>
+          <p:cNvPr id="150" name="CustomShape 2"/>
           <p:cNvSpPr/>
           <p:nvPr/>
         </p:nvSpPr>
         <p:spPr>
           <a:xfrm>
-            <a:off x="742320" y="571680"/>
-            <a:ext cx="7968960" cy="620640"/>
+            <a:off x="742320" y="450000"/>
+            <a:ext cx="7968600" cy="620280"/>
           </a:xfrm>
           <a:prstGeom prst="rect">
             <a:avLst/>
@@ -10203,7 +10511,7 @@
           <a:fontRef idx="minor"/>
         </p:style>
         <p:txBody>
-          <a:bodyPr tIns="91440" bIns="91440"/>
+          <a:bodyPr lIns="90000" tIns="91440" rIns="90000" bIns="91440"/>
           <a:lstStyle/>
           <a:p>
             <a:pPr>
@@ -10226,30 +10534,30 @@
               </a:rPr>
               <a:t>Realization</a:t>
             </a:r>
-            <a:endParaRPr lang="de-DE" sz="2800" b="0" strike="noStrike" spc="-1" dirty="0">
-              <a:solidFill>
-                <a:srgbClr val="000000"/>
-              </a:solidFill>
-              <a:uFill>
-                <a:solidFill>
-                  <a:srgbClr val="FFFFFF"/>
-                </a:solidFill>
-              </a:uFill>
-              <a:latin typeface="Arial"/>
-            </a:endParaRPr>
-          </a:p>
-        </p:txBody>
-      </p:sp>
-      <p:sp>
-        <p:nvSpPr>
-          <p:cNvPr id="152" name="CustomShape 3"/>
+            <a:endParaRPr lang="de-DE" sz="2000" b="0" strike="noStrike" spc="-1" dirty="0">
+              <a:solidFill>
+                <a:srgbClr val="000000"/>
+              </a:solidFill>
+              <a:uFill>
+                <a:solidFill>
+                  <a:srgbClr val="FFFFFF"/>
+                </a:solidFill>
+              </a:uFill>
+              <a:latin typeface="Arial"/>
+            </a:endParaRPr>
+          </a:p>
+        </p:txBody>
+      </p:sp>
+      <p:sp>
+        <p:nvSpPr>
+          <p:cNvPr id="151" name="CustomShape 3"/>
           <p:cNvSpPr/>
           <p:nvPr/>
         </p:nvSpPr>
         <p:spPr>
           <a:xfrm>
             <a:off x="839520" y="1371960"/>
-            <a:ext cx="7968960" cy="4604040"/>
+            <a:ext cx="7968600" cy="4603680"/>
           </a:xfrm>
           <a:prstGeom prst="rect">
             <a:avLst/>
@@ -10272,10 +10580,10 @@
           <a:fontRef idx="minor"/>
         </p:style>
         <p:txBody>
-          <a:bodyPr tIns="91440" bIns="91440"/>
-          <a:lstStyle/>
-          <a:p>
-            <a:pPr marL="457200" indent="-380520">
+          <a:bodyPr lIns="90000" tIns="91440" rIns="90000" bIns="91440"/>
+          <a:lstStyle/>
+          <a:p>
+            <a:pPr marL="457200" indent="-380160">
               <a:lnSpc>
                 <a:spcPct val="200000"/>
               </a:lnSpc>
@@ -10286,7 +10594,7 @@
               <a:buAutoNum type="arabicParenR"/>
             </a:pPr>
             <a:r>
-              <a:rPr lang="de-DE" sz="2000" b="0" strike="noStrike" spc="-1" dirty="0">
+              <a:rPr lang="de-DE" sz="2400" b="0" strike="noStrike" spc="-1">
                 <a:solidFill>
                   <a:srgbClr val="000000"/>
                 </a:solidFill>
@@ -10298,10 +10606,33 @@
                 <a:latin typeface="Arial"/>
                 <a:ea typeface="Arial"/>
               </a:rPr>
-              <a:t>Installation </a:t>
+              <a:t>Installation of required software</a:t>
             </a:r>
+            <a:endParaRPr lang="de-DE" sz="1800" b="0" strike="noStrike" spc="-1">
+              <a:solidFill>
+                <a:srgbClr val="000000"/>
+              </a:solidFill>
+              <a:uFill>
+                <a:solidFill>
+                  <a:srgbClr val="FFFFFF"/>
+                </a:solidFill>
+              </a:uFill>
+              <a:latin typeface="Arial"/>
+            </a:endParaRPr>
+          </a:p>
+          <a:p>
+            <a:pPr marL="457200" indent="-380160">
+              <a:lnSpc>
+                <a:spcPct val="200000"/>
+              </a:lnSpc>
+              <a:buClr>
+                <a:srgbClr val="000000"/>
+              </a:buClr>
+              <a:buFont typeface="StarSymbol"/>
+              <a:buAutoNum type="arabicParenR"/>
+            </a:pPr>
             <a:r>
-              <a:rPr lang="de-DE" sz="2000" b="0" strike="noStrike" spc="-1" dirty="0" err="1">
+              <a:rPr lang="de-DE" sz="2400" b="0" strike="noStrike" spc="-1">
                 <a:solidFill>
                   <a:srgbClr val="000000"/>
                 </a:solidFill>
@@ -10313,10 +10644,33 @@
                 <a:latin typeface="Arial"/>
                 <a:ea typeface="Arial"/>
               </a:rPr>
-              <a:t>of</a:t>
+              <a:t>Retraining the pre-trained model</a:t>
             </a:r>
+            <a:endParaRPr lang="de-DE" sz="1800" b="0" strike="noStrike" spc="-1">
+              <a:solidFill>
+                <a:srgbClr val="000000"/>
+              </a:solidFill>
+              <a:uFill>
+                <a:solidFill>
+                  <a:srgbClr val="FFFFFF"/>
+                </a:solidFill>
+              </a:uFill>
+              <a:latin typeface="Arial"/>
+            </a:endParaRPr>
+          </a:p>
+          <a:p>
+            <a:pPr marL="457200" indent="-380160">
+              <a:lnSpc>
+                <a:spcPct val="200000"/>
+              </a:lnSpc>
+              <a:buClr>
+                <a:srgbClr val="000000"/>
+              </a:buClr>
+              <a:buFont typeface="StarSymbol"/>
+              <a:buAutoNum type="arabicParenR"/>
+            </a:pPr>
             <a:r>
-              <a:rPr lang="de-DE" sz="2000" b="0" strike="noStrike" spc="-1" dirty="0">
+              <a:rPr lang="de-DE" sz="2400" b="0" strike="noStrike" spc="-1">
                 <a:solidFill>
                   <a:srgbClr val="000000"/>
                 </a:solidFill>
@@ -10328,10 +10682,33 @@
                 <a:latin typeface="Arial"/>
                 <a:ea typeface="Arial"/>
               </a:rPr>
-              <a:t> </a:t>
+              <a:t>Optimizing the model</a:t>
             </a:r>
+            <a:endParaRPr lang="de-DE" sz="1800" b="0" strike="noStrike" spc="-1">
+              <a:solidFill>
+                <a:srgbClr val="000000"/>
+              </a:solidFill>
+              <a:uFill>
+                <a:solidFill>
+                  <a:srgbClr val="FFFFFF"/>
+                </a:solidFill>
+              </a:uFill>
+              <a:latin typeface="Arial"/>
+            </a:endParaRPr>
+          </a:p>
+          <a:p>
+            <a:pPr marL="457200" indent="-380160">
+              <a:lnSpc>
+                <a:spcPct val="200000"/>
+              </a:lnSpc>
+              <a:buClr>
+                <a:srgbClr val="000000"/>
+              </a:buClr>
+              <a:buFont typeface="StarSymbol"/>
+              <a:buAutoNum type="arabicParenR"/>
+            </a:pPr>
             <a:r>
-              <a:rPr lang="de-DE" sz="2000" b="0" strike="noStrike" spc="-1" dirty="0" err="1">
+              <a:rPr lang="de-DE" sz="2400" b="0" strike="noStrike" spc="-1">
                 <a:solidFill>
                   <a:srgbClr val="000000"/>
                 </a:solidFill>
@@ -10343,348 +10720,9 @@
                 <a:latin typeface="Arial"/>
                 <a:ea typeface="Arial"/>
               </a:rPr>
-              <a:t>required</a:t>
+              <a:t>Realization of the Android app</a:t>
             </a:r>
-            <a:r>
-              <a:rPr lang="de-DE" sz="2000" b="0" strike="noStrike" spc="-1" dirty="0">
-                <a:solidFill>
-                  <a:srgbClr val="000000"/>
-                </a:solidFill>
-                <a:uFill>
-                  <a:solidFill>
-                    <a:srgbClr val="FFFFFF"/>
-                  </a:solidFill>
-                </a:uFill>
-                <a:latin typeface="Arial"/>
-                <a:ea typeface="Arial"/>
-              </a:rPr>
-              <a:t> </a:t>
-            </a:r>
-            <a:r>
-              <a:rPr lang="de-DE" sz="2000" b="0" strike="noStrike" spc="-1" dirty="0" err="1">
-                <a:solidFill>
-                  <a:srgbClr val="000000"/>
-                </a:solidFill>
-                <a:uFill>
-                  <a:solidFill>
-                    <a:srgbClr val="FFFFFF"/>
-                  </a:solidFill>
-                </a:uFill>
-                <a:latin typeface="Arial"/>
-                <a:ea typeface="Arial"/>
-              </a:rPr>
-              <a:t>software</a:t>
-            </a:r>
-            <a:endParaRPr lang="de-DE" sz="2000" b="0" strike="noStrike" spc="-1" dirty="0">
-              <a:solidFill>
-                <a:srgbClr val="000000"/>
-              </a:solidFill>
-              <a:uFill>
-                <a:solidFill>
-                  <a:srgbClr val="FFFFFF"/>
-                </a:solidFill>
-              </a:uFill>
-              <a:latin typeface="Arial"/>
-            </a:endParaRPr>
-          </a:p>
-          <a:p>
-            <a:pPr marL="457200" indent="-380520">
-              <a:lnSpc>
-                <a:spcPct val="200000"/>
-              </a:lnSpc>
-              <a:buClr>
-                <a:srgbClr val="000000"/>
-              </a:buClr>
-              <a:buFont typeface="StarSymbol"/>
-              <a:buAutoNum type="arabicParenR"/>
-            </a:pPr>
-            <a:r>
-              <a:rPr lang="de-DE" sz="2000" b="0" strike="noStrike" spc="-1" dirty="0" err="1">
-                <a:solidFill>
-                  <a:srgbClr val="000000"/>
-                </a:solidFill>
-                <a:uFill>
-                  <a:solidFill>
-                    <a:srgbClr val="FFFFFF"/>
-                  </a:solidFill>
-                </a:uFill>
-                <a:latin typeface="Arial"/>
-                <a:ea typeface="Arial"/>
-              </a:rPr>
-              <a:t>Retraining</a:t>
-            </a:r>
-            <a:r>
-              <a:rPr lang="de-DE" sz="2000" b="0" strike="noStrike" spc="-1" dirty="0">
-                <a:solidFill>
-                  <a:srgbClr val="000000"/>
-                </a:solidFill>
-                <a:uFill>
-                  <a:solidFill>
-                    <a:srgbClr val="FFFFFF"/>
-                  </a:solidFill>
-                </a:uFill>
-                <a:latin typeface="Arial"/>
-                <a:ea typeface="Arial"/>
-              </a:rPr>
-              <a:t> </a:t>
-            </a:r>
-            <a:r>
-              <a:rPr lang="de-DE" sz="2000" b="0" strike="noStrike" spc="-1" dirty="0" err="1">
-                <a:solidFill>
-                  <a:srgbClr val="000000"/>
-                </a:solidFill>
-                <a:uFill>
-                  <a:solidFill>
-                    <a:srgbClr val="FFFFFF"/>
-                  </a:solidFill>
-                </a:uFill>
-                <a:latin typeface="Arial"/>
-                <a:ea typeface="Arial"/>
-              </a:rPr>
-              <a:t>the</a:t>
-            </a:r>
-            <a:r>
-              <a:rPr lang="de-DE" sz="2000" b="0" strike="noStrike" spc="-1" dirty="0">
-                <a:solidFill>
-                  <a:srgbClr val="000000"/>
-                </a:solidFill>
-                <a:uFill>
-                  <a:solidFill>
-                    <a:srgbClr val="FFFFFF"/>
-                  </a:solidFill>
-                </a:uFill>
-                <a:latin typeface="Arial"/>
-                <a:ea typeface="Arial"/>
-              </a:rPr>
-              <a:t> </a:t>
-            </a:r>
-            <a:r>
-              <a:rPr lang="de-DE" sz="2000" b="0" strike="noStrike" spc="-1" dirty="0" err="1">
-                <a:solidFill>
-                  <a:srgbClr val="000000"/>
-                </a:solidFill>
-                <a:uFill>
-                  <a:solidFill>
-                    <a:srgbClr val="FFFFFF"/>
-                  </a:solidFill>
-                </a:uFill>
-                <a:latin typeface="Arial"/>
-                <a:ea typeface="Arial"/>
-              </a:rPr>
-              <a:t>pre-trained</a:t>
-            </a:r>
-            <a:r>
-              <a:rPr lang="de-DE" sz="2000" b="0" strike="noStrike" spc="-1" dirty="0">
-                <a:solidFill>
-                  <a:srgbClr val="000000"/>
-                </a:solidFill>
-                <a:uFill>
-                  <a:solidFill>
-                    <a:srgbClr val="FFFFFF"/>
-                  </a:solidFill>
-                </a:uFill>
-                <a:latin typeface="Arial"/>
-                <a:ea typeface="Arial"/>
-              </a:rPr>
-              <a:t> </a:t>
-            </a:r>
-            <a:r>
-              <a:rPr lang="de-DE" sz="2000" b="0" strike="noStrike" spc="-1" dirty="0" err="1">
-                <a:solidFill>
-                  <a:srgbClr val="000000"/>
-                </a:solidFill>
-                <a:uFill>
-                  <a:solidFill>
-                    <a:srgbClr val="FFFFFF"/>
-                  </a:solidFill>
-                </a:uFill>
-                <a:latin typeface="Arial"/>
-                <a:ea typeface="Arial"/>
-              </a:rPr>
-              <a:t>model</a:t>
-            </a:r>
-            <a:endParaRPr lang="de-DE" sz="2000" b="0" strike="noStrike" spc="-1" dirty="0">
-              <a:solidFill>
-                <a:srgbClr val="000000"/>
-              </a:solidFill>
-              <a:uFill>
-                <a:solidFill>
-                  <a:srgbClr val="FFFFFF"/>
-                </a:solidFill>
-              </a:uFill>
-              <a:latin typeface="Arial"/>
-            </a:endParaRPr>
-          </a:p>
-          <a:p>
-            <a:pPr marL="457200" indent="-380520">
-              <a:lnSpc>
-                <a:spcPct val="200000"/>
-              </a:lnSpc>
-              <a:buClr>
-                <a:srgbClr val="000000"/>
-              </a:buClr>
-              <a:buFont typeface="StarSymbol"/>
-              <a:buAutoNum type="arabicParenR"/>
-            </a:pPr>
-            <a:r>
-              <a:rPr lang="de-DE" sz="2000" b="0" strike="noStrike" spc="-1" dirty="0" err="1">
-                <a:solidFill>
-                  <a:srgbClr val="000000"/>
-                </a:solidFill>
-                <a:uFill>
-                  <a:solidFill>
-                    <a:srgbClr val="FFFFFF"/>
-                  </a:solidFill>
-                </a:uFill>
-                <a:latin typeface="Arial"/>
-                <a:ea typeface="Arial"/>
-              </a:rPr>
-              <a:t>Optimizing</a:t>
-            </a:r>
-            <a:r>
-              <a:rPr lang="de-DE" sz="2000" b="0" strike="noStrike" spc="-1" dirty="0">
-                <a:solidFill>
-                  <a:srgbClr val="000000"/>
-                </a:solidFill>
-                <a:uFill>
-                  <a:solidFill>
-                    <a:srgbClr val="FFFFFF"/>
-                  </a:solidFill>
-                </a:uFill>
-                <a:latin typeface="Arial"/>
-                <a:ea typeface="Arial"/>
-              </a:rPr>
-              <a:t> </a:t>
-            </a:r>
-            <a:r>
-              <a:rPr lang="de-DE" sz="2000" b="0" strike="noStrike" spc="-1" dirty="0" err="1">
-                <a:solidFill>
-                  <a:srgbClr val="000000"/>
-                </a:solidFill>
-                <a:uFill>
-                  <a:solidFill>
-                    <a:srgbClr val="FFFFFF"/>
-                  </a:solidFill>
-                </a:uFill>
-                <a:latin typeface="Arial"/>
-                <a:ea typeface="Arial"/>
-              </a:rPr>
-              <a:t>the</a:t>
-            </a:r>
-            <a:r>
-              <a:rPr lang="de-DE" sz="2000" b="0" strike="noStrike" spc="-1" dirty="0">
-                <a:solidFill>
-                  <a:srgbClr val="000000"/>
-                </a:solidFill>
-                <a:uFill>
-                  <a:solidFill>
-                    <a:srgbClr val="FFFFFF"/>
-                  </a:solidFill>
-                </a:uFill>
-                <a:latin typeface="Arial"/>
-                <a:ea typeface="Arial"/>
-              </a:rPr>
-              <a:t> </a:t>
-            </a:r>
-            <a:r>
-              <a:rPr lang="de-DE" sz="2000" b="0" strike="noStrike" spc="-1" dirty="0" err="1">
-                <a:solidFill>
-                  <a:srgbClr val="000000"/>
-                </a:solidFill>
-                <a:uFill>
-                  <a:solidFill>
-                    <a:srgbClr val="FFFFFF"/>
-                  </a:solidFill>
-                </a:uFill>
-                <a:latin typeface="Arial"/>
-                <a:ea typeface="Arial"/>
-              </a:rPr>
-              <a:t>model</a:t>
-            </a:r>
-            <a:endParaRPr lang="de-DE" sz="2000" b="0" strike="noStrike" spc="-1" dirty="0">
-              <a:solidFill>
-                <a:srgbClr val="000000"/>
-              </a:solidFill>
-              <a:uFill>
-                <a:solidFill>
-                  <a:srgbClr val="FFFFFF"/>
-                </a:solidFill>
-              </a:uFill>
-              <a:latin typeface="Arial"/>
-            </a:endParaRPr>
-          </a:p>
-          <a:p>
-            <a:pPr marL="457200" indent="-380520">
-              <a:lnSpc>
-                <a:spcPct val="200000"/>
-              </a:lnSpc>
-              <a:buClr>
-                <a:srgbClr val="000000"/>
-              </a:buClr>
-              <a:buFont typeface="StarSymbol"/>
-              <a:buAutoNum type="arabicParenR"/>
-            </a:pPr>
-            <a:r>
-              <a:rPr lang="de-DE" sz="2000" b="0" strike="noStrike" spc="-1" dirty="0">
-                <a:solidFill>
-                  <a:srgbClr val="000000"/>
-                </a:solidFill>
-                <a:uFill>
-                  <a:solidFill>
-                    <a:srgbClr val="FFFFFF"/>
-                  </a:solidFill>
-                </a:uFill>
-                <a:latin typeface="Arial"/>
-                <a:ea typeface="Arial"/>
-              </a:rPr>
-              <a:t>Building </a:t>
-            </a:r>
-            <a:r>
-              <a:rPr lang="de-DE" sz="2000" b="0" strike="noStrike" spc="-1" dirty="0" err="1">
-                <a:solidFill>
-                  <a:srgbClr val="000000"/>
-                </a:solidFill>
-                <a:uFill>
-                  <a:solidFill>
-                    <a:srgbClr val="FFFFFF"/>
-                  </a:solidFill>
-                </a:uFill>
-                <a:latin typeface="Arial"/>
-                <a:ea typeface="Arial"/>
-              </a:rPr>
-              <a:t>the</a:t>
-            </a:r>
-            <a:r>
-              <a:rPr lang="de-DE" sz="2000" b="0" strike="noStrike" spc="-1" dirty="0">
-                <a:solidFill>
-                  <a:srgbClr val="000000"/>
-                </a:solidFill>
-                <a:uFill>
-                  <a:solidFill>
-                    <a:srgbClr val="FFFFFF"/>
-                  </a:solidFill>
-                </a:uFill>
-                <a:latin typeface="Arial"/>
-                <a:ea typeface="Arial"/>
-              </a:rPr>
-              <a:t> Android </a:t>
-            </a:r>
-            <a:r>
-              <a:rPr lang="de-DE" sz="2000" b="0" strike="noStrike" spc="-1" dirty="0" err="1">
-                <a:solidFill>
-                  <a:srgbClr val="000000"/>
-                </a:solidFill>
-                <a:uFill>
-                  <a:solidFill>
-                    <a:srgbClr val="FFFFFF"/>
-                  </a:solidFill>
-                </a:uFill>
-                <a:latin typeface="Arial"/>
-                <a:ea typeface="Arial"/>
-              </a:rPr>
-              <a:t>app</a:t>
-            </a:r>
-            <a:endParaRPr lang="de-DE" sz="2000" b="0" strike="noStrike" spc="-1" dirty="0">
+            <a:endParaRPr lang="de-DE" sz="1800" b="0" strike="noStrike" spc="-1">
               <a:solidFill>
                 <a:srgbClr val="000000"/>
               </a:solidFill>
@@ -10702,30 +10740,30 @@
                 <a:spcPct val="100000"/>
               </a:lnSpc>
             </a:pPr>
-            <a:endParaRPr lang="de-DE" sz="2000" b="0" strike="noStrike" spc="-1" dirty="0">
-              <a:solidFill>
-                <a:srgbClr val="000000"/>
-              </a:solidFill>
-              <a:uFill>
-                <a:solidFill>
-                  <a:srgbClr val="FFFFFF"/>
-                </a:solidFill>
-              </a:uFill>
-              <a:latin typeface="Arial"/>
-            </a:endParaRPr>
-          </a:p>
-        </p:txBody>
-      </p:sp>
-      <p:sp>
-        <p:nvSpPr>
-          <p:cNvPr id="153" name="CustomShape 4"/>
+            <a:endParaRPr lang="de-DE" sz="1800" b="0" strike="noStrike" spc="-1">
+              <a:solidFill>
+                <a:srgbClr val="000000"/>
+              </a:solidFill>
+              <a:uFill>
+                <a:solidFill>
+                  <a:srgbClr val="FFFFFF"/>
+                </a:solidFill>
+              </a:uFill>
+              <a:latin typeface="Arial"/>
+            </a:endParaRPr>
+          </a:p>
+        </p:txBody>
+      </p:sp>
+      <p:sp>
+        <p:nvSpPr>
+          <p:cNvPr id="152" name="CustomShape 4"/>
           <p:cNvSpPr/>
           <p:nvPr/>
         </p:nvSpPr>
         <p:spPr>
           <a:xfrm>
             <a:off x="839520" y="3451680"/>
-            <a:ext cx="7968960" cy="620640"/>
+            <a:ext cx="7968600" cy="620280"/>
           </a:xfrm>
           <a:prstGeom prst="rect">
             <a:avLst/>
@@ -10802,14 +10840,14 @@
       </p:grpSpPr>
       <p:sp>
         <p:nvSpPr>
-          <p:cNvPr id="154" name="TextShape 1"/>
-          <p:cNvSpPr txBox="1"/>
+          <p:cNvPr id="153" name="CustomShape 1"/>
+          <p:cNvSpPr/>
           <p:nvPr/>
         </p:nvSpPr>
         <p:spPr>
           <a:xfrm>
-            <a:off x="685800" y="304920"/>
-            <a:ext cx="7772040" cy="609120"/>
+            <a:off x="1331280" y="6453360"/>
+            <a:ext cx="4176000" cy="288360"/>
           </a:xfrm>
           <a:prstGeom prst="rect">
             <a:avLst/>
@@ -10819,58 +10857,29 @@
             <a:noFill/>
           </a:ln>
         </p:spPr>
-        <p:txBody>
-          <a:bodyPr anchor="ctr"/>
-          <a:lstStyle/>
-          <a:p>
-            <a:endParaRPr lang="de-DE" sz="1400" b="0" strike="noStrike" spc="-1">
-              <a:solidFill>
-                <a:srgbClr val="000000"/>
-              </a:solidFill>
-              <a:uFill>
-                <a:solidFill>
-                  <a:srgbClr val="FFFFFF"/>
-                </a:solidFill>
-              </a:uFill>
-              <a:latin typeface="Arial"/>
-            </a:endParaRPr>
-          </a:p>
-        </p:txBody>
-      </p:sp>
-      <p:pic>
-        <p:nvPicPr>
-          <p:cNvPr id="155" name="Shape 175"/>
-          <p:cNvPicPr/>
+        <p:style>
+          <a:lnRef idx="0">
+            <a:scrgbClr r="0" g="0" b="0"/>
+          </a:lnRef>
+          <a:fillRef idx="0">
+            <a:scrgbClr r="0" g="0" b="0"/>
+          </a:fillRef>
+          <a:effectRef idx="0">
+            <a:scrgbClr r="0" g="0" b="0"/>
+          </a:effectRef>
+          <a:fontRef idx="minor"/>
+        </p:style>
+      </p:sp>
+      <p:sp>
+        <p:nvSpPr>
+          <p:cNvPr id="154" name="CustomShape 2"/>
+          <p:cNvSpPr/>
           <p:nvPr/>
-        </p:nvPicPr>
-        <p:blipFill>
-          <a:blip r:embed="rId3"/>
-          <a:srcRect l="8531" t="50008" r="8525" b="8525"/>
-          <a:stretch/>
-        </p:blipFill>
-        <p:spPr>
-          <a:xfrm>
-            <a:off x="1787400" y="3429000"/>
-            <a:ext cx="5569200" cy="2151360"/>
-          </a:xfrm>
-          <a:prstGeom prst="rect">
-            <a:avLst/>
-          </a:prstGeom>
-          <a:ln>
-            <a:noFill/>
-          </a:ln>
-        </p:spPr>
-      </p:pic>
-      <p:sp>
-        <p:nvSpPr>
-          <p:cNvPr id="156" name="TextShape 2"/>
-          <p:cNvSpPr txBox="1"/>
-          <p:nvPr/>
-        </p:nvSpPr>
-        <p:spPr>
-          <a:xfrm>
-            <a:off x="1331280" y="6453360"/>
-            <a:ext cx="4176360" cy="288720"/>
+        </p:nvSpPr>
+        <p:spPr>
+          <a:xfrm>
+            <a:off x="742320" y="450000"/>
+            <a:ext cx="7968600" cy="620280"/>
           </a:xfrm>
           <a:prstGeom prst="rect">
             <a:avLst/>
@@ -10880,8 +10889,20 @@
             <a:noFill/>
           </a:ln>
         </p:spPr>
-        <p:txBody>
-          <a:bodyPr/>
+        <p:style>
+          <a:lnRef idx="0">
+            <a:scrgbClr r="0" g="0" b="0"/>
+          </a:lnRef>
+          <a:fillRef idx="0">
+            <a:scrgbClr r="0" g="0" b="0"/>
+          </a:fillRef>
+          <a:effectRef idx="0">
+            <a:scrgbClr r="0" g="0" b="0"/>
+          </a:effectRef>
+          <a:fontRef idx="minor"/>
+        </p:style>
+        <p:txBody>
+          <a:bodyPr lIns="90000" tIns="91440" rIns="90000" bIns="91440"/>
           <a:lstStyle/>
           <a:p>
             <a:pPr>
@@ -10890,7 +10911,7 @@
               </a:lnSpc>
             </a:pPr>
             <a:r>
-              <a:rPr lang="de-DE" sz="1200" b="1" strike="noStrike" spc="-1">
+              <a:rPr lang="de-DE" sz="2800" b="1" strike="noStrike" spc="-1" dirty="0" err="1">
                 <a:solidFill>
                   <a:srgbClr val="000000"/>
                 </a:solidFill>
@@ -10902,50 +10923,32 @@
                 <a:latin typeface="Arial"/>
                 <a:ea typeface="Arial"/>
               </a:rPr>
-              <a:t>Vielen Dank!</a:t>
+              <a:t>Conclusion</a:t>
             </a:r>
-            <a:endParaRPr lang="de-DE" sz="1400" b="0" strike="noStrike" spc="-1">
-              <a:solidFill>
-                <a:srgbClr val="000000"/>
-              </a:solidFill>
-              <a:uFill>
-                <a:solidFill>
-                  <a:srgbClr val="FFFFFF"/>
-                </a:solidFill>
-              </a:uFill>
-              <a:latin typeface="Arial"/>
-            </a:endParaRPr>
-          </a:p>
-          <a:p>
-            <a:pPr>
-              <a:lnSpc>
-                <a:spcPct val="100000"/>
-              </a:lnSpc>
-            </a:pPr>
-            <a:endParaRPr lang="de-DE" sz="1400" b="0" strike="noStrike" spc="-1">
-              <a:solidFill>
-                <a:srgbClr val="000000"/>
-              </a:solidFill>
-              <a:uFill>
-                <a:solidFill>
-                  <a:srgbClr val="FFFFFF"/>
-                </a:solidFill>
-              </a:uFill>
-              <a:latin typeface="Arial"/>
-            </a:endParaRPr>
-          </a:p>
-        </p:txBody>
-      </p:sp>
-      <p:sp>
-        <p:nvSpPr>
-          <p:cNvPr id="157" name="CustomShape 3"/>
+            <a:endParaRPr lang="de-DE" sz="2000" b="0" strike="noStrike" spc="-1" dirty="0">
+              <a:solidFill>
+                <a:srgbClr val="000000"/>
+              </a:solidFill>
+              <a:uFill>
+                <a:solidFill>
+                  <a:srgbClr val="FFFFFF"/>
+                </a:solidFill>
+              </a:uFill>
+              <a:latin typeface="Arial"/>
+            </a:endParaRPr>
+          </a:p>
+        </p:txBody>
+      </p:sp>
+      <p:sp>
+        <p:nvSpPr>
+          <p:cNvPr id="155" name="CustomShape 3"/>
           <p:cNvSpPr/>
           <p:nvPr/>
         </p:nvSpPr>
         <p:spPr>
           <a:xfrm>
-            <a:off x="1631520" y="1877040"/>
-            <a:ext cx="5880600" cy="1569240"/>
+            <a:off x="839520" y="1371960"/>
+            <a:ext cx="7968600" cy="4603680"/>
           </a:xfrm>
           <a:prstGeom prst="rect">
             <a:avLst/>
@@ -10968,16 +10971,21 @@
           <a:fontRef idx="minor"/>
         </p:style>
         <p:txBody>
-          <a:bodyPr/>
-          <a:lstStyle/>
-          <a:p>
-            <a:pPr algn="ctr">
+          <a:bodyPr lIns="90000" tIns="91440" rIns="90000" bIns="91440"/>
+          <a:lstStyle/>
+          <a:p>
+            <a:pPr marL="457200" indent="-380160">
               <a:lnSpc>
-                <a:spcPct val="100000"/>
+                <a:spcPct val="200000"/>
               </a:lnSpc>
+              <a:buClr>
+                <a:srgbClr val="000000"/>
+              </a:buClr>
+              <a:buFont typeface="Wingdings" charset="2"/>
+              <a:buChar char=""/>
             </a:pPr>
             <a:r>
-              <a:rPr lang="de-DE" sz="2400" b="1" strike="noStrike" spc="-1">
+              <a:rPr lang="de-DE" sz="2400" b="0" strike="noStrike" spc="-1" dirty="0" err="1">
                 <a:solidFill>
                   <a:srgbClr val="000000"/>
                 </a:solidFill>
@@ -10989,64 +10997,10 @@
                 <a:latin typeface="Arial"/>
                 <a:ea typeface="Arial"/>
               </a:rPr>
-              <a:t>Vielen Dank für Ihre Aufmerksamkeit!</a:t>
+              <a:t>Tensorflow</a:t>
             </a:r>
-            <a:endParaRPr lang="de-DE" sz="1800" b="0" strike="noStrike" spc="-1">
-              <a:solidFill>
-                <a:srgbClr val="000000"/>
-              </a:solidFill>
-              <a:uFill>
-                <a:solidFill>
-                  <a:srgbClr val="FFFFFF"/>
-                </a:solidFill>
-              </a:uFill>
-              <a:latin typeface="Arial"/>
-            </a:endParaRPr>
-          </a:p>
-          <a:p>
-            <a:pPr algn="ctr">
-              <a:lnSpc>
-                <a:spcPct val="100000"/>
-              </a:lnSpc>
-            </a:pPr>
-            <a:endParaRPr lang="de-DE" sz="1800" b="0" strike="noStrike" spc="-1">
-              <a:solidFill>
-                <a:srgbClr val="000000"/>
-              </a:solidFill>
-              <a:uFill>
-                <a:solidFill>
-                  <a:srgbClr val="FFFFFF"/>
-                </a:solidFill>
-              </a:uFill>
-              <a:latin typeface="Arial"/>
-            </a:endParaRPr>
-          </a:p>
-          <a:p>
-            <a:pPr algn="ctr">
-              <a:lnSpc>
-                <a:spcPct val="100000"/>
-              </a:lnSpc>
-            </a:pPr>
-            <a:endParaRPr lang="de-DE" sz="1800" b="0" strike="noStrike" spc="-1">
-              <a:solidFill>
-                <a:srgbClr val="000000"/>
-              </a:solidFill>
-              <a:uFill>
-                <a:solidFill>
-                  <a:srgbClr val="FFFFFF"/>
-                </a:solidFill>
-              </a:uFill>
-              <a:latin typeface="Arial"/>
-            </a:endParaRPr>
-          </a:p>
-          <a:p>
-            <a:pPr algn="ctr">
-              <a:lnSpc>
-                <a:spcPct val="100000"/>
-              </a:lnSpc>
-            </a:pPr>
             <a:r>
-              <a:rPr lang="de-DE" sz="2400" b="1" strike="noStrike" spc="-1">
+              <a:rPr lang="de-DE" sz="2400" b="0" strike="noStrike" spc="-1" dirty="0">
                 <a:solidFill>
                   <a:srgbClr val="000000"/>
                 </a:solidFill>
@@ -11058,9 +11012,1608 @@
                 <a:latin typeface="Arial"/>
                 <a:ea typeface="Arial"/>
               </a:rPr>
-              <a:t>Fragen?</a:t>
+              <a:t> Lite</a:t>
             </a:r>
-            <a:endParaRPr lang="de-DE" sz="1800" b="0" strike="noStrike" spc="-1">
+            <a:endParaRPr lang="de-DE" sz="1800" b="0" strike="noStrike" spc="-1" dirty="0">
+              <a:solidFill>
+                <a:srgbClr val="000000"/>
+              </a:solidFill>
+              <a:uFill>
+                <a:solidFill>
+                  <a:srgbClr val="FFFFFF"/>
+                </a:solidFill>
+              </a:uFill>
+              <a:latin typeface="Arial"/>
+            </a:endParaRPr>
+          </a:p>
+          <a:p>
+            <a:pPr marL="457200" indent="-380160">
+              <a:lnSpc>
+                <a:spcPct val="200000"/>
+              </a:lnSpc>
+              <a:buClr>
+                <a:srgbClr val="000000"/>
+              </a:buClr>
+              <a:buFont typeface="Wingdings" charset="2"/>
+              <a:buChar char=""/>
+            </a:pPr>
+            <a:r>
+              <a:rPr lang="de-DE" sz="2400" b="0" strike="noStrike" spc="-1" dirty="0" err="1">
+                <a:solidFill>
+                  <a:srgbClr val="000000"/>
+                </a:solidFill>
+                <a:uFill>
+                  <a:solidFill>
+                    <a:srgbClr val="FFFFFF"/>
+                  </a:solidFill>
+                </a:uFill>
+                <a:latin typeface="Arial"/>
+                <a:ea typeface="Arial"/>
+              </a:rPr>
+              <a:t>MobileNet</a:t>
+            </a:r>
+            <a:r>
+              <a:rPr lang="de-DE" sz="2400" b="0" strike="noStrike" spc="-1" dirty="0">
+                <a:solidFill>
+                  <a:srgbClr val="000000"/>
+                </a:solidFill>
+                <a:uFill>
+                  <a:solidFill>
+                    <a:srgbClr val="FFFFFF"/>
+                  </a:solidFill>
+                </a:uFill>
+                <a:latin typeface="Arial"/>
+                <a:ea typeface="Arial"/>
+              </a:rPr>
+              <a:t> </a:t>
+            </a:r>
+            <a:r>
+              <a:rPr lang="de-DE" sz="2400" b="0" strike="noStrike" spc="-1" dirty="0" err="1">
+                <a:solidFill>
+                  <a:srgbClr val="000000"/>
+                </a:solidFill>
+                <a:uFill>
+                  <a:solidFill>
+                    <a:srgbClr val="FFFFFF"/>
+                  </a:solidFill>
+                </a:uFill>
+                <a:latin typeface="Arial"/>
+                <a:ea typeface="Arial"/>
+              </a:rPr>
+              <a:t>vs</a:t>
+            </a:r>
+            <a:r>
+              <a:rPr lang="de-DE" sz="2400" b="0" strike="noStrike" spc="-1" dirty="0">
+                <a:solidFill>
+                  <a:srgbClr val="000000"/>
+                </a:solidFill>
+                <a:uFill>
+                  <a:solidFill>
+                    <a:srgbClr val="FFFFFF"/>
+                  </a:solidFill>
+                </a:uFill>
+                <a:latin typeface="Arial"/>
+                <a:ea typeface="Arial"/>
+              </a:rPr>
+              <a:t> InceptionV3</a:t>
+            </a:r>
+            <a:endParaRPr lang="de-DE" sz="1800" b="0" strike="noStrike" spc="-1" dirty="0">
+              <a:solidFill>
+                <a:srgbClr val="000000"/>
+              </a:solidFill>
+              <a:uFill>
+                <a:solidFill>
+                  <a:srgbClr val="FFFFFF"/>
+                </a:solidFill>
+              </a:uFill>
+              <a:latin typeface="Arial"/>
+            </a:endParaRPr>
+          </a:p>
+          <a:p>
+            <a:pPr marL="77040">
+              <a:lnSpc>
+                <a:spcPct val="200000"/>
+              </a:lnSpc>
+              <a:buClr>
+                <a:srgbClr val="000000"/>
+              </a:buClr>
+            </a:pPr>
+            <a:endParaRPr lang="de-DE" sz="1800" b="0" strike="noStrike" spc="-1" dirty="0">
+              <a:solidFill>
+                <a:srgbClr val="000000"/>
+              </a:solidFill>
+              <a:uFill>
+                <a:solidFill>
+                  <a:srgbClr val="FFFFFF"/>
+                </a:solidFill>
+              </a:uFill>
+              <a:latin typeface="Arial"/>
+            </a:endParaRPr>
+          </a:p>
+          <a:p>
+            <a:pPr>
+              <a:lnSpc>
+                <a:spcPct val="100000"/>
+              </a:lnSpc>
+            </a:pPr>
+            <a:endParaRPr lang="de-DE" sz="1800" b="0" strike="noStrike" spc="-1" dirty="0">
+              <a:solidFill>
+                <a:srgbClr val="000000"/>
+              </a:solidFill>
+              <a:uFill>
+                <a:solidFill>
+                  <a:srgbClr val="FFFFFF"/>
+                </a:solidFill>
+              </a:uFill>
+              <a:latin typeface="Arial"/>
+            </a:endParaRPr>
+          </a:p>
+        </p:txBody>
+      </p:sp>
+      <p:sp>
+        <p:nvSpPr>
+          <p:cNvPr id="156" name="CustomShape 4"/>
+          <p:cNvSpPr/>
+          <p:nvPr/>
+        </p:nvSpPr>
+        <p:spPr>
+          <a:xfrm>
+            <a:off x="839520" y="3451680"/>
+            <a:ext cx="7968600" cy="620280"/>
+          </a:xfrm>
+          <a:prstGeom prst="rect">
+            <a:avLst/>
+          </a:prstGeom>
+          <a:noFill/>
+          <a:ln>
+            <a:noFill/>
+          </a:ln>
+        </p:spPr>
+        <p:style>
+          <a:lnRef idx="0">
+            <a:scrgbClr r="0" g="0" b="0"/>
+          </a:lnRef>
+          <a:fillRef idx="0">
+            <a:scrgbClr r="0" g="0" b="0"/>
+          </a:fillRef>
+          <a:effectRef idx="0">
+            <a:scrgbClr r="0" g="0" b="0"/>
+          </a:effectRef>
+          <a:fontRef idx="minor"/>
+        </p:style>
+      </p:sp>
+      <p:graphicFrame>
+        <p:nvGraphicFramePr>
+          <p:cNvPr id="157" name="Table 5"/>
+          <p:cNvGraphicFramePr/>
+          <p:nvPr>
+            <p:extLst>
+              <p:ext uri="{D42A27DB-BD31-4B8C-83A1-F6EECF244321}">
+                <p14:modId xmlns:p14="http://schemas.microsoft.com/office/powerpoint/2010/main" val="3420523673"/>
+              </p:ext>
+            </p:extLst>
+          </p:nvPr>
+        </p:nvGraphicFramePr>
+        <p:xfrm>
+          <a:off x="1342980" y="2959697"/>
+          <a:ext cx="6767280" cy="2879640"/>
+        </p:xfrm>
+        <a:graphic>
+          <a:graphicData uri="http://schemas.openxmlformats.org/drawingml/2006/table">
+            <a:tbl>
+              <a:tblPr/>
+              <a:tblGrid>
+                <a:gridCol w="1691640">
+                  <a:extLst>
+                    <a:ext uri="{9D8B030D-6E8A-4147-A177-3AD203B41FA5}">
+                      <a16:colId xmlns:a16="http://schemas.microsoft.com/office/drawing/2014/main" val="20000"/>
+                    </a:ext>
+                  </a:extLst>
+                </a:gridCol>
+                <a:gridCol w="1691640">
+                  <a:extLst>
+                    <a:ext uri="{9D8B030D-6E8A-4147-A177-3AD203B41FA5}">
+                      <a16:colId xmlns:a16="http://schemas.microsoft.com/office/drawing/2014/main" val="20001"/>
+                    </a:ext>
+                  </a:extLst>
+                </a:gridCol>
+                <a:gridCol w="1691640">
+                  <a:extLst>
+                    <a:ext uri="{9D8B030D-6E8A-4147-A177-3AD203B41FA5}">
+                      <a16:colId xmlns:a16="http://schemas.microsoft.com/office/drawing/2014/main" val="20002"/>
+                    </a:ext>
+                  </a:extLst>
+                </a:gridCol>
+                <a:gridCol w="1692360">
+                  <a:extLst>
+                    <a:ext uri="{9D8B030D-6E8A-4147-A177-3AD203B41FA5}">
+                      <a16:colId xmlns:a16="http://schemas.microsoft.com/office/drawing/2014/main" val="20003"/>
+                    </a:ext>
+                  </a:extLst>
+                </a:gridCol>
+              </a:tblGrid>
+              <a:tr h="719640">
+                <a:tc>
+                  <a:txBody>
+                    <a:bodyPr/>
+                    <a:lstStyle/>
+                    <a:p>
+                      <a:endParaRPr lang="de-DE" dirty="0"/>
+                    </a:p>
+                  </a:txBody>
+                  <a:tcPr marL="90000" marR="90000">
+                    <a:lnL w="720">
+                      <a:solidFill>
+                        <a:srgbClr val="FFFFFF"/>
+                      </a:solidFill>
+                    </a:lnL>
+                    <a:lnR w="720">
+                      <a:solidFill>
+                        <a:srgbClr val="FFFFFF"/>
+                      </a:solidFill>
+                    </a:lnR>
+                    <a:lnT w="720">
+                      <a:solidFill>
+                        <a:srgbClr val="FFFFFF"/>
+                      </a:solidFill>
+                    </a:lnT>
+                    <a:lnB w="720">
+                      <a:solidFill>
+                        <a:srgbClr val="FFFFFF"/>
+                      </a:solidFill>
+                    </a:lnB>
+                    <a:solidFill>
+                      <a:srgbClr val="B3B3B3"/>
+                    </a:solidFill>
+                  </a:tcPr>
+                </a:tc>
+                <a:tc>
+                  <a:txBody>
+                    <a:bodyPr/>
+                    <a:lstStyle/>
+                    <a:p>
+                      <a:r>
+                        <a:rPr lang="de-DE" sz="1800" b="0" strike="noStrike" spc="-1" dirty="0">
+                          <a:solidFill>
+                            <a:srgbClr val="000000"/>
+                          </a:solidFill>
+                          <a:uFill>
+                            <a:solidFill>
+                              <a:srgbClr val="FFFFFF"/>
+                            </a:solidFill>
+                          </a:uFill>
+                          <a:latin typeface="Arial"/>
+                        </a:rPr>
+                        <a:t>MobileNet_0.5</a:t>
+                      </a:r>
+                    </a:p>
+                    <a:p>
+                      <a:r>
+                        <a:rPr lang="de-DE" sz="1800" b="0" strike="noStrike" spc="-1" dirty="0">
+                          <a:solidFill>
+                            <a:srgbClr val="000000"/>
+                          </a:solidFill>
+                          <a:uFill>
+                            <a:solidFill>
+                              <a:srgbClr val="FFFFFF"/>
+                            </a:solidFill>
+                          </a:uFill>
+                          <a:latin typeface="Arial"/>
+                        </a:rPr>
+                        <a:t>LR0.007_700</a:t>
+                      </a:r>
+                    </a:p>
+                  </a:txBody>
+                  <a:tcPr marL="90000" marR="90000">
+                    <a:lnL w="720">
+                      <a:solidFill>
+                        <a:srgbClr val="FFFFFF"/>
+                      </a:solidFill>
+                    </a:lnL>
+                    <a:lnR w="720">
+                      <a:solidFill>
+                        <a:srgbClr val="FFFFFF"/>
+                      </a:solidFill>
+                    </a:lnR>
+                    <a:lnT w="720">
+                      <a:solidFill>
+                        <a:srgbClr val="FFFFFF"/>
+                      </a:solidFill>
+                    </a:lnT>
+                    <a:lnB w="720">
+                      <a:solidFill>
+                        <a:srgbClr val="FFFFFF"/>
+                      </a:solidFill>
+                    </a:lnB>
+                    <a:solidFill>
+                      <a:srgbClr val="B3B3B3"/>
+                    </a:solidFill>
+                  </a:tcPr>
+                </a:tc>
+                <a:tc>
+                  <a:txBody>
+                    <a:bodyPr/>
+                    <a:lstStyle/>
+                    <a:p>
+                      <a:r>
+                        <a:rPr lang="de-DE" sz="1800" b="0" strike="noStrike" spc="-1" dirty="0">
+                          <a:solidFill>
+                            <a:srgbClr val="000000"/>
+                          </a:solidFill>
+                          <a:uFill>
+                            <a:solidFill>
+                              <a:srgbClr val="FFFFFF"/>
+                            </a:solidFill>
+                          </a:uFill>
+                          <a:latin typeface="Arial"/>
+                        </a:rPr>
+                        <a:t>MobileNet_1.0</a:t>
+                      </a:r>
+                    </a:p>
+                    <a:p>
+                      <a:r>
+                        <a:rPr lang="de-DE" sz="1800" b="0" strike="noStrike" spc="-1" dirty="0">
+                          <a:solidFill>
+                            <a:srgbClr val="000000"/>
+                          </a:solidFill>
+                          <a:uFill>
+                            <a:solidFill>
+                              <a:srgbClr val="FFFFFF"/>
+                            </a:solidFill>
+                          </a:uFill>
+                          <a:latin typeface="Arial"/>
+                        </a:rPr>
+                        <a:t>LR0.01_500</a:t>
+                      </a:r>
+                    </a:p>
+                  </a:txBody>
+                  <a:tcPr marL="90000" marR="90000">
+                    <a:lnL w="720">
+                      <a:solidFill>
+                        <a:srgbClr val="FFFFFF"/>
+                      </a:solidFill>
+                    </a:lnL>
+                    <a:lnR w="720">
+                      <a:solidFill>
+                        <a:srgbClr val="FFFFFF"/>
+                      </a:solidFill>
+                    </a:lnR>
+                    <a:lnT w="720">
+                      <a:solidFill>
+                        <a:srgbClr val="FFFFFF"/>
+                      </a:solidFill>
+                    </a:lnT>
+                    <a:lnB w="720">
+                      <a:solidFill>
+                        <a:srgbClr val="FFFFFF"/>
+                      </a:solidFill>
+                    </a:lnB>
+                    <a:solidFill>
+                      <a:srgbClr val="B3B3B3"/>
+                    </a:solidFill>
+                  </a:tcPr>
+                </a:tc>
+                <a:tc>
+                  <a:txBody>
+                    <a:bodyPr/>
+                    <a:lstStyle/>
+                    <a:p>
+                      <a:r>
+                        <a:rPr lang="de-DE" sz="1800" b="0" strike="noStrike" spc="-1">
+                          <a:solidFill>
+                            <a:srgbClr val="000000"/>
+                          </a:solidFill>
+                          <a:uFill>
+                            <a:solidFill>
+                              <a:srgbClr val="FFFFFF"/>
+                            </a:solidFill>
+                          </a:uFill>
+                          <a:latin typeface="Arial"/>
+                        </a:rPr>
+                        <a:t>InceptionV3</a:t>
+                      </a:r>
+                    </a:p>
+                    <a:p>
+                      <a:r>
+                        <a:rPr lang="de-DE" sz="1800" b="0" strike="noStrike" spc="-1">
+                          <a:solidFill>
+                            <a:srgbClr val="000000"/>
+                          </a:solidFill>
+                          <a:uFill>
+                            <a:solidFill>
+                              <a:srgbClr val="FFFFFF"/>
+                            </a:solidFill>
+                          </a:uFill>
+                          <a:latin typeface="Arial"/>
+                        </a:rPr>
+                        <a:t>LR0.03_4000</a:t>
+                      </a:r>
+                    </a:p>
+                  </a:txBody>
+                  <a:tcPr marL="90000" marR="90000">
+                    <a:lnL w="720">
+                      <a:solidFill>
+                        <a:srgbClr val="FFFFFF"/>
+                      </a:solidFill>
+                    </a:lnL>
+                    <a:lnR w="720">
+                      <a:solidFill>
+                        <a:srgbClr val="FFFFFF"/>
+                      </a:solidFill>
+                    </a:lnR>
+                    <a:lnT w="720">
+                      <a:solidFill>
+                        <a:srgbClr val="FFFFFF"/>
+                      </a:solidFill>
+                    </a:lnT>
+                    <a:lnB w="720">
+                      <a:solidFill>
+                        <a:srgbClr val="FFFFFF"/>
+                      </a:solidFill>
+                    </a:lnB>
+                    <a:solidFill>
+                      <a:srgbClr val="B3B3B3"/>
+                    </a:solidFill>
+                  </a:tcPr>
+                </a:tc>
+                <a:extLst>
+                  <a:ext uri="{0D108BD9-81ED-4DB2-BD59-A6C34878D82A}">
+                    <a16:rowId xmlns:a16="http://schemas.microsoft.com/office/drawing/2014/main" val="10000"/>
+                  </a:ext>
+                </a:extLst>
+              </a:tr>
+              <a:tr h="719640">
+                <a:tc>
+                  <a:txBody>
+                    <a:bodyPr/>
+                    <a:lstStyle/>
+                    <a:p>
+                      <a:r>
+                        <a:rPr lang="de-DE" sz="1800" b="0" strike="noStrike" spc="-1" dirty="0" err="1">
+                          <a:solidFill>
+                            <a:srgbClr val="000000"/>
+                          </a:solidFill>
+                          <a:uFill>
+                            <a:solidFill>
+                              <a:srgbClr val="FFFFFF"/>
+                            </a:solidFill>
+                          </a:uFill>
+                          <a:latin typeface="Arial"/>
+                        </a:rPr>
+                        <a:t>accuracy</a:t>
+                      </a:r>
+                      <a:endParaRPr lang="de-DE" sz="1800" b="0" strike="noStrike" spc="-1" dirty="0">
+                        <a:solidFill>
+                          <a:srgbClr val="000000"/>
+                        </a:solidFill>
+                        <a:uFill>
+                          <a:solidFill>
+                            <a:srgbClr val="FFFFFF"/>
+                          </a:solidFill>
+                        </a:uFill>
+                        <a:latin typeface="Arial"/>
+                      </a:endParaRPr>
+                    </a:p>
+                    <a:p>
+                      <a:r>
+                        <a:rPr lang="de-DE" sz="1800" b="0" strike="noStrike" spc="-1" dirty="0">
+                          <a:solidFill>
+                            <a:srgbClr val="000000"/>
+                          </a:solidFill>
+                          <a:uFill>
+                            <a:solidFill>
+                              <a:srgbClr val="FFFFFF"/>
+                            </a:solidFill>
+                          </a:uFill>
+                          <a:latin typeface="Arial"/>
+                        </a:rPr>
+                        <a:t>(20 </a:t>
+                      </a:r>
+                      <a:r>
+                        <a:rPr lang="de-DE" sz="1800" b="0" strike="noStrike" spc="-1" dirty="0" err="1">
+                          <a:solidFill>
+                            <a:srgbClr val="000000"/>
+                          </a:solidFill>
+                          <a:uFill>
+                            <a:solidFill>
+                              <a:srgbClr val="FFFFFF"/>
+                            </a:solidFill>
+                          </a:uFill>
+                          <a:latin typeface="Arial"/>
+                        </a:rPr>
+                        <a:t>images</a:t>
+                      </a:r>
+                      <a:r>
+                        <a:rPr lang="de-DE" sz="1800" b="0" strike="noStrike" spc="-1" dirty="0">
+                          <a:solidFill>
+                            <a:srgbClr val="000000"/>
+                          </a:solidFill>
+                          <a:uFill>
+                            <a:solidFill>
+                              <a:srgbClr val="FFFFFF"/>
+                            </a:solidFill>
+                          </a:uFill>
+                          <a:latin typeface="Arial"/>
+                        </a:rPr>
+                        <a:t>)</a:t>
+                      </a:r>
+                    </a:p>
+                  </a:txBody>
+                  <a:tcPr marL="90000" marR="90000">
+                    <a:lnL w="720">
+                      <a:solidFill>
+                        <a:srgbClr val="FFFFFF"/>
+                      </a:solidFill>
+                    </a:lnL>
+                    <a:lnR w="720">
+                      <a:solidFill>
+                        <a:srgbClr val="FFFFFF"/>
+                      </a:solidFill>
+                    </a:lnR>
+                    <a:lnT w="720">
+                      <a:solidFill>
+                        <a:srgbClr val="FFFFFF"/>
+                      </a:solidFill>
+                    </a:lnT>
+                    <a:lnB w="720">
+                      <a:solidFill>
+                        <a:srgbClr val="FFFFFF"/>
+                      </a:solidFill>
+                    </a:lnB>
+                    <a:solidFill>
+                      <a:srgbClr val="CCCCCC"/>
+                    </a:solidFill>
+                  </a:tcPr>
+                </a:tc>
+                <a:tc>
+                  <a:txBody>
+                    <a:bodyPr/>
+                    <a:lstStyle/>
+                    <a:p>
+                      <a:r>
+                        <a:rPr lang="de-DE" sz="1800" b="0" strike="noStrike" spc="-1" dirty="0">
+                          <a:solidFill>
+                            <a:srgbClr val="000000"/>
+                          </a:solidFill>
+                          <a:uFill>
+                            <a:solidFill>
+                              <a:srgbClr val="FFFFFF"/>
+                            </a:solidFill>
+                          </a:uFill>
+                          <a:latin typeface="Arial"/>
+                        </a:rPr>
+                        <a:t>0,4838</a:t>
+                      </a:r>
+                    </a:p>
+                  </a:txBody>
+                  <a:tcPr marL="90000" marR="90000">
+                    <a:lnL w="720">
+                      <a:solidFill>
+                        <a:srgbClr val="FFFFFF"/>
+                      </a:solidFill>
+                    </a:lnL>
+                    <a:lnR w="720">
+                      <a:solidFill>
+                        <a:srgbClr val="FFFFFF"/>
+                      </a:solidFill>
+                    </a:lnR>
+                    <a:lnT w="720">
+                      <a:solidFill>
+                        <a:srgbClr val="FFFFFF"/>
+                      </a:solidFill>
+                    </a:lnT>
+                    <a:lnB w="720">
+                      <a:solidFill>
+                        <a:srgbClr val="FFFFFF"/>
+                      </a:solidFill>
+                    </a:lnB>
+                    <a:solidFill>
+                      <a:srgbClr val="CCCCCC"/>
+                    </a:solidFill>
+                  </a:tcPr>
+                </a:tc>
+                <a:tc>
+                  <a:txBody>
+                    <a:bodyPr/>
+                    <a:lstStyle/>
+                    <a:p>
+                      <a:r>
+                        <a:rPr lang="de-DE" sz="1800" b="0" strike="noStrike" spc="-1" dirty="0">
+                          <a:solidFill>
+                            <a:srgbClr val="000000"/>
+                          </a:solidFill>
+                          <a:uFill>
+                            <a:solidFill>
+                              <a:srgbClr val="FFFFFF"/>
+                            </a:solidFill>
+                          </a:uFill>
+                          <a:latin typeface="Arial"/>
+                        </a:rPr>
+                        <a:t>0,4584</a:t>
+                      </a:r>
+                    </a:p>
+                  </a:txBody>
+                  <a:tcPr marL="90000" marR="90000">
+                    <a:lnL w="720">
+                      <a:solidFill>
+                        <a:srgbClr val="FFFFFF"/>
+                      </a:solidFill>
+                    </a:lnL>
+                    <a:lnR w="720">
+                      <a:solidFill>
+                        <a:srgbClr val="FFFFFF"/>
+                      </a:solidFill>
+                    </a:lnR>
+                    <a:lnT w="720">
+                      <a:solidFill>
+                        <a:srgbClr val="FFFFFF"/>
+                      </a:solidFill>
+                    </a:lnT>
+                    <a:lnB w="720">
+                      <a:solidFill>
+                        <a:srgbClr val="FFFFFF"/>
+                      </a:solidFill>
+                    </a:lnB>
+                    <a:solidFill>
+                      <a:srgbClr val="CCCCCC"/>
+                    </a:solidFill>
+                  </a:tcPr>
+                </a:tc>
+                <a:tc>
+                  <a:txBody>
+                    <a:bodyPr/>
+                    <a:lstStyle/>
+                    <a:p>
+                      <a:r>
+                        <a:rPr lang="de-DE" sz="1800" b="0" strike="noStrike" spc="-1" dirty="0">
+                          <a:solidFill>
+                            <a:srgbClr val="000000"/>
+                          </a:solidFill>
+                          <a:uFill>
+                            <a:solidFill>
+                              <a:srgbClr val="FFFFFF"/>
+                            </a:solidFill>
+                          </a:uFill>
+                          <a:latin typeface="Arial"/>
+                        </a:rPr>
+                        <a:t>0,7001</a:t>
+                      </a:r>
+                    </a:p>
+                  </a:txBody>
+                  <a:tcPr marL="90000" marR="90000">
+                    <a:lnL w="720">
+                      <a:solidFill>
+                        <a:srgbClr val="FFFFFF"/>
+                      </a:solidFill>
+                    </a:lnL>
+                    <a:lnR w="720">
+                      <a:solidFill>
+                        <a:srgbClr val="FFFFFF"/>
+                      </a:solidFill>
+                    </a:lnR>
+                    <a:lnT w="720">
+                      <a:solidFill>
+                        <a:srgbClr val="FFFFFF"/>
+                      </a:solidFill>
+                    </a:lnT>
+                    <a:lnB w="720">
+                      <a:solidFill>
+                        <a:srgbClr val="FFFFFF"/>
+                      </a:solidFill>
+                    </a:lnB>
+                    <a:solidFill>
+                      <a:srgbClr val="CCCCCC"/>
+                    </a:solidFill>
+                  </a:tcPr>
+                </a:tc>
+                <a:extLst>
+                  <a:ext uri="{0D108BD9-81ED-4DB2-BD59-A6C34878D82A}">
+                    <a16:rowId xmlns:a16="http://schemas.microsoft.com/office/drawing/2014/main" val="10001"/>
+                  </a:ext>
+                </a:extLst>
+              </a:tr>
+              <a:tr h="719640">
+                <a:tc>
+                  <a:txBody>
+                    <a:bodyPr/>
+                    <a:lstStyle/>
+                    <a:p>
+                      <a:r>
+                        <a:rPr lang="de-DE" sz="1800" b="0" strike="noStrike" spc="-1">
+                          <a:solidFill>
+                            <a:srgbClr val="000000"/>
+                          </a:solidFill>
+                          <a:uFill>
+                            <a:solidFill>
+                              <a:srgbClr val="FFFFFF"/>
+                            </a:solidFill>
+                          </a:uFill>
+                          <a:latin typeface="Arial"/>
+                        </a:rPr>
+                        <a:t>classification time in app</a:t>
+                      </a:r>
+                    </a:p>
+                  </a:txBody>
+                  <a:tcPr marL="90000" marR="90000">
+                    <a:lnL w="720">
+                      <a:solidFill>
+                        <a:srgbClr val="FFFFFF"/>
+                      </a:solidFill>
+                    </a:lnL>
+                    <a:lnR w="720">
+                      <a:solidFill>
+                        <a:srgbClr val="FFFFFF"/>
+                      </a:solidFill>
+                    </a:lnR>
+                    <a:lnT w="720">
+                      <a:solidFill>
+                        <a:srgbClr val="FFFFFF"/>
+                      </a:solidFill>
+                    </a:lnT>
+                    <a:lnB w="720">
+                      <a:solidFill>
+                        <a:srgbClr val="FFFFFF"/>
+                      </a:solidFill>
+                    </a:lnB>
+                    <a:solidFill>
+                      <a:srgbClr val="E6E6E6"/>
+                    </a:solidFill>
+                  </a:tcPr>
+                </a:tc>
+                <a:tc>
+                  <a:txBody>
+                    <a:bodyPr/>
+                    <a:lstStyle/>
+                    <a:p>
+                      <a:r>
+                        <a:rPr lang="de-DE" sz="1800" b="0" strike="noStrike" spc="-1">
+                          <a:solidFill>
+                            <a:srgbClr val="000000"/>
+                          </a:solidFill>
+                          <a:uFill>
+                            <a:solidFill>
+                              <a:srgbClr val="FFFFFF"/>
+                            </a:solidFill>
+                          </a:uFill>
+                          <a:latin typeface="Arial"/>
+                        </a:rPr>
+                        <a:t>246,8 ms</a:t>
+                      </a:r>
+                    </a:p>
+                  </a:txBody>
+                  <a:tcPr marL="90000" marR="90000">
+                    <a:lnL w="720">
+                      <a:solidFill>
+                        <a:srgbClr val="FFFFFF"/>
+                      </a:solidFill>
+                    </a:lnL>
+                    <a:lnR w="720">
+                      <a:solidFill>
+                        <a:srgbClr val="FFFFFF"/>
+                      </a:solidFill>
+                    </a:lnR>
+                    <a:lnT w="720">
+                      <a:solidFill>
+                        <a:srgbClr val="FFFFFF"/>
+                      </a:solidFill>
+                    </a:lnT>
+                    <a:lnB w="720">
+                      <a:solidFill>
+                        <a:srgbClr val="FFFFFF"/>
+                      </a:solidFill>
+                    </a:lnB>
+                    <a:solidFill>
+                      <a:srgbClr val="E6E6E6"/>
+                    </a:solidFill>
+                  </a:tcPr>
+                </a:tc>
+                <a:tc>
+                  <a:txBody>
+                    <a:bodyPr/>
+                    <a:lstStyle/>
+                    <a:p>
+                      <a:r>
+                        <a:rPr lang="de-DE" sz="1800" b="0" strike="noStrike" spc="-1">
+                          <a:solidFill>
+                            <a:srgbClr val="000000"/>
+                          </a:solidFill>
+                          <a:uFill>
+                            <a:solidFill>
+                              <a:srgbClr val="FFFFFF"/>
+                            </a:solidFill>
+                          </a:uFill>
+                          <a:latin typeface="Arial"/>
+                        </a:rPr>
+                        <a:t>320,55</a:t>
+                      </a:r>
+                    </a:p>
+                  </a:txBody>
+                  <a:tcPr marL="90000" marR="90000">
+                    <a:lnL w="720">
+                      <a:solidFill>
+                        <a:srgbClr val="FFFFFF"/>
+                      </a:solidFill>
+                    </a:lnL>
+                    <a:lnR w="720">
+                      <a:solidFill>
+                        <a:srgbClr val="FFFFFF"/>
+                      </a:solidFill>
+                    </a:lnR>
+                    <a:lnT w="720">
+                      <a:solidFill>
+                        <a:srgbClr val="FFFFFF"/>
+                      </a:solidFill>
+                    </a:lnT>
+                    <a:lnB w="720">
+                      <a:solidFill>
+                        <a:srgbClr val="FFFFFF"/>
+                      </a:solidFill>
+                    </a:lnB>
+                    <a:solidFill>
+                      <a:srgbClr val="E6E6E6"/>
+                    </a:solidFill>
+                  </a:tcPr>
+                </a:tc>
+                <a:tc>
+                  <a:txBody>
+                    <a:bodyPr/>
+                    <a:lstStyle/>
+                    <a:p>
+                      <a:r>
+                        <a:rPr lang="de-DE" sz="1800" b="0" strike="noStrike" spc="-1">
+                          <a:solidFill>
+                            <a:srgbClr val="000000"/>
+                          </a:solidFill>
+                          <a:uFill>
+                            <a:solidFill>
+                              <a:srgbClr val="FFFFFF"/>
+                            </a:solidFill>
+                          </a:uFill>
+                          <a:latin typeface="Arial"/>
+                        </a:rPr>
+                        <a:t>1108,2 ms</a:t>
+                      </a:r>
+                    </a:p>
+                  </a:txBody>
+                  <a:tcPr marL="90000" marR="90000">
+                    <a:lnL w="720">
+                      <a:solidFill>
+                        <a:srgbClr val="FFFFFF"/>
+                      </a:solidFill>
+                    </a:lnL>
+                    <a:lnR w="720">
+                      <a:solidFill>
+                        <a:srgbClr val="FFFFFF"/>
+                      </a:solidFill>
+                    </a:lnR>
+                    <a:lnT w="720">
+                      <a:solidFill>
+                        <a:srgbClr val="FFFFFF"/>
+                      </a:solidFill>
+                    </a:lnT>
+                    <a:lnB w="720">
+                      <a:solidFill>
+                        <a:srgbClr val="FFFFFF"/>
+                      </a:solidFill>
+                    </a:lnB>
+                    <a:solidFill>
+                      <a:srgbClr val="E6E6E6"/>
+                    </a:solidFill>
+                  </a:tcPr>
+                </a:tc>
+                <a:extLst>
+                  <a:ext uri="{0D108BD9-81ED-4DB2-BD59-A6C34878D82A}">
+                    <a16:rowId xmlns:a16="http://schemas.microsoft.com/office/drawing/2014/main" val="10002"/>
+                  </a:ext>
+                </a:extLst>
+              </a:tr>
+              <a:tr h="720720">
+                <a:tc>
+                  <a:txBody>
+                    <a:bodyPr/>
+                    <a:lstStyle/>
+                    <a:p>
+                      <a:r>
+                        <a:rPr lang="de-DE" sz="1800" b="0" strike="noStrike" spc="-1">
+                          <a:solidFill>
+                            <a:srgbClr val="000000"/>
+                          </a:solidFill>
+                          <a:uFill>
+                            <a:solidFill>
+                              <a:srgbClr val="FFFFFF"/>
+                            </a:solidFill>
+                          </a:uFill>
+                          <a:latin typeface="Arial"/>
+                        </a:rPr>
+                        <a:t>model size</a:t>
+                      </a:r>
+                    </a:p>
+                  </a:txBody>
+                  <a:tcPr marL="90000" marR="90000">
+                    <a:lnL w="720">
+                      <a:solidFill>
+                        <a:srgbClr val="FFFFFF"/>
+                      </a:solidFill>
+                    </a:lnL>
+                    <a:lnR w="720">
+                      <a:solidFill>
+                        <a:srgbClr val="FFFFFF"/>
+                      </a:solidFill>
+                    </a:lnR>
+                    <a:lnT w="720">
+                      <a:solidFill>
+                        <a:srgbClr val="FFFFFF"/>
+                      </a:solidFill>
+                    </a:lnT>
+                    <a:lnB w="720">
+                      <a:solidFill>
+                        <a:srgbClr val="FFFFFF"/>
+                      </a:solidFill>
+                    </a:lnB>
+                    <a:solidFill>
+                      <a:srgbClr val="CCCCCC"/>
+                    </a:solidFill>
+                  </a:tcPr>
+                </a:tc>
+                <a:tc>
+                  <a:txBody>
+                    <a:bodyPr/>
+                    <a:lstStyle/>
+                    <a:p>
+                      <a:r>
+                        <a:rPr lang="de-DE" sz="1800" b="0" strike="noStrike" spc="-1">
+                          <a:solidFill>
+                            <a:srgbClr val="000000"/>
+                          </a:solidFill>
+                          <a:uFill>
+                            <a:solidFill>
+                              <a:srgbClr val="FFFFFF"/>
+                            </a:solidFill>
+                          </a:uFill>
+                          <a:latin typeface="Arial"/>
+                        </a:rPr>
+                        <a:t>1.8 MB</a:t>
+                      </a:r>
+                    </a:p>
+                  </a:txBody>
+                  <a:tcPr marL="90000" marR="90000">
+                    <a:lnL w="720">
+                      <a:solidFill>
+                        <a:srgbClr val="FFFFFF"/>
+                      </a:solidFill>
+                    </a:lnL>
+                    <a:lnR w="720">
+                      <a:solidFill>
+                        <a:srgbClr val="FFFFFF"/>
+                      </a:solidFill>
+                    </a:lnR>
+                    <a:lnT w="720">
+                      <a:solidFill>
+                        <a:srgbClr val="FFFFFF"/>
+                      </a:solidFill>
+                    </a:lnT>
+                    <a:lnB w="720">
+                      <a:solidFill>
+                        <a:srgbClr val="FFFFFF"/>
+                      </a:solidFill>
+                    </a:lnB>
+                    <a:solidFill>
+                      <a:srgbClr val="CCCCCC"/>
+                    </a:solidFill>
+                  </a:tcPr>
+                </a:tc>
+                <a:tc>
+                  <a:txBody>
+                    <a:bodyPr/>
+                    <a:lstStyle/>
+                    <a:p>
+                      <a:r>
+                        <a:rPr lang="de-DE" sz="1800" b="0" strike="noStrike" spc="-1">
+                          <a:solidFill>
+                            <a:srgbClr val="000000"/>
+                          </a:solidFill>
+                          <a:uFill>
+                            <a:solidFill>
+                              <a:srgbClr val="FFFFFF"/>
+                            </a:solidFill>
+                          </a:uFill>
+                          <a:latin typeface="Arial"/>
+                        </a:rPr>
+                        <a:t>4.8 MB</a:t>
+                      </a:r>
+                    </a:p>
+                  </a:txBody>
+                  <a:tcPr marL="90000" marR="90000">
+                    <a:lnL w="720">
+                      <a:solidFill>
+                        <a:srgbClr val="FFFFFF"/>
+                      </a:solidFill>
+                    </a:lnL>
+                    <a:lnR w="720">
+                      <a:solidFill>
+                        <a:srgbClr val="FFFFFF"/>
+                      </a:solidFill>
+                    </a:lnR>
+                    <a:lnT w="720">
+                      <a:solidFill>
+                        <a:srgbClr val="FFFFFF"/>
+                      </a:solidFill>
+                    </a:lnT>
+                    <a:lnB w="720">
+                      <a:solidFill>
+                        <a:srgbClr val="FFFFFF"/>
+                      </a:solidFill>
+                    </a:lnB>
+                    <a:solidFill>
+                      <a:srgbClr val="CCCCCC"/>
+                    </a:solidFill>
+                  </a:tcPr>
+                </a:tc>
+                <a:tc>
+                  <a:txBody>
+                    <a:bodyPr/>
+                    <a:lstStyle/>
+                    <a:p>
+                      <a:r>
+                        <a:rPr lang="de-DE" sz="1800" b="0" strike="noStrike" spc="-1" dirty="0">
+                          <a:solidFill>
+                            <a:srgbClr val="000000"/>
+                          </a:solidFill>
+                          <a:uFill>
+                            <a:solidFill>
+                              <a:srgbClr val="FFFFFF"/>
+                            </a:solidFill>
+                          </a:uFill>
+                          <a:latin typeface="Arial"/>
+                        </a:rPr>
+                        <a:t>24.1 MB</a:t>
+                      </a:r>
+                    </a:p>
+                  </a:txBody>
+                  <a:tcPr marL="90000" marR="90000">
+                    <a:lnL w="720">
+                      <a:solidFill>
+                        <a:srgbClr val="FFFFFF"/>
+                      </a:solidFill>
+                    </a:lnL>
+                    <a:lnR w="720">
+                      <a:solidFill>
+                        <a:srgbClr val="FFFFFF"/>
+                      </a:solidFill>
+                    </a:lnR>
+                    <a:lnT w="720">
+                      <a:solidFill>
+                        <a:srgbClr val="FFFFFF"/>
+                      </a:solidFill>
+                    </a:lnT>
+                    <a:lnB w="720">
+                      <a:solidFill>
+                        <a:srgbClr val="FFFFFF"/>
+                      </a:solidFill>
+                    </a:lnB>
+                    <a:solidFill>
+                      <a:srgbClr val="CCCCCC"/>
+                    </a:solidFill>
+                  </a:tcPr>
+                </a:tc>
+                <a:extLst>
+                  <a:ext uri="{0D108BD9-81ED-4DB2-BD59-A6C34878D82A}">
+                    <a16:rowId xmlns:a16="http://schemas.microsoft.com/office/drawing/2014/main" val="10003"/>
+                  </a:ext>
+                </a:extLst>
+              </a:tr>
+            </a:tbl>
+          </a:graphicData>
+        </a:graphic>
+      </p:graphicFrame>
+    </p:spTree>
+  </p:cSld>
+  <p:clrMapOvr>
+    <a:masterClrMapping/>
+  </p:clrMapOvr>
+  <p:timing>
+    <p:tnLst>
+      <p:par>
+        <p:cTn id="1" dur="indefinite" restart="never" nodeType="tmRoot">
+          <p:childTnLst>
+            <p:seq>
+              <p:cTn id="2" nodeType="mainSeq"/>
+              <p:prevCondLst>
+                <p:cond evt="onPrev" delay="0">
+                  <p:tgtEl>
+                    <p:sldTgt/>
+                  </p:tgtEl>
+                </p:cond>
+              </p:prevCondLst>
+              <p:nextCondLst>
+                <p:cond evt="onNext" delay="0">
+                  <p:tgtEl>
+                    <p:sldTgt/>
+                  </p:tgtEl>
+                </p:cond>
+              </p:nextCondLst>
+            </p:seq>
+          </p:childTnLst>
+        </p:cTn>
+      </p:par>
+    </p:tnLst>
+  </p:timing>
+</p:sld>
+</file>
+
+<file path=ppt/slides/slide6.xml><?xml version="1.0" encoding="utf-8"?>
+<p:sld xmlns:a="http://schemas.openxmlformats.org/drawingml/2006/main" xmlns:r="http://schemas.openxmlformats.org/officeDocument/2006/relationships" xmlns:p="http://schemas.openxmlformats.org/presentationml/2006/main">
+  <p:cSld>
+    <p:spTree>
+      <p:nvGrpSpPr>
+        <p:cNvPr id="1" name=""/>
+        <p:cNvGrpSpPr/>
+        <p:nvPr/>
+      </p:nvGrpSpPr>
+      <p:grpSpPr>
+        <a:xfrm>
+          <a:off x="0" y="0"/>
+          <a:ext cx="0" cy="0"/>
+          <a:chOff x="0" y="0"/>
+          <a:chExt cx="0" cy="0"/>
+        </a:xfrm>
+      </p:grpSpPr>
+      <p:sp>
+        <p:nvSpPr>
+          <p:cNvPr id="158" name="TextShape 1"/>
+          <p:cNvSpPr txBox="1"/>
+          <p:nvPr/>
+        </p:nvSpPr>
+        <p:spPr>
+          <a:xfrm>
+            <a:off x="457200" y="273600"/>
+            <a:ext cx="8229240" cy="5307840"/>
+          </a:xfrm>
+          <a:prstGeom prst="rect">
+            <a:avLst/>
+          </a:prstGeom>
+          <a:noFill/>
+          <a:ln>
+            <a:noFill/>
+          </a:ln>
+        </p:spPr>
+        <p:txBody>
+          <a:bodyPr lIns="0" tIns="0" rIns="0" bIns="0" anchor="ctr"/>
+          <a:lstStyle/>
+          <a:p>
+            <a:pPr algn="ctr"/>
+            <a:endParaRPr lang="de-DE" sz="3200" b="0" strike="noStrike" spc="-1">
+              <a:solidFill>
+                <a:srgbClr val="000000"/>
+              </a:solidFill>
+              <a:uFill>
+                <a:solidFill>
+                  <a:srgbClr val="FFFFFF"/>
+                </a:solidFill>
+              </a:uFill>
+              <a:latin typeface="Arial"/>
+            </a:endParaRPr>
+          </a:p>
+        </p:txBody>
+      </p:sp>
+      <p:sp>
+        <p:nvSpPr>
+          <p:cNvPr id="159" name="TextShape 2"/>
+          <p:cNvSpPr txBox="1"/>
+          <p:nvPr/>
+        </p:nvSpPr>
+        <p:spPr>
+          <a:xfrm>
+            <a:off x="1464480" y="576000"/>
+            <a:ext cx="6095520" cy="4571640"/>
+          </a:xfrm>
+          <a:prstGeom prst="rect">
+            <a:avLst/>
+          </a:prstGeom>
+          <a:blipFill>
+            <a:blip r:embed="rId2"/>
+            <a:stretch>
+              <a:fillRect/>
+            </a:stretch>
+          </a:blipFill>
+          <a:ln>
+            <a:noFill/>
+          </a:ln>
+        </p:spPr>
+        <p:txBody>
+          <a:bodyPr lIns="90000" tIns="45000" rIns="90000" bIns="45000" anchor="ctr"/>
+          <a:lstStyle/>
+          <a:p>
+            <a:pPr algn="ctr"/>
+            <a:r>
+              <a:rPr lang="de-DE" sz="1800" b="0" strike="noStrike" spc="-1">
+                <a:solidFill>
+                  <a:srgbClr val="000000"/>
+                </a:solidFill>
+                <a:uFill>
+                  <a:solidFill>
+                    <a:srgbClr val="FFFFFF"/>
+                  </a:solidFill>
+                </a:uFill>
+                <a:latin typeface="Arial"/>
+              </a:rPr>
+              <a:t> </a:t>
+            </a:r>
+          </a:p>
+        </p:txBody>
+      </p:sp>
+      <p:sp>
+        <p:nvSpPr>
+          <p:cNvPr id="160" name="TextShape 3"/>
+          <p:cNvSpPr txBox="1"/>
+          <p:nvPr/>
+        </p:nvSpPr>
+        <p:spPr>
+          <a:xfrm>
+            <a:off x="1734828" y="689504"/>
+            <a:ext cx="6095520" cy="4760536"/>
+          </a:xfrm>
+          <a:prstGeom prst="rect">
+            <a:avLst/>
+          </a:prstGeom>
+          <a:blipFill>
+            <a:blip r:embed="rId2"/>
+            <a:stretch>
+              <a:fillRect l="-8664" t="-4746" r="-6307" b="-5661"/>
+            </a:stretch>
+          </a:blipFill>
+          <a:ln>
+            <a:noFill/>
+          </a:ln>
+        </p:spPr>
+        <p:txBody>
+          <a:bodyPr lIns="90000" tIns="45000" rIns="90000" bIns="45000" anchor="ctr"/>
+          <a:lstStyle/>
+          <a:p>
+            <a:pPr algn="ctr"/>
+            <a:r>
+              <a:rPr lang="de-DE" sz="1800" b="0" strike="noStrike" spc="-1">
+                <a:solidFill>
+                  <a:srgbClr val="000000"/>
+                </a:solidFill>
+                <a:uFill>
+                  <a:solidFill>
+                    <a:srgbClr val="FFFFFF"/>
+                  </a:solidFill>
+                </a:uFill>
+                <a:latin typeface="Arial"/>
+              </a:rPr>
+              <a:t> </a:t>
+            </a:r>
+          </a:p>
+        </p:txBody>
+      </p:sp>
+    </p:spTree>
+  </p:cSld>
+  <p:clrMapOvr>
+    <a:masterClrMapping/>
+  </p:clrMapOvr>
+</p:sld>
+</file>
+
+<file path=ppt/slides/slide7.xml><?xml version="1.0" encoding="utf-8"?>
+<p:sld xmlns:a="http://schemas.openxmlformats.org/drawingml/2006/main" xmlns:r="http://schemas.openxmlformats.org/officeDocument/2006/relationships" xmlns:p="http://schemas.openxmlformats.org/presentationml/2006/main">
+  <p:cSld>
+    <p:spTree>
+      <p:nvGrpSpPr>
+        <p:cNvPr id="1" name=""/>
+        <p:cNvGrpSpPr/>
+        <p:nvPr/>
+      </p:nvGrpSpPr>
+      <p:grpSpPr>
+        <a:xfrm>
+          <a:off x="0" y="0"/>
+          <a:ext cx="0" cy="0"/>
+          <a:chOff x="0" y="0"/>
+          <a:chExt cx="0" cy="0"/>
+        </a:xfrm>
+      </p:grpSpPr>
+      <p:sp>
+        <p:nvSpPr>
+          <p:cNvPr id="161" name="CustomShape 1"/>
+          <p:cNvSpPr/>
+          <p:nvPr/>
+        </p:nvSpPr>
+        <p:spPr>
+          <a:xfrm>
+            <a:off x="685800" y="304920"/>
+            <a:ext cx="7771680" cy="608760"/>
+          </a:xfrm>
+          <a:prstGeom prst="rect">
+            <a:avLst/>
+          </a:prstGeom>
+          <a:noFill/>
+          <a:ln>
+            <a:noFill/>
+          </a:ln>
+        </p:spPr>
+        <p:style>
+          <a:lnRef idx="0">
+            <a:scrgbClr r="0" g="0" b="0"/>
+          </a:lnRef>
+          <a:fillRef idx="0">
+            <a:scrgbClr r="0" g="0" b="0"/>
+          </a:fillRef>
+          <a:effectRef idx="0">
+            <a:scrgbClr r="0" g="0" b="0"/>
+          </a:effectRef>
+          <a:fontRef idx="minor"/>
+        </p:style>
+      </p:sp>
+      <p:pic>
+        <p:nvPicPr>
+          <p:cNvPr id="162" name="Shape 175"/>
+          <p:cNvPicPr/>
+          <p:nvPr/>
+        </p:nvPicPr>
+        <p:blipFill>
+          <a:blip r:embed="rId3"/>
+          <a:srcRect l="8530" t="50011" r="8521" b="8521"/>
+          <a:stretch/>
+        </p:blipFill>
+        <p:spPr>
+          <a:xfrm>
+            <a:off x="1787400" y="3429000"/>
+            <a:ext cx="5568840" cy="2151000"/>
+          </a:xfrm>
+          <a:prstGeom prst="rect">
+            <a:avLst/>
+          </a:prstGeom>
+          <a:ln>
+            <a:noFill/>
+          </a:ln>
+        </p:spPr>
+      </p:pic>
+      <p:sp>
+        <p:nvSpPr>
+          <p:cNvPr id="164" name="CustomShape 3"/>
+          <p:cNvSpPr/>
+          <p:nvPr/>
+        </p:nvSpPr>
+        <p:spPr>
+          <a:xfrm>
+            <a:off x="1631520" y="1694160"/>
+            <a:ext cx="5880240" cy="1568880"/>
+          </a:xfrm>
+          <a:prstGeom prst="rect">
+            <a:avLst/>
+          </a:prstGeom>
+          <a:noFill/>
+          <a:ln>
+            <a:noFill/>
+          </a:ln>
+        </p:spPr>
+        <p:style>
+          <a:lnRef idx="0">
+            <a:scrgbClr r="0" g="0" b="0"/>
+          </a:lnRef>
+          <a:fillRef idx="0">
+            <a:scrgbClr r="0" g="0" b="0"/>
+          </a:fillRef>
+          <a:effectRef idx="0">
+            <a:scrgbClr r="0" g="0" b="0"/>
+          </a:effectRef>
+          <a:fontRef idx="minor"/>
+        </p:style>
+        <p:txBody>
+          <a:bodyPr lIns="90000" tIns="45000" rIns="90000" bIns="45000"/>
+          <a:lstStyle/>
+          <a:p>
+            <a:pPr algn="ctr">
+              <a:lnSpc>
+                <a:spcPct val="100000"/>
+              </a:lnSpc>
+            </a:pPr>
+            <a:r>
+              <a:rPr lang="de-DE" sz="2800" b="1" strike="noStrike" spc="-1" dirty="0" err="1">
+                <a:solidFill>
+                  <a:srgbClr val="000000"/>
+                </a:solidFill>
+                <a:uFill>
+                  <a:solidFill>
+                    <a:srgbClr val="FFFFFF"/>
+                  </a:solidFill>
+                </a:uFill>
+                <a:latin typeface="Arial"/>
+                <a:ea typeface="Arial"/>
+              </a:rPr>
+              <a:t>Thanks</a:t>
+            </a:r>
+            <a:r>
+              <a:rPr lang="de-DE" sz="2800" b="1" strike="noStrike" spc="-1" dirty="0">
+                <a:solidFill>
+                  <a:srgbClr val="000000"/>
+                </a:solidFill>
+                <a:uFill>
+                  <a:solidFill>
+                    <a:srgbClr val="FFFFFF"/>
+                  </a:solidFill>
+                </a:uFill>
+                <a:latin typeface="Arial"/>
+                <a:ea typeface="Arial"/>
+              </a:rPr>
+              <a:t> </a:t>
+            </a:r>
+            <a:r>
+              <a:rPr lang="de-DE" sz="2800" b="1" strike="noStrike" spc="-1" dirty="0" err="1">
+                <a:solidFill>
+                  <a:srgbClr val="000000"/>
+                </a:solidFill>
+                <a:uFill>
+                  <a:solidFill>
+                    <a:srgbClr val="FFFFFF"/>
+                  </a:solidFill>
+                </a:uFill>
+                <a:latin typeface="Arial"/>
+                <a:ea typeface="Arial"/>
+              </a:rPr>
+              <a:t>for</a:t>
+            </a:r>
+            <a:r>
+              <a:rPr lang="de-DE" sz="2800" b="1" strike="noStrike" spc="-1" dirty="0">
+                <a:solidFill>
+                  <a:srgbClr val="000000"/>
+                </a:solidFill>
+                <a:uFill>
+                  <a:solidFill>
+                    <a:srgbClr val="FFFFFF"/>
+                  </a:solidFill>
+                </a:uFill>
+                <a:latin typeface="Arial"/>
+                <a:ea typeface="Arial"/>
+              </a:rPr>
+              <a:t> </a:t>
+            </a:r>
+            <a:r>
+              <a:rPr lang="de-DE" sz="2800" b="1" spc="-1" dirty="0" err="1">
+                <a:solidFill>
+                  <a:srgbClr val="000000"/>
+                </a:solidFill>
+                <a:uFill>
+                  <a:solidFill>
+                    <a:srgbClr val="FFFFFF"/>
+                  </a:solidFill>
+                </a:uFill>
+                <a:latin typeface="Arial"/>
+                <a:ea typeface="Arial"/>
+              </a:rPr>
+              <a:t>y</a:t>
+            </a:r>
+            <a:r>
+              <a:rPr lang="de-DE" sz="2800" b="1" strike="noStrike" spc="-1" dirty="0" err="1">
+                <a:solidFill>
+                  <a:srgbClr val="000000"/>
+                </a:solidFill>
+                <a:uFill>
+                  <a:solidFill>
+                    <a:srgbClr val="FFFFFF"/>
+                  </a:solidFill>
+                </a:uFill>
+                <a:latin typeface="Arial"/>
+                <a:ea typeface="Arial"/>
+              </a:rPr>
+              <a:t>our</a:t>
+            </a:r>
+            <a:r>
+              <a:rPr lang="de-DE" sz="2800" b="1" strike="noStrike" spc="-1" dirty="0">
+                <a:solidFill>
+                  <a:srgbClr val="000000"/>
+                </a:solidFill>
+                <a:uFill>
+                  <a:solidFill>
+                    <a:srgbClr val="FFFFFF"/>
+                  </a:solidFill>
+                </a:uFill>
+                <a:latin typeface="Arial"/>
+                <a:ea typeface="Arial"/>
+              </a:rPr>
+              <a:t> </a:t>
+            </a:r>
+            <a:r>
+              <a:rPr lang="de-DE" sz="2800" b="1" strike="noStrike" spc="-1" dirty="0" err="1">
+                <a:solidFill>
+                  <a:srgbClr val="000000"/>
+                </a:solidFill>
+                <a:uFill>
+                  <a:solidFill>
+                    <a:srgbClr val="FFFFFF"/>
+                  </a:solidFill>
+                </a:uFill>
+                <a:latin typeface="Arial"/>
+                <a:ea typeface="Arial"/>
+              </a:rPr>
+              <a:t>attention</a:t>
+            </a:r>
+            <a:r>
+              <a:rPr lang="de-DE" sz="2800" b="1" strike="noStrike" spc="-1" dirty="0">
+                <a:solidFill>
+                  <a:srgbClr val="000000"/>
+                </a:solidFill>
+                <a:uFill>
+                  <a:solidFill>
+                    <a:srgbClr val="FFFFFF"/>
+                  </a:solidFill>
+                </a:uFill>
+                <a:latin typeface="Arial"/>
+                <a:ea typeface="Arial"/>
+              </a:rPr>
+              <a:t>!</a:t>
+            </a:r>
+            <a:endParaRPr lang="de-DE" sz="2000" b="0" strike="noStrike" spc="-1" dirty="0">
+              <a:solidFill>
+                <a:srgbClr val="000000"/>
+              </a:solidFill>
+              <a:uFill>
+                <a:solidFill>
+                  <a:srgbClr val="FFFFFF"/>
+                </a:solidFill>
+              </a:uFill>
+              <a:latin typeface="Arial"/>
+            </a:endParaRPr>
+          </a:p>
+          <a:p>
+            <a:pPr algn="ctr">
+              <a:lnSpc>
+                <a:spcPct val="100000"/>
+              </a:lnSpc>
+            </a:pPr>
+            <a:endParaRPr lang="de-DE" sz="2000" b="0" strike="noStrike" spc="-1" dirty="0">
+              <a:solidFill>
+                <a:srgbClr val="000000"/>
+              </a:solidFill>
+              <a:uFill>
+                <a:solidFill>
+                  <a:srgbClr val="FFFFFF"/>
+                </a:solidFill>
+              </a:uFill>
+              <a:latin typeface="Arial"/>
+            </a:endParaRPr>
+          </a:p>
+          <a:p>
+            <a:pPr algn="ctr">
+              <a:lnSpc>
+                <a:spcPct val="100000"/>
+              </a:lnSpc>
+            </a:pPr>
+            <a:endParaRPr lang="de-DE" sz="2000" b="0" strike="noStrike" spc="-1" dirty="0">
+              <a:solidFill>
+                <a:srgbClr val="000000"/>
+              </a:solidFill>
+              <a:uFill>
+                <a:solidFill>
+                  <a:srgbClr val="FFFFFF"/>
+                </a:solidFill>
+              </a:uFill>
+              <a:latin typeface="Arial"/>
+            </a:endParaRPr>
+          </a:p>
+          <a:p>
+            <a:pPr algn="ctr">
+              <a:lnSpc>
+                <a:spcPct val="100000"/>
+              </a:lnSpc>
+            </a:pPr>
+            <a:r>
+              <a:rPr lang="de-DE" sz="2800" b="1" strike="noStrike" spc="-1" dirty="0">
+                <a:solidFill>
+                  <a:srgbClr val="000000"/>
+                </a:solidFill>
+                <a:uFill>
+                  <a:solidFill>
+                    <a:srgbClr val="FFFFFF"/>
+                  </a:solidFill>
+                </a:uFill>
+                <a:latin typeface="Arial"/>
+                <a:ea typeface="Arial"/>
+              </a:rPr>
+              <a:t>Questions?</a:t>
+            </a:r>
+            <a:endParaRPr lang="de-DE" sz="2000" b="0" strike="noStrike" spc="-1" dirty="0">
               <a:solidFill>
                 <a:srgbClr val="000000"/>
               </a:solidFill>
